--- a/Documents/Circuit Designer Update.pptx
+++ b/Documents/Circuit Designer Update.pptx
@@ -1,46 +1,53 @@
 
 <file path=ppt/presentation.xml><?xml version="1.0" encoding="utf-8"?>
-<p:presentation xmlns:a="http://schemas.openxmlformats.org/drawingml/2006/main" xmlns:r="http://schemas.openxmlformats.org/officeDocument/2006/relationships" xmlns:mc="http://schemas.openxmlformats.org/markup-compatibility/2006" xmlns:mv="urn:schemas-microsoft-com:mac:vml" xmlns:p="http://schemas.openxmlformats.org/presentationml/2006/main" xmlns:c="http://schemas.openxmlformats.org/drawingml/2006/chart" xmlns:dgm="http://schemas.openxmlformats.org/drawingml/2006/diagram" xmlns:o="urn:schemas-microsoft-com:office:office" xmlns:v="urn:schemas-microsoft-com:vml" xmlns:pvml="urn:schemas-microsoft-com:office:powerpoint" xmlns:com="http://schemas.openxmlformats.org/drawingml/2006/compatibility" xmlns:p14="http://schemas.microsoft.com/office/powerpoint/2010/main" xmlns:p15="http://schemas.microsoft.com/office/powerpoint/2012/main" xmlns:ahyp="http://schemas.microsoft.com/office/drawing/2018/hyperlinkcolor" autoCompressPictures="0" embedTrueTypeFonts="1" strictFirstAndLastChars="0" saveSubsetFonts="1">
+<p:presentation xmlns:a="http://schemas.openxmlformats.org/drawingml/2006/main" xmlns:r="http://schemas.openxmlformats.org/officeDocument/2006/relationships" xmlns:p="http://schemas.openxmlformats.org/presentationml/2006/main" strictFirstAndLastChars="0" embedTrueTypeFonts="1" saveSubsetFonts="1" autoCompressPictures="0">
   <p:sldMasterIdLst>
-    <p:sldMasterId id="2147483659" r:id="rId4"/>
+    <p:sldMasterId id="2147483659" r:id="rId1"/>
   </p:sldMasterIdLst>
   <p:notesMasterIdLst>
-    <p:notesMasterId r:id="rId5"/>
+    <p:notesMasterId r:id="rId21"/>
   </p:notesMasterIdLst>
   <p:sldIdLst>
-    <p:sldId id="256" r:id="rId6"/>
-    <p:sldId id="257" r:id="rId7"/>
-    <p:sldId id="258" r:id="rId8"/>
-    <p:sldId id="259" r:id="rId9"/>
-    <p:sldId id="260" r:id="rId10"/>
-    <p:sldId id="261" r:id="rId11"/>
-    <p:sldId id="262" r:id="rId12"/>
-    <p:sldId id="263" r:id="rId13"/>
-    <p:sldId id="264" r:id="rId14"/>
-    <p:sldId id="265" r:id="rId15"/>
-    <p:sldId id="266" r:id="rId16"/>
-    <p:sldId id="267" r:id="rId17"/>
-    <p:sldId id="268" r:id="rId18"/>
-    <p:sldId id="269" r:id="rId19"/>
-    <p:sldId id="270" r:id="rId20"/>
-    <p:sldId id="271" r:id="rId21"/>
-    <p:sldId id="272" r:id="rId22"/>
-    <p:sldId id="273" r:id="rId23"/>
-    <p:sldId id="274" r:id="rId24"/>
+    <p:sldId id="256" r:id="rId2"/>
+    <p:sldId id="257" r:id="rId3"/>
+    <p:sldId id="258" r:id="rId4"/>
+    <p:sldId id="259" r:id="rId5"/>
+    <p:sldId id="260" r:id="rId6"/>
+    <p:sldId id="261" r:id="rId7"/>
+    <p:sldId id="262" r:id="rId8"/>
+    <p:sldId id="263" r:id="rId9"/>
+    <p:sldId id="264" r:id="rId10"/>
+    <p:sldId id="265" r:id="rId11"/>
+    <p:sldId id="266" r:id="rId12"/>
+    <p:sldId id="267" r:id="rId13"/>
+    <p:sldId id="268" r:id="rId14"/>
+    <p:sldId id="269" r:id="rId15"/>
+    <p:sldId id="270" r:id="rId16"/>
+    <p:sldId id="271" r:id="rId17"/>
+    <p:sldId id="272" r:id="rId18"/>
+    <p:sldId id="273" r:id="rId19"/>
+    <p:sldId id="274" r:id="rId20"/>
   </p:sldIdLst>
-  <p:sldSz cy="5143500" cx="9144000"/>
+  <p:sldSz cx="9144000" cy="5143500" type="screen16x9"/>
   <p:notesSz cx="6858000" cy="9144000"/>
   <p:embeddedFontLst>
     <p:embeddedFont>
-      <p:font typeface="Nunito"/>
-      <p:regular r:id="rId25"/>
-      <p:bold r:id="rId26"/>
-      <p:italic r:id="rId27"/>
-      <p:boldItalic r:id="rId28"/>
+      <p:font typeface="Calibri" panose="020F0502020204030204" pitchFamily="34" charset="0"/>
+      <p:regular r:id="rId22"/>
+      <p:bold r:id="rId23"/>
+      <p:italic r:id="rId24"/>
+      <p:boldItalic r:id="rId25"/>
+    </p:embeddedFont>
+    <p:embeddedFont>
+      <p:font typeface="Nunito" panose="020B0604020202020204" charset="0"/>
+      <p:regular r:id="rId26"/>
+      <p:bold r:id="rId27"/>
+      <p:italic r:id="rId28"/>
+      <p:boldItalic r:id="rId29"/>
     </p:embeddedFont>
   </p:embeddedFontLst>
   <p:defaultTextStyle>
-    <a:defPPr lvl="0" marR="0" rtl="0" algn="l">
+    <a:defPPr marR="0" lvl="0" algn="l" rtl="0">
       <a:lnSpc>
         <a:spcPct val="100000"/>
       </a:lnSpc>
@@ -51,7 +58,7 @@
         <a:spcPts val="0"/>
       </a:spcAft>
     </a:defPPr>
-    <a:lvl1pPr lvl="0" marR="0" rtl="0" algn="l">
+    <a:lvl1pPr marR="0" lvl="0" algn="l" rtl="0">
       <a:lnSpc>
         <a:spcPct val="100000"/>
       </a:lnSpc>
@@ -65,7 +72,7 @@
         <a:srgbClr val="000000"/>
       </a:buClr>
       <a:buFont typeface="Arial"/>
-      <a:defRPr b="0" i="0" sz="1400" u="none" cap="none" strike="noStrike">
+      <a:defRPr sz="1400" b="0" i="0" u="none" strike="noStrike" cap="none">
         <a:solidFill>
           <a:srgbClr val="000000"/>
         </a:solidFill>
@@ -75,7 +82,7 @@
         <a:sym typeface="Arial"/>
       </a:defRPr>
     </a:lvl1pPr>
-    <a:lvl2pPr lvl="1" marR="0" rtl="0" algn="l">
+    <a:lvl2pPr marR="0" lvl="1" algn="l" rtl="0">
       <a:lnSpc>
         <a:spcPct val="100000"/>
       </a:lnSpc>
@@ -89,7 +96,7 @@
         <a:srgbClr val="000000"/>
       </a:buClr>
       <a:buFont typeface="Arial"/>
-      <a:defRPr b="0" i="0" sz="1400" u="none" cap="none" strike="noStrike">
+      <a:defRPr sz="1400" b="0" i="0" u="none" strike="noStrike" cap="none">
         <a:solidFill>
           <a:srgbClr val="000000"/>
         </a:solidFill>
@@ -99,7 +106,7 @@
         <a:sym typeface="Arial"/>
       </a:defRPr>
     </a:lvl2pPr>
-    <a:lvl3pPr lvl="2" marR="0" rtl="0" algn="l">
+    <a:lvl3pPr marR="0" lvl="2" algn="l" rtl="0">
       <a:lnSpc>
         <a:spcPct val="100000"/>
       </a:lnSpc>
@@ -113,7 +120,7 @@
         <a:srgbClr val="000000"/>
       </a:buClr>
       <a:buFont typeface="Arial"/>
-      <a:defRPr b="0" i="0" sz="1400" u="none" cap="none" strike="noStrike">
+      <a:defRPr sz="1400" b="0" i="0" u="none" strike="noStrike" cap="none">
         <a:solidFill>
           <a:srgbClr val="000000"/>
         </a:solidFill>
@@ -123,7 +130,7 @@
         <a:sym typeface="Arial"/>
       </a:defRPr>
     </a:lvl3pPr>
-    <a:lvl4pPr lvl="3" marR="0" rtl="0" algn="l">
+    <a:lvl4pPr marR="0" lvl="3" algn="l" rtl="0">
       <a:lnSpc>
         <a:spcPct val="100000"/>
       </a:lnSpc>
@@ -137,7 +144,7 @@
         <a:srgbClr val="000000"/>
       </a:buClr>
       <a:buFont typeface="Arial"/>
-      <a:defRPr b="0" i="0" sz="1400" u="none" cap="none" strike="noStrike">
+      <a:defRPr sz="1400" b="0" i="0" u="none" strike="noStrike" cap="none">
         <a:solidFill>
           <a:srgbClr val="000000"/>
         </a:solidFill>
@@ -147,7 +154,7 @@
         <a:sym typeface="Arial"/>
       </a:defRPr>
     </a:lvl4pPr>
-    <a:lvl5pPr lvl="4" marR="0" rtl="0" algn="l">
+    <a:lvl5pPr marR="0" lvl="4" algn="l" rtl="0">
       <a:lnSpc>
         <a:spcPct val="100000"/>
       </a:lnSpc>
@@ -161,7 +168,7 @@
         <a:srgbClr val="000000"/>
       </a:buClr>
       <a:buFont typeface="Arial"/>
-      <a:defRPr b="0" i="0" sz="1400" u="none" cap="none" strike="noStrike">
+      <a:defRPr sz="1400" b="0" i="0" u="none" strike="noStrike" cap="none">
         <a:solidFill>
           <a:srgbClr val="000000"/>
         </a:solidFill>
@@ -171,7 +178,7 @@
         <a:sym typeface="Arial"/>
       </a:defRPr>
     </a:lvl5pPr>
-    <a:lvl6pPr lvl="5" marR="0" rtl="0" algn="l">
+    <a:lvl6pPr marR="0" lvl="5" algn="l" rtl="0">
       <a:lnSpc>
         <a:spcPct val="100000"/>
       </a:lnSpc>
@@ -185,7 +192,7 @@
         <a:srgbClr val="000000"/>
       </a:buClr>
       <a:buFont typeface="Arial"/>
-      <a:defRPr b="0" i="0" sz="1400" u="none" cap="none" strike="noStrike">
+      <a:defRPr sz="1400" b="0" i="0" u="none" strike="noStrike" cap="none">
         <a:solidFill>
           <a:srgbClr val="000000"/>
         </a:solidFill>
@@ -195,7 +202,7 @@
         <a:sym typeface="Arial"/>
       </a:defRPr>
     </a:lvl6pPr>
-    <a:lvl7pPr lvl="6" marR="0" rtl="0" algn="l">
+    <a:lvl7pPr marR="0" lvl="6" algn="l" rtl="0">
       <a:lnSpc>
         <a:spcPct val="100000"/>
       </a:lnSpc>
@@ -209,7 +216,7 @@
         <a:srgbClr val="000000"/>
       </a:buClr>
       <a:buFont typeface="Arial"/>
-      <a:defRPr b="0" i="0" sz="1400" u="none" cap="none" strike="noStrike">
+      <a:defRPr sz="1400" b="0" i="0" u="none" strike="noStrike" cap="none">
         <a:solidFill>
           <a:srgbClr val="000000"/>
         </a:solidFill>
@@ -219,7 +226,7 @@
         <a:sym typeface="Arial"/>
       </a:defRPr>
     </a:lvl7pPr>
-    <a:lvl8pPr lvl="7" marR="0" rtl="0" algn="l">
+    <a:lvl8pPr marR="0" lvl="7" algn="l" rtl="0">
       <a:lnSpc>
         <a:spcPct val="100000"/>
       </a:lnSpc>
@@ -233,7 +240,7 @@
         <a:srgbClr val="000000"/>
       </a:buClr>
       <a:buFont typeface="Arial"/>
-      <a:defRPr b="0" i="0" sz="1400" u="none" cap="none" strike="noStrike">
+      <a:defRPr sz="1400" b="0" i="0" u="none" strike="noStrike" cap="none">
         <a:solidFill>
           <a:srgbClr val="000000"/>
         </a:solidFill>
@@ -243,7 +250,7 @@
         <a:sym typeface="Arial"/>
       </a:defRPr>
     </a:lvl8pPr>
-    <a:lvl9pPr lvl="8" marR="0" rtl="0" algn="l">
+    <a:lvl9pPr marR="0" lvl="8" algn="l" rtl="0">
       <a:lnSpc>
         <a:spcPct val="100000"/>
       </a:lnSpc>
@@ -257,7 +264,7 @@
         <a:srgbClr val="000000"/>
       </a:buClr>
       <a:buFont typeface="Arial"/>
-      <a:defRPr b="0" i="0" sz="1400" u="none" cap="none" strike="noStrike">
+      <a:defRPr sz="1400" b="0" i="0" u="none" strike="noStrike" cap="none">
         <a:solidFill>
           <a:srgbClr val="000000"/>
         </a:solidFill>
@@ -270,7 +277,7 @@
   </p:defaultTextStyle>
   <p:extLst>
     <p:ext uri="{EFAFB233-063F-42B5-8137-9DF3F51BA10A}">
-      <p15:sldGuideLst>
+      <p15:sldGuideLst xmlns:p15="http://schemas.microsoft.com/office/powerpoint/2012/main">
         <p15:guide id="1" orient="horz" pos="1620">
           <p15:clr>
             <a:srgbClr val="A4A3A4"/>
@@ -288,11 +295,16 @@
 </file>
 
 <file path=ppt/notesMasters/notesMaster1.xml><?xml version="1.0" encoding="utf-8"?>
-<p:notesMaster xmlns:a="http://schemas.openxmlformats.org/drawingml/2006/main" xmlns:r="http://schemas.openxmlformats.org/officeDocument/2006/relationships" xmlns:mc="http://schemas.openxmlformats.org/markup-compatibility/2006" xmlns:mv="urn:schemas-microsoft-com:mac:vml" xmlns:p="http://schemas.openxmlformats.org/presentationml/2006/main" xmlns:c="http://schemas.openxmlformats.org/drawingml/2006/chart" xmlns:dgm="http://schemas.openxmlformats.org/drawingml/2006/diagram" xmlns:o="urn:schemas-microsoft-com:office:office" xmlns:v="urn:schemas-microsoft-com:vml" xmlns:pvml="urn:schemas-microsoft-com:office:powerpoint" xmlns:com="http://schemas.openxmlformats.org/drawingml/2006/compatibility" xmlns:p14="http://schemas.microsoft.com/office/powerpoint/2010/main" xmlns:p15="http://schemas.microsoft.com/office/powerpoint/2012/main" xmlns:ahyp="http://schemas.microsoft.com/office/drawing/2018/hyperlinkcolor">
+<p:notesMaster xmlns:a="http://schemas.openxmlformats.org/drawingml/2006/main" xmlns:r="http://schemas.openxmlformats.org/officeDocument/2006/relationships" xmlns:p="http://schemas.openxmlformats.org/presentationml/2006/main">
   <p:cSld>
+    <p:bg>
+      <p:bgRef idx="1001">
+        <a:schemeClr val="bg1"/>
+      </p:bgRef>
+    </p:bg>
     <p:spTree>
       <p:nvGrpSpPr>
-        <p:cNvPr id="2" name="Shape 2"/>
+        <p:cNvPr id="1" name="Shape 2"/>
         <p:cNvGrpSpPr/>
         <p:nvPr/>
       </p:nvGrpSpPr>
@@ -307,9 +319,11 @@
       <p:sp>
         <p:nvSpPr>
           <p:cNvPr id="3" name="Google Shape;3;n"/>
-          <p:cNvSpPr/>
+          <p:cNvSpPr>
+            <a:spLocks noGrp="1" noRot="1" noChangeAspect="1"/>
+          </p:cNvSpPr>
           <p:nvPr>
-            <p:ph idx="2" type="sldImg"/>
+            <p:ph type="sldImg" idx="2"/>
           </p:nvPr>
         </p:nvSpPr>
         <p:spPr>
@@ -318,9 +332,13 @@
             <a:ext cx="6096075" cy="3429000"/>
           </a:xfrm>
           <a:custGeom>
-            <a:rect b="b" l="l" r="r" t="t"/>
+            <a:avLst/>
+            <a:gdLst/>
+            <a:ahLst/>
+            <a:cxnLst/>
+            <a:rect l="l" t="t" r="r" b="b"/>
             <a:pathLst>
-              <a:path extrusionOk="0" h="120000" w="120000">
+              <a:path w="120000" h="120000" extrusionOk="0">
                 <a:moveTo>
                   <a:pt x="0" y="0"/>
                 </a:moveTo>
@@ -338,23 +356,25 @@
             </a:pathLst>
           </a:custGeom>
           <a:noFill/>
-          <a:ln cap="flat" cmpd="sng" w="9525">
+          <a:ln w="9525" cap="flat" cmpd="sng">
             <a:solidFill>
               <a:srgbClr val="000000"/>
             </a:solidFill>
             <a:prstDash val="solid"/>
             <a:round/>
-            <a:headEnd len="sm" w="sm" type="none"/>
-            <a:tailEnd len="sm" w="sm" type="none"/>
+            <a:headEnd type="none" w="sm" len="sm"/>
+            <a:tailEnd type="none" w="sm" len="sm"/>
           </a:ln>
         </p:spPr>
       </p:sp>
       <p:sp>
         <p:nvSpPr>
           <p:cNvPr id="4" name="Google Shape;4;n"/>
-          <p:cNvSpPr txBox="1"/>
+          <p:cNvSpPr txBox="1">
+            <a:spLocks noGrp="1"/>
+          </p:cNvSpPr>
           <p:nvPr>
-            <p:ph idx="1" type="body"/>
+            <p:ph type="body" idx="1"/>
           </p:nvPr>
         </p:nvSpPr>
         <p:spPr>
@@ -371,11 +391,11 @@
           </a:ln>
         </p:spPr>
         <p:txBody>
-          <a:bodyPr anchorCtr="0" anchor="t" bIns="91425" lIns="91425" spcFirstLastPara="1" rIns="91425" wrap="square" tIns="91425">
+          <a:bodyPr spcFirstLastPara="1" wrap="square" lIns="91425" tIns="91425" rIns="91425" bIns="91425" anchor="t" anchorCtr="0">
             <a:noAutofit/>
           </a:bodyPr>
           <a:lstStyle>
-            <a:lvl1pPr indent="-298450" lvl="0" marL="457200">
+            <a:lvl1pPr marL="457200" lvl="0" indent="-298450">
               <a:spcBef>
                 <a:spcPts val="0"/>
               </a:spcBef>
@@ -386,7 +406,7 @@
               <a:buChar char="●"/>
               <a:defRPr sz="1100"/>
             </a:lvl1pPr>
-            <a:lvl2pPr indent="-298450" lvl="1" marL="914400">
+            <a:lvl2pPr marL="914400" lvl="1" indent="-298450">
               <a:spcBef>
                 <a:spcPts val="0"/>
               </a:spcBef>
@@ -397,7 +417,7 @@
               <a:buChar char="○"/>
               <a:defRPr sz="1100"/>
             </a:lvl2pPr>
-            <a:lvl3pPr indent="-298450" lvl="2" marL="1371600">
+            <a:lvl3pPr marL="1371600" lvl="2" indent="-298450">
               <a:spcBef>
                 <a:spcPts val="0"/>
               </a:spcBef>
@@ -408,7 +428,7 @@
               <a:buChar char="■"/>
               <a:defRPr sz="1100"/>
             </a:lvl3pPr>
-            <a:lvl4pPr indent="-298450" lvl="3" marL="1828800">
+            <a:lvl4pPr marL="1828800" lvl="3" indent="-298450">
               <a:spcBef>
                 <a:spcPts val="0"/>
               </a:spcBef>
@@ -419,7 +439,7 @@
               <a:buChar char="●"/>
               <a:defRPr sz="1100"/>
             </a:lvl4pPr>
-            <a:lvl5pPr indent="-298450" lvl="4" marL="2286000">
+            <a:lvl5pPr marL="2286000" lvl="4" indent="-298450">
               <a:spcBef>
                 <a:spcPts val="0"/>
               </a:spcBef>
@@ -430,7 +450,7 @@
               <a:buChar char="○"/>
               <a:defRPr sz="1100"/>
             </a:lvl5pPr>
-            <a:lvl6pPr indent="-298450" lvl="5" marL="2743200">
+            <a:lvl6pPr marL="2743200" lvl="5" indent="-298450">
               <a:spcBef>
                 <a:spcPts val="0"/>
               </a:spcBef>
@@ -441,7 +461,7 @@
               <a:buChar char="■"/>
               <a:defRPr sz="1100"/>
             </a:lvl6pPr>
-            <a:lvl7pPr indent="-298450" lvl="6" marL="3200400">
+            <a:lvl7pPr marL="3200400" lvl="6" indent="-298450">
               <a:spcBef>
                 <a:spcPts val="0"/>
               </a:spcBef>
@@ -452,7 +472,7 @@
               <a:buChar char="●"/>
               <a:defRPr sz="1100"/>
             </a:lvl7pPr>
-            <a:lvl8pPr indent="-298450" lvl="7" marL="3657600">
+            <a:lvl8pPr marL="3657600" lvl="7" indent="-298450">
               <a:spcBef>
                 <a:spcPts val="0"/>
               </a:spcBef>
@@ -463,7 +483,7 @@
               <a:buChar char="○"/>
               <a:defRPr sz="1100"/>
             </a:lvl8pPr>
-            <a:lvl9pPr indent="-298450" lvl="8" marL="4114800">
+            <a:lvl9pPr marL="4114800" lvl="8" indent="-298450">
               <a:spcBef>
                 <a:spcPts val="0"/>
               </a:spcBef>
@@ -475,14 +495,16 @@
               <a:defRPr sz="1100"/>
             </a:lvl9pPr>
           </a:lstStyle>
-          <a:p/>
+          <a:p>
+            <a:endParaRPr/>
+          </a:p>
         </p:txBody>
       </p:sp>
     </p:spTree>
   </p:cSld>
-  <p:clrMap accent1="accent1" accent2="accent2" accent3="accent3" accent4="accent4" accent5="accent5" accent6="accent6" bg1="lt1" bg2="dk2" tx1="dk1" tx2="lt2" folHlink="folHlink" hlink="hlink"/>
+  <p:clrMap bg1="lt1" tx1="dk1" bg2="dk2" tx2="lt2" accent1="accent1" accent2="accent2" accent3="accent3" accent4="accent4" accent5="accent5" accent6="accent6" hlink="hlink" folHlink="folHlink"/>
   <p:notesStyle>
-    <a:defPPr lvl="0" marR="0" rtl="0" algn="l">
+    <a:defPPr marR="0" lvl="0" algn="l" rtl="0">
       <a:lnSpc>
         <a:spcPct val="100000"/>
       </a:lnSpc>
@@ -493,7 +515,7 @@
         <a:spcPts val="0"/>
       </a:spcAft>
     </a:defPPr>
-    <a:lvl1pPr lvl="0" marR="0" rtl="0" algn="l">
+    <a:lvl1pPr marR="0" lvl="0" algn="l" rtl="0">
       <a:lnSpc>
         <a:spcPct val="100000"/>
       </a:lnSpc>
@@ -507,7 +529,7 @@
         <a:srgbClr val="000000"/>
       </a:buClr>
       <a:buFont typeface="Arial"/>
-      <a:defRPr b="0" i="0" sz="1400" u="none" cap="none" strike="noStrike">
+      <a:defRPr sz="1400" b="0" i="0" u="none" strike="noStrike" cap="none">
         <a:solidFill>
           <a:srgbClr val="000000"/>
         </a:solidFill>
@@ -517,7 +539,7 @@
         <a:sym typeface="Arial"/>
       </a:defRPr>
     </a:lvl1pPr>
-    <a:lvl2pPr lvl="1" marR="0" rtl="0" algn="l">
+    <a:lvl2pPr marR="0" lvl="1" algn="l" rtl="0">
       <a:lnSpc>
         <a:spcPct val="100000"/>
       </a:lnSpc>
@@ -531,7 +553,7 @@
         <a:srgbClr val="000000"/>
       </a:buClr>
       <a:buFont typeface="Arial"/>
-      <a:defRPr b="0" i="0" sz="1400" u="none" cap="none" strike="noStrike">
+      <a:defRPr sz="1400" b="0" i="0" u="none" strike="noStrike" cap="none">
         <a:solidFill>
           <a:srgbClr val="000000"/>
         </a:solidFill>
@@ -541,7 +563,7 @@
         <a:sym typeface="Arial"/>
       </a:defRPr>
     </a:lvl2pPr>
-    <a:lvl3pPr lvl="2" marR="0" rtl="0" algn="l">
+    <a:lvl3pPr marR="0" lvl="2" algn="l" rtl="0">
       <a:lnSpc>
         <a:spcPct val="100000"/>
       </a:lnSpc>
@@ -555,7 +577,7 @@
         <a:srgbClr val="000000"/>
       </a:buClr>
       <a:buFont typeface="Arial"/>
-      <a:defRPr b="0" i="0" sz="1400" u="none" cap="none" strike="noStrike">
+      <a:defRPr sz="1400" b="0" i="0" u="none" strike="noStrike" cap="none">
         <a:solidFill>
           <a:srgbClr val="000000"/>
         </a:solidFill>
@@ -565,7 +587,7 @@
         <a:sym typeface="Arial"/>
       </a:defRPr>
     </a:lvl3pPr>
-    <a:lvl4pPr lvl="3" marR="0" rtl="0" algn="l">
+    <a:lvl4pPr marR="0" lvl="3" algn="l" rtl="0">
       <a:lnSpc>
         <a:spcPct val="100000"/>
       </a:lnSpc>
@@ -579,7 +601,7 @@
         <a:srgbClr val="000000"/>
       </a:buClr>
       <a:buFont typeface="Arial"/>
-      <a:defRPr b="0" i="0" sz="1400" u="none" cap="none" strike="noStrike">
+      <a:defRPr sz="1400" b="0" i="0" u="none" strike="noStrike" cap="none">
         <a:solidFill>
           <a:srgbClr val="000000"/>
         </a:solidFill>
@@ -589,7 +611,7 @@
         <a:sym typeface="Arial"/>
       </a:defRPr>
     </a:lvl4pPr>
-    <a:lvl5pPr lvl="4" marR="0" rtl="0" algn="l">
+    <a:lvl5pPr marR="0" lvl="4" algn="l" rtl="0">
       <a:lnSpc>
         <a:spcPct val="100000"/>
       </a:lnSpc>
@@ -603,7 +625,7 @@
         <a:srgbClr val="000000"/>
       </a:buClr>
       <a:buFont typeface="Arial"/>
-      <a:defRPr b="0" i="0" sz="1400" u="none" cap="none" strike="noStrike">
+      <a:defRPr sz="1400" b="0" i="0" u="none" strike="noStrike" cap="none">
         <a:solidFill>
           <a:srgbClr val="000000"/>
         </a:solidFill>
@@ -613,7 +635,7 @@
         <a:sym typeface="Arial"/>
       </a:defRPr>
     </a:lvl5pPr>
-    <a:lvl6pPr lvl="5" marR="0" rtl="0" algn="l">
+    <a:lvl6pPr marR="0" lvl="5" algn="l" rtl="0">
       <a:lnSpc>
         <a:spcPct val="100000"/>
       </a:lnSpc>
@@ -627,7 +649,7 @@
         <a:srgbClr val="000000"/>
       </a:buClr>
       <a:buFont typeface="Arial"/>
-      <a:defRPr b="0" i="0" sz="1400" u="none" cap="none" strike="noStrike">
+      <a:defRPr sz="1400" b="0" i="0" u="none" strike="noStrike" cap="none">
         <a:solidFill>
           <a:srgbClr val="000000"/>
         </a:solidFill>
@@ -637,7 +659,7 @@
         <a:sym typeface="Arial"/>
       </a:defRPr>
     </a:lvl6pPr>
-    <a:lvl7pPr lvl="6" marR="0" rtl="0" algn="l">
+    <a:lvl7pPr marR="0" lvl="6" algn="l" rtl="0">
       <a:lnSpc>
         <a:spcPct val="100000"/>
       </a:lnSpc>
@@ -651,7 +673,7 @@
         <a:srgbClr val="000000"/>
       </a:buClr>
       <a:buFont typeface="Arial"/>
-      <a:defRPr b="0" i="0" sz="1400" u="none" cap="none" strike="noStrike">
+      <a:defRPr sz="1400" b="0" i="0" u="none" strike="noStrike" cap="none">
         <a:solidFill>
           <a:srgbClr val="000000"/>
         </a:solidFill>
@@ -661,7 +683,7 @@
         <a:sym typeface="Arial"/>
       </a:defRPr>
     </a:lvl7pPr>
-    <a:lvl8pPr lvl="7" marR="0" rtl="0" algn="l">
+    <a:lvl8pPr marR="0" lvl="7" algn="l" rtl="0">
       <a:lnSpc>
         <a:spcPct val="100000"/>
       </a:lnSpc>
@@ -675,7 +697,7 @@
         <a:srgbClr val="000000"/>
       </a:buClr>
       <a:buFont typeface="Arial"/>
-      <a:defRPr b="0" i="0" sz="1400" u="none" cap="none" strike="noStrike">
+      <a:defRPr sz="1400" b="0" i="0" u="none" strike="noStrike" cap="none">
         <a:solidFill>
           <a:srgbClr val="000000"/>
         </a:solidFill>
@@ -685,7 +707,7 @@
         <a:sym typeface="Arial"/>
       </a:defRPr>
     </a:lvl8pPr>
-    <a:lvl9pPr lvl="8" marR="0" rtl="0" algn="l">
+    <a:lvl9pPr marR="0" lvl="8" algn="l" rtl="0">
       <a:lnSpc>
         <a:spcPct val="100000"/>
       </a:lnSpc>
@@ -699,7 +721,7 @@
         <a:srgbClr val="000000"/>
       </a:buClr>
       <a:buFont typeface="Arial"/>
-      <a:defRPr b="0" i="0" sz="1400" u="none" cap="none" strike="noStrike">
+      <a:defRPr sz="1400" b="0" i="0" u="none" strike="noStrike" cap="none">
         <a:solidFill>
           <a:srgbClr val="000000"/>
         </a:solidFill>
@@ -714,11 +736,11 @@
 </file>
 
 <file path=ppt/notesSlides/notesSlide1.xml><?xml version="1.0" encoding="utf-8"?>
-<p:notes xmlns:a="http://schemas.openxmlformats.org/drawingml/2006/main" xmlns:r="http://schemas.openxmlformats.org/officeDocument/2006/relationships" xmlns:mc="http://schemas.openxmlformats.org/markup-compatibility/2006" xmlns:mv="urn:schemas-microsoft-com:mac:vml" xmlns:p="http://schemas.openxmlformats.org/presentationml/2006/main" xmlns:c="http://schemas.openxmlformats.org/drawingml/2006/chart" xmlns:dgm="http://schemas.openxmlformats.org/drawingml/2006/diagram" xmlns:o="urn:schemas-microsoft-com:office:office" xmlns:v="urn:schemas-microsoft-com:vml" xmlns:pvml="urn:schemas-microsoft-com:office:powerpoint" xmlns:com="http://schemas.openxmlformats.org/drawingml/2006/compatibility" xmlns:p14="http://schemas.microsoft.com/office/powerpoint/2010/main" xmlns:p15="http://schemas.microsoft.com/office/powerpoint/2012/main" xmlns:ahyp="http://schemas.microsoft.com/office/drawing/2018/hyperlinkcolor" showMasterPhAnim="0" showMasterSp="0">
+<p:notes xmlns:a="http://schemas.openxmlformats.org/drawingml/2006/main" xmlns:r="http://schemas.openxmlformats.org/officeDocument/2006/relationships" xmlns:p="http://schemas.openxmlformats.org/presentationml/2006/main" showMasterSp="0" showMasterPhAnim="0">
   <p:cSld>
     <p:spTree>
       <p:nvGrpSpPr>
-        <p:cNvPr id="124" name="Shape 124"/>
+        <p:cNvPr id="1" name="Shape 124"/>
         <p:cNvGrpSpPr/>
         <p:nvPr/>
       </p:nvGrpSpPr>
@@ -733,9 +755,11 @@
       <p:sp>
         <p:nvSpPr>
           <p:cNvPr id="125" name="Google Shape;125;p:notes"/>
-          <p:cNvSpPr/>
+          <p:cNvSpPr>
+            <a:spLocks noGrp="1" noRot="1" noChangeAspect="1"/>
+          </p:cNvSpPr>
           <p:nvPr>
-            <p:ph idx="2" type="sldImg"/>
+            <p:ph type="sldImg" idx="2"/>
           </p:nvPr>
         </p:nvSpPr>
         <p:spPr>
@@ -744,9 +768,13 @@
             <a:ext cx="6096075" cy="3429000"/>
           </a:xfrm>
           <a:custGeom>
-            <a:rect b="b" l="l" r="r" t="t"/>
+            <a:avLst/>
+            <a:gdLst/>
+            <a:ahLst/>
+            <a:cxnLst/>
+            <a:rect l="l" t="t" r="r" b="b"/>
             <a:pathLst>
-              <a:path extrusionOk="0" h="120000" w="120000">
+              <a:path w="120000" h="120000" extrusionOk="0">
                 <a:moveTo>
                   <a:pt x="0" y="0"/>
                 </a:moveTo>
@@ -768,9 +796,11 @@
       <p:sp>
         <p:nvSpPr>
           <p:cNvPr id="126" name="Google Shape;126;p:notes"/>
-          <p:cNvSpPr txBox="1"/>
+          <p:cNvSpPr txBox="1">
+            <a:spLocks noGrp="1"/>
+          </p:cNvSpPr>
           <p:nvPr>
-            <p:ph idx="1" type="body"/>
+            <p:ph type="body" idx="1"/>
           </p:nvPr>
         </p:nvSpPr>
         <p:spPr>
@@ -783,12 +813,12 @@
           </a:prstGeom>
         </p:spPr>
         <p:txBody>
-          <a:bodyPr anchorCtr="0" anchor="t" bIns="91425" lIns="91425" spcFirstLastPara="1" rIns="91425" wrap="square" tIns="91425">
+          <a:bodyPr spcFirstLastPara="1" wrap="square" lIns="91425" tIns="91425" rIns="91425" bIns="91425" anchor="t" anchorCtr="0">
             <a:noAutofit/>
           </a:bodyPr>
           <a:lstStyle/>
           <a:p>
-            <a:pPr indent="0" lvl="0" marL="0" rtl="0" algn="l">
+            <a:pPr marL="0" lvl="0" indent="0" algn="l" rtl="0">
               <a:spcBef>
                 <a:spcPts val="0"/>
               </a:spcBef>
@@ -797,9 +827,6 @@
               </a:spcAft>
               <a:buNone/>
             </a:pPr>
-            <a:r>
-              <a:t/>
-            </a:r>
             <a:endParaRPr/>
           </a:p>
         </p:txBody>
@@ -813,11 +840,11 @@
 </file>
 
 <file path=ppt/notesSlides/notesSlide10.xml><?xml version="1.0" encoding="utf-8"?>
-<p:notes xmlns:a="http://schemas.openxmlformats.org/drawingml/2006/main" xmlns:r="http://schemas.openxmlformats.org/officeDocument/2006/relationships" xmlns:mc="http://schemas.openxmlformats.org/markup-compatibility/2006" xmlns:mv="urn:schemas-microsoft-com:mac:vml" xmlns:p="http://schemas.openxmlformats.org/presentationml/2006/main" xmlns:c="http://schemas.openxmlformats.org/drawingml/2006/chart" xmlns:dgm="http://schemas.openxmlformats.org/drawingml/2006/diagram" xmlns:o="urn:schemas-microsoft-com:office:office" xmlns:v="urn:schemas-microsoft-com:vml" xmlns:pvml="urn:schemas-microsoft-com:office:powerpoint" xmlns:com="http://schemas.openxmlformats.org/drawingml/2006/compatibility" xmlns:p14="http://schemas.microsoft.com/office/powerpoint/2010/main" xmlns:p15="http://schemas.microsoft.com/office/powerpoint/2012/main" xmlns:ahyp="http://schemas.microsoft.com/office/drawing/2018/hyperlinkcolor" showMasterPhAnim="0" showMasterSp="0">
+<p:notes xmlns:a="http://schemas.openxmlformats.org/drawingml/2006/main" xmlns:r="http://schemas.openxmlformats.org/officeDocument/2006/relationships" xmlns:p="http://schemas.openxmlformats.org/presentationml/2006/main" showMasterSp="0" showMasterPhAnim="0">
   <p:cSld>
     <p:spTree>
       <p:nvGrpSpPr>
-        <p:cNvPr id="186" name="Shape 186"/>
+        <p:cNvPr id="1" name="Shape 186"/>
         <p:cNvGrpSpPr/>
         <p:nvPr/>
       </p:nvGrpSpPr>
@@ -832,9 +859,11 @@
       <p:sp>
         <p:nvSpPr>
           <p:cNvPr id="187" name="Google Shape;187;gd090ae79ee_7_34:notes"/>
-          <p:cNvSpPr/>
+          <p:cNvSpPr>
+            <a:spLocks noGrp="1" noRot="1" noChangeAspect="1"/>
+          </p:cNvSpPr>
           <p:nvPr>
-            <p:ph idx="2" type="sldImg"/>
+            <p:ph type="sldImg" idx="2"/>
           </p:nvPr>
         </p:nvSpPr>
         <p:spPr>
@@ -843,9 +872,13 @@
             <a:ext cx="6096000" cy="3429000"/>
           </a:xfrm>
           <a:custGeom>
-            <a:rect b="b" l="l" r="r" t="t"/>
+            <a:avLst/>
+            <a:gdLst/>
+            <a:ahLst/>
+            <a:cxnLst/>
+            <a:rect l="l" t="t" r="r" b="b"/>
             <a:pathLst>
-              <a:path extrusionOk="0" h="120000" w="120000">
+              <a:path w="120000" h="120000" extrusionOk="0">
                 <a:moveTo>
                   <a:pt x="0" y="0"/>
                 </a:moveTo>
@@ -867,9 +900,11 @@
       <p:sp>
         <p:nvSpPr>
           <p:cNvPr id="188" name="Google Shape;188;gd090ae79ee_7_34:notes"/>
-          <p:cNvSpPr txBox="1"/>
+          <p:cNvSpPr txBox="1">
+            <a:spLocks noGrp="1"/>
+          </p:cNvSpPr>
           <p:nvPr>
-            <p:ph idx="1" type="body"/>
+            <p:ph type="body" idx="1"/>
           </p:nvPr>
         </p:nvSpPr>
         <p:spPr>
@@ -882,12 +917,12 @@
           </a:prstGeom>
         </p:spPr>
         <p:txBody>
-          <a:bodyPr anchorCtr="0" anchor="t" bIns="91425" lIns="91425" spcFirstLastPara="1" rIns="91425" wrap="square" tIns="91425">
+          <a:bodyPr spcFirstLastPara="1" wrap="square" lIns="91425" tIns="91425" rIns="91425" bIns="91425" anchor="t" anchorCtr="0">
             <a:noAutofit/>
           </a:bodyPr>
           <a:lstStyle/>
           <a:p>
-            <a:pPr indent="0" lvl="0" marL="0" rtl="0" algn="l">
+            <a:pPr marL="0" lvl="0" indent="0" algn="l" rtl="0">
               <a:spcBef>
                 <a:spcPts val="0"/>
               </a:spcBef>
@@ -896,9 +931,6 @@
               </a:spcAft>
               <a:buNone/>
             </a:pPr>
-            <a:r>
-              <a:t/>
-            </a:r>
             <a:endParaRPr/>
           </a:p>
         </p:txBody>
@@ -912,11 +944,11 @@
 </file>
 
 <file path=ppt/notesSlides/notesSlide11.xml><?xml version="1.0" encoding="utf-8"?>
-<p:notes xmlns:a="http://schemas.openxmlformats.org/drawingml/2006/main" xmlns:r="http://schemas.openxmlformats.org/officeDocument/2006/relationships" xmlns:mc="http://schemas.openxmlformats.org/markup-compatibility/2006" xmlns:mv="urn:schemas-microsoft-com:mac:vml" xmlns:p="http://schemas.openxmlformats.org/presentationml/2006/main" xmlns:c="http://schemas.openxmlformats.org/drawingml/2006/chart" xmlns:dgm="http://schemas.openxmlformats.org/drawingml/2006/diagram" xmlns:o="urn:schemas-microsoft-com:office:office" xmlns:v="urn:schemas-microsoft-com:vml" xmlns:pvml="urn:schemas-microsoft-com:office:powerpoint" xmlns:com="http://schemas.openxmlformats.org/drawingml/2006/compatibility" xmlns:p14="http://schemas.microsoft.com/office/powerpoint/2010/main" xmlns:p15="http://schemas.microsoft.com/office/powerpoint/2012/main" xmlns:ahyp="http://schemas.microsoft.com/office/drawing/2018/hyperlinkcolor" showMasterPhAnim="0" showMasterSp="0">
+<p:notes xmlns:a="http://schemas.openxmlformats.org/drawingml/2006/main" xmlns:r="http://schemas.openxmlformats.org/officeDocument/2006/relationships" xmlns:p="http://schemas.openxmlformats.org/presentationml/2006/main" showMasterSp="0" showMasterPhAnim="0">
   <p:cSld>
     <p:spTree>
       <p:nvGrpSpPr>
-        <p:cNvPr id="193" name="Shape 193"/>
+        <p:cNvPr id="1" name="Shape 193"/>
         <p:cNvGrpSpPr/>
         <p:nvPr/>
       </p:nvGrpSpPr>
@@ -931,20 +963,26 @@
       <p:sp>
         <p:nvSpPr>
           <p:cNvPr id="194" name="Google Shape;194;gd090ae79ee_7_39:notes"/>
-          <p:cNvSpPr/>
+          <p:cNvSpPr>
+            <a:spLocks noGrp="1" noRot="1" noChangeAspect="1"/>
+          </p:cNvSpPr>
           <p:nvPr>
-            <p:ph idx="2" type="sldImg"/>
+            <p:ph type="sldImg" idx="2"/>
           </p:nvPr>
         </p:nvSpPr>
         <p:spPr>
           <a:xfrm>
-            <a:off x="381300" y="685800"/>
+            <a:off x="381000" y="685800"/>
             <a:ext cx="6096000" cy="3429000"/>
           </a:xfrm>
           <a:custGeom>
-            <a:rect b="b" l="l" r="r" t="t"/>
+            <a:avLst/>
+            <a:gdLst/>
+            <a:ahLst/>
+            <a:cxnLst/>
+            <a:rect l="l" t="t" r="r" b="b"/>
             <a:pathLst>
-              <a:path extrusionOk="0" h="120000" w="120000">
+              <a:path w="120000" h="120000" extrusionOk="0">
                 <a:moveTo>
                   <a:pt x="0" y="0"/>
                 </a:moveTo>
@@ -966,9 +1004,11 @@
       <p:sp>
         <p:nvSpPr>
           <p:cNvPr id="195" name="Google Shape;195;gd090ae79ee_7_39:notes"/>
-          <p:cNvSpPr txBox="1"/>
+          <p:cNvSpPr txBox="1">
+            <a:spLocks noGrp="1"/>
+          </p:cNvSpPr>
           <p:nvPr>
-            <p:ph idx="1" type="body"/>
+            <p:ph type="body" idx="1"/>
           </p:nvPr>
         </p:nvSpPr>
         <p:spPr>
@@ -981,12 +1021,12 @@
           </a:prstGeom>
         </p:spPr>
         <p:txBody>
-          <a:bodyPr anchorCtr="0" anchor="t" bIns="91425" lIns="91425" spcFirstLastPara="1" rIns="91425" wrap="square" tIns="91425">
+          <a:bodyPr spcFirstLastPara="1" wrap="square" lIns="91425" tIns="91425" rIns="91425" bIns="91425" anchor="t" anchorCtr="0">
             <a:noAutofit/>
           </a:bodyPr>
           <a:lstStyle/>
           <a:p>
-            <a:pPr indent="0" lvl="0" marL="0" rtl="0" algn="l">
+            <a:pPr marL="0" lvl="0" indent="0" algn="l" rtl="0">
               <a:spcBef>
                 <a:spcPts val="0"/>
               </a:spcBef>
@@ -995,9 +1035,6 @@
               </a:spcAft>
               <a:buNone/>
             </a:pPr>
-            <a:r>
-              <a:t/>
-            </a:r>
             <a:endParaRPr/>
           </a:p>
         </p:txBody>
@@ -1011,11 +1048,11 @@
 </file>
 
 <file path=ppt/notesSlides/notesSlide12.xml><?xml version="1.0" encoding="utf-8"?>
-<p:notes xmlns:a="http://schemas.openxmlformats.org/drawingml/2006/main" xmlns:r="http://schemas.openxmlformats.org/officeDocument/2006/relationships" xmlns:mc="http://schemas.openxmlformats.org/markup-compatibility/2006" xmlns:mv="urn:schemas-microsoft-com:mac:vml" xmlns:p="http://schemas.openxmlformats.org/presentationml/2006/main" xmlns:c="http://schemas.openxmlformats.org/drawingml/2006/chart" xmlns:dgm="http://schemas.openxmlformats.org/drawingml/2006/diagram" xmlns:o="urn:schemas-microsoft-com:office:office" xmlns:v="urn:schemas-microsoft-com:vml" xmlns:pvml="urn:schemas-microsoft-com:office:powerpoint" xmlns:com="http://schemas.openxmlformats.org/drawingml/2006/compatibility" xmlns:p14="http://schemas.microsoft.com/office/powerpoint/2010/main" xmlns:p15="http://schemas.microsoft.com/office/powerpoint/2012/main" xmlns:ahyp="http://schemas.microsoft.com/office/drawing/2018/hyperlinkcolor" showMasterPhAnim="0" showMasterSp="0">
+<p:notes xmlns:a="http://schemas.openxmlformats.org/drawingml/2006/main" xmlns:r="http://schemas.openxmlformats.org/officeDocument/2006/relationships" xmlns:p="http://schemas.openxmlformats.org/presentationml/2006/main" showMasterSp="0" showMasterPhAnim="0">
   <p:cSld>
     <p:spTree>
       <p:nvGrpSpPr>
-        <p:cNvPr id="200" name="Shape 200"/>
+        <p:cNvPr id="1" name="Shape 200"/>
         <p:cNvGrpSpPr/>
         <p:nvPr/>
       </p:nvGrpSpPr>
@@ -1030,9 +1067,11 @@
       <p:sp>
         <p:nvSpPr>
           <p:cNvPr id="201" name="Google Shape;201;gd090ae79ee_0_28:notes"/>
-          <p:cNvSpPr/>
+          <p:cNvSpPr>
+            <a:spLocks noGrp="1" noRot="1" noChangeAspect="1"/>
+          </p:cNvSpPr>
           <p:nvPr>
-            <p:ph idx="2" type="sldImg"/>
+            <p:ph type="sldImg" idx="2"/>
           </p:nvPr>
         </p:nvSpPr>
         <p:spPr>
@@ -1041,9 +1080,13 @@
             <a:ext cx="6096000" cy="3429000"/>
           </a:xfrm>
           <a:custGeom>
-            <a:rect b="b" l="l" r="r" t="t"/>
+            <a:avLst/>
+            <a:gdLst/>
+            <a:ahLst/>
+            <a:cxnLst/>
+            <a:rect l="l" t="t" r="r" b="b"/>
             <a:pathLst>
-              <a:path extrusionOk="0" h="120000" w="120000">
+              <a:path w="120000" h="120000" extrusionOk="0">
                 <a:moveTo>
                   <a:pt x="0" y="0"/>
                 </a:moveTo>
@@ -1065,9 +1108,11 @@
       <p:sp>
         <p:nvSpPr>
           <p:cNvPr id="202" name="Google Shape;202;gd090ae79ee_0_28:notes"/>
-          <p:cNvSpPr txBox="1"/>
+          <p:cNvSpPr txBox="1">
+            <a:spLocks noGrp="1"/>
+          </p:cNvSpPr>
           <p:nvPr>
-            <p:ph idx="1" type="body"/>
+            <p:ph type="body" idx="1"/>
           </p:nvPr>
         </p:nvSpPr>
         <p:spPr>
@@ -1080,12 +1125,12 @@
           </a:prstGeom>
         </p:spPr>
         <p:txBody>
-          <a:bodyPr anchorCtr="0" anchor="t" bIns="91425" lIns="91425" spcFirstLastPara="1" rIns="91425" wrap="square" tIns="91425">
+          <a:bodyPr spcFirstLastPara="1" wrap="square" lIns="91425" tIns="91425" rIns="91425" bIns="91425" anchor="t" anchorCtr="0">
             <a:noAutofit/>
           </a:bodyPr>
           <a:lstStyle/>
           <a:p>
-            <a:pPr indent="0" lvl="0" marL="0" rtl="0" algn="l">
+            <a:pPr marL="0" lvl="0" indent="0" algn="l" rtl="0">
               <a:spcBef>
                 <a:spcPts val="0"/>
               </a:spcBef>
@@ -1094,9 +1139,6 @@
               </a:spcAft>
               <a:buNone/>
             </a:pPr>
-            <a:r>
-              <a:t/>
-            </a:r>
             <a:endParaRPr/>
           </a:p>
         </p:txBody>
@@ -1110,11 +1152,11 @@
 </file>
 
 <file path=ppt/notesSlides/notesSlide13.xml><?xml version="1.0" encoding="utf-8"?>
-<p:notes xmlns:a="http://schemas.openxmlformats.org/drawingml/2006/main" xmlns:r="http://schemas.openxmlformats.org/officeDocument/2006/relationships" xmlns:mc="http://schemas.openxmlformats.org/markup-compatibility/2006" xmlns:mv="urn:schemas-microsoft-com:mac:vml" xmlns:p="http://schemas.openxmlformats.org/presentationml/2006/main" xmlns:c="http://schemas.openxmlformats.org/drawingml/2006/chart" xmlns:dgm="http://schemas.openxmlformats.org/drawingml/2006/diagram" xmlns:o="urn:schemas-microsoft-com:office:office" xmlns:v="urn:schemas-microsoft-com:vml" xmlns:pvml="urn:schemas-microsoft-com:office:powerpoint" xmlns:com="http://schemas.openxmlformats.org/drawingml/2006/compatibility" xmlns:p14="http://schemas.microsoft.com/office/powerpoint/2010/main" xmlns:p15="http://schemas.microsoft.com/office/powerpoint/2012/main" xmlns:ahyp="http://schemas.microsoft.com/office/drawing/2018/hyperlinkcolor" showMasterPhAnim="0" showMasterSp="0">
+<p:notes xmlns:a="http://schemas.openxmlformats.org/drawingml/2006/main" xmlns:r="http://schemas.openxmlformats.org/officeDocument/2006/relationships" xmlns:p="http://schemas.openxmlformats.org/presentationml/2006/main" showMasterSp="0" showMasterPhAnim="0">
   <p:cSld>
     <p:spTree>
       <p:nvGrpSpPr>
-        <p:cNvPr id="207" name="Shape 207"/>
+        <p:cNvPr id="1" name="Shape 207"/>
         <p:cNvGrpSpPr/>
         <p:nvPr/>
       </p:nvGrpSpPr>
@@ -1129,9 +1171,11 @@
       <p:sp>
         <p:nvSpPr>
           <p:cNvPr id="208" name="Google Shape;208;gd090ae79ee_7_49:notes"/>
-          <p:cNvSpPr/>
+          <p:cNvSpPr>
+            <a:spLocks noGrp="1" noRot="1" noChangeAspect="1"/>
+          </p:cNvSpPr>
           <p:nvPr>
-            <p:ph idx="2" type="sldImg"/>
+            <p:ph type="sldImg" idx="2"/>
           </p:nvPr>
         </p:nvSpPr>
         <p:spPr>
@@ -1140,9 +1184,13 @@
             <a:ext cx="6096000" cy="3429000"/>
           </a:xfrm>
           <a:custGeom>
-            <a:rect b="b" l="l" r="r" t="t"/>
+            <a:avLst/>
+            <a:gdLst/>
+            <a:ahLst/>
+            <a:cxnLst/>
+            <a:rect l="l" t="t" r="r" b="b"/>
             <a:pathLst>
-              <a:path extrusionOk="0" h="120000" w="120000">
+              <a:path w="120000" h="120000" extrusionOk="0">
                 <a:moveTo>
                   <a:pt x="0" y="0"/>
                 </a:moveTo>
@@ -1164,9 +1212,11 @@
       <p:sp>
         <p:nvSpPr>
           <p:cNvPr id="209" name="Google Shape;209;gd090ae79ee_7_49:notes"/>
-          <p:cNvSpPr txBox="1"/>
+          <p:cNvSpPr txBox="1">
+            <a:spLocks noGrp="1"/>
+          </p:cNvSpPr>
           <p:nvPr>
-            <p:ph idx="1" type="body"/>
+            <p:ph type="body" idx="1"/>
           </p:nvPr>
         </p:nvSpPr>
         <p:spPr>
@@ -1179,12 +1229,12 @@
           </a:prstGeom>
         </p:spPr>
         <p:txBody>
-          <a:bodyPr anchorCtr="0" anchor="t" bIns="91425" lIns="91425" spcFirstLastPara="1" rIns="91425" wrap="square" tIns="91425">
+          <a:bodyPr spcFirstLastPara="1" wrap="square" lIns="91425" tIns="91425" rIns="91425" bIns="91425" anchor="t" anchorCtr="0">
             <a:noAutofit/>
           </a:bodyPr>
           <a:lstStyle/>
           <a:p>
-            <a:pPr indent="0" lvl="0" marL="0" rtl="0" algn="l">
+            <a:pPr marL="0" lvl="0" indent="0" algn="l" rtl="0">
               <a:spcBef>
                 <a:spcPts val="0"/>
               </a:spcBef>
@@ -1193,9 +1243,6 @@
               </a:spcAft>
               <a:buNone/>
             </a:pPr>
-            <a:r>
-              <a:t/>
-            </a:r>
             <a:endParaRPr/>
           </a:p>
         </p:txBody>
@@ -1209,11 +1256,11 @@
 </file>
 
 <file path=ppt/notesSlides/notesSlide14.xml><?xml version="1.0" encoding="utf-8"?>
-<p:notes xmlns:a="http://schemas.openxmlformats.org/drawingml/2006/main" xmlns:r="http://schemas.openxmlformats.org/officeDocument/2006/relationships" xmlns:mc="http://schemas.openxmlformats.org/markup-compatibility/2006" xmlns:mv="urn:schemas-microsoft-com:mac:vml" xmlns:p="http://schemas.openxmlformats.org/presentationml/2006/main" xmlns:c="http://schemas.openxmlformats.org/drawingml/2006/chart" xmlns:dgm="http://schemas.openxmlformats.org/drawingml/2006/diagram" xmlns:o="urn:schemas-microsoft-com:office:office" xmlns:v="urn:schemas-microsoft-com:vml" xmlns:pvml="urn:schemas-microsoft-com:office:powerpoint" xmlns:com="http://schemas.openxmlformats.org/drawingml/2006/compatibility" xmlns:p14="http://schemas.microsoft.com/office/powerpoint/2010/main" xmlns:p15="http://schemas.microsoft.com/office/powerpoint/2012/main" xmlns:ahyp="http://schemas.microsoft.com/office/drawing/2018/hyperlinkcolor" showMasterPhAnim="0" showMasterSp="0">
+<p:notes xmlns:a="http://schemas.openxmlformats.org/drawingml/2006/main" xmlns:r="http://schemas.openxmlformats.org/officeDocument/2006/relationships" xmlns:p="http://schemas.openxmlformats.org/presentationml/2006/main" showMasterSp="0" showMasterPhAnim="0">
   <p:cSld>
     <p:spTree>
       <p:nvGrpSpPr>
-        <p:cNvPr id="223" name="Shape 223"/>
+        <p:cNvPr id="1" name="Shape 223"/>
         <p:cNvGrpSpPr/>
         <p:nvPr/>
       </p:nvGrpSpPr>
@@ -1228,20 +1275,26 @@
       <p:sp>
         <p:nvSpPr>
           <p:cNvPr id="224" name="Google Shape;224;gd090ae79ee_7_64:notes"/>
-          <p:cNvSpPr/>
+          <p:cNvSpPr>
+            <a:spLocks noGrp="1" noRot="1" noChangeAspect="1"/>
+          </p:cNvSpPr>
           <p:nvPr>
-            <p:ph idx="2" type="sldImg"/>
+            <p:ph type="sldImg" idx="2"/>
           </p:nvPr>
         </p:nvSpPr>
         <p:spPr>
           <a:xfrm>
-            <a:off x="381300" y="685800"/>
+            <a:off x="381000" y="685800"/>
             <a:ext cx="6096000" cy="3429000"/>
           </a:xfrm>
           <a:custGeom>
-            <a:rect b="b" l="l" r="r" t="t"/>
+            <a:avLst/>
+            <a:gdLst/>
+            <a:ahLst/>
+            <a:cxnLst/>
+            <a:rect l="l" t="t" r="r" b="b"/>
             <a:pathLst>
-              <a:path extrusionOk="0" h="120000" w="120000">
+              <a:path w="120000" h="120000" extrusionOk="0">
                 <a:moveTo>
                   <a:pt x="0" y="0"/>
                 </a:moveTo>
@@ -1263,9 +1316,11 @@
       <p:sp>
         <p:nvSpPr>
           <p:cNvPr id="225" name="Google Shape;225;gd090ae79ee_7_64:notes"/>
-          <p:cNvSpPr txBox="1"/>
+          <p:cNvSpPr txBox="1">
+            <a:spLocks noGrp="1"/>
+          </p:cNvSpPr>
           <p:nvPr>
-            <p:ph idx="1" type="body"/>
+            <p:ph type="body" idx="1"/>
           </p:nvPr>
         </p:nvSpPr>
         <p:spPr>
@@ -1278,12 +1333,12 @@
           </a:prstGeom>
         </p:spPr>
         <p:txBody>
-          <a:bodyPr anchorCtr="0" anchor="t" bIns="91425" lIns="91425" spcFirstLastPara="1" rIns="91425" wrap="square" tIns="91425">
+          <a:bodyPr spcFirstLastPara="1" wrap="square" lIns="91425" tIns="91425" rIns="91425" bIns="91425" anchor="t" anchorCtr="0">
             <a:noAutofit/>
           </a:bodyPr>
           <a:lstStyle/>
           <a:p>
-            <a:pPr indent="0" lvl="0" marL="0" rtl="0" algn="l">
+            <a:pPr marL="0" lvl="0" indent="0" algn="l" rtl="0">
               <a:spcBef>
                 <a:spcPts val="0"/>
               </a:spcBef>
@@ -1292,9 +1347,6 @@
               </a:spcAft>
               <a:buNone/>
             </a:pPr>
-            <a:r>
-              <a:t/>
-            </a:r>
             <a:endParaRPr/>
           </a:p>
         </p:txBody>
@@ -1308,11 +1360,11 @@
 </file>
 
 <file path=ppt/notesSlides/notesSlide15.xml><?xml version="1.0" encoding="utf-8"?>
-<p:notes xmlns:a="http://schemas.openxmlformats.org/drawingml/2006/main" xmlns:r="http://schemas.openxmlformats.org/officeDocument/2006/relationships" xmlns:mc="http://schemas.openxmlformats.org/markup-compatibility/2006" xmlns:mv="urn:schemas-microsoft-com:mac:vml" xmlns:p="http://schemas.openxmlformats.org/presentationml/2006/main" xmlns:c="http://schemas.openxmlformats.org/drawingml/2006/chart" xmlns:dgm="http://schemas.openxmlformats.org/drawingml/2006/diagram" xmlns:o="urn:schemas-microsoft-com:office:office" xmlns:v="urn:schemas-microsoft-com:vml" xmlns:pvml="urn:schemas-microsoft-com:office:powerpoint" xmlns:com="http://schemas.openxmlformats.org/drawingml/2006/compatibility" xmlns:p14="http://schemas.microsoft.com/office/powerpoint/2010/main" xmlns:p15="http://schemas.microsoft.com/office/powerpoint/2012/main" xmlns:ahyp="http://schemas.microsoft.com/office/drawing/2018/hyperlinkcolor" showMasterPhAnim="0" showMasterSp="0">
+<p:notes xmlns:a="http://schemas.openxmlformats.org/drawingml/2006/main" xmlns:r="http://schemas.openxmlformats.org/officeDocument/2006/relationships" xmlns:p="http://schemas.openxmlformats.org/presentationml/2006/main" showMasterSp="0" showMasterPhAnim="0">
   <p:cSld>
     <p:spTree>
       <p:nvGrpSpPr>
-        <p:cNvPr id="229" name="Shape 229"/>
+        <p:cNvPr id="1" name="Shape 229"/>
         <p:cNvGrpSpPr/>
         <p:nvPr/>
       </p:nvGrpSpPr>
@@ -1327,9 +1379,11 @@
       <p:sp>
         <p:nvSpPr>
           <p:cNvPr id="230" name="Google Shape;230;gd090ae79ee_0_102:notes"/>
-          <p:cNvSpPr/>
+          <p:cNvSpPr>
+            <a:spLocks noGrp="1" noRot="1" noChangeAspect="1"/>
+          </p:cNvSpPr>
           <p:nvPr>
-            <p:ph idx="2" type="sldImg"/>
+            <p:ph type="sldImg" idx="2"/>
           </p:nvPr>
         </p:nvSpPr>
         <p:spPr>
@@ -1338,9 +1392,13 @@
             <a:ext cx="6096000" cy="3429000"/>
           </a:xfrm>
           <a:custGeom>
-            <a:rect b="b" l="l" r="r" t="t"/>
+            <a:avLst/>
+            <a:gdLst/>
+            <a:ahLst/>
+            <a:cxnLst/>
+            <a:rect l="l" t="t" r="r" b="b"/>
             <a:pathLst>
-              <a:path extrusionOk="0" h="120000" w="120000">
+              <a:path w="120000" h="120000" extrusionOk="0">
                 <a:moveTo>
                   <a:pt x="0" y="0"/>
                 </a:moveTo>
@@ -1362,9 +1420,11 @@
       <p:sp>
         <p:nvSpPr>
           <p:cNvPr id="231" name="Google Shape;231;gd090ae79ee_0_102:notes"/>
-          <p:cNvSpPr txBox="1"/>
+          <p:cNvSpPr txBox="1">
+            <a:spLocks noGrp="1"/>
+          </p:cNvSpPr>
           <p:nvPr>
-            <p:ph idx="1" type="body"/>
+            <p:ph type="body" idx="1"/>
           </p:nvPr>
         </p:nvSpPr>
         <p:spPr>
@@ -1377,12 +1437,12 @@
           </a:prstGeom>
         </p:spPr>
         <p:txBody>
-          <a:bodyPr anchorCtr="0" anchor="t" bIns="91425" lIns="91425" spcFirstLastPara="1" rIns="91425" wrap="square" tIns="91425">
+          <a:bodyPr spcFirstLastPara="1" wrap="square" lIns="91425" tIns="91425" rIns="91425" bIns="91425" anchor="t" anchorCtr="0">
             <a:noAutofit/>
           </a:bodyPr>
           <a:lstStyle/>
           <a:p>
-            <a:pPr indent="0" lvl="0" marL="0" rtl="0" algn="l">
+            <a:pPr marL="0" lvl="0" indent="0" algn="l" rtl="0">
               <a:spcBef>
                 <a:spcPts val="0"/>
               </a:spcBef>
@@ -1391,9 +1451,6 @@
               </a:spcAft>
               <a:buNone/>
             </a:pPr>
-            <a:r>
-              <a:t/>
-            </a:r>
             <a:endParaRPr/>
           </a:p>
         </p:txBody>
@@ -1407,11 +1464,11 @@
 </file>
 
 <file path=ppt/notesSlides/notesSlide16.xml><?xml version="1.0" encoding="utf-8"?>
-<p:notes xmlns:a="http://schemas.openxmlformats.org/drawingml/2006/main" xmlns:r="http://schemas.openxmlformats.org/officeDocument/2006/relationships" xmlns:mc="http://schemas.openxmlformats.org/markup-compatibility/2006" xmlns:mv="urn:schemas-microsoft-com:mac:vml" xmlns:p="http://schemas.openxmlformats.org/presentationml/2006/main" xmlns:c="http://schemas.openxmlformats.org/drawingml/2006/chart" xmlns:dgm="http://schemas.openxmlformats.org/drawingml/2006/diagram" xmlns:o="urn:schemas-microsoft-com:office:office" xmlns:v="urn:schemas-microsoft-com:vml" xmlns:pvml="urn:schemas-microsoft-com:office:powerpoint" xmlns:com="http://schemas.openxmlformats.org/drawingml/2006/compatibility" xmlns:p14="http://schemas.microsoft.com/office/powerpoint/2010/main" xmlns:p15="http://schemas.microsoft.com/office/powerpoint/2012/main" xmlns:ahyp="http://schemas.microsoft.com/office/drawing/2018/hyperlinkcolor" showMasterPhAnim="0" showMasterSp="0">
+<p:notes xmlns:a="http://schemas.openxmlformats.org/drawingml/2006/main" xmlns:r="http://schemas.openxmlformats.org/officeDocument/2006/relationships" xmlns:p="http://schemas.openxmlformats.org/presentationml/2006/main" showMasterSp="0" showMasterPhAnim="0">
   <p:cSld>
     <p:spTree>
       <p:nvGrpSpPr>
-        <p:cNvPr id="238" name="Shape 238"/>
+        <p:cNvPr id="1" name="Shape 238"/>
         <p:cNvGrpSpPr/>
         <p:nvPr/>
       </p:nvGrpSpPr>
@@ -1426,9 +1483,11 @@
       <p:sp>
         <p:nvSpPr>
           <p:cNvPr id="239" name="Google Shape;239;gd090ae79ee_0_96:notes"/>
-          <p:cNvSpPr/>
+          <p:cNvSpPr>
+            <a:spLocks noGrp="1" noRot="1" noChangeAspect="1"/>
+          </p:cNvSpPr>
           <p:nvPr>
-            <p:ph idx="2" type="sldImg"/>
+            <p:ph type="sldImg" idx="2"/>
           </p:nvPr>
         </p:nvSpPr>
         <p:spPr>
@@ -1437,9 +1496,13 @@
             <a:ext cx="6096000" cy="3429000"/>
           </a:xfrm>
           <a:custGeom>
-            <a:rect b="b" l="l" r="r" t="t"/>
+            <a:avLst/>
+            <a:gdLst/>
+            <a:ahLst/>
+            <a:cxnLst/>
+            <a:rect l="l" t="t" r="r" b="b"/>
             <a:pathLst>
-              <a:path extrusionOk="0" h="120000" w="120000">
+              <a:path w="120000" h="120000" extrusionOk="0">
                 <a:moveTo>
                   <a:pt x="0" y="0"/>
                 </a:moveTo>
@@ -1461,9 +1524,11 @@
       <p:sp>
         <p:nvSpPr>
           <p:cNvPr id="240" name="Google Shape;240;gd090ae79ee_0_96:notes"/>
-          <p:cNvSpPr txBox="1"/>
+          <p:cNvSpPr txBox="1">
+            <a:spLocks noGrp="1"/>
+          </p:cNvSpPr>
           <p:nvPr>
-            <p:ph idx="1" type="body"/>
+            <p:ph type="body" idx="1"/>
           </p:nvPr>
         </p:nvSpPr>
         <p:spPr>
@@ -1476,12 +1541,12 @@
           </a:prstGeom>
         </p:spPr>
         <p:txBody>
-          <a:bodyPr anchorCtr="0" anchor="t" bIns="91425" lIns="91425" spcFirstLastPara="1" rIns="91425" wrap="square" tIns="91425">
+          <a:bodyPr spcFirstLastPara="1" wrap="square" lIns="91425" tIns="91425" rIns="91425" bIns="91425" anchor="t" anchorCtr="0">
             <a:noAutofit/>
           </a:bodyPr>
           <a:lstStyle/>
           <a:p>
-            <a:pPr indent="0" lvl="0" marL="0" rtl="0" algn="l">
+            <a:pPr marL="0" lvl="0" indent="0" algn="l" rtl="0">
               <a:spcBef>
                 <a:spcPts val="0"/>
               </a:spcBef>
@@ -1490,9 +1555,6 @@
               </a:spcAft>
               <a:buNone/>
             </a:pPr>
-            <a:r>
-              <a:t/>
-            </a:r>
             <a:endParaRPr/>
           </a:p>
         </p:txBody>
@@ -1506,11 +1568,11 @@
 </file>
 
 <file path=ppt/notesSlides/notesSlide17.xml><?xml version="1.0" encoding="utf-8"?>
-<p:notes xmlns:a="http://schemas.openxmlformats.org/drawingml/2006/main" xmlns:r="http://schemas.openxmlformats.org/officeDocument/2006/relationships" xmlns:mc="http://schemas.openxmlformats.org/markup-compatibility/2006" xmlns:mv="urn:schemas-microsoft-com:mac:vml" xmlns:p="http://schemas.openxmlformats.org/presentationml/2006/main" xmlns:c="http://schemas.openxmlformats.org/drawingml/2006/chart" xmlns:dgm="http://schemas.openxmlformats.org/drawingml/2006/diagram" xmlns:o="urn:schemas-microsoft-com:office:office" xmlns:v="urn:schemas-microsoft-com:vml" xmlns:pvml="urn:schemas-microsoft-com:office:powerpoint" xmlns:com="http://schemas.openxmlformats.org/drawingml/2006/compatibility" xmlns:p14="http://schemas.microsoft.com/office/powerpoint/2010/main" xmlns:p15="http://schemas.microsoft.com/office/powerpoint/2012/main" xmlns:ahyp="http://schemas.microsoft.com/office/drawing/2018/hyperlinkcolor" showMasterPhAnim="0" showMasterSp="0">
+<p:notes xmlns:a="http://schemas.openxmlformats.org/drawingml/2006/main" xmlns:r="http://schemas.openxmlformats.org/officeDocument/2006/relationships" xmlns:p="http://schemas.openxmlformats.org/presentationml/2006/main" showMasterSp="0" showMasterPhAnim="0">
   <p:cSld>
     <p:spTree>
       <p:nvGrpSpPr>
-        <p:cNvPr id="245" name="Shape 245"/>
+        <p:cNvPr id="1" name="Shape 245"/>
         <p:cNvGrpSpPr/>
         <p:nvPr/>
       </p:nvGrpSpPr>
@@ -1525,9 +1587,11 @@
       <p:sp>
         <p:nvSpPr>
           <p:cNvPr id="246" name="Google Shape;246;gd090ae79ee_0_108:notes"/>
-          <p:cNvSpPr/>
+          <p:cNvSpPr>
+            <a:spLocks noGrp="1" noRot="1" noChangeAspect="1"/>
+          </p:cNvSpPr>
           <p:nvPr>
-            <p:ph idx="2" type="sldImg"/>
+            <p:ph type="sldImg" idx="2"/>
           </p:nvPr>
         </p:nvSpPr>
         <p:spPr>
@@ -1536,9 +1600,13 @@
             <a:ext cx="6096000" cy="3429000"/>
           </a:xfrm>
           <a:custGeom>
-            <a:rect b="b" l="l" r="r" t="t"/>
+            <a:avLst/>
+            <a:gdLst/>
+            <a:ahLst/>
+            <a:cxnLst/>
+            <a:rect l="l" t="t" r="r" b="b"/>
             <a:pathLst>
-              <a:path extrusionOk="0" h="120000" w="120000">
+              <a:path w="120000" h="120000" extrusionOk="0">
                 <a:moveTo>
                   <a:pt x="0" y="0"/>
                 </a:moveTo>
@@ -1560,9 +1628,11 @@
       <p:sp>
         <p:nvSpPr>
           <p:cNvPr id="247" name="Google Shape;247;gd090ae79ee_0_108:notes"/>
-          <p:cNvSpPr txBox="1"/>
+          <p:cNvSpPr txBox="1">
+            <a:spLocks noGrp="1"/>
+          </p:cNvSpPr>
           <p:nvPr>
-            <p:ph idx="1" type="body"/>
+            <p:ph type="body" idx="1"/>
           </p:nvPr>
         </p:nvSpPr>
         <p:spPr>
@@ -1575,12 +1645,12 @@
           </a:prstGeom>
         </p:spPr>
         <p:txBody>
-          <a:bodyPr anchorCtr="0" anchor="t" bIns="91425" lIns="91425" spcFirstLastPara="1" rIns="91425" wrap="square" tIns="91425">
+          <a:bodyPr spcFirstLastPara="1" wrap="square" lIns="91425" tIns="91425" rIns="91425" bIns="91425" anchor="t" anchorCtr="0">
             <a:noAutofit/>
           </a:bodyPr>
           <a:lstStyle/>
           <a:p>
-            <a:pPr indent="0" lvl="0" marL="0" rtl="0" algn="l">
+            <a:pPr marL="0" lvl="0" indent="0" algn="l" rtl="0">
               <a:spcBef>
                 <a:spcPts val="0"/>
               </a:spcBef>
@@ -1589,9 +1659,6 @@
               </a:spcAft>
               <a:buNone/>
             </a:pPr>
-            <a:r>
-              <a:t/>
-            </a:r>
             <a:endParaRPr/>
           </a:p>
         </p:txBody>
@@ -1605,11 +1672,11 @@
 </file>
 
 <file path=ppt/notesSlides/notesSlide18.xml><?xml version="1.0" encoding="utf-8"?>
-<p:notes xmlns:a="http://schemas.openxmlformats.org/drawingml/2006/main" xmlns:r="http://schemas.openxmlformats.org/officeDocument/2006/relationships" xmlns:mc="http://schemas.openxmlformats.org/markup-compatibility/2006" xmlns:mv="urn:schemas-microsoft-com:mac:vml" xmlns:p="http://schemas.openxmlformats.org/presentationml/2006/main" xmlns:c="http://schemas.openxmlformats.org/drawingml/2006/chart" xmlns:dgm="http://schemas.openxmlformats.org/drawingml/2006/diagram" xmlns:o="urn:schemas-microsoft-com:office:office" xmlns:v="urn:schemas-microsoft-com:vml" xmlns:pvml="urn:schemas-microsoft-com:office:powerpoint" xmlns:com="http://schemas.openxmlformats.org/drawingml/2006/compatibility" xmlns:p14="http://schemas.microsoft.com/office/powerpoint/2010/main" xmlns:p15="http://schemas.microsoft.com/office/powerpoint/2012/main" xmlns:ahyp="http://schemas.microsoft.com/office/drawing/2018/hyperlinkcolor" showMasterPhAnim="0" showMasterSp="0">
+<p:notes xmlns:a="http://schemas.openxmlformats.org/drawingml/2006/main" xmlns:r="http://schemas.openxmlformats.org/officeDocument/2006/relationships" xmlns:p="http://schemas.openxmlformats.org/presentationml/2006/main" showMasterSp="0" showMasterPhAnim="0">
   <p:cSld>
     <p:spTree>
       <p:nvGrpSpPr>
-        <p:cNvPr id="252" name="Shape 252"/>
+        <p:cNvPr id="1" name="Shape 252"/>
         <p:cNvGrpSpPr/>
         <p:nvPr/>
       </p:nvGrpSpPr>
@@ -1624,20 +1691,26 @@
       <p:sp>
         <p:nvSpPr>
           <p:cNvPr id="253" name="Google Shape;253;gd090ae79ee_0_114:notes"/>
-          <p:cNvSpPr/>
+          <p:cNvSpPr>
+            <a:spLocks noGrp="1" noRot="1" noChangeAspect="1"/>
+          </p:cNvSpPr>
           <p:nvPr>
-            <p:ph idx="2" type="sldImg"/>
+            <p:ph type="sldImg" idx="2"/>
           </p:nvPr>
         </p:nvSpPr>
         <p:spPr>
           <a:xfrm>
-            <a:off x="381300" y="685800"/>
+            <a:off x="381000" y="685800"/>
             <a:ext cx="6096000" cy="3429000"/>
           </a:xfrm>
           <a:custGeom>
-            <a:rect b="b" l="l" r="r" t="t"/>
+            <a:avLst/>
+            <a:gdLst/>
+            <a:ahLst/>
+            <a:cxnLst/>
+            <a:rect l="l" t="t" r="r" b="b"/>
             <a:pathLst>
-              <a:path extrusionOk="0" h="120000" w="120000">
+              <a:path w="120000" h="120000" extrusionOk="0">
                 <a:moveTo>
                   <a:pt x="0" y="0"/>
                 </a:moveTo>
@@ -1659,9 +1732,11 @@
       <p:sp>
         <p:nvSpPr>
           <p:cNvPr id="254" name="Google Shape;254;gd090ae79ee_0_114:notes"/>
-          <p:cNvSpPr txBox="1"/>
+          <p:cNvSpPr txBox="1">
+            <a:spLocks noGrp="1"/>
+          </p:cNvSpPr>
           <p:nvPr>
-            <p:ph idx="1" type="body"/>
+            <p:ph type="body" idx="1"/>
           </p:nvPr>
         </p:nvSpPr>
         <p:spPr>
@@ -1674,12 +1749,12 @@
           </a:prstGeom>
         </p:spPr>
         <p:txBody>
-          <a:bodyPr anchorCtr="0" anchor="t" bIns="91425" lIns="91425" spcFirstLastPara="1" rIns="91425" wrap="square" tIns="91425">
+          <a:bodyPr spcFirstLastPara="1" wrap="square" lIns="91425" tIns="91425" rIns="91425" bIns="91425" anchor="t" anchorCtr="0">
             <a:noAutofit/>
           </a:bodyPr>
           <a:lstStyle/>
           <a:p>
-            <a:pPr indent="0" lvl="0" marL="0" rtl="0" algn="l">
+            <a:pPr marL="0" lvl="0" indent="0" algn="l" rtl="0">
               <a:spcBef>
                 <a:spcPts val="0"/>
               </a:spcBef>
@@ -1688,9 +1763,6 @@
               </a:spcAft>
               <a:buNone/>
             </a:pPr>
-            <a:r>
-              <a:t/>
-            </a:r>
             <a:endParaRPr/>
           </a:p>
         </p:txBody>
@@ -1704,11 +1776,11 @@
 </file>
 
 <file path=ppt/notesSlides/notesSlide19.xml><?xml version="1.0" encoding="utf-8"?>
-<p:notes xmlns:a="http://schemas.openxmlformats.org/drawingml/2006/main" xmlns:r="http://schemas.openxmlformats.org/officeDocument/2006/relationships" xmlns:mc="http://schemas.openxmlformats.org/markup-compatibility/2006" xmlns:mv="urn:schemas-microsoft-com:mac:vml" xmlns:p="http://schemas.openxmlformats.org/presentationml/2006/main" xmlns:c="http://schemas.openxmlformats.org/drawingml/2006/chart" xmlns:dgm="http://schemas.openxmlformats.org/drawingml/2006/diagram" xmlns:o="urn:schemas-microsoft-com:office:office" xmlns:v="urn:schemas-microsoft-com:vml" xmlns:pvml="urn:schemas-microsoft-com:office:powerpoint" xmlns:com="http://schemas.openxmlformats.org/drawingml/2006/compatibility" xmlns:p14="http://schemas.microsoft.com/office/powerpoint/2010/main" xmlns:p15="http://schemas.microsoft.com/office/powerpoint/2012/main" xmlns:ahyp="http://schemas.microsoft.com/office/drawing/2018/hyperlinkcolor" showMasterPhAnim="0" showMasterSp="0">
+<p:notes xmlns:a="http://schemas.openxmlformats.org/drawingml/2006/main" xmlns:r="http://schemas.openxmlformats.org/officeDocument/2006/relationships" xmlns:p="http://schemas.openxmlformats.org/presentationml/2006/main" showMasterSp="0" showMasterPhAnim="0">
   <p:cSld>
     <p:spTree>
       <p:nvGrpSpPr>
-        <p:cNvPr id="259" name="Shape 259"/>
+        <p:cNvPr id="1" name="Shape 259"/>
         <p:cNvGrpSpPr/>
         <p:nvPr/>
       </p:nvGrpSpPr>
@@ -1723,20 +1795,26 @@
       <p:sp>
         <p:nvSpPr>
           <p:cNvPr id="260" name="Google Shape;260;gd090ae79ee_0_120:notes"/>
-          <p:cNvSpPr/>
+          <p:cNvSpPr>
+            <a:spLocks noGrp="1" noRot="1" noChangeAspect="1"/>
+          </p:cNvSpPr>
           <p:nvPr>
-            <p:ph idx="2" type="sldImg"/>
+            <p:ph type="sldImg" idx="2"/>
           </p:nvPr>
         </p:nvSpPr>
         <p:spPr>
           <a:xfrm>
-            <a:off x="381300" y="685800"/>
+            <a:off x="381000" y="685800"/>
             <a:ext cx="6096000" cy="3429000"/>
           </a:xfrm>
           <a:custGeom>
-            <a:rect b="b" l="l" r="r" t="t"/>
+            <a:avLst/>
+            <a:gdLst/>
+            <a:ahLst/>
+            <a:cxnLst/>
+            <a:rect l="l" t="t" r="r" b="b"/>
             <a:pathLst>
-              <a:path extrusionOk="0" h="120000" w="120000">
+              <a:path w="120000" h="120000" extrusionOk="0">
                 <a:moveTo>
                   <a:pt x="0" y="0"/>
                 </a:moveTo>
@@ -1758,9 +1836,11 @@
       <p:sp>
         <p:nvSpPr>
           <p:cNvPr id="261" name="Google Shape;261;gd090ae79ee_0_120:notes"/>
-          <p:cNvSpPr txBox="1"/>
+          <p:cNvSpPr txBox="1">
+            <a:spLocks noGrp="1"/>
+          </p:cNvSpPr>
           <p:nvPr>
-            <p:ph idx="1" type="body"/>
+            <p:ph type="body" idx="1"/>
           </p:nvPr>
         </p:nvSpPr>
         <p:spPr>
@@ -1773,12 +1853,12 @@
           </a:prstGeom>
         </p:spPr>
         <p:txBody>
-          <a:bodyPr anchorCtr="0" anchor="t" bIns="91425" lIns="91425" spcFirstLastPara="1" rIns="91425" wrap="square" tIns="91425">
+          <a:bodyPr spcFirstLastPara="1" wrap="square" lIns="91425" tIns="91425" rIns="91425" bIns="91425" anchor="t" anchorCtr="0">
             <a:noAutofit/>
           </a:bodyPr>
           <a:lstStyle/>
           <a:p>
-            <a:pPr indent="0" lvl="0" marL="0" rtl="0" algn="l">
+            <a:pPr marL="0" lvl="0" indent="0" algn="l" rtl="0">
               <a:spcBef>
                 <a:spcPts val="0"/>
               </a:spcBef>
@@ -1787,9 +1867,6 @@
               </a:spcAft>
               <a:buNone/>
             </a:pPr>
-            <a:r>
-              <a:t/>
-            </a:r>
             <a:endParaRPr/>
           </a:p>
         </p:txBody>
@@ -1803,11 +1880,11 @@
 </file>
 
 <file path=ppt/notesSlides/notesSlide2.xml><?xml version="1.0" encoding="utf-8"?>
-<p:notes xmlns:a="http://schemas.openxmlformats.org/drawingml/2006/main" xmlns:r="http://schemas.openxmlformats.org/officeDocument/2006/relationships" xmlns:mc="http://schemas.openxmlformats.org/markup-compatibility/2006" xmlns:mv="urn:schemas-microsoft-com:mac:vml" xmlns:p="http://schemas.openxmlformats.org/presentationml/2006/main" xmlns:c="http://schemas.openxmlformats.org/drawingml/2006/chart" xmlns:dgm="http://schemas.openxmlformats.org/drawingml/2006/diagram" xmlns:o="urn:schemas-microsoft-com:office:office" xmlns:v="urn:schemas-microsoft-com:vml" xmlns:pvml="urn:schemas-microsoft-com:office:powerpoint" xmlns:com="http://schemas.openxmlformats.org/drawingml/2006/compatibility" xmlns:p14="http://schemas.microsoft.com/office/powerpoint/2010/main" xmlns:p15="http://schemas.microsoft.com/office/powerpoint/2012/main" xmlns:ahyp="http://schemas.microsoft.com/office/drawing/2018/hyperlinkcolor" showMasterPhAnim="0" showMasterSp="0">
+<p:notes xmlns:a="http://schemas.openxmlformats.org/drawingml/2006/main" xmlns:r="http://schemas.openxmlformats.org/officeDocument/2006/relationships" xmlns:p="http://schemas.openxmlformats.org/presentationml/2006/main" showMasterSp="0" showMasterPhAnim="0">
   <p:cSld>
     <p:spTree>
       <p:nvGrpSpPr>
-        <p:cNvPr id="130" name="Shape 130"/>
+        <p:cNvPr id="1" name="Shape 130"/>
         <p:cNvGrpSpPr/>
         <p:nvPr/>
       </p:nvGrpSpPr>
@@ -1822,20 +1899,26 @@
       <p:sp>
         <p:nvSpPr>
           <p:cNvPr id="131" name="Google Shape;131;gd090ae79ee_0_52:notes"/>
-          <p:cNvSpPr/>
+          <p:cNvSpPr>
+            <a:spLocks noGrp="1" noRot="1" noChangeAspect="1"/>
+          </p:cNvSpPr>
           <p:nvPr>
-            <p:ph idx="2" type="sldImg"/>
+            <p:ph type="sldImg" idx="2"/>
           </p:nvPr>
         </p:nvSpPr>
         <p:spPr>
           <a:xfrm>
-            <a:off x="381300" y="685800"/>
+            <a:off x="381000" y="685800"/>
             <a:ext cx="6096000" cy="3429000"/>
           </a:xfrm>
           <a:custGeom>
-            <a:rect b="b" l="l" r="r" t="t"/>
+            <a:avLst/>
+            <a:gdLst/>
+            <a:ahLst/>
+            <a:cxnLst/>
+            <a:rect l="l" t="t" r="r" b="b"/>
             <a:pathLst>
-              <a:path extrusionOk="0" h="120000" w="120000">
+              <a:path w="120000" h="120000" extrusionOk="0">
                 <a:moveTo>
                   <a:pt x="0" y="0"/>
                 </a:moveTo>
@@ -1857,9 +1940,11 @@
       <p:sp>
         <p:nvSpPr>
           <p:cNvPr id="132" name="Google Shape;132;gd090ae79ee_0_52:notes"/>
-          <p:cNvSpPr txBox="1"/>
+          <p:cNvSpPr txBox="1">
+            <a:spLocks noGrp="1"/>
+          </p:cNvSpPr>
           <p:nvPr>
-            <p:ph idx="1" type="body"/>
+            <p:ph type="body" idx="1"/>
           </p:nvPr>
         </p:nvSpPr>
         <p:spPr>
@@ -1872,12 +1957,12 @@
           </a:prstGeom>
         </p:spPr>
         <p:txBody>
-          <a:bodyPr anchorCtr="0" anchor="t" bIns="91425" lIns="91425" spcFirstLastPara="1" rIns="91425" wrap="square" tIns="91425">
+          <a:bodyPr spcFirstLastPara="1" wrap="square" lIns="91425" tIns="91425" rIns="91425" bIns="91425" anchor="t" anchorCtr="0">
             <a:noAutofit/>
           </a:bodyPr>
           <a:lstStyle/>
           <a:p>
-            <a:pPr indent="0" lvl="0" marL="0" rtl="0" algn="l">
+            <a:pPr marL="0" lvl="0" indent="0" algn="l" rtl="0">
               <a:spcBef>
                 <a:spcPts val="0"/>
               </a:spcBef>
@@ -1886,9 +1971,6 @@
               </a:spcAft>
               <a:buNone/>
             </a:pPr>
-            <a:r>
-              <a:t/>
-            </a:r>
             <a:endParaRPr/>
           </a:p>
         </p:txBody>
@@ -1902,11 +1984,11 @@
 </file>
 
 <file path=ppt/notesSlides/notesSlide3.xml><?xml version="1.0" encoding="utf-8"?>
-<p:notes xmlns:a="http://schemas.openxmlformats.org/drawingml/2006/main" xmlns:r="http://schemas.openxmlformats.org/officeDocument/2006/relationships" xmlns:mc="http://schemas.openxmlformats.org/markup-compatibility/2006" xmlns:mv="urn:schemas-microsoft-com:mac:vml" xmlns:p="http://schemas.openxmlformats.org/presentationml/2006/main" xmlns:c="http://schemas.openxmlformats.org/drawingml/2006/chart" xmlns:dgm="http://schemas.openxmlformats.org/drawingml/2006/diagram" xmlns:o="urn:schemas-microsoft-com:office:office" xmlns:v="urn:schemas-microsoft-com:vml" xmlns:pvml="urn:schemas-microsoft-com:office:powerpoint" xmlns:com="http://schemas.openxmlformats.org/drawingml/2006/compatibility" xmlns:p14="http://schemas.microsoft.com/office/powerpoint/2010/main" xmlns:p15="http://schemas.microsoft.com/office/powerpoint/2012/main" xmlns:ahyp="http://schemas.microsoft.com/office/drawing/2018/hyperlinkcolor" showMasterPhAnim="0" showMasterSp="0">
+<p:notes xmlns:a="http://schemas.openxmlformats.org/drawingml/2006/main" xmlns:r="http://schemas.openxmlformats.org/officeDocument/2006/relationships" xmlns:p="http://schemas.openxmlformats.org/presentationml/2006/main" showMasterSp="0" showMasterPhAnim="0">
   <p:cSld>
     <p:spTree>
       <p:nvGrpSpPr>
-        <p:cNvPr id="137" name="Shape 137"/>
+        <p:cNvPr id="1" name="Shape 137"/>
         <p:cNvGrpSpPr/>
         <p:nvPr/>
       </p:nvGrpSpPr>
@@ -1921,9 +2003,11 @@
       <p:sp>
         <p:nvSpPr>
           <p:cNvPr id="138" name="Google Shape;138;gcc80af7e2d_0_82:notes"/>
-          <p:cNvSpPr/>
+          <p:cNvSpPr>
+            <a:spLocks noGrp="1" noRot="1" noChangeAspect="1"/>
+          </p:cNvSpPr>
           <p:nvPr>
-            <p:ph idx="2" type="sldImg"/>
+            <p:ph type="sldImg" idx="2"/>
           </p:nvPr>
         </p:nvSpPr>
         <p:spPr>
@@ -1932,9 +2016,13 @@
             <a:ext cx="6096000" cy="3429000"/>
           </a:xfrm>
           <a:custGeom>
-            <a:rect b="b" l="l" r="r" t="t"/>
+            <a:avLst/>
+            <a:gdLst/>
+            <a:ahLst/>
+            <a:cxnLst/>
+            <a:rect l="l" t="t" r="r" b="b"/>
             <a:pathLst>
-              <a:path extrusionOk="0" h="120000" w="120000">
+              <a:path w="120000" h="120000" extrusionOk="0">
                 <a:moveTo>
                   <a:pt x="0" y="0"/>
                 </a:moveTo>
@@ -1956,9 +2044,11 @@
       <p:sp>
         <p:nvSpPr>
           <p:cNvPr id="139" name="Google Shape;139;gcc80af7e2d_0_82:notes"/>
-          <p:cNvSpPr txBox="1"/>
+          <p:cNvSpPr txBox="1">
+            <a:spLocks noGrp="1"/>
+          </p:cNvSpPr>
           <p:nvPr>
-            <p:ph idx="1" type="body"/>
+            <p:ph type="body" idx="1"/>
           </p:nvPr>
         </p:nvSpPr>
         <p:spPr>
@@ -1971,12 +2061,12 @@
           </a:prstGeom>
         </p:spPr>
         <p:txBody>
-          <a:bodyPr anchorCtr="0" anchor="t" bIns="91425" lIns="91425" spcFirstLastPara="1" rIns="91425" wrap="square" tIns="91425">
+          <a:bodyPr spcFirstLastPara="1" wrap="square" lIns="91425" tIns="91425" rIns="91425" bIns="91425" anchor="t" anchorCtr="0">
             <a:noAutofit/>
           </a:bodyPr>
           <a:lstStyle/>
           <a:p>
-            <a:pPr indent="0" lvl="0" marL="0" rtl="0" algn="l">
+            <a:pPr marL="0" lvl="0" indent="0" algn="l" rtl="0">
               <a:spcBef>
                 <a:spcPts val="0"/>
               </a:spcBef>
@@ -1985,9 +2075,6 @@
               </a:spcAft>
               <a:buNone/>
             </a:pPr>
-            <a:r>
-              <a:t/>
-            </a:r>
             <a:endParaRPr/>
           </a:p>
         </p:txBody>
@@ -2001,11 +2088,11 @@
 </file>
 
 <file path=ppt/notesSlides/notesSlide4.xml><?xml version="1.0" encoding="utf-8"?>
-<p:notes xmlns:a="http://schemas.openxmlformats.org/drawingml/2006/main" xmlns:r="http://schemas.openxmlformats.org/officeDocument/2006/relationships" xmlns:mc="http://schemas.openxmlformats.org/markup-compatibility/2006" xmlns:mv="urn:schemas-microsoft-com:mac:vml" xmlns:p="http://schemas.openxmlformats.org/presentationml/2006/main" xmlns:c="http://schemas.openxmlformats.org/drawingml/2006/chart" xmlns:dgm="http://schemas.openxmlformats.org/drawingml/2006/diagram" xmlns:o="urn:schemas-microsoft-com:office:office" xmlns:v="urn:schemas-microsoft-com:vml" xmlns:pvml="urn:schemas-microsoft-com:office:powerpoint" xmlns:com="http://schemas.openxmlformats.org/drawingml/2006/compatibility" xmlns:p14="http://schemas.microsoft.com/office/powerpoint/2010/main" xmlns:p15="http://schemas.microsoft.com/office/powerpoint/2012/main" xmlns:ahyp="http://schemas.microsoft.com/office/drawing/2018/hyperlinkcolor" showMasterPhAnim="0" showMasterSp="0">
+<p:notes xmlns:a="http://schemas.openxmlformats.org/drawingml/2006/main" xmlns:r="http://schemas.openxmlformats.org/officeDocument/2006/relationships" xmlns:p="http://schemas.openxmlformats.org/presentationml/2006/main" showMasterSp="0" showMasterPhAnim="0">
   <p:cSld>
     <p:spTree>
       <p:nvGrpSpPr>
-        <p:cNvPr id="144" name="Shape 144"/>
+        <p:cNvPr id="1" name="Shape 144"/>
         <p:cNvGrpSpPr/>
         <p:nvPr/>
       </p:nvGrpSpPr>
@@ -2020,9 +2107,11 @@
       <p:sp>
         <p:nvSpPr>
           <p:cNvPr id="145" name="Google Shape;145;gd090ae79ee_7_5:notes"/>
-          <p:cNvSpPr/>
+          <p:cNvSpPr>
+            <a:spLocks noGrp="1" noRot="1" noChangeAspect="1"/>
+          </p:cNvSpPr>
           <p:nvPr>
-            <p:ph idx="2" type="sldImg"/>
+            <p:ph type="sldImg" idx="2"/>
           </p:nvPr>
         </p:nvSpPr>
         <p:spPr>
@@ -2031,9 +2120,13 @@
             <a:ext cx="6096000" cy="3429000"/>
           </a:xfrm>
           <a:custGeom>
-            <a:rect b="b" l="l" r="r" t="t"/>
+            <a:avLst/>
+            <a:gdLst/>
+            <a:ahLst/>
+            <a:cxnLst/>
+            <a:rect l="l" t="t" r="r" b="b"/>
             <a:pathLst>
-              <a:path extrusionOk="0" h="120000" w="120000">
+              <a:path w="120000" h="120000" extrusionOk="0">
                 <a:moveTo>
                   <a:pt x="0" y="0"/>
                 </a:moveTo>
@@ -2055,9 +2148,11 @@
       <p:sp>
         <p:nvSpPr>
           <p:cNvPr id="146" name="Google Shape;146;gd090ae79ee_7_5:notes"/>
-          <p:cNvSpPr txBox="1"/>
+          <p:cNvSpPr txBox="1">
+            <a:spLocks noGrp="1"/>
+          </p:cNvSpPr>
           <p:nvPr>
-            <p:ph idx="1" type="body"/>
+            <p:ph type="body" idx="1"/>
           </p:nvPr>
         </p:nvSpPr>
         <p:spPr>
@@ -2070,12 +2165,12 @@
           </a:prstGeom>
         </p:spPr>
         <p:txBody>
-          <a:bodyPr anchorCtr="0" anchor="t" bIns="91425" lIns="91425" spcFirstLastPara="1" rIns="91425" wrap="square" tIns="91425">
+          <a:bodyPr spcFirstLastPara="1" wrap="square" lIns="91425" tIns="91425" rIns="91425" bIns="91425" anchor="t" anchorCtr="0">
             <a:noAutofit/>
           </a:bodyPr>
           <a:lstStyle/>
           <a:p>
-            <a:pPr indent="0" lvl="0" marL="0" rtl="0" algn="l">
+            <a:pPr marL="0" lvl="0" indent="0" algn="l" rtl="0">
               <a:spcBef>
                 <a:spcPts val="0"/>
               </a:spcBef>
@@ -2084,9 +2179,6 @@
               </a:spcAft>
               <a:buNone/>
             </a:pPr>
-            <a:r>
-              <a:t/>
-            </a:r>
             <a:endParaRPr/>
           </a:p>
         </p:txBody>
@@ -2100,11 +2192,11 @@
 </file>
 
 <file path=ppt/notesSlides/notesSlide5.xml><?xml version="1.0" encoding="utf-8"?>
-<p:notes xmlns:a="http://schemas.openxmlformats.org/drawingml/2006/main" xmlns:r="http://schemas.openxmlformats.org/officeDocument/2006/relationships" xmlns:mc="http://schemas.openxmlformats.org/markup-compatibility/2006" xmlns:mv="urn:schemas-microsoft-com:mac:vml" xmlns:p="http://schemas.openxmlformats.org/presentationml/2006/main" xmlns:c="http://schemas.openxmlformats.org/drawingml/2006/chart" xmlns:dgm="http://schemas.openxmlformats.org/drawingml/2006/diagram" xmlns:o="urn:schemas-microsoft-com:office:office" xmlns:v="urn:schemas-microsoft-com:vml" xmlns:pvml="urn:schemas-microsoft-com:office:powerpoint" xmlns:com="http://schemas.openxmlformats.org/drawingml/2006/compatibility" xmlns:p14="http://schemas.microsoft.com/office/powerpoint/2010/main" xmlns:p15="http://schemas.microsoft.com/office/powerpoint/2012/main" xmlns:ahyp="http://schemas.microsoft.com/office/drawing/2018/hyperlinkcolor" showMasterPhAnim="0" showMasterSp="0">
+<p:notes xmlns:a="http://schemas.openxmlformats.org/drawingml/2006/main" xmlns:r="http://schemas.openxmlformats.org/officeDocument/2006/relationships" xmlns:p="http://schemas.openxmlformats.org/presentationml/2006/main" showMasterSp="0" showMasterPhAnim="0">
   <p:cSld>
     <p:spTree>
       <p:nvGrpSpPr>
-        <p:cNvPr id="151" name="Shape 151"/>
+        <p:cNvPr id="1" name="Shape 151"/>
         <p:cNvGrpSpPr/>
         <p:nvPr/>
       </p:nvGrpSpPr>
@@ -2119,9 +2211,11 @@
       <p:sp>
         <p:nvSpPr>
           <p:cNvPr id="152" name="Google Shape;152;gd090ae79ee_7_11:notes"/>
-          <p:cNvSpPr/>
+          <p:cNvSpPr>
+            <a:spLocks noGrp="1" noRot="1" noChangeAspect="1"/>
+          </p:cNvSpPr>
           <p:nvPr>
-            <p:ph idx="2" type="sldImg"/>
+            <p:ph type="sldImg" idx="2"/>
           </p:nvPr>
         </p:nvSpPr>
         <p:spPr>
@@ -2130,9 +2224,13 @@
             <a:ext cx="6096000" cy="3429000"/>
           </a:xfrm>
           <a:custGeom>
-            <a:rect b="b" l="l" r="r" t="t"/>
+            <a:avLst/>
+            <a:gdLst/>
+            <a:ahLst/>
+            <a:cxnLst/>
+            <a:rect l="l" t="t" r="r" b="b"/>
             <a:pathLst>
-              <a:path extrusionOk="0" h="120000" w="120000">
+              <a:path w="120000" h="120000" extrusionOk="0">
                 <a:moveTo>
                   <a:pt x="0" y="0"/>
                 </a:moveTo>
@@ -2154,9 +2252,11 @@
       <p:sp>
         <p:nvSpPr>
           <p:cNvPr id="153" name="Google Shape;153;gd090ae79ee_7_11:notes"/>
-          <p:cNvSpPr txBox="1"/>
+          <p:cNvSpPr txBox="1">
+            <a:spLocks noGrp="1"/>
+          </p:cNvSpPr>
           <p:nvPr>
-            <p:ph idx="1" type="body"/>
+            <p:ph type="body" idx="1"/>
           </p:nvPr>
         </p:nvSpPr>
         <p:spPr>
@@ -2169,12 +2269,12 @@
           </a:prstGeom>
         </p:spPr>
         <p:txBody>
-          <a:bodyPr anchorCtr="0" anchor="t" bIns="91425" lIns="91425" spcFirstLastPara="1" rIns="91425" wrap="square" tIns="91425">
+          <a:bodyPr spcFirstLastPara="1" wrap="square" lIns="91425" tIns="91425" rIns="91425" bIns="91425" anchor="t" anchorCtr="0">
             <a:noAutofit/>
           </a:bodyPr>
           <a:lstStyle/>
           <a:p>
-            <a:pPr indent="0" lvl="0" marL="0" rtl="0" algn="l">
+            <a:pPr marL="0" lvl="0" indent="0" algn="l" rtl="0">
               <a:spcBef>
                 <a:spcPts val="0"/>
               </a:spcBef>
@@ -2183,9 +2283,6 @@
               </a:spcAft>
               <a:buNone/>
             </a:pPr>
-            <a:r>
-              <a:t/>
-            </a:r>
             <a:endParaRPr/>
           </a:p>
         </p:txBody>
@@ -2199,11 +2296,11 @@
 </file>
 
 <file path=ppt/notesSlides/notesSlide6.xml><?xml version="1.0" encoding="utf-8"?>
-<p:notes xmlns:a="http://schemas.openxmlformats.org/drawingml/2006/main" xmlns:r="http://schemas.openxmlformats.org/officeDocument/2006/relationships" xmlns:mc="http://schemas.openxmlformats.org/markup-compatibility/2006" xmlns:mv="urn:schemas-microsoft-com:mac:vml" xmlns:p="http://schemas.openxmlformats.org/presentationml/2006/main" xmlns:c="http://schemas.openxmlformats.org/drawingml/2006/chart" xmlns:dgm="http://schemas.openxmlformats.org/drawingml/2006/diagram" xmlns:o="urn:schemas-microsoft-com:office:office" xmlns:v="urn:schemas-microsoft-com:vml" xmlns:pvml="urn:schemas-microsoft-com:office:powerpoint" xmlns:com="http://schemas.openxmlformats.org/drawingml/2006/compatibility" xmlns:p14="http://schemas.microsoft.com/office/powerpoint/2010/main" xmlns:p15="http://schemas.microsoft.com/office/powerpoint/2012/main" xmlns:ahyp="http://schemas.microsoft.com/office/drawing/2018/hyperlinkcolor" showMasterPhAnim="0" showMasterSp="0">
+<p:notes xmlns:a="http://schemas.openxmlformats.org/drawingml/2006/main" xmlns:r="http://schemas.openxmlformats.org/officeDocument/2006/relationships" xmlns:p="http://schemas.openxmlformats.org/presentationml/2006/main" showMasterSp="0" showMasterPhAnim="0">
   <p:cSld>
     <p:spTree>
       <p:nvGrpSpPr>
-        <p:cNvPr id="158" name="Shape 158"/>
+        <p:cNvPr id="1" name="Shape 158"/>
         <p:cNvGrpSpPr/>
         <p:nvPr/>
       </p:nvGrpSpPr>
@@ -2218,9 +2315,11 @@
       <p:sp>
         <p:nvSpPr>
           <p:cNvPr id="159" name="Google Shape;159;gd090ae79ee_7_17:notes"/>
-          <p:cNvSpPr/>
+          <p:cNvSpPr>
+            <a:spLocks noGrp="1" noRot="1" noChangeAspect="1"/>
+          </p:cNvSpPr>
           <p:nvPr>
-            <p:ph idx="2" type="sldImg"/>
+            <p:ph type="sldImg" idx="2"/>
           </p:nvPr>
         </p:nvSpPr>
         <p:spPr>
@@ -2229,9 +2328,13 @@
             <a:ext cx="6096000" cy="3429000"/>
           </a:xfrm>
           <a:custGeom>
-            <a:rect b="b" l="l" r="r" t="t"/>
+            <a:avLst/>
+            <a:gdLst/>
+            <a:ahLst/>
+            <a:cxnLst/>
+            <a:rect l="l" t="t" r="r" b="b"/>
             <a:pathLst>
-              <a:path extrusionOk="0" h="120000" w="120000">
+              <a:path w="120000" h="120000" extrusionOk="0">
                 <a:moveTo>
                   <a:pt x="0" y="0"/>
                 </a:moveTo>
@@ -2253,9 +2356,11 @@
       <p:sp>
         <p:nvSpPr>
           <p:cNvPr id="160" name="Google Shape;160;gd090ae79ee_7_17:notes"/>
-          <p:cNvSpPr txBox="1"/>
+          <p:cNvSpPr txBox="1">
+            <a:spLocks noGrp="1"/>
+          </p:cNvSpPr>
           <p:nvPr>
-            <p:ph idx="1" type="body"/>
+            <p:ph type="body" idx="1"/>
           </p:nvPr>
         </p:nvSpPr>
         <p:spPr>
@@ -2268,12 +2373,12 @@
           </a:prstGeom>
         </p:spPr>
         <p:txBody>
-          <a:bodyPr anchorCtr="0" anchor="t" bIns="91425" lIns="91425" spcFirstLastPara="1" rIns="91425" wrap="square" tIns="91425">
+          <a:bodyPr spcFirstLastPara="1" wrap="square" lIns="91425" tIns="91425" rIns="91425" bIns="91425" anchor="t" anchorCtr="0">
             <a:noAutofit/>
           </a:bodyPr>
           <a:lstStyle/>
           <a:p>
-            <a:pPr indent="0" lvl="0" marL="0" rtl="0" algn="l">
+            <a:pPr marL="0" lvl="0" indent="0" algn="l" rtl="0">
               <a:spcBef>
                 <a:spcPts val="0"/>
               </a:spcBef>
@@ -2282,9 +2387,6 @@
               </a:spcAft>
               <a:buNone/>
             </a:pPr>
-            <a:r>
-              <a:t/>
-            </a:r>
             <a:endParaRPr/>
           </a:p>
         </p:txBody>
@@ -2298,11 +2400,11 @@
 </file>
 
 <file path=ppt/notesSlides/notesSlide7.xml><?xml version="1.0" encoding="utf-8"?>
-<p:notes xmlns:a="http://schemas.openxmlformats.org/drawingml/2006/main" xmlns:r="http://schemas.openxmlformats.org/officeDocument/2006/relationships" xmlns:mc="http://schemas.openxmlformats.org/markup-compatibility/2006" xmlns:mv="urn:schemas-microsoft-com:mac:vml" xmlns:p="http://schemas.openxmlformats.org/presentationml/2006/main" xmlns:c="http://schemas.openxmlformats.org/drawingml/2006/chart" xmlns:dgm="http://schemas.openxmlformats.org/drawingml/2006/diagram" xmlns:o="urn:schemas-microsoft-com:office:office" xmlns:v="urn:schemas-microsoft-com:vml" xmlns:pvml="urn:schemas-microsoft-com:office:powerpoint" xmlns:com="http://schemas.openxmlformats.org/drawingml/2006/compatibility" xmlns:p14="http://schemas.microsoft.com/office/powerpoint/2010/main" xmlns:p15="http://schemas.microsoft.com/office/powerpoint/2012/main" xmlns:ahyp="http://schemas.microsoft.com/office/drawing/2018/hyperlinkcolor" showMasterPhAnim="0" showMasterSp="0">
+<p:notes xmlns:a="http://schemas.openxmlformats.org/drawingml/2006/main" xmlns:r="http://schemas.openxmlformats.org/officeDocument/2006/relationships" xmlns:p="http://schemas.openxmlformats.org/presentationml/2006/main" showMasterSp="0" showMasterPhAnim="0">
   <p:cSld>
     <p:spTree>
       <p:nvGrpSpPr>
-        <p:cNvPr id="165" name="Shape 165"/>
+        <p:cNvPr id="1" name="Shape 165"/>
         <p:cNvGrpSpPr/>
         <p:nvPr/>
       </p:nvGrpSpPr>
@@ -2317,9 +2419,11 @@
       <p:sp>
         <p:nvSpPr>
           <p:cNvPr id="166" name="Google Shape;166;gd090ae79ee_7_23:notes"/>
-          <p:cNvSpPr/>
+          <p:cNvSpPr>
+            <a:spLocks noGrp="1" noRot="1" noChangeAspect="1"/>
+          </p:cNvSpPr>
           <p:nvPr>
-            <p:ph idx="2" type="sldImg"/>
+            <p:ph type="sldImg" idx="2"/>
           </p:nvPr>
         </p:nvSpPr>
         <p:spPr>
@@ -2328,9 +2432,13 @@
             <a:ext cx="6096000" cy="3429000"/>
           </a:xfrm>
           <a:custGeom>
-            <a:rect b="b" l="l" r="r" t="t"/>
+            <a:avLst/>
+            <a:gdLst/>
+            <a:ahLst/>
+            <a:cxnLst/>
+            <a:rect l="l" t="t" r="r" b="b"/>
             <a:pathLst>
-              <a:path extrusionOk="0" h="120000" w="120000">
+              <a:path w="120000" h="120000" extrusionOk="0">
                 <a:moveTo>
                   <a:pt x="0" y="0"/>
                 </a:moveTo>
@@ -2352,9 +2460,11 @@
       <p:sp>
         <p:nvSpPr>
           <p:cNvPr id="167" name="Google Shape;167;gd090ae79ee_7_23:notes"/>
-          <p:cNvSpPr txBox="1"/>
+          <p:cNvSpPr txBox="1">
+            <a:spLocks noGrp="1"/>
+          </p:cNvSpPr>
           <p:nvPr>
-            <p:ph idx="1" type="body"/>
+            <p:ph type="body" idx="1"/>
           </p:nvPr>
         </p:nvSpPr>
         <p:spPr>
@@ -2367,12 +2477,12 @@
           </a:prstGeom>
         </p:spPr>
         <p:txBody>
-          <a:bodyPr anchorCtr="0" anchor="t" bIns="91425" lIns="91425" spcFirstLastPara="1" rIns="91425" wrap="square" tIns="91425">
+          <a:bodyPr spcFirstLastPara="1" wrap="square" lIns="91425" tIns="91425" rIns="91425" bIns="91425" anchor="t" anchorCtr="0">
             <a:noAutofit/>
           </a:bodyPr>
           <a:lstStyle/>
           <a:p>
-            <a:pPr indent="0" lvl="0" marL="0" rtl="0" algn="l">
+            <a:pPr marL="0" lvl="0" indent="0" algn="l" rtl="0">
               <a:spcBef>
                 <a:spcPts val="0"/>
               </a:spcBef>
@@ -2381,9 +2491,6 @@
               </a:spcAft>
               <a:buNone/>
             </a:pPr>
-            <a:r>
-              <a:t/>
-            </a:r>
             <a:endParaRPr/>
           </a:p>
         </p:txBody>
@@ -2397,11 +2504,11 @@
 </file>
 
 <file path=ppt/notesSlides/notesSlide8.xml><?xml version="1.0" encoding="utf-8"?>
-<p:notes xmlns:a="http://schemas.openxmlformats.org/drawingml/2006/main" xmlns:r="http://schemas.openxmlformats.org/officeDocument/2006/relationships" xmlns:mc="http://schemas.openxmlformats.org/markup-compatibility/2006" xmlns:mv="urn:schemas-microsoft-com:mac:vml" xmlns:p="http://schemas.openxmlformats.org/presentationml/2006/main" xmlns:c="http://schemas.openxmlformats.org/drawingml/2006/chart" xmlns:dgm="http://schemas.openxmlformats.org/drawingml/2006/diagram" xmlns:o="urn:schemas-microsoft-com:office:office" xmlns:v="urn:schemas-microsoft-com:vml" xmlns:pvml="urn:schemas-microsoft-com:office:powerpoint" xmlns:com="http://schemas.openxmlformats.org/drawingml/2006/compatibility" xmlns:p14="http://schemas.microsoft.com/office/powerpoint/2010/main" xmlns:p15="http://schemas.microsoft.com/office/powerpoint/2012/main" xmlns:ahyp="http://schemas.microsoft.com/office/drawing/2018/hyperlinkcolor" showMasterPhAnim="0" showMasterSp="0">
+<p:notes xmlns:a="http://schemas.openxmlformats.org/drawingml/2006/main" xmlns:r="http://schemas.openxmlformats.org/officeDocument/2006/relationships" xmlns:p="http://schemas.openxmlformats.org/presentationml/2006/main" showMasterSp="0" showMasterPhAnim="0">
   <p:cSld>
     <p:spTree>
       <p:nvGrpSpPr>
-        <p:cNvPr id="172" name="Shape 172"/>
+        <p:cNvPr id="1" name="Shape 172"/>
         <p:cNvGrpSpPr/>
         <p:nvPr/>
       </p:nvGrpSpPr>
@@ -2416,9 +2523,11 @@
       <p:sp>
         <p:nvSpPr>
           <p:cNvPr id="173" name="Google Shape;173;gd090ae79ee_0_22:notes"/>
-          <p:cNvSpPr/>
+          <p:cNvSpPr>
+            <a:spLocks noGrp="1" noRot="1" noChangeAspect="1"/>
+          </p:cNvSpPr>
           <p:nvPr>
-            <p:ph idx="2" type="sldImg"/>
+            <p:ph type="sldImg" idx="2"/>
           </p:nvPr>
         </p:nvSpPr>
         <p:spPr>
@@ -2427,9 +2536,13 @@
             <a:ext cx="6096000" cy="3429000"/>
           </a:xfrm>
           <a:custGeom>
-            <a:rect b="b" l="l" r="r" t="t"/>
+            <a:avLst/>
+            <a:gdLst/>
+            <a:ahLst/>
+            <a:cxnLst/>
+            <a:rect l="l" t="t" r="r" b="b"/>
             <a:pathLst>
-              <a:path extrusionOk="0" h="120000" w="120000">
+              <a:path w="120000" h="120000" extrusionOk="0">
                 <a:moveTo>
                   <a:pt x="0" y="0"/>
                 </a:moveTo>
@@ -2451,9 +2564,11 @@
       <p:sp>
         <p:nvSpPr>
           <p:cNvPr id="174" name="Google Shape;174;gd090ae79ee_0_22:notes"/>
-          <p:cNvSpPr txBox="1"/>
+          <p:cNvSpPr txBox="1">
+            <a:spLocks noGrp="1"/>
+          </p:cNvSpPr>
           <p:nvPr>
-            <p:ph idx="1" type="body"/>
+            <p:ph type="body" idx="1"/>
           </p:nvPr>
         </p:nvSpPr>
         <p:spPr>
@@ -2466,12 +2581,12 @@
           </a:prstGeom>
         </p:spPr>
         <p:txBody>
-          <a:bodyPr anchorCtr="0" anchor="t" bIns="91425" lIns="91425" spcFirstLastPara="1" rIns="91425" wrap="square" tIns="91425">
+          <a:bodyPr spcFirstLastPara="1" wrap="square" lIns="91425" tIns="91425" rIns="91425" bIns="91425" anchor="t" anchorCtr="0">
             <a:noAutofit/>
           </a:bodyPr>
           <a:lstStyle/>
           <a:p>
-            <a:pPr indent="0" lvl="0" marL="0" rtl="0" algn="l">
+            <a:pPr marL="0" lvl="0" indent="0" algn="l" rtl="0">
               <a:spcBef>
                 <a:spcPts val="0"/>
               </a:spcBef>
@@ -2480,9 +2595,6 @@
               </a:spcAft>
               <a:buNone/>
             </a:pPr>
-            <a:r>
-              <a:t/>
-            </a:r>
             <a:endParaRPr/>
           </a:p>
         </p:txBody>
@@ -2496,11 +2608,11 @@
 </file>
 
 <file path=ppt/notesSlides/notesSlide9.xml><?xml version="1.0" encoding="utf-8"?>
-<p:notes xmlns:a="http://schemas.openxmlformats.org/drawingml/2006/main" xmlns:r="http://schemas.openxmlformats.org/officeDocument/2006/relationships" xmlns:mc="http://schemas.openxmlformats.org/markup-compatibility/2006" xmlns:mv="urn:schemas-microsoft-com:mac:vml" xmlns:p="http://schemas.openxmlformats.org/presentationml/2006/main" xmlns:c="http://schemas.openxmlformats.org/drawingml/2006/chart" xmlns:dgm="http://schemas.openxmlformats.org/drawingml/2006/diagram" xmlns:o="urn:schemas-microsoft-com:office:office" xmlns:v="urn:schemas-microsoft-com:vml" xmlns:pvml="urn:schemas-microsoft-com:office:powerpoint" xmlns:com="http://schemas.openxmlformats.org/drawingml/2006/compatibility" xmlns:p14="http://schemas.microsoft.com/office/powerpoint/2010/main" xmlns:p15="http://schemas.microsoft.com/office/powerpoint/2012/main" xmlns:ahyp="http://schemas.microsoft.com/office/drawing/2018/hyperlinkcolor" showMasterPhAnim="0" showMasterSp="0">
+<p:notes xmlns:a="http://schemas.openxmlformats.org/drawingml/2006/main" xmlns:r="http://schemas.openxmlformats.org/officeDocument/2006/relationships" xmlns:p="http://schemas.openxmlformats.org/presentationml/2006/main" showMasterSp="0" showMasterPhAnim="0">
   <p:cSld>
     <p:spTree>
       <p:nvGrpSpPr>
-        <p:cNvPr id="179" name="Shape 179"/>
+        <p:cNvPr id="1" name="Shape 179"/>
         <p:cNvGrpSpPr/>
         <p:nvPr/>
       </p:nvGrpSpPr>
@@ -2515,9 +2627,11 @@
       <p:sp>
         <p:nvSpPr>
           <p:cNvPr id="180" name="Google Shape;180;gd090ae79ee_7_29:notes"/>
-          <p:cNvSpPr/>
+          <p:cNvSpPr>
+            <a:spLocks noGrp="1" noRot="1" noChangeAspect="1"/>
+          </p:cNvSpPr>
           <p:nvPr>
-            <p:ph idx="2" type="sldImg"/>
+            <p:ph type="sldImg" idx="2"/>
           </p:nvPr>
         </p:nvSpPr>
         <p:spPr>
@@ -2526,9 +2640,13 @@
             <a:ext cx="6096000" cy="3429000"/>
           </a:xfrm>
           <a:custGeom>
-            <a:rect b="b" l="l" r="r" t="t"/>
+            <a:avLst/>
+            <a:gdLst/>
+            <a:ahLst/>
+            <a:cxnLst/>
+            <a:rect l="l" t="t" r="r" b="b"/>
             <a:pathLst>
-              <a:path extrusionOk="0" h="120000" w="120000">
+              <a:path w="120000" h="120000" extrusionOk="0">
                 <a:moveTo>
                   <a:pt x="0" y="0"/>
                 </a:moveTo>
@@ -2550,9 +2668,11 @@
       <p:sp>
         <p:nvSpPr>
           <p:cNvPr id="181" name="Google Shape;181;gd090ae79ee_7_29:notes"/>
-          <p:cNvSpPr txBox="1"/>
+          <p:cNvSpPr txBox="1">
+            <a:spLocks noGrp="1"/>
+          </p:cNvSpPr>
           <p:nvPr>
-            <p:ph idx="1" type="body"/>
+            <p:ph type="body" idx="1"/>
           </p:nvPr>
         </p:nvSpPr>
         <p:spPr>
@@ -2565,12 +2685,12 @@
           </a:prstGeom>
         </p:spPr>
         <p:txBody>
-          <a:bodyPr anchorCtr="0" anchor="t" bIns="91425" lIns="91425" spcFirstLastPara="1" rIns="91425" wrap="square" tIns="91425">
+          <a:bodyPr spcFirstLastPara="1" wrap="square" lIns="91425" tIns="91425" rIns="91425" bIns="91425" anchor="t" anchorCtr="0">
             <a:noAutofit/>
           </a:bodyPr>
           <a:lstStyle/>
           <a:p>
-            <a:pPr indent="0" lvl="0" marL="0" rtl="0" algn="l">
+            <a:pPr marL="0" lvl="0" indent="0" algn="l" rtl="0">
               <a:spcBef>
                 <a:spcPts val="0"/>
               </a:spcBef>
@@ -2579,9 +2699,6 @@
               </a:spcAft>
               <a:buNone/>
             </a:pPr>
-            <a:r>
-              <a:t/>
-            </a:r>
             <a:endParaRPr/>
           </a:p>
         </p:txBody>
@@ -2595,18 +2712,19 @@
 </file>
 
 <file path=ppt/slideLayouts/slideLayout1.xml><?xml version="1.0" encoding="utf-8"?>
-<p:sldLayout xmlns:a="http://schemas.openxmlformats.org/drawingml/2006/main" xmlns:r="http://schemas.openxmlformats.org/officeDocument/2006/relationships" xmlns:mc="http://schemas.openxmlformats.org/markup-compatibility/2006" xmlns:mv="urn:schemas-microsoft-com:mac:vml" xmlns:p="http://schemas.openxmlformats.org/presentationml/2006/main" xmlns:c="http://schemas.openxmlformats.org/drawingml/2006/chart" xmlns:dgm="http://schemas.openxmlformats.org/drawingml/2006/diagram" xmlns:o="urn:schemas-microsoft-com:office:office" xmlns:v="urn:schemas-microsoft-com:vml" xmlns:pvml="urn:schemas-microsoft-com:office:powerpoint" xmlns:com="http://schemas.openxmlformats.org/drawingml/2006/compatibility" xmlns:p14="http://schemas.microsoft.com/office/powerpoint/2010/main" xmlns:p15="http://schemas.microsoft.com/office/powerpoint/2012/main" xmlns:ahyp="http://schemas.microsoft.com/office/drawing/2018/hyperlinkcolor" matchingName="Title slide" type="title">
+<p:sldLayout xmlns:a="http://schemas.openxmlformats.org/drawingml/2006/main" xmlns:r="http://schemas.openxmlformats.org/officeDocument/2006/relationships" xmlns:p="http://schemas.openxmlformats.org/presentationml/2006/main" matchingName="Title slide" type="title">
   <p:cSld name="TITLE">
     <p:bg>
       <p:bgPr>
         <a:solidFill>
           <a:schemeClr val="accent6"/>
         </a:solidFill>
+        <a:effectLst/>
       </p:bgPr>
     </p:bg>
     <p:spTree>
       <p:nvGrpSpPr>
-        <p:cNvPr id="9" name="Shape 9"/>
+        <p:cNvPr id="1" name="Shape 9"/>
         <p:cNvGrpSpPr/>
         <p:nvPr/>
       </p:nvGrpSpPr>
@@ -2640,12 +2758,12 @@
           </a:ln>
         </p:spPr>
         <p:txBody>
-          <a:bodyPr anchorCtr="0" anchor="ctr" bIns="91425" lIns="91425" spcFirstLastPara="1" rIns="91425" wrap="square" tIns="91425">
+          <a:bodyPr spcFirstLastPara="1" wrap="square" lIns="91425" tIns="91425" rIns="91425" bIns="91425" anchor="ctr" anchorCtr="0">
             <a:noAutofit/>
           </a:bodyPr>
           <a:lstStyle/>
           <a:p>
-            <a:pPr indent="0" lvl="0" marL="0" rtl="0" algn="l">
+            <a:pPr marL="0" lvl="0" indent="0" algn="l" rtl="0">
               <a:spcBef>
                 <a:spcPts val="0"/>
               </a:spcBef>
@@ -2654,9 +2772,6 @@
               </a:spcAft>
               <a:buNone/>
             </a:pPr>
-            <a:r>
-              <a:t/>
-            </a:r>
             <a:endParaRPr/>
           </a:p>
         </p:txBody>
@@ -2683,12 +2798,12 @@
           </a:ln>
         </p:spPr>
         <p:txBody>
-          <a:bodyPr anchorCtr="0" anchor="ctr" bIns="91425" lIns="91425" spcFirstLastPara="1" rIns="91425" wrap="square" tIns="91425">
+          <a:bodyPr spcFirstLastPara="1" wrap="square" lIns="91425" tIns="91425" rIns="91425" bIns="91425" anchor="ctr" anchorCtr="0">
             <a:noAutofit/>
           </a:bodyPr>
           <a:lstStyle/>
           <a:p>
-            <a:pPr indent="0" lvl="0" marL="0" rtl="0" algn="l">
+            <a:pPr marL="0" lvl="0" indent="0" algn="l" rtl="0">
               <a:spcBef>
                 <a:spcPts val="0"/>
               </a:spcBef>
@@ -2697,9 +2812,6 @@
               </a:spcAft>
               <a:buNone/>
             </a:pPr>
-            <a:r>
-              <a:t/>
-            </a:r>
             <a:endParaRPr/>
           </a:p>
         </p:txBody>
@@ -2726,12 +2838,12 @@
           </a:ln>
         </p:spPr>
         <p:txBody>
-          <a:bodyPr anchorCtr="0" anchor="ctr" bIns="91425" lIns="91425" spcFirstLastPara="1" rIns="91425" wrap="square" tIns="91425">
+          <a:bodyPr spcFirstLastPara="1" wrap="square" lIns="91425" tIns="91425" rIns="91425" bIns="91425" anchor="ctr" anchorCtr="0">
             <a:noAutofit/>
           </a:bodyPr>
           <a:lstStyle/>
           <a:p>
-            <a:pPr indent="0" lvl="0" marL="0" rtl="0" algn="l">
+            <a:pPr marL="0" lvl="0" indent="0" algn="l" rtl="0">
               <a:spcBef>
                 <a:spcPts val="0"/>
               </a:spcBef>
@@ -2740,9 +2852,6 @@
               </a:spcAft>
               <a:buNone/>
             </a:pPr>
-            <a:r>
-              <a:t/>
-            </a:r>
             <a:endParaRPr/>
           </a:p>
         </p:txBody>
@@ -2768,7 +2877,7 @@
             <a:noFill/>
           </a:ln>
           <a:effectLst>
-            <a:outerShdw blurRad="228600" sx="101000" rotWithShape="0" algn="ctr" sy="101000">
+            <a:outerShdw blurRad="228600" sx="101000" sy="101000" algn="ctr" rotWithShape="0">
               <a:srgbClr val="000000">
                 <a:alpha val="40000"/>
               </a:srgbClr>
@@ -2776,12 +2885,12 @@
           </a:effectLst>
         </p:spPr>
         <p:txBody>
-          <a:bodyPr anchorCtr="0" anchor="ctr" bIns="91425" lIns="91425" spcFirstLastPara="1" rIns="91425" wrap="square" tIns="91425">
+          <a:bodyPr spcFirstLastPara="1" wrap="square" lIns="91425" tIns="91425" rIns="91425" bIns="91425" anchor="ctr" anchorCtr="0">
             <a:noAutofit/>
           </a:bodyPr>
           <a:lstStyle/>
           <a:p>
-            <a:pPr indent="0" lvl="0" marL="0" rtl="0" algn="l">
+            <a:pPr marL="0" lvl="0" indent="0" algn="l" rtl="0">
               <a:spcBef>
                 <a:spcPts val="0"/>
               </a:spcBef>
@@ -2790,9 +2899,6 @@
               </a:spcAft>
               <a:buNone/>
             </a:pPr>
-            <a:r>
-              <a:t/>
-            </a:r>
             <a:endParaRPr/>
           </a:p>
         </p:txBody>
@@ -2824,7 +2930,7 @@
             </a:xfrm>
             <a:prstGeom prst="parallelogram">
               <a:avLst>
-                <a:gd fmla="val 153193" name="adj"/>
+                <a:gd name="adj" fmla="val 153193"/>
               </a:avLst>
             </a:prstGeom>
             <a:solidFill>
@@ -2835,12 +2941,12 @@
             </a:ln>
           </p:spPr>
           <p:txBody>
-            <a:bodyPr anchorCtr="0" anchor="ctr" bIns="91425" lIns="91425" spcFirstLastPara="1" rIns="91425" wrap="square" tIns="91425">
+            <a:bodyPr spcFirstLastPara="1" wrap="square" lIns="91425" tIns="91425" rIns="91425" bIns="91425" anchor="ctr" anchorCtr="0">
               <a:noAutofit/>
             </a:bodyPr>
             <a:lstStyle/>
             <a:p>
-              <a:pPr indent="0" lvl="0" marL="0" rtl="0" algn="l">
+              <a:pPr marL="0" lvl="0" indent="0" algn="l" rtl="0">
                 <a:spcBef>
                   <a:spcPts val="0"/>
                 </a:spcBef>
@@ -2849,9 +2955,6 @@
                 </a:spcAft>
                 <a:buNone/>
               </a:pPr>
-              <a:r>
-                <a:t/>
-              </a:r>
               <a:endParaRPr/>
             </a:p>
           </p:txBody>
@@ -2869,7 +2972,7 @@
             </a:xfrm>
             <a:prstGeom prst="parallelogram">
               <a:avLst>
-                <a:gd fmla="val 153193" name="adj"/>
+                <a:gd name="adj" fmla="val 153193"/>
               </a:avLst>
             </a:prstGeom>
             <a:solidFill>
@@ -2880,12 +2983,12 @@
             </a:ln>
           </p:spPr>
           <p:txBody>
-            <a:bodyPr anchorCtr="0" anchor="ctr" bIns="91425" lIns="91425" spcFirstLastPara="1" rIns="91425" wrap="square" tIns="91425">
+            <a:bodyPr spcFirstLastPara="1" wrap="square" lIns="91425" tIns="91425" rIns="91425" bIns="91425" anchor="ctr" anchorCtr="0">
               <a:noAutofit/>
             </a:bodyPr>
             <a:lstStyle/>
             <a:p>
-              <a:pPr indent="0" lvl="0" marL="0" rtl="0" algn="l">
+              <a:pPr marL="0" lvl="0" indent="0" algn="l" rtl="0">
                 <a:spcBef>
                   <a:spcPts val="0"/>
                 </a:spcBef>
@@ -2894,9 +2997,6 @@
                 </a:spcAft>
                 <a:buNone/>
               </a:pPr>
-              <a:r>
-                <a:t/>
-              </a:r>
               <a:endParaRPr/>
             </a:p>
           </p:txBody>
@@ -2914,7 +3014,7 @@
             </a:xfrm>
             <a:prstGeom prst="parallelogram">
               <a:avLst>
-                <a:gd fmla="val 153193" name="adj"/>
+                <a:gd name="adj" fmla="val 153193"/>
               </a:avLst>
             </a:prstGeom>
             <a:solidFill>
@@ -2925,12 +3025,12 @@
             </a:ln>
           </p:spPr>
           <p:txBody>
-            <a:bodyPr anchorCtr="0" anchor="ctr" bIns="91425" lIns="91425" spcFirstLastPara="1" rIns="91425" wrap="square" tIns="91425">
+            <a:bodyPr spcFirstLastPara="1" wrap="square" lIns="91425" tIns="91425" rIns="91425" bIns="91425" anchor="ctr" anchorCtr="0">
               <a:noAutofit/>
             </a:bodyPr>
             <a:lstStyle/>
             <a:p>
-              <a:pPr indent="0" lvl="0" marL="0" rtl="0" algn="l">
+              <a:pPr marL="0" lvl="0" indent="0" algn="l" rtl="0">
                 <a:spcBef>
                   <a:spcPts val="0"/>
                 </a:spcBef>
@@ -2939,9 +3039,6 @@
                 </a:spcAft>
                 <a:buNone/>
               </a:pPr>
-              <a:r>
-                <a:t/>
-              </a:r>
               <a:endParaRPr/>
             </a:p>
           </p:txBody>
@@ -2974,7 +3071,7 @@
             </a:xfrm>
             <a:prstGeom prst="parallelogram">
               <a:avLst>
-                <a:gd fmla="val 153193" name="adj"/>
+                <a:gd name="adj" fmla="val 153193"/>
               </a:avLst>
             </a:prstGeom>
             <a:solidFill>
@@ -2985,12 +3082,12 @@
             </a:ln>
           </p:spPr>
           <p:txBody>
-            <a:bodyPr anchorCtr="0" anchor="ctr" bIns="91425" lIns="91425" spcFirstLastPara="1" rIns="91425" wrap="square" tIns="91425">
+            <a:bodyPr spcFirstLastPara="1" wrap="square" lIns="91425" tIns="91425" rIns="91425" bIns="91425" anchor="ctr" anchorCtr="0">
               <a:noAutofit/>
             </a:bodyPr>
             <a:lstStyle/>
             <a:p>
-              <a:pPr indent="0" lvl="0" marL="0" rtl="0" algn="l">
+              <a:pPr marL="0" lvl="0" indent="0" algn="l" rtl="0">
                 <a:spcBef>
                   <a:spcPts val="0"/>
                 </a:spcBef>
@@ -2999,9 +3096,6 @@
                 </a:spcAft>
                 <a:buNone/>
               </a:pPr>
-              <a:r>
-                <a:t/>
-              </a:r>
               <a:endParaRPr/>
             </a:p>
           </p:txBody>
@@ -3019,7 +3113,7 @@
             </a:xfrm>
             <a:prstGeom prst="parallelogram">
               <a:avLst>
-                <a:gd fmla="val 153193" name="adj"/>
+                <a:gd name="adj" fmla="val 153193"/>
               </a:avLst>
             </a:prstGeom>
             <a:solidFill>
@@ -3030,12 +3124,12 @@
             </a:ln>
           </p:spPr>
           <p:txBody>
-            <a:bodyPr anchorCtr="0" anchor="ctr" bIns="91425" lIns="91425" spcFirstLastPara="1" rIns="91425" wrap="square" tIns="91425">
+            <a:bodyPr spcFirstLastPara="1" wrap="square" lIns="91425" tIns="91425" rIns="91425" bIns="91425" anchor="ctr" anchorCtr="0">
               <a:noAutofit/>
             </a:bodyPr>
             <a:lstStyle/>
             <a:p>
-              <a:pPr indent="0" lvl="0" marL="0" rtl="0" algn="l">
+              <a:pPr marL="0" lvl="0" indent="0" algn="l" rtl="0">
                 <a:spcBef>
                   <a:spcPts val="0"/>
                 </a:spcBef>
@@ -3044,9 +3138,6 @@
                 </a:spcAft>
                 <a:buNone/>
               </a:pPr>
-              <a:r>
-                <a:t/>
-              </a:r>
               <a:endParaRPr/>
             </a:p>
           </p:txBody>
@@ -3064,7 +3155,7 @@
             </a:xfrm>
             <a:prstGeom prst="parallelogram">
               <a:avLst>
-                <a:gd fmla="val 153193" name="adj"/>
+                <a:gd name="adj" fmla="val 153193"/>
               </a:avLst>
             </a:prstGeom>
             <a:solidFill>
@@ -3075,12 +3166,12 @@
             </a:ln>
           </p:spPr>
           <p:txBody>
-            <a:bodyPr anchorCtr="0" anchor="ctr" bIns="91425" lIns="91425" spcFirstLastPara="1" rIns="91425" wrap="square" tIns="91425">
+            <a:bodyPr spcFirstLastPara="1" wrap="square" lIns="91425" tIns="91425" rIns="91425" bIns="91425" anchor="ctr" anchorCtr="0">
               <a:noAutofit/>
             </a:bodyPr>
             <a:lstStyle/>
             <a:p>
-              <a:pPr indent="0" lvl="0" marL="0" rtl="0" algn="l">
+              <a:pPr marL="0" lvl="0" indent="0" algn="l" rtl="0">
                 <a:spcBef>
                   <a:spcPts val="0"/>
                 </a:spcBef>
@@ -3089,9 +3180,6 @@
                 </a:spcAft>
                 <a:buNone/>
               </a:pPr>
-              <a:r>
-                <a:t/>
-              </a:r>
               <a:endParaRPr/>
             </a:p>
           </p:txBody>
@@ -3124,7 +3212,7 @@
             </a:xfrm>
             <a:prstGeom prst="parallelogram">
               <a:avLst>
-                <a:gd fmla="val 158024" name="adj"/>
+                <a:gd name="adj" fmla="val 158024"/>
               </a:avLst>
             </a:prstGeom>
             <a:solidFill>
@@ -3135,12 +3223,12 @@
             </a:ln>
           </p:spPr>
           <p:txBody>
-            <a:bodyPr anchorCtr="0" anchor="ctr" bIns="91425" lIns="91425" spcFirstLastPara="1" rIns="91425" wrap="square" tIns="91425">
+            <a:bodyPr spcFirstLastPara="1" wrap="square" lIns="91425" tIns="91425" rIns="91425" bIns="91425" anchor="ctr" anchorCtr="0">
               <a:noAutofit/>
             </a:bodyPr>
             <a:lstStyle/>
             <a:p>
-              <a:pPr indent="0" lvl="0" marL="0" rtl="0" algn="l">
+              <a:pPr marL="0" lvl="0" indent="0" algn="l" rtl="0">
                 <a:spcBef>
                   <a:spcPts val="0"/>
                 </a:spcBef>
@@ -3149,9 +3237,6 @@
                 </a:spcAft>
                 <a:buNone/>
               </a:pPr>
-              <a:r>
-                <a:t/>
-              </a:r>
               <a:endParaRPr/>
             </a:p>
           </p:txBody>
@@ -3169,7 +3254,7 @@
             </a:xfrm>
             <a:prstGeom prst="parallelogram">
               <a:avLst>
-                <a:gd fmla="val 158024" name="adj"/>
+                <a:gd name="adj" fmla="val 158024"/>
               </a:avLst>
             </a:prstGeom>
             <a:solidFill>
@@ -3180,12 +3265,12 @@
             </a:ln>
           </p:spPr>
           <p:txBody>
-            <a:bodyPr anchorCtr="0" anchor="ctr" bIns="91425" lIns="91425" spcFirstLastPara="1" rIns="91425" wrap="square" tIns="91425">
+            <a:bodyPr spcFirstLastPara="1" wrap="square" lIns="91425" tIns="91425" rIns="91425" bIns="91425" anchor="ctr" anchorCtr="0">
               <a:noAutofit/>
             </a:bodyPr>
             <a:lstStyle/>
             <a:p>
-              <a:pPr indent="0" lvl="0" marL="0" rtl="0" algn="l">
+              <a:pPr marL="0" lvl="0" indent="0" algn="l" rtl="0">
                 <a:spcBef>
                   <a:spcPts val="0"/>
                 </a:spcBef>
@@ -3194,9 +3279,6 @@
                 </a:spcAft>
                 <a:buNone/>
               </a:pPr>
-              <a:r>
-                <a:t/>
-              </a:r>
               <a:endParaRPr/>
             </a:p>
           </p:txBody>
@@ -3214,7 +3296,7 @@
             </a:xfrm>
             <a:prstGeom prst="parallelogram">
               <a:avLst>
-                <a:gd fmla="val 158024" name="adj"/>
+                <a:gd name="adj" fmla="val 158024"/>
               </a:avLst>
             </a:prstGeom>
             <a:solidFill>
@@ -3225,12 +3307,12 @@
             </a:ln>
           </p:spPr>
           <p:txBody>
-            <a:bodyPr anchorCtr="0" anchor="ctr" bIns="91425" lIns="91425" spcFirstLastPara="1" rIns="91425" wrap="square" tIns="91425">
+            <a:bodyPr spcFirstLastPara="1" wrap="square" lIns="91425" tIns="91425" rIns="91425" bIns="91425" anchor="ctr" anchorCtr="0">
               <a:noAutofit/>
             </a:bodyPr>
             <a:lstStyle/>
             <a:p>
-              <a:pPr indent="0" lvl="0" marL="0" rtl="0" algn="l">
+              <a:pPr marL="0" lvl="0" indent="0" algn="l" rtl="0">
                 <a:spcBef>
                   <a:spcPts val="0"/>
                 </a:spcBef>
@@ -3239,9 +3321,6 @@
                 </a:spcAft>
                 <a:buNone/>
               </a:pPr>
-              <a:r>
-                <a:t/>
-              </a:r>
               <a:endParaRPr/>
             </a:p>
           </p:txBody>
@@ -3274,7 +3353,7 @@
             </a:xfrm>
             <a:prstGeom prst="parallelogram">
               <a:avLst>
-                <a:gd fmla="val 158024" name="adj"/>
+                <a:gd name="adj" fmla="val 158024"/>
               </a:avLst>
             </a:prstGeom>
             <a:solidFill>
@@ -3285,12 +3364,12 @@
             </a:ln>
           </p:spPr>
           <p:txBody>
-            <a:bodyPr anchorCtr="0" anchor="ctr" bIns="91425" lIns="91425" spcFirstLastPara="1" rIns="91425" wrap="square" tIns="91425">
+            <a:bodyPr spcFirstLastPara="1" wrap="square" lIns="91425" tIns="91425" rIns="91425" bIns="91425" anchor="ctr" anchorCtr="0">
               <a:noAutofit/>
             </a:bodyPr>
             <a:lstStyle/>
             <a:p>
-              <a:pPr indent="0" lvl="0" marL="0" rtl="0" algn="l">
+              <a:pPr marL="0" lvl="0" indent="0" algn="l" rtl="0">
                 <a:spcBef>
                   <a:spcPts val="0"/>
                 </a:spcBef>
@@ -3299,9 +3378,6 @@
                 </a:spcAft>
                 <a:buNone/>
               </a:pPr>
-              <a:r>
-                <a:t/>
-              </a:r>
               <a:endParaRPr/>
             </a:p>
           </p:txBody>
@@ -3319,7 +3395,7 @@
             </a:xfrm>
             <a:prstGeom prst="parallelogram">
               <a:avLst>
-                <a:gd fmla="val 158024" name="adj"/>
+                <a:gd name="adj" fmla="val 158024"/>
               </a:avLst>
             </a:prstGeom>
             <a:solidFill>
@@ -3330,12 +3406,12 @@
             </a:ln>
           </p:spPr>
           <p:txBody>
-            <a:bodyPr anchorCtr="0" anchor="ctr" bIns="91425" lIns="91425" spcFirstLastPara="1" rIns="91425" wrap="square" tIns="91425">
+            <a:bodyPr spcFirstLastPara="1" wrap="square" lIns="91425" tIns="91425" rIns="91425" bIns="91425" anchor="ctr" anchorCtr="0">
               <a:noAutofit/>
             </a:bodyPr>
             <a:lstStyle/>
             <a:p>
-              <a:pPr indent="0" lvl="0" marL="0" rtl="0" algn="l">
+              <a:pPr marL="0" lvl="0" indent="0" algn="l" rtl="0">
                 <a:spcBef>
                   <a:spcPts val="0"/>
                 </a:spcBef>
@@ -3344,9 +3420,6 @@
                 </a:spcAft>
                 <a:buNone/>
               </a:pPr>
-              <a:r>
-                <a:t/>
-              </a:r>
               <a:endParaRPr/>
             </a:p>
           </p:txBody>
@@ -3364,7 +3437,7 @@
             </a:xfrm>
             <a:prstGeom prst="parallelogram">
               <a:avLst>
-                <a:gd fmla="val 158024" name="adj"/>
+                <a:gd name="adj" fmla="val 158024"/>
               </a:avLst>
             </a:prstGeom>
             <a:solidFill>
@@ -3375,12 +3448,12 @@
             </a:ln>
           </p:spPr>
           <p:txBody>
-            <a:bodyPr anchorCtr="0" anchor="ctr" bIns="91425" lIns="91425" spcFirstLastPara="1" rIns="91425" wrap="square" tIns="91425">
+            <a:bodyPr spcFirstLastPara="1" wrap="square" lIns="91425" tIns="91425" rIns="91425" bIns="91425" anchor="ctr" anchorCtr="0">
               <a:noAutofit/>
             </a:bodyPr>
             <a:lstStyle/>
             <a:p>
-              <a:pPr indent="0" lvl="0" marL="0" rtl="0" algn="l">
+              <a:pPr marL="0" lvl="0" indent="0" algn="l" rtl="0">
                 <a:spcBef>
                   <a:spcPts val="0"/>
                 </a:spcBef>
@@ -3389,9 +3462,6 @@
                 </a:spcAft>
                 <a:buNone/>
               </a:pPr>
-              <a:r>
-                <a:t/>
-              </a:r>
               <a:endParaRPr/>
             </a:p>
           </p:txBody>
@@ -3424,7 +3494,7 @@
             </a:xfrm>
             <a:prstGeom prst="parallelogram">
               <a:avLst>
-                <a:gd fmla="val 158024" name="adj"/>
+                <a:gd name="adj" fmla="val 158024"/>
               </a:avLst>
             </a:prstGeom>
             <a:solidFill>
@@ -3435,12 +3505,12 @@
             </a:ln>
           </p:spPr>
           <p:txBody>
-            <a:bodyPr anchorCtr="0" anchor="ctr" bIns="91425" lIns="91425" spcFirstLastPara="1" rIns="91425" wrap="square" tIns="91425">
+            <a:bodyPr spcFirstLastPara="1" wrap="square" lIns="91425" tIns="91425" rIns="91425" bIns="91425" anchor="ctr" anchorCtr="0">
               <a:noAutofit/>
             </a:bodyPr>
             <a:lstStyle/>
             <a:p>
-              <a:pPr indent="0" lvl="0" marL="0" rtl="0" algn="l">
+              <a:pPr marL="0" lvl="0" indent="0" algn="l" rtl="0">
                 <a:spcBef>
                   <a:spcPts val="0"/>
                 </a:spcBef>
@@ -3449,9 +3519,6 @@
                 </a:spcAft>
                 <a:buNone/>
               </a:pPr>
-              <a:r>
-                <a:t/>
-              </a:r>
               <a:endParaRPr/>
             </a:p>
           </p:txBody>
@@ -3469,7 +3536,7 @@
             </a:xfrm>
             <a:prstGeom prst="parallelogram">
               <a:avLst>
-                <a:gd fmla="val 158024" name="adj"/>
+                <a:gd name="adj" fmla="val 158024"/>
               </a:avLst>
             </a:prstGeom>
             <a:solidFill>
@@ -3480,12 +3547,12 @@
             </a:ln>
           </p:spPr>
           <p:txBody>
-            <a:bodyPr anchorCtr="0" anchor="ctr" bIns="91425" lIns="91425" spcFirstLastPara="1" rIns="91425" wrap="square" tIns="91425">
+            <a:bodyPr spcFirstLastPara="1" wrap="square" lIns="91425" tIns="91425" rIns="91425" bIns="91425" anchor="ctr" anchorCtr="0">
               <a:noAutofit/>
             </a:bodyPr>
             <a:lstStyle/>
             <a:p>
-              <a:pPr indent="0" lvl="0" marL="0" rtl="0" algn="l">
+              <a:pPr marL="0" lvl="0" indent="0" algn="l" rtl="0">
                 <a:spcBef>
                   <a:spcPts val="0"/>
                 </a:spcBef>
@@ -3494,9 +3561,6 @@
                 </a:spcAft>
                 <a:buNone/>
               </a:pPr>
-              <a:r>
-                <a:t/>
-              </a:r>
               <a:endParaRPr/>
             </a:p>
           </p:txBody>
@@ -3514,7 +3578,7 @@
             </a:xfrm>
             <a:prstGeom prst="parallelogram">
               <a:avLst>
-                <a:gd fmla="val 158024" name="adj"/>
+                <a:gd name="adj" fmla="val 158024"/>
               </a:avLst>
             </a:prstGeom>
             <a:solidFill>
@@ -3525,12 +3589,12 @@
             </a:ln>
           </p:spPr>
           <p:txBody>
-            <a:bodyPr anchorCtr="0" anchor="ctr" bIns="91425" lIns="91425" spcFirstLastPara="1" rIns="91425" wrap="square" tIns="91425">
+            <a:bodyPr spcFirstLastPara="1" wrap="square" lIns="91425" tIns="91425" rIns="91425" bIns="91425" anchor="ctr" anchorCtr="0">
               <a:noAutofit/>
             </a:bodyPr>
             <a:lstStyle/>
             <a:p>
-              <a:pPr indent="0" lvl="0" marL="0" rtl="0" algn="l">
+              <a:pPr marL="0" lvl="0" indent="0" algn="l" rtl="0">
                 <a:spcBef>
                   <a:spcPts val="0"/>
                 </a:spcBef>
@@ -3539,9 +3603,6 @@
                 </a:spcAft>
                 <a:buNone/>
               </a:pPr>
-              <a:r>
-                <a:t/>
-              </a:r>
               <a:endParaRPr/>
             </a:p>
           </p:txBody>
@@ -3550,7 +3611,9 @@
       <p:sp>
         <p:nvSpPr>
           <p:cNvPr id="34" name="Google Shape;34;p2"/>
-          <p:cNvSpPr txBox="1"/>
+          <p:cNvSpPr txBox="1">
+            <a:spLocks noGrp="1"/>
+          </p:cNvSpPr>
           <p:nvPr>
             <p:ph type="ctrTitle"/>
           </p:nvPr>
@@ -3565,7 +3628,7 @@
           </a:prstGeom>
         </p:spPr>
         <p:txBody>
-          <a:bodyPr anchorCtr="0" anchor="ctr" bIns="91425" lIns="91425" spcFirstLastPara="1" rIns="91425" wrap="square" tIns="91425">
+          <a:bodyPr spcFirstLastPara="1" wrap="square" lIns="91425" tIns="91425" rIns="91425" bIns="91425" anchor="ctr" anchorCtr="0">
             <a:normAutofit/>
           </a:bodyPr>
           <a:lstStyle>
@@ -3669,15 +3732,19 @@
               <a:defRPr sz="3800"/>
             </a:lvl9pPr>
           </a:lstStyle>
-          <a:p/>
+          <a:p>
+            <a:endParaRPr/>
+          </a:p>
         </p:txBody>
       </p:sp>
       <p:sp>
         <p:nvSpPr>
           <p:cNvPr id="35" name="Google Shape;35;p2"/>
-          <p:cNvSpPr txBox="1"/>
+          <p:cNvSpPr txBox="1">
+            <a:spLocks noGrp="1"/>
+          </p:cNvSpPr>
           <p:nvPr>
-            <p:ph idx="1" type="subTitle"/>
+            <p:ph type="subTitle" idx="1"/>
           </p:nvPr>
         </p:nvSpPr>
         <p:spPr>
@@ -3690,7 +3757,7 @@
           </a:prstGeom>
         </p:spPr>
         <p:txBody>
-          <a:bodyPr anchorCtr="0" anchor="t" bIns="91425" lIns="91425" spcFirstLastPara="1" rIns="91425" wrap="square" tIns="91425">
+          <a:bodyPr spcFirstLastPara="1" wrap="square" lIns="91425" tIns="91425" rIns="91425" bIns="91425" anchor="t" anchorCtr="0">
             <a:normAutofit/>
           </a:bodyPr>
           <a:lstStyle>
@@ -3884,15 +3951,19 @@
               </a:defRPr>
             </a:lvl9pPr>
           </a:lstStyle>
-          <a:p/>
+          <a:p>
+            <a:endParaRPr/>
+          </a:p>
         </p:txBody>
       </p:sp>
       <p:sp>
         <p:nvSpPr>
           <p:cNvPr id="36" name="Google Shape;36;p2"/>
-          <p:cNvSpPr txBox="1"/>
+          <p:cNvSpPr txBox="1">
+            <a:spLocks noGrp="1"/>
+          </p:cNvSpPr>
           <p:nvPr>
-            <p:ph idx="12" type="sldNum"/>
+            <p:ph type="sldNum" idx="12"/>
           </p:nvPr>
         </p:nvSpPr>
         <p:spPr>
@@ -3905,7 +3976,7 @@
           </a:prstGeom>
         </p:spPr>
         <p:txBody>
-          <a:bodyPr anchorCtr="0" anchor="ctr" bIns="91425" lIns="91425" spcFirstLastPara="1" rIns="91425" wrap="square" tIns="91425">
+          <a:bodyPr spcFirstLastPara="1" wrap="square" lIns="91425" tIns="91425" rIns="91425" bIns="91425" anchor="ctr" anchorCtr="0">
             <a:normAutofit/>
           </a:bodyPr>
           <a:lstStyle>
@@ -3947,7 +4018,7 @@
             </a:lvl9pPr>
           </a:lstStyle>
           <a:p>
-            <a:pPr indent="0" lvl="0" marL="0" rtl="0" algn="r">
+            <a:pPr marL="0" lvl="0" indent="0" algn="r" rtl="0">
               <a:spcBef>
                 <a:spcPts val="0"/>
               </a:spcBef>
@@ -3973,18 +4044,19 @@
 </file>
 
 <file path=ppt/slideLayouts/slideLayout10.xml><?xml version="1.0" encoding="utf-8"?>
-<p:sldLayout xmlns:a="http://schemas.openxmlformats.org/drawingml/2006/main" xmlns:r="http://schemas.openxmlformats.org/officeDocument/2006/relationships" xmlns:mc="http://schemas.openxmlformats.org/markup-compatibility/2006" xmlns:mv="urn:schemas-microsoft-com:mac:vml" xmlns:p="http://schemas.openxmlformats.org/presentationml/2006/main" xmlns:c="http://schemas.openxmlformats.org/drawingml/2006/chart" xmlns:dgm="http://schemas.openxmlformats.org/drawingml/2006/diagram" xmlns:o="urn:schemas-microsoft-com:office:office" xmlns:v="urn:schemas-microsoft-com:vml" xmlns:pvml="urn:schemas-microsoft-com:office:powerpoint" xmlns:com="http://schemas.openxmlformats.org/drawingml/2006/compatibility" xmlns:p14="http://schemas.microsoft.com/office/powerpoint/2010/main" xmlns:p15="http://schemas.microsoft.com/office/powerpoint/2012/main" xmlns:ahyp="http://schemas.microsoft.com/office/drawing/2018/hyperlinkcolor" matchingName="Big number">
+<p:sldLayout xmlns:a="http://schemas.openxmlformats.org/drawingml/2006/main" xmlns:r="http://schemas.openxmlformats.org/officeDocument/2006/relationships" xmlns:p="http://schemas.openxmlformats.org/presentationml/2006/main" matchingName="Big number">
   <p:cSld name="BIG_NUMBER">
     <p:bg>
       <p:bgPr>
         <a:solidFill>
           <a:schemeClr val="accent3"/>
         </a:solidFill>
+        <a:effectLst/>
       </p:bgPr>
     </p:bg>
     <p:spTree>
       <p:nvGrpSpPr>
-        <p:cNvPr id="109" name="Shape 109"/>
+        <p:cNvPr id="1" name="Shape 109"/>
         <p:cNvGrpSpPr/>
         <p:nvPr/>
       </p:nvGrpSpPr>
@@ -4018,12 +4090,12 @@
           </a:ln>
         </p:spPr>
         <p:txBody>
-          <a:bodyPr anchorCtr="0" anchor="ctr" bIns="91425" lIns="91425" spcFirstLastPara="1" rIns="91425" wrap="square" tIns="91425">
+          <a:bodyPr spcFirstLastPara="1" wrap="square" lIns="91425" tIns="91425" rIns="91425" bIns="91425" anchor="ctr" anchorCtr="0">
             <a:noAutofit/>
           </a:bodyPr>
           <a:lstStyle/>
           <a:p>
-            <a:pPr indent="0" lvl="0" marL="0" rtl="0" algn="l">
+            <a:pPr marL="0" lvl="0" indent="0" algn="l" rtl="0">
               <a:spcBef>
                 <a:spcPts val="0"/>
               </a:spcBef>
@@ -4032,9 +4104,6 @@
               </a:spcAft>
               <a:buNone/>
             </a:pPr>
-            <a:r>
-              <a:t/>
-            </a:r>
             <a:endParaRPr/>
           </a:p>
         </p:txBody>
@@ -4066,7 +4135,7 @@
             </a:xfrm>
             <a:prstGeom prst="parallelogram">
               <a:avLst>
-                <a:gd fmla="val 158024" name="adj"/>
+                <a:gd name="adj" fmla="val 158024"/>
               </a:avLst>
             </a:prstGeom>
             <a:solidFill>
@@ -4077,12 +4146,12 @@
             </a:ln>
           </p:spPr>
           <p:txBody>
-            <a:bodyPr anchorCtr="0" anchor="ctr" bIns="91425" lIns="91425" spcFirstLastPara="1" rIns="91425" wrap="square" tIns="91425">
+            <a:bodyPr spcFirstLastPara="1" wrap="square" lIns="91425" tIns="91425" rIns="91425" bIns="91425" anchor="ctr" anchorCtr="0">
               <a:noAutofit/>
             </a:bodyPr>
             <a:lstStyle/>
             <a:p>
-              <a:pPr indent="0" lvl="0" marL="0" rtl="0" algn="l">
+              <a:pPr marL="0" lvl="0" indent="0" algn="l" rtl="0">
                 <a:spcBef>
                   <a:spcPts val="0"/>
                 </a:spcBef>
@@ -4091,9 +4160,6 @@
                 </a:spcAft>
                 <a:buNone/>
               </a:pPr>
-              <a:r>
-                <a:t/>
-              </a:r>
               <a:endParaRPr/>
             </a:p>
           </p:txBody>
@@ -4111,7 +4177,7 @@
             </a:xfrm>
             <a:prstGeom prst="parallelogram">
               <a:avLst>
-                <a:gd fmla="val 158024" name="adj"/>
+                <a:gd name="adj" fmla="val 158024"/>
               </a:avLst>
             </a:prstGeom>
             <a:solidFill>
@@ -4122,12 +4188,12 @@
             </a:ln>
           </p:spPr>
           <p:txBody>
-            <a:bodyPr anchorCtr="0" anchor="ctr" bIns="91425" lIns="91425" spcFirstLastPara="1" rIns="91425" wrap="square" tIns="91425">
+            <a:bodyPr spcFirstLastPara="1" wrap="square" lIns="91425" tIns="91425" rIns="91425" bIns="91425" anchor="ctr" anchorCtr="0">
               <a:noAutofit/>
             </a:bodyPr>
             <a:lstStyle/>
             <a:p>
-              <a:pPr indent="0" lvl="0" marL="0" rtl="0" algn="l">
+              <a:pPr marL="0" lvl="0" indent="0" algn="l" rtl="0">
                 <a:spcBef>
                   <a:spcPts val="0"/>
                 </a:spcBef>
@@ -4136,9 +4202,6 @@
                 </a:spcAft>
                 <a:buNone/>
               </a:pPr>
-              <a:r>
-                <a:t/>
-              </a:r>
               <a:endParaRPr/>
             </a:p>
           </p:txBody>
@@ -4156,7 +4219,7 @@
             </a:xfrm>
             <a:prstGeom prst="parallelogram">
               <a:avLst>
-                <a:gd fmla="val 158024" name="adj"/>
+                <a:gd name="adj" fmla="val 158024"/>
               </a:avLst>
             </a:prstGeom>
             <a:solidFill>
@@ -4167,12 +4230,12 @@
             </a:ln>
           </p:spPr>
           <p:txBody>
-            <a:bodyPr anchorCtr="0" anchor="ctr" bIns="91425" lIns="91425" spcFirstLastPara="1" rIns="91425" wrap="square" tIns="91425">
+            <a:bodyPr spcFirstLastPara="1" wrap="square" lIns="91425" tIns="91425" rIns="91425" bIns="91425" anchor="ctr" anchorCtr="0">
               <a:noAutofit/>
             </a:bodyPr>
             <a:lstStyle/>
             <a:p>
-              <a:pPr indent="0" lvl="0" marL="0" rtl="0" algn="l">
+              <a:pPr marL="0" lvl="0" indent="0" algn="l" rtl="0">
                 <a:spcBef>
                   <a:spcPts val="0"/>
                 </a:spcBef>
@@ -4181,9 +4244,6 @@
                 </a:spcAft>
                 <a:buNone/>
               </a:pPr>
-              <a:r>
-                <a:t/>
-              </a:r>
               <a:endParaRPr/>
             </a:p>
           </p:txBody>
@@ -4216,7 +4276,7 @@
             </a:xfrm>
             <a:prstGeom prst="parallelogram">
               <a:avLst>
-                <a:gd fmla="val 158024" name="adj"/>
+                <a:gd name="adj" fmla="val 158024"/>
               </a:avLst>
             </a:prstGeom>
             <a:solidFill>
@@ -4227,12 +4287,12 @@
             </a:ln>
           </p:spPr>
           <p:txBody>
-            <a:bodyPr anchorCtr="0" anchor="ctr" bIns="91425" lIns="91425" spcFirstLastPara="1" rIns="91425" wrap="square" tIns="91425">
+            <a:bodyPr spcFirstLastPara="1" wrap="square" lIns="91425" tIns="91425" rIns="91425" bIns="91425" anchor="ctr" anchorCtr="0">
               <a:noAutofit/>
             </a:bodyPr>
             <a:lstStyle/>
             <a:p>
-              <a:pPr indent="0" lvl="0" marL="0" rtl="0" algn="l">
+              <a:pPr marL="0" lvl="0" indent="0" algn="l" rtl="0">
                 <a:spcBef>
                   <a:spcPts val="0"/>
                 </a:spcBef>
@@ -4241,9 +4301,6 @@
                 </a:spcAft>
                 <a:buNone/>
               </a:pPr>
-              <a:r>
-                <a:t/>
-              </a:r>
               <a:endParaRPr/>
             </a:p>
           </p:txBody>
@@ -4261,7 +4318,7 @@
             </a:xfrm>
             <a:prstGeom prst="parallelogram">
               <a:avLst>
-                <a:gd fmla="val 158024" name="adj"/>
+                <a:gd name="adj" fmla="val 158024"/>
               </a:avLst>
             </a:prstGeom>
             <a:solidFill>
@@ -4272,12 +4329,12 @@
             </a:ln>
           </p:spPr>
           <p:txBody>
-            <a:bodyPr anchorCtr="0" anchor="ctr" bIns="91425" lIns="91425" spcFirstLastPara="1" rIns="91425" wrap="square" tIns="91425">
+            <a:bodyPr spcFirstLastPara="1" wrap="square" lIns="91425" tIns="91425" rIns="91425" bIns="91425" anchor="ctr" anchorCtr="0">
               <a:noAutofit/>
             </a:bodyPr>
             <a:lstStyle/>
             <a:p>
-              <a:pPr indent="0" lvl="0" marL="0" rtl="0" algn="l">
+              <a:pPr marL="0" lvl="0" indent="0" algn="l" rtl="0">
                 <a:spcBef>
                   <a:spcPts val="0"/>
                 </a:spcBef>
@@ -4286,9 +4343,6 @@
                 </a:spcAft>
                 <a:buNone/>
               </a:pPr>
-              <a:r>
-                <a:t/>
-              </a:r>
               <a:endParaRPr/>
             </a:p>
           </p:txBody>
@@ -4306,7 +4360,7 @@
             </a:xfrm>
             <a:prstGeom prst="parallelogram">
               <a:avLst>
-                <a:gd fmla="val 158024" name="adj"/>
+                <a:gd name="adj" fmla="val 158024"/>
               </a:avLst>
             </a:prstGeom>
             <a:solidFill>
@@ -4317,12 +4371,12 @@
             </a:ln>
           </p:spPr>
           <p:txBody>
-            <a:bodyPr anchorCtr="0" anchor="ctr" bIns="91425" lIns="91425" spcFirstLastPara="1" rIns="91425" wrap="square" tIns="91425">
+            <a:bodyPr spcFirstLastPara="1" wrap="square" lIns="91425" tIns="91425" rIns="91425" bIns="91425" anchor="ctr" anchorCtr="0">
               <a:noAutofit/>
             </a:bodyPr>
             <a:lstStyle/>
             <a:p>
-              <a:pPr indent="0" lvl="0" marL="0" rtl="0" algn="l">
+              <a:pPr marL="0" lvl="0" indent="0" algn="l" rtl="0">
                 <a:spcBef>
                   <a:spcPts val="0"/>
                 </a:spcBef>
@@ -4331,9 +4385,6 @@
                 </a:spcAft>
                 <a:buNone/>
               </a:pPr>
-              <a:r>
-                <a:t/>
-              </a:r>
               <a:endParaRPr/>
             </a:p>
           </p:txBody>
@@ -4342,9 +4393,11 @@
       <p:sp>
         <p:nvSpPr>
           <p:cNvPr id="119" name="Google Shape;119;p11"/>
-          <p:cNvSpPr txBox="1"/>
+          <p:cNvSpPr txBox="1">
+            <a:spLocks noGrp="1"/>
+          </p:cNvSpPr>
           <p:nvPr>
-            <p:ph hasCustomPrompt="1" type="title"/>
+            <p:ph type="title" hasCustomPrompt="1"/>
           </p:nvPr>
         </p:nvSpPr>
         <p:spPr>
@@ -4357,7 +4410,7 @@
           </a:prstGeom>
         </p:spPr>
         <p:txBody>
-          <a:bodyPr anchorCtr="0" anchor="ctr" bIns="91425" lIns="91425" spcFirstLastPara="1" rIns="91425" wrap="square" tIns="91425">
+          <a:bodyPr spcFirstLastPara="1" wrap="square" lIns="91425" tIns="91425" rIns="91425" bIns="91425" anchor="ctr" anchorCtr="0">
             <a:normAutofit/>
           </a:bodyPr>
           <a:lstStyle>
@@ -4534,9 +4587,11 @@
       <p:sp>
         <p:nvSpPr>
           <p:cNvPr id="120" name="Google Shape;120;p11"/>
-          <p:cNvSpPr txBox="1"/>
+          <p:cNvSpPr txBox="1">
+            <a:spLocks noGrp="1"/>
+          </p:cNvSpPr>
           <p:nvPr>
-            <p:ph idx="1" type="body"/>
+            <p:ph type="body" idx="1"/>
           </p:nvPr>
         </p:nvSpPr>
         <p:spPr>
@@ -4549,11 +4604,11 @@
           </a:prstGeom>
         </p:spPr>
         <p:txBody>
-          <a:bodyPr anchorCtr="0" anchor="t" bIns="91425" lIns="91425" spcFirstLastPara="1" rIns="91425" wrap="square" tIns="91425">
+          <a:bodyPr spcFirstLastPara="1" wrap="square" lIns="91425" tIns="91425" rIns="91425" bIns="91425" anchor="t" anchorCtr="0">
             <a:normAutofit/>
           </a:bodyPr>
           <a:lstStyle>
-            <a:lvl1pPr indent="-311150" lvl="0" marL="457200" algn="ctr">
+            <a:lvl1pPr marL="457200" lvl="0" indent="-311150" algn="ctr">
               <a:spcBef>
                 <a:spcPts val="0"/>
               </a:spcBef>
@@ -4564,7 +4619,7 @@
               <a:buChar char="●"/>
               <a:defRPr/>
             </a:lvl1pPr>
-            <a:lvl2pPr indent="-298450" lvl="1" marL="914400" algn="ctr">
+            <a:lvl2pPr marL="914400" lvl="1" indent="-298450" algn="ctr">
               <a:spcBef>
                 <a:spcPts val="0"/>
               </a:spcBef>
@@ -4575,7 +4630,7 @@
               <a:buChar char="○"/>
               <a:defRPr/>
             </a:lvl2pPr>
-            <a:lvl3pPr indent="-298450" lvl="2" marL="1371600" algn="ctr">
+            <a:lvl3pPr marL="1371600" lvl="2" indent="-298450" algn="ctr">
               <a:spcBef>
                 <a:spcPts val="0"/>
               </a:spcBef>
@@ -4586,7 +4641,7 @@
               <a:buChar char="■"/>
               <a:defRPr/>
             </a:lvl3pPr>
-            <a:lvl4pPr indent="-298450" lvl="3" marL="1828800" algn="ctr">
+            <a:lvl4pPr marL="1828800" lvl="3" indent="-298450" algn="ctr">
               <a:spcBef>
                 <a:spcPts val="0"/>
               </a:spcBef>
@@ -4597,7 +4652,7 @@
               <a:buChar char="●"/>
               <a:defRPr/>
             </a:lvl4pPr>
-            <a:lvl5pPr indent="-298450" lvl="4" marL="2286000" algn="ctr">
+            <a:lvl5pPr marL="2286000" lvl="4" indent="-298450" algn="ctr">
               <a:spcBef>
                 <a:spcPts val="0"/>
               </a:spcBef>
@@ -4608,7 +4663,7 @@
               <a:buChar char="○"/>
               <a:defRPr/>
             </a:lvl5pPr>
-            <a:lvl6pPr indent="-298450" lvl="5" marL="2743200" algn="ctr">
+            <a:lvl6pPr marL="2743200" lvl="5" indent="-298450" algn="ctr">
               <a:spcBef>
                 <a:spcPts val="0"/>
               </a:spcBef>
@@ -4619,7 +4674,7 @@
               <a:buChar char="■"/>
               <a:defRPr/>
             </a:lvl6pPr>
-            <a:lvl7pPr indent="-298450" lvl="6" marL="3200400" algn="ctr">
+            <a:lvl7pPr marL="3200400" lvl="6" indent="-298450" algn="ctr">
               <a:spcBef>
                 <a:spcPts val="0"/>
               </a:spcBef>
@@ -4630,7 +4685,7 @@
               <a:buChar char="●"/>
               <a:defRPr/>
             </a:lvl7pPr>
-            <a:lvl8pPr indent="-298450" lvl="7" marL="3657600" algn="ctr">
+            <a:lvl8pPr marL="3657600" lvl="7" indent="-298450" algn="ctr">
               <a:spcBef>
                 <a:spcPts val="0"/>
               </a:spcBef>
@@ -4641,7 +4696,7 @@
               <a:buChar char="○"/>
               <a:defRPr/>
             </a:lvl8pPr>
-            <a:lvl9pPr indent="-298450" lvl="8" marL="4114800" algn="ctr">
+            <a:lvl9pPr marL="4114800" lvl="8" indent="-298450" algn="ctr">
               <a:spcBef>
                 <a:spcPts val="0"/>
               </a:spcBef>
@@ -4653,15 +4708,19 @@
               <a:defRPr/>
             </a:lvl9pPr>
           </a:lstStyle>
-          <a:p/>
+          <a:p>
+            <a:endParaRPr/>
+          </a:p>
         </p:txBody>
       </p:sp>
       <p:sp>
         <p:nvSpPr>
           <p:cNvPr id="121" name="Google Shape;121;p11"/>
-          <p:cNvSpPr txBox="1"/>
+          <p:cNvSpPr txBox="1">
+            <a:spLocks noGrp="1"/>
+          </p:cNvSpPr>
           <p:nvPr>
-            <p:ph idx="12" type="sldNum"/>
+            <p:ph type="sldNum" idx="12"/>
           </p:nvPr>
         </p:nvSpPr>
         <p:spPr>
@@ -4674,7 +4733,7 @@
           </a:prstGeom>
         </p:spPr>
         <p:txBody>
-          <a:bodyPr anchorCtr="0" anchor="ctr" bIns="91425" lIns="91425" spcFirstLastPara="1" rIns="91425" wrap="square" tIns="91425">
+          <a:bodyPr spcFirstLastPara="1" wrap="square" lIns="91425" tIns="91425" rIns="91425" bIns="91425" anchor="ctr" anchorCtr="0">
             <a:normAutofit/>
           </a:bodyPr>
           <a:lstStyle>
@@ -4716,7 +4775,7 @@
             </a:lvl9pPr>
           </a:lstStyle>
           <a:p>
-            <a:pPr indent="0" lvl="0" marL="0" rtl="0" algn="r">
+            <a:pPr marL="0" lvl="0" indent="0" algn="r" rtl="0">
               <a:spcBef>
                 <a:spcPts val="0"/>
               </a:spcBef>
@@ -4742,11 +4801,11 @@
 </file>
 
 <file path=ppt/slideLayouts/slideLayout11.xml><?xml version="1.0" encoding="utf-8"?>
-<p:sldLayout xmlns:a="http://schemas.openxmlformats.org/drawingml/2006/main" xmlns:r="http://schemas.openxmlformats.org/officeDocument/2006/relationships" xmlns:mc="http://schemas.openxmlformats.org/markup-compatibility/2006" xmlns:mv="urn:schemas-microsoft-com:mac:vml" xmlns:p="http://schemas.openxmlformats.org/presentationml/2006/main" xmlns:c="http://schemas.openxmlformats.org/drawingml/2006/chart" xmlns:dgm="http://schemas.openxmlformats.org/drawingml/2006/diagram" xmlns:o="urn:schemas-microsoft-com:office:office" xmlns:v="urn:schemas-microsoft-com:vml" xmlns:pvml="urn:schemas-microsoft-com:office:powerpoint" xmlns:com="http://schemas.openxmlformats.org/drawingml/2006/compatibility" xmlns:p14="http://schemas.microsoft.com/office/powerpoint/2010/main" xmlns:p15="http://schemas.microsoft.com/office/powerpoint/2012/main" xmlns:ahyp="http://schemas.microsoft.com/office/drawing/2018/hyperlinkcolor" matchingName="Blank" type="blank">
+<p:sldLayout xmlns:a="http://schemas.openxmlformats.org/drawingml/2006/main" xmlns:r="http://schemas.openxmlformats.org/officeDocument/2006/relationships" xmlns:p="http://schemas.openxmlformats.org/presentationml/2006/main" matchingName="Blank" type="blank">
   <p:cSld name="BLANK">
     <p:spTree>
       <p:nvGrpSpPr>
-        <p:cNvPr id="122" name="Shape 122"/>
+        <p:cNvPr id="1" name="Shape 122"/>
         <p:cNvGrpSpPr/>
         <p:nvPr/>
       </p:nvGrpSpPr>
@@ -4761,9 +4820,11 @@
       <p:sp>
         <p:nvSpPr>
           <p:cNvPr id="123" name="Google Shape;123;p12"/>
-          <p:cNvSpPr txBox="1"/>
+          <p:cNvSpPr txBox="1">
+            <a:spLocks noGrp="1"/>
+          </p:cNvSpPr>
           <p:nvPr>
-            <p:ph idx="12" type="sldNum"/>
+            <p:ph type="sldNum" idx="12"/>
           </p:nvPr>
         </p:nvSpPr>
         <p:spPr>
@@ -4776,7 +4837,7 @@
           </a:prstGeom>
         </p:spPr>
         <p:txBody>
-          <a:bodyPr anchorCtr="0" anchor="ctr" bIns="91425" lIns="91425" spcFirstLastPara="1" rIns="91425" wrap="square" tIns="91425">
+          <a:bodyPr spcFirstLastPara="1" wrap="square" lIns="91425" tIns="91425" rIns="91425" bIns="91425" anchor="ctr" anchorCtr="0">
             <a:normAutofit/>
           </a:bodyPr>
           <a:lstStyle>
@@ -4818,7 +4879,7 @@
             </a:lvl9pPr>
           </a:lstStyle>
           <a:p>
-            <a:pPr indent="0" lvl="0" marL="0" rtl="0" algn="r">
+            <a:pPr marL="0" lvl="0" indent="0" algn="r" rtl="0">
               <a:spcBef>
                 <a:spcPts val="0"/>
               </a:spcBef>
@@ -4844,18 +4905,19 @@
 </file>
 
 <file path=ppt/slideLayouts/slideLayout2.xml><?xml version="1.0" encoding="utf-8"?>
-<p:sldLayout xmlns:a="http://schemas.openxmlformats.org/drawingml/2006/main" xmlns:r="http://schemas.openxmlformats.org/officeDocument/2006/relationships" xmlns:mc="http://schemas.openxmlformats.org/markup-compatibility/2006" xmlns:mv="urn:schemas-microsoft-com:mac:vml" xmlns:p="http://schemas.openxmlformats.org/presentationml/2006/main" xmlns:c="http://schemas.openxmlformats.org/drawingml/2006/chart" xmlns:dgm="http://schemas.openxmlformats.org/drawingml/2006/diagram" xmlns:o="urn:schemas-microsoft-com:office:office" xmlns:v="urn:schemas-microsoft-com:vml" xmlns:pvml="urn:schemas-microsoft-com:office:powerpoint" xmlns:com="http://schemas.openxmlformats.org/drawingml/2006/compatibility" xmlns:p14="http://schemas.microsoft.com/office/powerpoint/2010/main" xmlns:p15="http://schemas.microsoft.com/office/powerpoint/2012/main" xmlns:ahyp="http://schemas.microsoft.com/office/drawing/2018/hyperlinkcolor" matchingName="Section header" type="secHead">
+<p:sldLayout xmlns:a="http://schemas.openxmlformats.org/drawingml/2006/main" xmlns:r="http://schemas.openxmlformats.org/officeDocument/2006/relationships" xmlns:p="http://schemas.openxmlformats.org/presentationml/2006/main" matchingName="Section header" type="secHead">
   <p:cSld name="SECTION_HEADER">
     <p:bg>
       <p:bgPr>
         <a:solidFill>
           <a:schemeClr val="accent3"/>
         </a:solidFill>
+        <a:effectLst/>
       </p:bgPr>
     </p:bg>
     <p:spTree>
       <p:nvGrpSpPr>
-        <p:cNvPr id="37" name="Shape 37"/>
+        <p:cNvPr id="1" name="Shape 37"/>
         <p:cNvGrpSpPr/>
         <p:nvPr/>
       </p:nvGrpSpPr>
@@ -4889,12 +4951,12 @@
           </a:ln>
         </p:spPr>
         <p:txBody>
-          <a:bodyPr anchorCtr="0" anchor="ctr" bIns="91425" lIns="91425" spcFirstLastPara="1" rIns="91425" wrap="square" tIns="91425">
+          <a:bodyPr spcFirstLastPara="1" wrap="square" lIns="91425" tIns="91425" rIns="91425" bIns="91425" anchor="ctr" anchorCtr="0">
             <a:noAutofit/>
           </a:bodyPr>
           <a:lstStyle/>
           <a:p>
-            <a:pPr indent="0" lvl="0" marL="0" rtl="0" algn="l">
+            <a:pPr marL="0" lvl="0" indent="0" algn="l" rtl="0">
               <a:spcBef>
                 <a:spcPts val="0"/>
               </a:spcBef>
@@ -4903,9 +4965,6 @@
               </a:spcAft>
               <a:buNone/>
             </a:pPr>
-            <a:r>
-              <a:t/>
-            </a:r>
             <a:endParaRPr/>
           </a:p>
         </p:txBody>
@@ -4937,7 +4996,7 @@
             </a:xfrm>
             <a:prstGeom prst="parallelogram">
               <a:avLst>
-                <a:gd fmla="val 158024" name="adj"/>
+                <a:gd name="adj" fmla="val 158024"/>
               </a:avLst>
             </a:prstGeom>
             <a:solidFill>
@@ -4948,12 +5007,12 @@
             </a:ln>
           </p:spPr>
           <p:txBody>
-            <a:bodyPr anchorCtr="0" anchor="ctr" bIns="91425" lIns="91425" spcFirstLastPara="1" rIns="91425" wrap="square" tIns="91425">
+            <a:bodyPr spcFirstLastPara="1" wrap="square" lIns="91425" tIns="91425" rIns="91425" bIns="91425" anchor="ctr" anchorCtr="0">
               <a:noAutofit/>
             </a:bodyPr>
             <a:lstStyle/>
             <a:p>
-              <a:pPr indent="0" lvl="0" marL="0" rtl="0" algn="l">
+              <a:pPr marL="0" lvl="0" indent="0" algn="l" rtl="0">
                 <a:spcBef>
                   <a:spcPts val="0"/>
                 </a:spcBef>
@@ -4962,9 +5021,6 @@
                 </a:spcAft>
                 <a:buNone/>
               </a:pPr>
-              <a:r>
-                <a:t/>
-              </a:r>
               <a:endParaRPr/>
             </a:p>
           </p:txBody>
@@ -4982,7 +5038,7 @@
             </a:xfrm>
             <a:prstGeom prst="parallelogram">
               <a:avLst>
-                <a:gd fmla="val 158024" name="adj"/>
+                <a:gd name="adj" fmla="val 158024"/>
               </a:avLst>
             </a:prstGeom>
             <a:solidFill>
@@ -4993,12 +5049,12 @@
             </a:ln>
           </p:spPr>
           <p:txBody>
-            <a:bodyPr anchorCtr="0" anchor="ctr" bIns="91425" lIns="91425" spcFirstLastPara="1" rIns="91425" wrap="square" tIns="91425">
+            <a:bodyPr spcFirstLastPara="1" wrap="square" lIns="91425" tIns="91425" rIns="91425" bIns="91425" anchor="ctr" anchorCtr="0">
               <a:noAutofit/>
             </a:bodyPr>
             <a:lstStyle/>
             <a:p>
-              <a:pPr indent="0" lvl="0" marL="0" rtl="0" algn="l">
+              <a:pPr marL="0" lvl="0" indent="0" algn="l" rtl="0">
                 <a:spcBef>
                   <a:spcPts val="0"/>
                 </a:spcBef>
@@ -5007,9 +5063,6 @@
                 </a:spcAft>
                 <a:buNone/>
               </a:pPr>
-              <a:r>
-                <a:t/>
-              </a:r>
               <a:endParaRPr/>
             </a:p>
           </p:txBody>
@@ -5027,7 +5080,7 @@
             </a:xfrm>
             <a:prstGeom prst="parallelogram">
               <a:avLst>
-                <a:gd fmla="val 158024" name="adj"/>
+                <a:gd name="adj" fmla="val 158024"/>
               </a:avLst>
             </a:prstGeom>
             <a:solidFill>
@@ -5038,12 +5091,12 @@
             </a:ln>
           </p:spPr>
           <p:txBody>
-            <a:bodyPr anchorCtr="0" anchor="ctr" bIns="91425" lIns="91425" spcFirstLastPara="1" rIns="91425" wrap="square" tIns="91425">
+            <a:bodyPr spcFirstLastPara="1" wrap="square" lIns="91425" tIns="91425" rIns="91425" bIns="91425" anchor="ctr" anchorCtr="0">
               <a:noAutofit/>
             </a:bodyPr>
             <a:lstStyle/>
             <a:p>
-              <a:pPr indent="0" lvl="0" marL="0" rtl="0" algn="l">
+              <a:pPr marL="0" lvl="0" indent="0" algn="l" rtl="0">
                 <a:spcBef>
                   <a:spcPts val="0"/>
                 </a:spcBef>
@@ -5052,9 +5105,6 @@
                 </a:spcAft>
                 <a:buNone/>
               </a:pPr>
-              <a:r>
-                <a:t/>
-              </a:r>
               <a:endParaRPr/>
             </a:p>
           </p:txBody>
@@ -5087,7 +5137,7 @@
             </a:xfrm>
             <a:prstGeom prst="parallelogram">
               <a:avLst>
-                <a:gd fmla="val 158024" name="adj"/>
+                <a:gd name="adj" fmla="val 158024"/>
               </a:avLst>
             </a:prstGeom>
             <a:solidFill>
@@ -5098,12 +5148,12 @@
             </a:ln>
           </p:spPr>
           <p:txBody>
-            <a:bodyPr anchorCtr="0" anchor="ctr" bIns="91425" lIns="91425" spcFirstLastPara="1" rIns="91425" wrap="square" tIns="91425">
+            <a:bodyPr spcFirstLastPara="1" wrap="square" lIns="91425" tIns="91425" rIns="91425" bIns="91425" anchor="ctr" anchorCtr="0">
               <a:noAutofit/>
             </a:bodyPr>
             <a:lstStyle/>
             <a:p>
-              <a:pPr indent="0" lvl="0" marL="0" rtl="0" algn="l">
+              <a:pPr marL="0" lvl="0" indent="0" algn="l" rtl="0">
                 <a:spcBef>
                   <a:spcPts val="0"/>
                 </a:spcBef>
@@ -5112,9 +5162,6 @@
                 </a:spcAft>
                 <a:buNone/>
               </a:pPr>
-              <a:r>
-                <a:t/>
-              </a:r>
               <a:endParaRPr/>
             </a:p>
           </p:txBody>
@@ -5132,7 +5179,7 @@
             </a:xfrm>
             <a:prstGeom prst="parallelogram">
               <a:avLst>
-                <a:gd fmla="val 158024" name="adj"/>
+                <a:gd name="adj" fmla="val 158024"/>
               </a:avLst>
             </a:prstGeom>
             <a:solidFill>
@@ -5143,12 +5190,12 @@
             </a:ln>
           </p:spPr>
           <p:txBody>
-            <a:bodyPr anchorCtr="0" anchor="ctr" bIns="91425" lIns="91425" spcFirstLastPara="1" rIns="91425" wrap="square" tIns="91425">
+            <a:bodyPr spcFirstLastPara="1" wrap="square" lIns="91425" tIns="91425" rIns="91425" bIns="91425" anchor="ctr" anchorCtr="0">
               <a:noAutofit/>
             </a:bodyPr>
             <a:lstStyle/>
             <a:p>
-              <a:pPr indent="0" lvl="0" marL="0" rtl="0" algn="l">
+              <a:pPr marL="0" lvl="0" indent="0" algn="l" rtl="0">
                 <a:spcBef>
                   <a:spcPts val="0"/>
                 </a:spcBef>
@@ -5157,9 +5204,6 @@
                 </a:spcAft>
                 <a:buNone/>
               </a:pPr>
-              <a:r>
-                <a:t/>
-              </a:r>
               <a:endParaRPr/>
             </a:p>
           </p:txBody>
@@ -5177,7 +5221,7 @@
             </a:xfrm>
             <a:prstGeom prst="parallelogram">
               <a:avLst>
-                <a:gd fmla="val 158024" name="adj"/>
+                <a:gd name="adj" fmla="val 158024"/>
               </a:avLst>
             </a:prstGeom>
             <a:solidFill>
@@ -5188,12 +5232,12 @@
             </a:ln>
           </p:spPr>
           <p:txBody>
-            <a:bodyPr anchorCtr="0" anchor="ctr" bIns="91425" lIns="91425" spcFirstLastPara="1" rIns="91425" wrap="square" tIns="91425">
+            <a:bodyPr spcFirstLastPara="1" wrap="square" lIns="91425" tIns="91425" rIns="91425" bIns="91425" anchor="ctr" anchorCtr="0">
               <a:noAutofit/>
             </a:bodyPr>
             <a:lstStyle/>
             <a:p>
-              <a:pPr indent="0" lvl="0" marL="0" rtl="0" algn="l">
+              <a:pPr marL="0" lvl="0" indent="0" algn="l" rtl="0">
                 <a:spcBef>
                   <a:spcPts val="0"/>
                 </a:spcBef>
@@ -5202,9 +5246,6 @@
                 </a:spcAft>
                 <a:buNone/>
               </a:pPr>
-              <a:r>
-                <a:t/>
-              </a:r>
               <a:endParaRPr/>
             </a:p>
           </p:txBody>
@@ -5213,7 +5254,9 @@
       <p:sp>
         <p:nvSpPr>
           <p:cNvPr id="47" name="Google Shape;47;p3"/>
-          <p:cNvSpPr txBox="1"/>
+          <p:cNvSpPr txBox="1">
+            <a:spLocks noGrp="1"/>
+          </p:cNvSpPr>
           <p:nvPr>
             <p:ph type="title"/>
           </p:nvPr>
@@ -5228,7 +5271,7 @@
           </a:prstGeom>
         </p:spPr>
         <p:txBody>
-          <a:bodyPr anchorCtr="0" anchor="ctr" bIns="91425" lIns="91425" spcFirstLastPara="1" rIns="91425" wrap="square" tIns="91425">
+          <a:bodyPr spcFirstLastPara="1" wrap="square" lIns="91425" tIns="91425" rIns="91425" bIns="91425" anchor="ctr" anchorCtr="0">
             <a:normAutofit/>
           </a:bodyPr>
           <a:lstStyle>
@@ -5395,15 +5438,19 @@
               </a:defRPr>
             </a:lvl9pPr>
           </a:lstStyle>
-          <a:p/>
+          <a:p>
+            <a:endParaRPr/>
+          </a:p>
         </p:txBody>
       </p:sp>
       <p:sp>
         <p:nvSpPr>
           <p:cNvPr id="48" name="Google Shape;48;p3"/>
-          <p:cNvSpPr txBox="1"/>
+          <p:cNvSpPr txBox="1">
+            <a:spLocks noGrp="1"/>
+          </p:cNvSpPr>
           <p:nvPr>
-            <p:ph idx="12" type="sldNum"/>
+            <p:ph type="sldNum" idx="12"/>
           </p:nvPr>
         </p:nvSpPr>
         <p:spPr>
@@ -5416,7 +5463,7 @@
           </a:prstGeom>
         </p:spPr>
         <p:txBody>
-          <a:bodyPr anchorCtr="0" anchor="ctr" bIns="91425" lIns="91425" spcFirstLastPara="1" rIns="91425" wrap="square" tIns="91425">
+          <a:bodyPr spcFirstLastPara="1" wrap="square" lIns="91425" tIns="91425" rIns="91425" bIns="91425" anchor="ctr" anchorCtr="0">
             <a:normAutofit/>
           </a:bodyPr>
           <a:lstStyle>
@@ -5458,7 +5505,7 @@
             </a:lvl9pPr>
           </a:lstStyle>
           <a:p>
-            <a:pPr indent="0" lvl="0" marL="0" rtl="0" algn="r">
+            <a:pPr marL="0" lvl="0" indent="0" algn="r" rtl="0">
               <a:spcBef>
                 <a:spcPts val="0"/>
               </a:spcBef>
@@ -5484,18 +5531,19 @@
 </file>
 
 <file path=ppt/slideLayouts/slideLayout3.xml><?xml version="1.0" encoding="utf-8"?>
-<p:sldLayout xmlns:a="http://schemas.openxmlformats.org/drawingml/2006/main" xmlns:r="http://schemas.openxmlformats.org/officeDocument/2006/relationships" xmlns:mc="http://schemas.openxmlformats.org/markup-compatibility/2006" xmlns:mv="urn:schemas-microsoft-com:mac:vml" xmlns:p="http://schemas.openxmlformats.org/presentationml/2006/main" xmlns:c="http://schemas.openxmlformats.org/drawingml/2006/chart" xmlns:dgm="http://schemas.openxmlformats.org/drawingml/2006/diagram" xmlns:o="urn:schemas-microsoft-com:office:office" xmlns:v="urn:schemas-microsoft-com:vml" xmlns:pvml="urn:schemas-microsoft-com:office:powerpoint" xmlns:com="http://schemas.openxmlformats.org/drawingml/2006/compatibility" xmlns:p14="http://schemas.microsoft.com/office/powerpoint/2010/main" xmlns:p15="http://schemas.microsoft.com/office/powerpoint/2012/main" xmlns:ahyp="http://schemas.microsoft.com/office/drawing/2018/hyperlinkcolor" matchingName="Title and body" type="tx">
+<p:sldLayout xmlns:a="http://schemas.openxmlformats.org/drawingml/2006/main" xmlns:r="http://schemas.openxmlformats.org/officeDocument/2006/relationships" xmlns:p="http://schemas.openxmlformats.org/presentationml/2006/main" matchingName="Title and body" type="tx">
   <p:cSld name="TITLE_AND_BODY">
     <p:bg>
       <p:bgPr>
         <a:solidFill>
           <a:schemeClr val="dk2"/>
         </a:solidFill>
+        <a:effectLst/>
       </p:bgPr>
     </p:bg>
     <p:spTree>
       <p:nvGrpSpPr>
-        <p:cNvPr id="49" name="Shape 49"/>
+        <p:cNvPr id="1" name="Shape 49"/>
         <p:cNvGrpSpPr/>
         <p:nvPr/>
       </p:nvGrpSpPr>
@@ -5529,12 +5577,12 @@
           </a:ln>
         </p:spPr>
         <p:txBody>
-          <a:bodyPr anchorCtr="0" anchor="ctr" bIns="91425" lIns="91425" spcFirstLastPara="1" rIns="91425" wrap="square" tIns="91425">
+          <a:bodyPr spcFirstLastPara="1" wrap="square" lIns="91425" tIns="91425" rIns="91425" bIns="91425" anchor="ctr" anchorCtr="0">
             <a:noAutofit/>
           </a:bodyPr>
           <a:lstStyle/>
           <a:p>
-            <a:pPr indent="0" lvl="0" marL="0" rtl="0" algn="l">
+            <a:pPr marL="0" lvl="0" indent="0" algn="l" rtl="0">
               <a:spcBef>
                 <a:spcPts val="0"/>
               </a:spcBef>
@@ -5543,9 +5591,6 @@
               </a:spcAft>
               <a:buNone/>
             </a:pPr>
-            <a:r>
-              <a:t/>
-            </a:r>
             <a:endParaRPr/>
           </a:p>
         </p:txBody>
@@ -5572,12 +5617,12 @@
           </a:ln>
         </p:spPr>
         <p:txBody>
-          <a:bodyPr anchorCtr="0" anchor="ctr" bIns="91425" lIns="91425" spcFirstLastPara="1" rIns="91425" wrap="square" tIns="91425">
+          <a:bodyPr spcFirstLastPara="1" wrap="square" lIns="91425" tIns="91425" rIns="91425" bIns="91425" anchor="ctr" anchorCtr="0">
             <a:noAutofit/>
           </a:bodyPr>
           <a:lstStyle/>
           <a:p>
-            <a:pPr indent="0" lvl="0" marL="0" rtl="0" algn="l">
+            <a:pPr marL="0" lvl="0" indent="0" algn="l" rtl="0">
               <a:spcBef>
                 <a:spcPts val="0"/>
               </a:spcBef>
@@ -5586,9 +5631,6 @@
               </a:spcAft>
               <a:buNone/>
             </a:pPr>
-            <a:r>
-              <a:t/>
-            </a:r>
             <a:endParaRPr/>
           </a:p>
         </p:txBody>
@@ -5614,7 +5656,7 @@
             <a:noFill/>
           </a:ln>
           <a:effectLst>
-            <a:outerShdw blurRad="228600" sx="101000" rotWithShape="0" algn="ctr" sy="101000">
+            <a:outerShdw blurRad="228600" sx="101000" sy="101000" algn="ctr" rotWithShape="0">
               <a:srgbClr val="000000">
                 <a:alpha val="40000"/>
               </a:srgbClr>
@@ -5622,12 +5664,12 @@
           </a:effectLst>
         </p:spPr>
         <p:txBody>
-          <a:bodyPr anchorCtr="0" anchor="ctr" bIns="91425" lIns="91425" spcFirstLastPara="1" rIns="91425" wrap="square" tIns="91425">
+          <a:bodyPr spcFirstLastPara="1" wrap="square" lIns="91425" tIns="91425" rIns="91425" bIns="91425" anchor="ctr" anchorCtr="0">
             <a:noAutofit/>
           </a:bodyPr>
           <a:lstStyle/>
           <a:p>
-            <a:pPr indent="0" lvl="0" marL="0" rtl="0" algn="l">
+            <a:pPr marL="0" lvl="0" indent="0" algn="l" rtl="0">
               <a:spcBef>
                 <a:spcPts val="0"/>
               </a:spcBef>
@@ -5636,9 +5678,6 @@
               </a:spcAft>
               <a:buNone/>
             </a:pPr>
-            <a:r>
-              <a:t/>
-            </a:r>
             <a:endParaRPr/>
           </a:p>
         </p:txBody>
@@ -5646,7 +5685,9 @@
       <p:sp>
         <p:nvSpPr>
           <p:cNvPr id="53" name="Google Shape;53;p4"/>
-          <p:cNvSpPr txBox="1"/>
+          <p:cNvSpPr txBox="1">
+            <a:spLocks noGrp="1"/>
+          </p:cNvSpPr>
           <p:nvPr>
             <p:ph type="title"/>
           </p:nvPr>
@@ -5661,7 +5702,7 @@
           </a:prstGeom>
         </p:spPr>
         <p:txBody>
-          <a:bodyPr anchorCtr="0" anchor="t" bIns="91425" lIns="91425" spcFirstLastPara="1" rIns="91425" wrap="square" tIns="91425">
+          <a:bodyPr spcFirstLastPara="1" wrap="square" lIns="91425" tIns="91425" rIns="91425" bIns="91425" anchor="t" anchorCtr="0">
             <a:normAutofit/>
           </a:bodyPr>
           <a:lstStyle>
@@ -5765,15 +5806,19 @@
               <a:defRPr sz="3000"/>
             </a:lvl9pPr>
           </a:lstStyle>
-          <a:p/>
+          <a:p>
+            <a:endParaRPr/>
+          </a:p>
         </p:txBody>
       </p:sp>
       <p:sp>
         <p:nvSpPr>
           <p:cNvPr id="54" name="Google Shape;54;p4"/>
-          <p:cNvSpPr txBox="1"/>
+          <p:cNvSpPr txBox="1">
+            <a:spLocks noGrp="1"/>
+          </p:cNvSpPr>
           <p:nvPr>
-            <p:ph idx="1" type="body"/>
+            <p:ph type="body" idx="1"/>
           </p:nvPr>
         </p:nvSpPr>
         <p:spPr>
@@ -5786,11 +5831,11 @@
           </a:prstGeom>
         </p:spPr>
         <p:txBody>
-          <a:bodyPr anchorCtr="0" anchor="t" bIns="91425" lIns="91425" spcFirstLastPara="1" rIns="91425" wrap="square" tIns="91425">
+          <a:bodyPr spcFirstLastPara="1" wrap="square" lIns="91425" tIns="91425" rIns="91425" bIns="91425" anchor="t" anchorCtr="0">
             <a:normAutofit/>
           </a:bodyPr>
           <a:lstStyle>
-            <a:lvl1pPr indent="-311150" lvl="0" marL="457200">
+            <a:lvl1pPr marL="457200" lvl="0" indent="-311150">
               <a:spcBef>
                 <a:spcPts val="0"/>
               </a:spcBef>
@@ -5801,7 +5846,7 @@
               <a:buChar char="●"/>
               <a:defRPr/>
             </a:lvl1pPr>
-            <a:lvl2pPr indent="-298450" lvl="1" marL="914400">
+            <a:lvl2pPr marL="914400" lvl="1" indent="-298450">
               <a:spcBef>
                 <a:spcPts val="0"/>
               </a:spcBef>
@@ -5812,7 +5857,7 @@
               <a:buChar char="○"/>
               <a:defRPr/>
             </a:lvl2pPr>
-            <a:lvl3pPr indent="-298450" lvl="2" marL="1371600">
+            <a:lvl3pPr marL="1371600" lvl="2" indent="-298450">
               <a:spcBef>
                 <a:spcPts val="0"/>
               </a:spcBef>
@@ -5823,7 +5868,7 @@
               <a:buChar char="■"/>
               <a:defRPr/>
             </a:lvl3pPr>
-            <a:lvl4pPr indent="-298450" lvl="3" marL="1828800">
+            <a:lvl4pPr marL="1828800" lvl="3" indent="-298450">
               <a:spcBef>
                 <a:spcPts val="0"/>
               </a:spcBef>
@@ -5834,7 +5879,7 @@
               <a:buChar char="●"/>
               <a:defRPr/>
             </a:lvl4pPr>
-            <a:lvl5pPr indent="-298450" lvl="4" marL="2286000">
+            <a:lvl5pPr marL="2286000" lvl="4" indent="-298450">
               <a:spcBef>
                 <a:spcPts val="0"/>
               </a:spcBef>
@@ -5845,7 +5890,7 @@
               <a:buChar char="○"/>
               <a:defRPr/>
             </a:lvl5pPr>
-            <a:lvl6pPr indent="-298450" lvl="5" marL="2743200">
+            <a:lvl6pPr marL="2743200" lvl="5" indent="-298450">
               <a:spcBef>
                 <a:spcPts val="0"/>
               </a:spcBef>
@@ -5856,7 +5901,7 @@
               <a:buChar char="■"/>
               <a:defRPr/>
             </a:lvl6pPr>
-            <a:lvl7pPr indent="-298450" lvl="6" marL="3200400">
+            <a:lvl7pPr marL="3200400" lvl="6" indent="-298450">
               <a:spcBef>
                 <a:spcPts val="0"/>
               </a:spcBef>
@@ -5867,7 +5912,7 @@
               <a:buChar char="●"/>
               <a:defRPr/>
             </a:lvl7pPr>
-            <a:lvl8pPr indent="-298450" lvl="7" marL="3657600">
+            <a:lvl8pPr marL="3657600" lvl="7" indent="-298450">
               <a:spcBef>
                 <a:spcPts val="0"/>
               </a:spcBef>
@@ -5878,7 +5923,7 @@
               <a:buChar char="○"/>
               <a:defRPr/>
             </a:lvl8pPr>
-            <a:lvl9pPr indent="-298450" lvl="8" marL="4114800">
+            <a:lvl9pPr marL="4114800" lvl="8" indent="-298450">
               <a:spcBef>
                 <a:spcPts val="0"/>
               </a:spcBef>
@@ -5890,15 +5935,19 @@
               <a:defRPr/>
             </a:lvl9pPr>
           </a:lstStyle>
-          <a:p/>
+          <a:p>
+            <a:endParaRPr/>
+          </a:p>
         </p:txBody>
       </p:sp>
       <p:sp>
         <p:nvSpPr>
           <p:cNvPr id="55" name="Google Shape;55;p4"/>
-          <p:cNvSpPr txBox="1"/>
+          <p:cNvSpPr txBox="1">
+            <a:spLocks noGrp="1"/>
+          </p:cNvSpPr>
           <p:nvPr>
-            <p:ph idx="12" type="sldNum"/>
+            <p:ph type="sldNum" idx="12"/>
           </p:nvPr>
         </p:nvSpPr>
         <p:spPr>
@@ -5911,7 +5960,7 @@
           </a:prstGeom>
         </p:spPr>
         <p:txBody>
-          <a:bodyPr anchorCtr="0" anchor="ctr" bIns="91425" lIns="91425" spcFirstLastPara="1" rIns="91425" wrap="square" tIns="91425">
+          <a:bodyPr spcFirstLastPara="1" wrap="square" lIns="91425" tIns="91425" rIns="91425" bIns="91425" anchor="ctr" anchorCtr="0">
             <a:normAutofit/>
           </a:bodyPr>
           <a:lstStyle>
@@ -5953,7 +6002,7 @@
             </a:lvl9pPr>
           </a:lstStyle>
           <a:p>
-            <a:pPr indent="0" lvl="0" marL="0" rtl="0" algn="r">
+            <a:pPr marL="0" lvl="0" indent="0" algn="r" rtl="0">
               <a:spcBef>
                 <a:spcPts val="0"/>
               </a:spcBef>
@@ -5979,18 +6028,19 @@
 </file>
 
 <file path=ppt/slideLayouts/slideLayout4.xml><?xml version="1.0" encoding="utf-8"?>
-<p:sldLayout xmlns:a="http://schemas.openxmlformats.org/drawingml/2006/main" xmlns:r="http://schemas.openxmlformats.org/officeDocument/2006/relationships" xmlns:mc="http://schemas.openxmlformats.org/markup-compatibility/2006" xmlns:mv="urn:schemas-microsoft-com:mac:vml" xmlns:p="http://schemas.openxmlformats.org/presentationml/2006/main" xmlns:c="http://schemas.openxmlformats.org/drawingml/2006/chart" xmlns:dgm="http://schemas.openxmlformats.org/drawingml/2006/diagram" xmlns:o="urn:schemas-microsoft-com:office:office" xmlns:v="urn:schemas-microsoft-com:vml" xmlns:pvml="urn:schemas-microsoft-com:office:powerpoint" xmlns:com="http://schemas.openxmlformats.org/drawingml/2006/compatibility" xmlns:p14="http://schemas.microsoft.com/office/powerpoint/2010/main" xmlns:p15="http://schemas.microsoft.com/office/powerpoint/2012/main" xmlns:ahyp="http://schemas.microsoft.com/office/drawing/2018/hyperlinkcolor" matchingName="Title and two columns" type="twoColTx">
+<p:sldLayout xmlns:a="http://schemas.openxmlformats.org/drawingml/2006/main" xmlns:r="http://schemas.openxmlformats.org/officeDocument/2006/relationships" xmlns:p="http://schemas.openxmlformats.org/presentationml/2006/main" matchingName="Title and two columns" type="twoColTx">
   <p:cSld name="TITLE_AND_TWO_COLUMNS">
     <p:bg>
       <p:bgPr>
         <a:solidFill>
           <a:schemeClr val="dk2"/>
         </a:solidFill>
+        <a:effectLst/>
       </p:bgPr>
     </p:bg>
     <p:spTree>
       <p:nvGrpSpPr>
-        <p:cNvPr id="56" name="Shape 56"/>
+        <p:cNvPr id="1" name="Shape 56"/>
         <p:cNvGrpSpPr/>
         <p:nvPr/>
       </p:nvGrpSpPr>
@@ -6024,12 +6074,12 @@
           </a:ln>
         </p:spPr>
         <p:txBody>
-          <a:bodyPr anchorCtr="0" anchor="ctr" bIns="91425" lIns="91425" spcFirstLastPara="1" rIns="91425" wrap="square" tIns="91425">
+          <a:bodyPr spcFirstLastPara="1" wrap="square" lIns="91425" tIns="91425" rIns="91425" bIns="91425" anchor="ctr" anchorCtr="0">
             <a:noAutofit/>
           </a:bodyPr>
           <a:lstStyle/>
           <a:p>
-            <a:pPr indent="0" lvl="0" marL="0" rtl="0" algn="l">
+            <a:pPr marL="0" lvl="0" indent="0" algn="l" rtl="0">
               <a:spcBef>
                 <a:spcPts val="0"/>
               </a:spcBef>
@@ -6038,9 +6088,6 @@
               </a:spcAft>
               <a:buNone/>
             </a:pPr>
-            <a:r>
-              <a:t/>
-            </a:r>
             <a:endParaRPr/>
           </a:p>
         </p:txBody>
@@ -6067,12 +6114,12 @@
           </a:ln>
         </p:spPr>
         <p:txBody>
-          <a:bodyPr anchorCtr="0" anchor="ctr" bIns="91425" lIns="91425" spcFirstLastPara="1" rIns="91425" wrap="square" tIns="91425">
+          <a:bodyPr spcFirstLastPara="1" wrap="square" lIns="91425" tIns="91425" rIns="91425" bIns="91425" anchor="ctr" anchorCtr="0">
             <a:noAutofit/>
           </a:bodyPr>
           <a:lstStyle/>
           <a:p>
-            <a:pPr indent="0" lvl="0" marL="0" rtl="0" algn="l">
+            <a:pPr marL="0" lvl="0" indent="0" algn="l" rtl="0">
               <a:spcBef>
                 <a:spcPts val="0"/>
               </a:spcBef>
@@ -6081,9 +6128,6 @@
               </a:spcAft>
               <a:buNone/>
             </a:pPr>
-            <a:r>
-              <a:t/>
-            </a:r>
             <a:endParaRPr/>
           </a:p>
         </p:txBody>
@@ -6109,7 +6153,7 @@
             <a:noFill/>
           </a:ln>
           <a:effectLst>
-            <a:outerShdw blurRad="228600" sx="101000" rotWithShape="0" algn="ctr" sy="101000">
+            <a:outerShdw blurRad="228600" sx="101000" sy="101000" algn="ctr" rotWithShape="0">
               <a:srgbClr val="000000">
                 <a:alpha val="40000"/>
               </a:srgbClr>
@@ -6117,12 +6161,12 @@
           </a:effectLst>
         </p:spPr>
         <p:txBody>
-          <a:bodyPr anchorCtr="0" anchor="ctr" bIns="91425" lIns="91425" spcFirstLastPara="1" rIns="91425" wrap="square" tIns="91425">
+          <a:bodyPr spcFirstLastPara="1" wrap="square" lIns="91425" tIns="91425" rIns="91425" bIns="91425" anchor="ctr" anchorCtr="0">
             <a:noAutofit/>
           </a:bodyPr>
           <a:lstStyle/>
           <a:p>
-            <a:pPr indent="0" lvl="0" marL="0" rtl="0" algn="l">
+            <a:pPr marL="0" lvl="0" indent="0" algn="l" rtl="0">
               <a:spcBef>
                 <a:spcPts val="0"/>
               </a:spcBef>
@@ -6131,9 +6175,6 @@
               </a:spcAft>
               <a:buNone/>
             </a:pPr>
-            <a:r>
-              <a:t/>
-            </a:r>
             <a:endParaRPr/>
           </a:p>
         </p:txBody>
@@ -6141,7 +6182,9 @@
       <p:sp>
         <p:nvSpPr>
           <p:cNvPr id="60" name="Google Shape;60;p5"/>
-          <p:cNvSpPr txBox="1"/>
+          <p:cNvSpPr txBox="1">
+            <a:spLocks noGrp="1"/>
+          </p:cNvSpPr>
           <p:nvPr>
             <p:ph type="title"/>
           </p:nvPr>
@@ -6156,7 +6199,7 @@
           </a:prstGeom>
         </p:spPr>
         <p:txBody>
-          <a:bodyPr anchorCtr="0" anchor="t" bIns="91425" lIns="91425" spcFirstLastPara="1" rIns="91425" wrap="square" tIns="91425">
+          <a:bodyPr spcFirstLastPara="1" wrap="square" lIns="91425" tIns="91425" rIns="91425" bIns="91425" anchor="t" anchorCtr="0">
             <a:normAutofit/>
           </a:bodyPr>
           <a:lstStyle>
@@ -6260,15 +6303,19 @@
               <a:defRPr sz="3000"/>
             </a:lvl9pPr>
           </a:lstStyle>
-          <a:p/>
+          <a:p>
+            <a:endParaRPr/>
+          </a:p>
         </p:txBody>
       </p:sp>
       <p:sp>
         <p:nvSpPr>
           <p:cNvPr id="61" name="Google Shape;61;p5"/>
-          <p:cNvSpPr txBox="1"/>
+          <p:cNvSpPr txBox="1">
+            <a:spLocks noGrp="1"/>
+          </p:cNvSpPr>
           <p:nvPr>
-            <p:ph idx="1" type="body"/>
+            <p:ph type="body" idx="1"/>
           </p:nvPr>
         </p:nvSpPr>
         <p:spPr>
@@ -6281,11 +6328,11 @@
           </a:prstGeom>
         </p:spPr>
         <p:txBody>
-          <a:bodyPr anchorCtr="0" anchor="t" bIns="91425" lIns="91425" spcFirstLastPara="1" rIns="91425" wrap="square" tIns="91425">
+          <a:bodyPr spcFirstLastPara="1" wrap="square" lIns="91425" tIns="91425" rIns="91425" bIns="91425" anchor="t" anchorCtr="0">
             <a:normAutofit/>
           </a:bodyPr>
           <a:lstStyle>
-            <a:lvl1pPr indent="-311150" lvl="0" marL="457200">
+            <a:lvl1pPr marL="457200" lvl="0" indent="-311150">
               <a:spcBef>
                 <a:spcPts val="0"/>
               </a:spcBef>
@@ -6296,7 +6343,7 @@
               <a:buChar char="●"/>
               <a:defRPr/>
             </a:lvl1pPr>
-            <a:lvl2pPr indent="-298450" lvl="1" marL="914400">
+            <a:lvl2pPr marL="914400" lvl="1" indent="-298450">
               <a:spcBef>
                 <a:spcPts val="0"/>
               </a:spcBef>
@@ -6307,7 +6354,7 @@
               <a:buChar char="○"/>
               <a:defRPr/>
             </a:lvl2pPr>
-            <a:lvl3pPr indent="-298450" lvl="2" marL="1371600">
+            <a:lvl3pPr marL="1371600" lvl="2" indent="-298450">
               <a:spcBef>
                 <a:spcPts val="0"/>
               </a:spcBef>
@@ -6318,7 +6365,7 @@
               <a:buChar char="■"/>
               <a:defRPr/>
             </a:lvl3pPr>
-            <a:lvl4pPr indent="-298450" lvl="3" marL="1828800">
+            <a:lvl4pPr marL="1828800" lvl="3" indent="-298450">
               <a:spcBef>
                 <a:spcPts val="0"/>
               </a:spcBef>
@@ -6329,7 +6376,7 @@
               <a:buChar char="●"/>
               <a:defRPr/>
             </a:lvl4pPr>
-            <a:lvl5pPr indent="-298450" lvl="4" marL="2286000">
+            <a:lvl5pPr marL="2286000" lvl="4" indent="-298450">
               <a:spcBef>
                 <a:spcPts val="0"/>
               </a:spcBef>
@@ -6340,7 +6387,7 @@
               <a:buChar char="○"/>
               <a:defRPr/>
             </a:lvl5pPr>
-            <a:lvl6pPr indent="-298450" lvl="5" marL="2743200">
+            <a:lvl6pPr marL="2743200" lvl="5" indent="-298450">
               <a:spcBef>
                 <a:spcPts val="0"/>
               </a:spcBef>
@@ -6351,7 +6398,7 @@
               <a:buChar char="■"/>
               <a:defRPr/>
             </a:lvl6pPr>
-            <a:lvl7pPr indent="-298450" lvl="6" marL="3200400">
+            <a:lvl7pPr marL="3200400" lvl="6" indent="-298450">
               <a:spcBef>
                 <a:spcPts val="0"/>
               </a:spcBef>
@@ -6362,7 +6409,7 @@
               <a:buChar char="●"/>
               <a:defRPr/>
             </a:lvl7pPr>
-            <a:lvl8pPr indent="-298450" lvl="7" marL="3657600">
+            <a:lvl8pPr marL="3657600" lvl="7" indent="-298450">
               <a:spcBef>
                 <a:spcPts val="0"/>
               </a:spcBef>
@@ -6373,7 +6420,7 @@
               <a:buChar char="○"/>
               <a:defRPr/>
             </a:lvl8pPr>
-            <a:lvl9pPr indent="-298450" lvl="8" marL="4114800">
+            <a:lvl9pPr marL="4114800" lvl="8" indent="-298450">
               <a:spcBef>
                 <a:spcPts val="0"/>
               </a:spcBef>
@@ -6385,15 +6432,19 @@
               <a:defRPr/>
             </a:lvl9pPr>
           </a:lstStyle>
-          <a:p/>
+          <a:p>
+            <a:endParaRPr/>
+          </a:p>
         </p:txBody>
       </p:sp>
       <p:sp>
         <p:nvSpPr>
           <p:cNvPr id="62" name="Google Shape;62;p5"/>
-          <p:cNvSpPr txBox="1"/>
+          <p:cNvSpPr txBox="1">
+            <a:spLocks noGrp="1"/>
+          </p:cNvSpPr>
           <p:nvPr>
-            <p:ph idx="2" type="body"/>
+            <p:ph type="body" idx="2"/>
           </p:nvPr>
         </p:nvSpPr>
         <p:spPr>
@@ -6406,11 +6457,11 @@
           </a:prstGeom>
         </p:spPr>
         <p:txBody>
-          <a:bodyPr anchorCtr="0" anchor="t" bIns="91425" lIns="91425" spcFirstLastPara="1" rIns="91425" wrap="square" tIns="91425">
+          <a:bodyPr spcFirstLastPara="1" wrap="square" lIns="91425" tIns="91425" rIns="91425" bIns="91425" anchor="t" anchorCtr="0">
             <a:normAutofit/>
           </a:bodyPr>
           <a:lstStyle>
-            <a:lvl1pPr indent="-311150" lvl="0" marL="457200">
+            <a:lvl1pPr marL="457200" lvl="0" indent="-311150">
               <a:spcBef>
                 <a:spcPts val="0"/>
               </a:spcBef>
@@ -6421,7 +6472,7 @@
               <a:buChar char="●"/>
               <a:defRPr/>
             </a:lvl1pPr>
-            <a:lvl2pPr indent="-298450" lvl="1" marL="914400">
+            <a:lvl2pPr marL="914400" lvl="1" indent="-298450">
               <a:spcBef>
                 <a:spcPts val="0"/>
               </a:spcBef>
@@ -6432,7 +6483,7 @@
               <a:buChar char="○"/>
               <a:defRPr/>
             </a:lvl2pPr>
-            <a:lvl3pPr indent="-298450" lvl="2" marL="1371600">
+            <a:lvl3pPr marL="1371600" lvl="2" indent="-298450">
               <a:spcBef>
                 <a:spcPts val="0"/>
               </a:spcBef>
@@ -6443,7 +6494,7 @@
               <a:buChar char="■"/>
               <a:defRPr/>
             </a:lvl3pPr>
-            <a:lvl4pPr indent="-298450" lvl="3" marL="1828800">
+            <a:lvl4pPr marL="1828800" lvl="3" indent="-298450">
               <a:spcBef>
                 <a:spcPts val="0"/>
               </a:spcBef>
@@ -6454,7 +6505,7 @@
               <a:buChar char="●"/>
               <a:defRPr/>
             </a:lvl4pPr>
-            <a:lvl5pPr indent="-298450" lvl="4" marL="2286000">
+            <a:lvl5pPr marL="2286000" lvl="4" indent="-298450">
               <a:spcBef>
                 <a:spcPts val="0"/>
               </a:spcBef>
@@ -6465,7 +6516,7 @@
               <a:buChar char="○"/>
               <a:defRPr/>
             </a:lvl5pPr>
-            <a:lvl6pPr indent="-298450" lvl="5" marL="2743200">
+            <a:lvl6pPr marL="2743200" lvl="5" indent="-298450">
               <a:spcBef>
                 <a:spcPts val="0"/>
               </a:spcBef>
@@ -6476,7 +6527,7 @@
               <a:buChar char="■"/>
               <a:defRPr/>
             </a:lvl6pPr>
-            <a:lvl7pPr indent="-298450" lvl="6" marL="3200400">
+            <a:lvl7pPr marL="3200400" lvl="6" indent="-298450">
               <a:spcBef>
                 <a:spcPts val="0"/>
               </a:spcBef>
@@ -6487,7 +6538,7 @@
               <a:buChar char="●"/>
               <a:defRPr/>
             </a:lvl7pPr>
-            <a:lvl8pPr indent="-298450" lvl="7" marL="3657600">
+            <a:lvl8pPr marL="3657600" lvl="7" indent="-298450">
               <a:spcBef>
                 <a:spcPts val="0"/>
               </a:spcBef>
@@ -6498,7 +6549,7 @@
               <a:buChar char="○"/>
               <a:defRPr/>
             </a:lvl8pPr>
-            <a:lvl9pPr indent="-298450" lvl="8" marL="4114800">
+            <a:lvl9pPr marL="4114800" lvl="8" indent="-298450">
               <a:spcBef>
                 <a:spcPts val="0"/>
               </a:spcBef>
@@ -6510,15 +6561,19 @@
               <a:defRPr/>
             </a:lvl9pPr>
           </a:lstStyle>
-          <a:p/>
+          <a:p>
+            <a:endParaRPr/>
+          </a:p>
         </p:txBody>
       </p:sp>
       <p:sp>
         <p:nvSpPr>
           <p:cNvPr id="63" name="Google Shape;63;p5"/>
-          <p:cNvSpPr txBox="1"/>
+          <p:cNvSpPr txBox="1">
+            <a:spLocks noGrp="1"/>
+          </p:cNvSpPr>
           <p:nvPr>
-            <p:ph idx="12" type="sldNum"/>
+            <p:ph type="sldNum" idx="12"/>
           </p:nvPr>
         </p:nvSpPr>
         <p:spPr>
@@ -6531,7 +6586,7 @@
           </a:prstGeom>
         </p:spPr>
         <p:txBody>
-          <a:bodyPr anchorCtr="0" anchor="ctr" bIns="91425" lIns="91425" spcFirstLastPara="1" rIns="91425" wrap="square" tIns="91425">
+          <a:bodyPr spcFirstLastPara="1" wrap="square" lIns="91425" tIns="91425" rIns="91425" bIns="91425" anchor="ctr" anchorCtr="0">
             <a:normAutofit/>
           </a:bodyPr>
           <a:lstStyle>
@@ -6573,7 +6628,7 @@
             </a:lvl9pPr>
           </a:lstStyle>
           <a:p>
-            <a:pPr indent="0" lvl="0" marL="0" rtl="0" algn="r">
+            <a:pPr marL="0" lvl="0" indent="0" algn="r" rtl="0">
               <a:spcBef>
                 <a:spcPts val="0"/>
               </a:spcBef>
@@ -6599,18 +6654,19 @@
 </file>
 
 <file path=ppt/slideLayouts/slideLayout5.xml><?xml version="1.0" encoding="utf-8"?>
-<p:sldLayout xmlns:a="http://schemas.openxmlformats.org/drawingml/2006/main" xmlns:r="http://schemas.openxmlformats.org/officeDocument/2006/relationships" xmlns:mc="http://schemas.openxmlformats.org/markup-compatibility/2006" xmlns:mv="urn:schemas-microsoft-com:mac:vml" xmlns:p="http://schemas.openxmlformats.org/presentationml/2006/main" xmlns:c="http://schemas.openxmlformats.org/drawingml/2006/chart" xmlns:dgm="http://schemas.openxmlformats.org/drawingml/2006/diagram" xmlns:o="urn:schemas-microsoft-com:office:office" xmlns:v="urn:schemas-microsoft-com:vml" xmlns:pvml="urn:schemas-microsoft-com:office:powerpoint" xmlns:com="http://schemas.openxmlformats.org/drawingml/2006/compatibility" xmlns:p14="http://schemas.microsoft.com/office/powerpoint/2010/main" xmlns:p15="http://schemas.microsoft.com/office/powerpoint/2012/main" xmlns:ahyp="http://schemas.microsoft.com/office/drawing/2018/hyperlinkcolor" matchingName="Title only" type="titleOnly">
+<p:sldLayout xmlns:a="http://schemas.openxmlformats.org/drawingml/2006/main" xmlns:r="http://schemas.openxmlformats.org/officeDocument/2006/relationships" xmlns:p="http://schemas.openxmlformats.org/presentationml/2006/main" matchingName="Title only" type="titleOnly">
   <p:cSld name="TITLE_ONLY">
     <p:bg>
       <p:bgPr>
         <a:solidFill>
           <a:schemeClr val="dk2"/>
         </a:solidFill>
+        <a:effectLst/>
       </p:bgPr>
     </p:bg>
     <p:spTree>
       <p:nvGrpSpPr>
-        <p:cNvPr id="64" name="Shape 64"/>
+        <p:cNvPr id="1" name="Shape 64"/>
         <p:cNvGrpSpPr/>
         <p:nvPr/>
       </p:nvGrpSpPr>
@@ -6644,12 +6700,12 @@
           </a:ln>
         </p:spPr>
         <p:txBody>
-          <a:bodyPr anchorCtr="0" anchor="ctr" bIns="91425" lIns="91425" spcFirstLastPara="1" rIns="91425" wrap="square" tIns="91425">
+          <a:bodyPr spcFirstLastPara="1" wrap="square" lIns="91425" tIns="91425" rIns="91425" bIns="91425" anchor="ctr" anchorCtr="0">
             <a:noAutofit/>
           </a:bodyPr>
           <a:lstStyle/>
           <a:p>
-            <a:pPr indent="0" lvl="0" marL="0" rtl="0" algn="l">
+            <a:pPr marL="0" lvl="0" indent="0" algn="l" rtl="0">
               <a:spcBef>
                 <a:spcPts val="0"/>
               </a:spcBef>
@@ -6658,9 +6714,6 @@
               </a:spcAft>
               <a:buNone/>
             </a:pPr>
-            <a:r>
-              <a:t/>
-            </a:r>
             <a:endParaRPr/>
           </a:p>
         </p:txBody>
@@ -6687,12 +6740,12 @@
           </a:ln>
         </p:spPr>
         <p:txBody>
-          <a:bodyPr anchorCtr="0" anchor="ctr" bIns="91425" lIns="91425" spcFirstLastPara="1" rIns="91425" wrap="square" tIns="91425">
+          <a:bodyPr spcFirstLastPara="1" wrap="square" lIns="91425" tIns="91425" rIns="91425" bIns="91425" anchor="ctr" anchorCtr="0">
             <a:noAutofit/>
           </a:bodyPr>
           <a:lstStyle/>
           <a:p>
-            <a:pPr indent="0" lvl="0" marL="0" rtl="0" algn="l">
+            <a:pPr marL="0" lvl="0" indent="0" algn="l" rtl="0">
               <a:spcBef>
                 <a:spcPts val="0"/>
               </a:spcBef>
@@ -6701,9 +6754,6 @@
               </a:spcAft>
               <a:buNone/>
             </a:pPr>
-            <a:r>
-              <a:t/>
-            </a:r>
             <a:endParaRPr/>
           </a:p>
         </p:txBody>
@@ -6729,7 +6779,7 @@
             <a:noFill/>
           </a:ln>
           <a:effectLst>
-            <a:outerShdw blurRad="228600" sx="101000" rotWithShape="0" algn="ctr" sy="101000">
+            <a:outerShdw blurRad="228600" sx="101000" sy="101000" algn="ctr" rotWithShape="0">
               <a:srgbClr val="000000">
                 <a:alpha val="40000"/>
               </a:srgbClr>
@@ -6737,12 +6787,12 @@
           </a:effectLst>
         </p:spPr>
         <p:txBody>
-          <a:bodyPr anchorCtr="0" anchor="ctr" bIns="91425" lIns="91425" spcFirstLastPara="1" rIns="91425" wrap="square" tIns="91425">
+          <a:bodyPr spcFirstLastPara="1" wrap="square" lIns="91425" tIns="91425" rIns="91425" bIns="91425" anchor="ctr" anchorCtr="0">
             <a:noAutofit/>
           </a:bodyPr>
           <a:lstStyle/>
           <a:p>
-            <a:pPr indent="0" lvl="0" marL="0" rtl="0" algn="l">
+            <a:pPr marL="0" lvl="0" indent="0" algn="l" rtl="0">
               <a:spcBef>
                 <a:spcPts val="0"/>
               </a:spcBef>
@@ -6751,9 +6801,6 @@
               </a:spcAft>
               <a:buNone/>
             </a:pPr>
-            <a:r>
-              <a:t/>
-            </a:r>
             <a:endParaRPr/>
           </a:p>
         </p:txBody>
@@ -6761,7 +6808,9 @@
       <p:sp>
         <p:nvSpPr>
           <p:cNvPr id="68" name="Google Shape;68;p6"/>
-          <p:cNvSpPr txBox="1"/>
+          <p:cNvSpPr txBox="1">
+            <a:spLocks noGrp="1"/>
+          </p:cNvSpPr>
           <p:nvPr>
             <p:ph type="title"/>
           </p:nvPr>
@@ -6776,7 +6825,7 @@
           </a:prstGeom>
         </p:spPr>
         <p:txBody>
-          <a:bodyPr anchorCtr="0" anchor="t" bIns="91425" lIns="91425" spcFirstLastPara="1" rIns="91425" wrap="square" tIns="91425">
+          <a:bodyPr spcFirstLastPara="1" wrap="square" lIns="91425" tIns="91425" rIns="91425" bIns="91425" anchor="t" anchorCtr="0">
             <a:normAutofit/>
           </a:bodyPr>
           <a:lstStyle>
@@ -6880,15 +6929,19 @@
               <a:defRPr sz="3000"/>
             </a:lvl9pPr>
           </a:lstStyle>
-          <a:p/>
+          <a:p>
+            <a:endParaRPr/>
+          </a:p>
         </p:txBody>
       </p:sp>
       <p:sp>
         <p:nvSpPr>
           <p:cNvPr id="69" name="Google Shape;69;p6"/>
-          <p:cNvSpPr txBox="1"/>
+          <p:cNvSpPr txBox="1">
+            <a:spLocks noGrp="1"/>
+          </p:cNvSpPr>
           <p:nvPr>
-            <p:ph idx="12" type="sldNum"/>
+            <p:ph type="sldNum" idx="12"/>
           </p:nvPr>
         </p:nvSpPr>
         <p:spPr>
@@ -6901,7 +6954,7 @@
           </a:prstGeom>
         </p:spPr>
         <p:txBody>
-          <a:bodyPr anchorCtr="0" anchor="ctr" bIns="91425" lIns="91425" spcFirstLastPara="1" rIns="91425" wrap="square" tIns="91425">
+          <a:bodyPr spcFirstLastPara="1" wrap="square" lIns="91425" tIns="91425" rIns="91425" bIns="91425" anchor="ctr" anchorCtr="0">
             <a:normAutofit/>
           </a:bodyPr>
           <a:lstStyle>
@@ -6943,7 +6996,7 @@
             </a:lvl9pPr>
           </a:lstStyle>
           <a:p>
-            <a:pPr indent="0" lvl="0" marL="0" rtl="0" algn="r">
+            <a:pPr marL="0" lvl="0" indent="0" algn="r" rtl="0">
               <a:spcBef>
                 <a:spcPts val="0"/>
               </a:spcBef>
@@ -6969,18 +7022,19 @@
 </file>
 
 <file path=ppt/slideLayouts/slideLayout6.xml><?xml version="1.0" encoding="utf-8"?>
-<p:sldLayout xmlns:a="http://schemas.openxmlformats.org/drawingml/2006/main" xmlns:r="http://schemas.openxmlformats.org/officeDocument/2006/relationships" xmlns:mc="http://schemas.openxmlformats.org/markup-compatibility/2006" xmlns:mv="urn:schemas-microsoft-com:mac:vml" xmlns:p="http://schemas.openxmlformats.org/presentationml/2006/main" xmlns:c="http://schemas.openxmlformats.org/drawingml/2006/chart" xmlns:dgm="http://schemas.openxmlformats.org/drawingml/2006/diagram" xmlns:o="urn:schemas-microsoft-com:office:office" xmlns:v="urn:schemas-microsoft-com:vml" xmlns:pvml="urn:schemas-microsoft-com:office:powerpoint" xmlns:com="http://schemas.openxmlformats.org/drawingml/2006/compatibility" xmlns:p14="http://schemas.microsoft.com/office/powerpoint/2010/main" xmlns:p15="http://schemas.microsoft.com/office/powerpoint/2012/main" xmlns:ahyp="http://schemas.microsoft.com/office/drawing/2018/hyperlinkcolor" matchingName="One column text">
+<p:sldLayout xmlns:a="http://schemas.openxmlformats.org/drawingml/2006/main" xmlns:r="http://schemas.openxmlformats.org/officeDocument/2006/relationships" xmlns:p="http://schemas.openxmlformats.org/presentationml/2006/main" matchingName="One column text">
   <p:cSld name="ONE_COLUMN_TEXT">
     <p:bg>
       <p:bgPr>
         <a:solidFill>
           <a:schemeClr val="accent3"/>
         </a:solidFill>
+        <a:effectLst/>
       </p:bgPr>
     </p:bg>
     <p:spTree>
       <p:nvGrpSpPr>
-        <p:cNvPr id="70" name="Shape 70"/>
+        <p:cNvPr id="1" name="Shape 70"/>
         <p:cNvGrpSpPr/>
         <p:nvPr/>
       </p:nvGrpSpPr>
@@ -7014,12 +7068,12 @@
           </a:ln>
         </p:spPr>
         <p:txBody>
-          <a:bodyPr anchorCtr="0" anchor="ctr" bIns="91425" lIns="91425" spcFirstLastPara="1" rIns="91425" wrap="square" tIns="91425">
+          <a:bodyPr spcFirstLastPara="1" wrap="square" lIns="91425" tIns="91425" rIns="91425" bIns="91425" anchor="ctr" anchorCtr="0">
             <a:noAutofit/>
           </a:bodyPr>
           <a:lstStyle/>
           <a:p>
-            <a:pPr indent="0" lvl="0" marL="0" rtl="0" algn="l">
+            <a:pPr marL="0" lvl="0" indent="0" algn="l" rtl="0">
               <a:spcBef>
                 <a:spcPts val="0"/>
               </a:spcBef>
@@ -7028,9 +7082,6 @@
               </a:spcAft>
               <a:buNone/>
             </a:pPr>
-            <a:r>
-              <a:t/>
-            </a:r>
             <a:endParaRPr/>
           </a:p>
         </p:txBody>
@@ -7057,12 +7108,12 @@
           </a:ln>
         </p:spPr>
         <p:txBody>
-          <a:bodyPr anchorCtr="0" anchor="ctr" bIns="91425" lIns="91425" spcFirstLastPara="1" rIns="91425" wrap="square" tIns="91425">
+          <a:bodyPr spcFirstLastPara="1" wrap="square" lIns="91425" tIns="91425" rIns="91425" bIns="91425" anchor="ctr" anchorCtr="0">
             <a:noAutofit/>
           </a:bodyPr>
           <a:lstStyle/>
           <a:p>
-            <a:pPr indent="0" lvl="0" marL="0" rtl="0" algn="l">
+            <a:pPr marL="0" lvl="0" indent="0" algn="l" rtl="0">
               <a:spcBef>
                 <a:spcPts val="0"/>
               </a:spcBef>
@@ -7071,9 +7122,6 @@
               </a:spcAft>
               <a:buNone/>
             </a:pPr>
-            <a:r>
-              <a:t/>
-            </a:r>
             <a:endParaRPr/>
           </a:p>
         </p:txBody>
@@ -7099,7 +7147,7 @@
             <a:noFill/>
           </a:ln>
           <a:effectLst>
-            <a:outerShdw blurRad="228600" sx="101000" rotWithShape="0" algn="ctr" sy="101000">
+            <a:outerShdw blurRad="228600" sx="101000" sy="101000" algn="ctr" rotWithShape="0">
               <a:srgbClr val="000000">
                 <a:alpha val="40000"/>
               </a:srgbClr>
@@ -7107,12 +7155,12 @@
           </a:effectLst>
         </p:spPr>
         <p:txBody>
-          <a:bodyPr anchorCtr="0" anchor="ctr" bIns="91425" lIns="91425" spcFirstLastPara="1" rIns="91425" wrap="square" tIns="91425">
+          <a:bodyPr spcFirstLastPara="1" wrap="square" lIns="91425" tIns="91425" rIns="91425" bIns="91425" anchor="ctr" anchorCtr="0">
             <a:noAutofit/>
           </a:bodyPr>
           <a:lstStyle/>
           <a:p>
-            <a:pPr indent="0" lvl="0" marL="0" rtl="0" algn="l">
+            <a:pPr marL="0" lvl="0" indent="0" algn="l" rtl="0">
               <a:spcBef>
                 <a:spcPts val="0"/>
               </a:spcBef>
@@ -7121,9 +7169,6 @@
               </a:spcAft>
               <a:buNone/>
             </a:pPr>
-            <a:r>
-              <a:t/>
-            </a:r>
             <a:endParaRPr/>
           </a:p>
         </p:txBody>
@@ -7131,7 +7176,9 @@
       <p:sp>
         <p:nvSpPr>
           <p:cNvPr id="74" name="Google Shape;74;p7"/>
-          <p:cNvSpPr txBox="1"/>
+          <p:cNvSpPr txBox="1">
+            <a:spLocks noGrp="1"/>
+          </p:cNvSpPr>
           <p:nvPr>
             <p:ph type="title"/>
           </p:nvPr>
@@ -7146,7 +7193,7 @@
           </a:prstGeom>
         </p:spPr>
         <p:txBody>
-          <a:bodyPr anchorCtr="0" anchor="t" bIns="91425" lIns="91425" spcFirstLastPara="1" rIns="91425" wrap="square" tIns="91425">
+          <a:bodyPr spcFirstLastPara="1" wrap="square" lIns="91425" tIns="91425" rIns="91425" bIns="91425" anchor="t" anchorCtr="0">
             <a:normAutofit/>
           </a:bodyPr>
           <a:lstStyle>
@@ -7250,15 +7297,19 @@
               <a:defRPr sz="3000"/>
             </a:lvl9pPr>
           </a:lstStyle>
-          <a:p/>
+          <a:p>
+            <a:endParaRPr/>
+          </a:p>
         </p:txBody>
       </p:sp>
       <p:sp>
         <p:nvSpPr>
           <p:cNvPr id="75" name="Google Shape;75;p7"/>
-          <p:cNvSpPr txBox="1"/>
+          <p:cNvSpPr txBox="1">
+            <a:spLocks noGrp="1"/>
+          </p:cNvSpPr>
           <p:nvPr>
-            <p:ph idx="1" type="body"/>
+            <p:ph type="body" idx="1"/>
           </p:nvPr>
         </p:nvSpPr>
         <p:spPr>
@@ -7271,11 +7322,11 @@
           </a:prstGeom>
         </p:spPr>
         <p:txBody>
-          <a:bodyPr anchorCtr="0" anchor="t" bIns="91425" lIns="91425" spcFirstLastPara="1" rIns="91425" wrap="square" tIns="91425">
+          <a:bodyPr spcFirstLastPara="1" wrap="square" lIns="91425" tIns="91425" rIns="91425" bIns="91425" anchor="t" anchorCtr="0">
             <a:normAutofit/>
           </a:bodyPr>
           <a:lstStyle>
-            <a:lvl1pPr indent="-311150" lvl="0" marL="457200">
+            <a:lvl1pPr marL="457200" lvl="0" indent="-311150">
               <a:spcBef>
                 <a:spcPts val="0"/>
               </a:spcBef>
@@ -7286,7 +7337,7 @@
               <a:buChar char="●"/>
               <a:defRPr/>
             </a:lvl1pPr>
-            <a:lvl2pPr indent="-298450" lvl="1" marL="914400">
+            <a:lvl2pPr marL="914400" lvl="1" indent="-298450">
               <a:spcBef>
                 <a:spcPts val="0"/>
               </a:spcBef>
@@ -7297,7 +7348,7 @@
               <a:buChar char="○"/>
               <a:defRPr/>
             </a:lvl2pPr>
-            <a:lvl3pPr indent="-298450" lvl="2" marL="1371600">
+            <a:lvl3pPr marL="1371600" lvl="2" indent="-298450">
               <a:spcBef>
                 <a:spcPts val="0"/>
               </a:spcBef>
@@ -7308,7 +7359,7 @@
               <a:buChar char="■"/>
               <a:defRPr/>
             </a:lvl3pPr>
-            <a:lvl4pPr indent="-298450" lvl="3" marL="1828800">
+            <a:lvl4pPr marL="1828800" lvl="3" indent="-298450">
               <a:spcBef>
                 <a:spcPts val="0"/>
               </a:spcBef>
@@ -7319,7 +7370,7 @@
               <a:buChar char="●"/>
               <a:defRPr/>
             </a:lvl4pPr>
-            <a:lvl5pPr indent="-298450" lvl="4" marL="2286000">
+            <a:lvl5pPr marL="2286000" lvl="4" indent="-298450">
               <a:spcBef>
                 <a:spcPts val="0"/>
               </a:spcBef>
@@ -7330,7 +7381,7 @@
               <a:buChar char="○"/>
               <a:defRPr/>
             </a:lvl5pPr>
-            <a:lvl6pPr indent="-298450" lvl="5" marL="2743200">
+            <a:lvl6pPr marL="2743200" lvl="5" indent="-298450">
               <a:spcBef>
                 <a:spcPts val="0"/>
               </a:spcBef>
@@ -7341,7 +7392,7 @@
               <a:buChar char="■"/>
               <a:defRPr/>
             </a:lvl6pPr>
-            <a:lvl7pPr indent="-298450" lvl="6" marL="3200400">
+            <a:lvl7pPr marL="3200400" lvl="6" indent="-298450">
               <a:spcBef>
                 <a:spcPts val="0"/>
               </a:spcBef>
@@ -7352,7 +7403,7 @@
               <a:buChar char="●"/>
               <a:defRPr/>
             </a:lvl7pPr>
-            <a:lvl8pPr indent="-298450" lvl="7" marL="3657600">
+            <a:lvl8pPr marL="3657600" lvl="7" indent="-298450">
               <a:spcBef>
                 <a:spcPts val="0"/>
               </a:spcBef>
@@ -7363,7 +7414,7 @@
               <a:buChar char="○"/>
               <a:defRPr/>
             </a:lvl8pPr>
-            <a:lvl9pPr indent="-298450" lvl="8" marL="4114800">
+            <a:lvl9pPr marL="4114800" lvl="8" indent="-298450">
               <a:spcBef>
                 <a:spcPts val="0"/>
               </a:spcBef>
@@ -7375,15 +7426,19 @@
               <a:defRPr/>
             </a:lvl9pPr>
           </a:lstStyle>
-          <a:p/>
+          <a:p>
+            <a:endParaRPr/>
+          </a:p>
         </p:txBody>
       </p:sp>
       <p:sp>
         <p:nvSpPr>
           <p:cNvPr id="76" name="Google Shape;76;p7"/>
-          <p:cNvSpPr txBox="1"/>
+          <p:cNvSpPr txBox="1">
+            <a:spLocks noGrp="1"/>
+          </p:cNvSpPr>
           <p:nvPr>
-            <p:ph idx="12" type="sldNum"/>
+            <p:ph type="sldNum" idx="12"/>
           </p:nvPr>
         </p:nvSpPr>
         <p:spPr>
@@ -7396,7 +7451,7 @@
           </a:prstGeom>
         </p:spPr>
         <p:txBody>
-          <a:bodyPr anchorCtr="0" anchor="ctr" bIns="91425" lIns="91425" spcFirstLastPara="1" rIns="91425" wrap="square" tIns="91425">
+          <a:bodyPr spcFirstLastPara="1" wrap="square" lIns="91425" tIns="91425" rIns="91425" bIns="91425" anchor="ctr" anchorCtr="0">
             <a:normAutofit/>
           </a:bodyPr>
           <a:lstStyle>
@@ -7438,7 +7493,7 @@
             </a:lvl9pPr>
           </a:lstStyle>
           <a:p>
-            <a:pPr indent="0" lvl="0" marL="0" rtl="0" algn="r">
+            <a:pPr marL="0" lvl="0" indent="0" algn="r" rtl="0">
               <a:spcBef>
                 <a:spcPts val="0"/>
               </a:spcBef>
@@ -7464,18 +7519,19 @@
 </file>
 
 <file path=ppt/slideLayouts/slideLayout7.xml><?xml version="1.0" encoding="utf-8"?>
-<p:sldLayout xmlns:a="http://schemas.openxmlformats.org/drawingml/2006/main" xmlns:r="http://schemas.openxmlformats.org/officeDocument/2006/relationships" xmlns:mc="http://schemas.openxmlformats.org/markup-compatibility/2006" xmlns:mv="urn:schemas-microsoft-com:mac:vml" xmlns:p="http://schemas.openxmlformats.org/presentationml/2006/main" xmlns:c="http://schemas.openxmlformats.org/drawingml/2006/chart" xmlns:dgm="http://schemas.openxmlformats.org/drawingml/2006/diagram" xmlns:o="urn:schemas-microsoft-com:office:office" xmlns:v="urn:schemas-microsoft-com:vml" xmlns:pvml="urn:schemas-microsoft-com:office:powerpoint" xmlns:com="http://schemas.openxmlformats.org/drawingml/2006/compatibility" xmlns:p14="http://schemas.microsoft.com/office/powerpoint/2010/main" xmlns:p15="http://schemas.microsoft.com/office/powerpoint/2012/main" xmlns:ahyp="http://schemas.microsoft.com/office/drawing/2018/hyperlinkcolor" matchingName="Main point">
+<p:sldLayout xmlns:a="http://schemas.openxmlformats.org/drawingml/2006/main" xmlns:r="http://schemas.openxmlformats.org/officeDocument/2006/relationships" xmlns:p="http://schemas.openxmlformats.org/presentationml/2006/main" matchingName="Main point">
   <p:cSld name="MAIN_POINT">
     <p:bg>
       <p:bgPr>
         <a:solidFill>
           <a:schemeClr val="accent1"/>
         </a:solidFill>
+        <a:effectLst/>
       </p:bgPr>
     </p:bg>
     <p:spTree>
       <p:nvGrpSpPr>
-        <p:cNvPr id="77" name="Shape 77"/>
+        <p:cNvPr id="1" name="Shape 77"/>
         <p:cNvGrpSpPr/>
         <p:nvPr/>
       </p:nvGrpSpPr>
@@ -7509,12 +7565,12 @@
           </a:ln>
         </p:spPr>
         <p:txBody>
-          <a:bodyPr anchorCtr="0" anchor="ctr" bIns="91425" lIns="91425" spcFirstLastPara="1" rIns="91425" wrap="square" tIns="91425">
+          <a:bodyPr spcFirstLastPara="1" wrap="square" lIns="91425" tIns="91425" rIns="91425" bIns="91425" anchor="ctr" anchorCtr="0">
             <a:noAutofit/>
           </a:bodyPr>
           <a:lstStyle/>
           <a:p>
-            <a:pPr indent="0" lvl="0" marL="0" rtl="0" algn="l">
+            <a:pPr marL="0" lvl="0" indent="0" algn="l" rtl="0">
               <a:spcBef>
                 <a:spcPts val="0"/>
               </a:spcBef>
@@ -7523,9 +7579,6 @@
               </a:spcAft>
               <a:buNone/>
             </a:pPr>
-            <a:r>
-              <a:t/>
-            </a:r>
             <a:endParaRPr/>
           </a:p>
         </p:txBody>
@@ -7552,12 +7605,12 @@
           </a:ln>
         </p:spPr>
         <p:txBody>
-          <a:bodyPr anchorCtr="0" anchor="ctr" bIns="91425" lIns="91425" spcFirstLastPara="1" rIns="91425" wrap="square" tIns="91425">
+          <a:bodyPr spcFirstLastPara="1" wrap="square" lIns="91425" tIns="91425" rIns="91425" bIns="91425" anchor="ctr" anchorCtr="0">
             <a:noAutofit/>
           </a:bodyPr>
           <a:lstStyle/>
           <a:p>
-            <a:pPr indent="0" lvl="0" marL="0" rtl="0" algn="l">
+            <a:pPr marL="0" lvl="0" indent="0" algn="l" rtl="0">
               <a:spcBef>
                 <a:spcPts val="0"/>
               </a:spcBef>
@@ -7566,9 +7619,6 @@
               </a:spcAft>
               <a:buNone/>
             </a:pPr>
-            <a:r>
-              <a:t/>
-            </a:r>
             <a:endParaRPr/>
           </a:p>
         </p:txBody>
@@ -7600,7 +7650,7 @@
             </a:xfrm>
             <a:prstGeom prst="parallelogram">
               <a:avLst>
-                <a:gd fmla="val 153193" name="adj"/>
+                <a:gd name="adj" fmla="val 153193"/>
               </a:avLst>
             </a:prstGeom>
             <a:solidFill>
@@ -7611,12 +7661,12 @@
             </a:ln>
           </p:spPr>
           <p:txBody>
-            <a:bodyPr anchorCtr="0" anchor="ctr" bIns="91425" lIns="91425" spcFirstLastPara="1" rIns="91425" wrap="square" tIns="91425">
+            <a:bodyPr spcFirstLastPara="1" wrap="square" lIns="91425" tIns="91425" rIns="91425" bIns="91425" anchor="ctr" anchorCtr="0">
               <a:noAutofit/>
             </a:bodyPr>
             <a:lstStyle/>
             <a:p>
-              <a:pPr indent="0" lvl="0" marL="0" rtl="0" algn="l">
+              <a:pPr marL="0" lvl="0" indent="0" algn="l" rtl="0">
                 <a:spcBef>
                   <a:spcPts val="0"/>
                 </a:spcBef>
@@ -7625,9 +7675,6 @@
                 </a:spcAft>
                 <a:buNone/>
               </a:pPr>
-              <a:r>
-                <a:t/>
-              </a:r>
               <a:endParaRPr/>
             </a:p>
           </p:txBody>
@@ -7645,7 +7692,7 @@
             </a:xfrm>
             <a:prstGeom prst="parallelogram">
               <a:avLst>
-                <a:gd fmla="val 153193" name="adj"/>
+                <a:gd name="adj" fmla="val 153193"/>
               </a:avLst>
             </a:prstGeom>
             <a:solidFill>
@@ -7656,12 +7703,12 @@
             </a:ln>
           </p:spPr>
           <p:txBody>
-            <a:bodyPr anchorCtr="0" anchor="ctr" bIns="91425" lIns="91425" spcFirstLastPara="1" rIns="91425" wrap="square" tIns="91425">
+            <a:bodyPr spcFirstLastPara="1" wrap="square" lIns="91425" tIns="91425" rIns="91425" bIns="91425" anchor="ctr" anchorCtr="0">
               <a:noAutofit/>
             </a:bodyPr>
             <a:lstStyle/>
             <a:p>
-              <a:pPr indent="0" lvl="0" marL="0" rtl="0" algn="l">
+              <a:pPr marL="0" lvl="0" indent="0" algn="l" rtl="0">
                 <a:spcBef>
                   <a:spcPts val="0"/>
                 </a:spcBef>
@@ -7670,9 +7717,6 @@
                 </a:spcAft>
                 <a:buNone/>
               </a:pPr>
-              <a:r>
-                <a:t/>
-              </a:r>
               <a:endParaRPr/>
             </a:p>
           </p:txBody>
@@ -7690,7 +7734,7 @@
             </a:xfrm>
             <a:prstGeom prst="parallelogram">
               <a:avLst>
-                <a:gd fmla="val 153193" name="adj"/>
+                <a:gd name="adj" fmla="val 153193"/>
               </a:avLst>
             </a:prstGeom>
             <a:solidFill>
@@ -7701,12 +7745,12 @@
             </a:ln>
           </p:spPr>
           <p:txBody>
-            <a:bodyPr anchorCtr="0" anchor="ctr" bIns="91425" lIns="91425" spcFirstLastPara="1" rIns="91425" wrap="square" tIns="91425">
+            <a:bodyPr spcFirstLastPara="1" wrap="square" lIns="91425" tIns="91425" rIns="91425" bIns="91425" anchor="ctr" anchorCtr="0">
               <a:noAutofit/>
             </a:bodyPr>
             <a:lstStyle/>
             <a:p>
-              <a:pPr indent="0" lvl="0" marL="0" rtl="0" algn="l">
+              <a:pPr marL="0" lvl="0" indent="0" algn="l" rtl="0">
                 <a:spcBef>
                   <a:spcPts val="0"/>
                 </a:spcBef>
@@ -7715,9 +7759,6 @@
                 </a:spcAft>
                 <a:buNone/>
               </a:pPr>
-              <a:r>
-                <a:t/>
-              </a:r>
               <a:endParaRPr/>
             </a:p>
           </p:txBody>
@@ -7744,7 +7785,7 @@
             <a:noFill/>
           </a:ln>
           <a:effectLst>
-            <a:outerShdw blurRad="228600" sx="101000" rotWithShape="0" algn="ctr" sy="101000">
+            <a:outerShdw blurRad="228600" sx="101000" sy="101000" algn="ctr" rotWithShape="0">
               <a:srgbClr val="000000">
                 <a:alpha val="40000"/>
               </a:srgbClr>
@@ -7752,12 +7793,12 @@
           </a:effectLst>
         </p:spPr>
         <p:txBody>
-          <a:bodyPr anchorCtr="0" anchor="ctr" bIns="91425" lIns="91425" spcFirstLastPara="1" rIns="91425" wrap="square" tIns="91425">
+          <a:bodyPr spcFirstLastPara="1" wrap="square" lIns="91425" tIns="91425" rIns="91425" bIns="91425" anchor="ctr" anchorCtr="0">
             <a:noAutofit/>
           </a:bodyPr>
           <a:lstStyle/>
           <a:p>
-            <a:pPr indent="0" lvl="0" marL="0" rtl="0" algn="l">
+            <a:pPr marL="0" lvl="0" indent="0" algn="l" rtl="0">
               <a:spcBef>
                 <a:spcPts val="0"/>
               </a:spcBef>
@@ -7766,9 +7807,6 @@
               </a:spcAft>
               <a:buNone/>
             </a:pPr>
-            <a:r>
-              <a:t/>
-            </a:r>
             <a:endParaRPr/>
           </a:p>
         </p:txBody>
@@ -7800,7 +7838,7 @@
             </a:xfrm>
             <a:prstGeom prst="parallelogram">
               <a:avLst>
-                <a:gd fmla="val 158024" name="adj"/>
+                <a:gd name="adj" fmla="val 158024"/>
               </a:avLst>
             </a:prstGeom>
             <a:solidFill>
@@ -7811,12 +7849,12 @@
             </a:ln>
           </p:spPr>
           <p:txBody>
-            <a:bodyPr anchorCtr="0" anchor="ctr" bIns="91425" lIns="91425" spcFirstLastPara="1" rIns="91425" wrap="square" tIns="91425">
+            <a:bodyPr spcFirstLastPara="1" wrap="square" lIns="91425" tIns="91425" rIns="91425" bIns="91425" anchor="ctr" anchorCtr="0">
               <a:noAutofit/>
             </a:bodyPr>
             <a:lstStyle/>
             <a:p>
-              <a:pPr indent="0" lvl="0" marL="0" rtl="0" algn="l">
+              <a:pPr marL="0" lvl="0" indent="0" algn="l" rtl="0">
                 <a:spcBef>
                   <a:spcPts val="0"/>
                 </a:spcBef>
@@ -7825,9 +7863,6 @@
                 </a:spcAft>
                 <a:buNone/>
               </a:pPr>
-              <a:r>
-                <a:t/>
-              </a:r>
               <a:endParaRPr/>
             </a:p>
           </p:txBody>
@@ -7845,7 +7880,7 @@
             </a:xfrm>
             <a:prstGeom prst="parallelogram">
               <a:avLst>
-                <a:gd fmla="val 158024" name="adj"/>
+                <a:gd name="adj" fmla="val 158024"/>
               </a:avLst>
             </a:prstGeom>
             <a:solidFill>
@@ -7856,12 +7891,12 @@
             </a:ln>
           </p:spPr>
           <p:txBody>
-            <a:bodyPr anchorCtr="0" anchor="ctr" bIns="91425" lIns="91425" spcFirstLastPara="1" rIns="91425" wrap="square" tIns="91425">
+            <a:bodyPr spcFirstLastPara="1" wrap="square" lIns="91425" tIns="91425" rIns="91425" bIns="91425" anchor="ctr" anchorCtr="0">
               <a:noAutofit/>
             </a:bodyPr>
             <a:lstStyle/>
             <a:p>
-              <a:pPr indent="0" lvl="0" marL="0" rtl="0" algn="l">
+              <a:pPr marL="0" lvl="0" indent="0" algn="l" rtl="0">
                 <a:spcBef>
                   <a:spcPts val="0"/>
                 </a:spcBef>
@@ -7870,9 +7905,6 @@
                 </a:spcAft>
                 <a:buNone/>
               </a:pPr>
-              <a:r>
-                <a:t/>
-              </a:r>
               <a:endParaRPr/>
             </a:p>
           </p:txBody>
@@ -7890,7 +7922,7 @@
             </a:xfrm>
             <a:prstGeom prst="parallelogram">
               <a:avLst>
-                <a:gd fmla="val 158024" name="adj"/>
+                <a:gd name="adj" fmla="val 158024"/>
               </a:avLst>
             </a:prstGeom>
             <a:solidFill>
@@ -7901,12 +7933,12 @@
             </a:ln>
           </p:spPr>
           <p:txBody>
-            <a:bodyPr anchorCtr="0" anchor="ctr" bIns="91425" lIns="91425" spcFirstLastPara="1" rIns="91425" wrap="square" tIns="91425">
+            <a:bodyPr spcFirstLastPara="1" wrap="square" lIns="91425" tIns="91425" rIns="91425" bIns="91425" anchor="ctr" anchorCtr="0">
               <a:noAutofit/>
             </a:bodyPr>
             <a:lstStyle/>
             <a:p>
-              <a:pPr indent="0" lvl="0" marL="0" rtl="0" algn="l">
+              <a:pPr marL="0" lvl="0" indent="0" algn="l" rtl="0">
                 <a:spcBef>
                   <a:spcPts val="0"/>
                 </a:spcBef>
@@ -7915,9 +7947,6 @@
                 </a:spcAft>
                 <a:buNone/>
               </a:pPr>
-              <a:r>
-                <a:t/>
-              </a:r>
               <a:endParaRPr/>
             </a:p>
           </p:txBody>
@@ -7950,7 +7979,7 @@
             </a:xfrm>
             <a:prstGeom prst="parallelogram">
               <a:avLst>
-                <a:gd fmla="val 158024" name="adj"/>
+                <a:gd name="adj" fmla="val 158024"/>
               </a:avLst>
             </a:prstGeom>
             <a:solidFill>
@@ -7961,12 +7990,12 @@
             </a:ln>
           </p:spPr>
           <p:txBody>
-            <a:bodyPr anchorCtr="0" anchor="ctr" bIns="91425" lIns="91425" spcFirstLastPara="1" rIns="91425" wrap="square" tIns="91425">
+            <a:bodyPr spcFirstLastPara="1" wrap="square" lIns="91425" tIns="91425" rIns="91425" bIns="91425" anchor="ctr" anchorCtr="0">
               <a:noAutofit/>
             </a:bodyPr>
             <a:lstStyle/>
             <a:p>
-              <a:pPr indent="0" lvl="0" marL="0" rtl="0" algn="l">
+              <a:pPr marL="0" lvl="0" indent="0" algn="l" rtl="0">
                 <a:spcBef>
                   <a:spcPts val="0"/>
                 </a:spcBef>
@@ -7975,9 +8004,6 @@
                 </a:spcAft>
                 <a:buNone/>
               </a:pPr>
-              <a:r>
-                <a:t/>
-              </a:r>
               <a:endParaRPr/>
             </a:p>
           </p:txBody>
@@ -7995,7 +8021,7 @@
             </a:xfrm>
             <a:prstGeom prst="parallelogram">
               <a:avLst>
-                <a:gd fmla="val 158024" name="adj"/>
+                <a:gd name="adj" fmla="val 158024"/>
               </a:avLst>
             </a:prstGeom>
             <a:solidFill>
@@ -8006,12 +8032,12 @@
             </a:ln>
           </p:spPr>
           <p:txBody>
-            <a:bodyPr anchorCtr="0" anchor="ctr" bIns="91425" lIns="91425" spcFirstLastPara="1" rIns="91425" wrap="square" tIns="91425">
+            <a:bodyPr spcFirstLastPara="1" wrap="square" lIns="91425" tIns="91425" rIns="91425" bIns="91425" anchor="ctr" anchorCtr="0">
               <a:noAutofit/>
             </a:bodyPr>
             <a:lstStyle/>
             <a:p>
-              <a:pPr indent="0" lvl="0" marL="0" rtl="0" algn="l">
+              <a:pPr marL="0" lvl="0" indent="0" algn="l" rtl="0">
                 <a:spcBef>
                   <a:spcPts val="0"/>
                 </a:spcBef>
@@ -8020,9 +8046,6 @@
                 </a:spcAft>
                 <a:buNone/>
               </a:pPr>
-              <a:r>
-                <a:t/>
-              </a:r>
               <a:endParaRPr/>
             </a:p>
           </p:txBody>
@@ -8040,7 +8063,7 @@
             </a:xfrm>
             <a:prstGeom prst="parallelogram">
               <a:avLst>
-                <a:gd fmla="val 158024" name="adj"/>
+                <a:gd name="adj" fmla="val 158024"/>
               </a:avLst>
             </a:prstGeom>
             <a:solidFill>
@@ -8051,12 +8074,12 @@
             </a:ln>
           </p:spPr>
           <p:txBody>
-            <a:bodyPr anchorCtr="0" anchor="ctr" bIns="91425" lIns="91425" spcFirstLastPara="1" rIns="91425" wrap="square" tIns="91425">
+            <a:bodyPr spcFirstLastPara="1" wrap="square" lIns="91425" tIns="91425" rIns="91425" bIns="91425" anchor="ctr" anchorCtr="0">
               <a:noAutofit/>
             </a:bodyPr>
             <a:lstStyle/>
             <a:p>
-              <a:pPr indent="0" lvl="0" marL="0" rtl="0" algn="l">
+              <a:pPr marL="0" lvl="0" indent="0" algn="l" rtl="0">
                 <a:spcBef>
                   <a:spcPts val="0"/>
                 </a:spcBef>
@@ -8065,9 +8088,6 @@
                 </a:spcAft>
                 <a:buNone/>
               </a:pPr>
-              <a:r>
-                <a:t/>
-              </a:r>
               <a:endParaRPr/>
             </a:p>
           </p:txBody>
@@ -8076,7 +8096,9 @@
       <p:sp>
         <p:nvSpPr>
           <p:cNvPr id="93" name="Google Shape;93;p8"/>
-          <p:cNvSpPr txBox="1"/>
+          <p:cNvSpPr txBox="1">
+            <a:spLocks noGrp="1"/>
+          </p:cNvSpPr>
           <p:nvPr>
             <p:ph type="title"/>
           </p:nvPr>
@@ -8091,7 +8113,7 @@
           </a:prstGeom>
         </p:spPr>
         <p:txBody>
-          <a:bodyPr anchorCtr="0" anchor="ctr" bIns="91425" lIns="91425" spcFirstLastPara="1" rIns="91425" wrap="square" tIns="91425">
+          <a:bodyPr spcFirstLastPara="1" wrap="square" lIns="91425" tIns="91425" rIns="91425" bIns="91425" anchor="ctr" anchorCtr="0">
             <a:normAutofit/>
           </a:bodyPr>
           <a:lstStyle>
@@ -8195,15 +8217,19 @@
               <a:defRPr sz="3200"/>
             </a:lvl9pPr>
           </a:lstStyle>
-          <a:p/>
+          <a:p>
+            <a:endParaRPr/>
+          </a:p>
         </p:txBody>
       </p:sp>
       <p:sp>
         <p:nvSpPr>
           <p:cNvPr id="94" name="Google Shape;94;p8"/>
-          <p:cNvSpPr txBox="1"/>
+          <p:cNvSpPr txBox="1">
+            <a:spLocks noGrp="1"/>
+          </p:cNvSpPr>
           <p:nvPr>
-            <p:ph idx="12" type="sldNum"/>
+            <p:ph type="sldNum" idx="12"/>
           </p:nvPr>
         </p:nvSpPr>
         <p:spPr>
@@ -8216,7 +8242,7 @@
           </a:prstGeom>
         </p:spPr>
         <p:txBody>
-          <a:bodyPr anchorCtr="0" anchor="ctr" bIns="91425" lIns="91425" spcFirstLastPara="1" rIns="91425" wrap="square" tIns="91425">
+          <a:bodyPr spcFirstLastPara="1" wrap="square" lIns="91425" tIns="91425" rIns="91425" bIns="91425" anchor="ctr" anchorCtr="0">
             <a:normAutofit/>
           </a:bodyPr>
           <a:lstStyle>
@@ -8258,7 +8284,7 @@
             </a:lvl9pPr>
           </a:lstStyle>
           <a:p>
-            <a:pPr indent="0" lvl="0" marL="0" rtl="0" algn="r">
+            <a:pPr marL="0" lvl="0" indent="0" algn="r" rtl="0">
               <a:spcBef>
                 <a:spcPts val="0"/>
               </a:spcBef>
@@ -8284,18 +8310,19 @@
 </file>
 
 <file path=ppt/slideLayouts/slideLayout8.xml><?xml version="1.0" encoding="utf-8"?>
-<p:sldLayout xmlns:a="http://schemas.openxmlformats.org/drawingml/2006/main" xmlns:r="http://schemas.openxmlformats.org/officeDocument/2006/relationships" xmlns:mc="http://schemas.openxmlformats.org/markup-compatibility/2006" xmlns:mv="urn:schemas-microsoft-com:mac:vml" xmlns:p="http://schemas.openxmlformats.org/presentationml/2006/main" xmlns:c="http://schemas.openxmlformats.org/drawingml/2006/chart" xmlns:dgm="http://schemas.openxmlformats.org/drawingml/2006/diagram" xmlns:o="urn:schemas-microsoft-com:office:office" xmlns:v="urn:schemas-microsoft-com:vml" xmlns:pvml="urn:schemas-microsoft-com:office:powerpoint" xmlns:com="http://schemas.openxmlformats.org/drawingml/2006/compatibility" xmlns:p14="http://schemas.microsoft.com/office/powerpoint/2010/main" xmlns:p15="http://schemas.microsoft.com/office/powerpoint/2012/main" xmlns:ahyp="http://schemas.microsoft.com/office/drawing/2018/hyperlinkcolor" matchingName="Section title and description">
+<p:sldLayout xmlns:a="http://schemas.openxmlformats.org/drawingml/2006/main" xmlns:r="http://schemas.openxmlformats.org/officeDocument/2006/relationships" xmlns:p="http://schemas.openxmlformats.org/presentationml/2006/main" matchingName="Section title and description">
   <p:cSld name="SECTION_TITLE_AND_DESCRIPTION">
     <p:bg>
       <p:bgPr>
         <a:solidFill>
           <a:schemeClr val="dk2"/>
         </a:solidFill>
+        <a:effectLst/>
       </p:bgPr>
     </p:bg>
     <p:spTree>
       <p:nvGrpSpPr>
-        <p:cNvPr id="95" name="Shape 95"/>
+        <p:cNvPr id="1" name="Shape 95"/>
         <p:cNvGrpSpPr/>
         <p:nvPr/>
       </p:nvGrpSpPr>
@@ -8329,12 +8356,12 @@
           </a:ln>
         </p:spPr>
         <p:txBody>
-          <a:bodyPr anchorCtr="0" anchor="ctr" bIns="91425" lIns="91425" spcFirstLastPara="1" rIns="91425" wrap="square" tIns="91425">
+          <a:bodyPr spcFirstLastPara="1" wrap="square" lIns="91425" tIns="91425" rIns="91425" bIns="91425" anchor="ctr" anchorCtr="0">
             <a:noAutofit/>
           </a:bodyPr>
           <a:lstStyle/>
           <a:p>
-            <a:pPr indent="0" lvl="0" marL="0" rtl="0" algn="l">
+            <a:pPr marL="0" lvl="0" indent="0" algn="l" rtl="0">
               <a:spcBef>
                 <a:spcPts val="0"/>
               </a:spcBef>
@@ -8343,9 +8370,6 @@
               </a:spcAft>
               <a:buNone/>
             </a:pPr>
-            <a:r>
-              <a:t/>
-            </a:r>
             <a:endParaRPr/>
           </a:p>
         </p:txBody>
@@ -8372,12 +8396,12 @@
           </a:ln>
         </p:spPr>
         <p:txBody>
-          <a:bodyPr anchorCtr="0" anchor="ctr" bIns="91425" lIns="91425" spcFirstLastPara="1" rIns="91425" wrap="square" tIns="91425">
+          <a:bodyPr spcFirstLastPara="1" wrap="square" lIns="91425" tIns="91425" rIns="91425" bIns="91425" anchor="ctr" anchorCtr="0">
             <a:noAutofit/>
           </a:bodyPr>
           <a:lstStyle/>
           <a:p>
-            <a:pPr indent="0" lvl="0" marL="0" rtl="0" algn="l">
+            <a:pPr marL="0" lvl="0" indent="0" algn="l" rtl="0">
               <a:spcBef>
                 <a:spcPts val="0"/>
               </a:spcBef>
@@ -8386,9 +8410,6 @@
               </a:spcAft>
               <a:buNone/>
             </a:pPr>
-            <a:r>
-              <a:t/>
-            </a:r>
             <a:endParaRPr/>
           </a:p>
         </p:txBody>
@@ -8414,7 +8435,7 @@
             <a:noFill/>
           </a:ln>
           <a:effectLst>
-            <a:outerShdw blurRad="228600" sx="101000" rotWithShape="0" algn="ctr" sy="101000">
+            <a:outerShdw blurRad="228600" sx="101000" sy="101000" algn="ctr" rotWithShape="0">
               <a:srgbClr val="000000">
                 <a:alpha val="40000"/>
               </a:srgbClr>
@@ -8422,12 +8443,12 @@
           </a:effectLst>
         </p:spPr>
         <p:txBody>
-          <a:bodyPr anchorCtr="0" anchor="ctr" bIns="91425" lIns="91425" spcFirstLastPara="1" rIns="91425" wrap="square" tIns="91425">
+          <a:bodyPr spcFirstLastPara="1" wrap="square" lIns="91425" tIns="91425" rIns="91425" bIns="91425" anchor="ctr" anchorCtr="0">
             <a:noAutofit/>
           </a:bodyPr>
           <a:lstStyle/>
           <a:p>
-            <a:pPr indent="0" lvl="0" marL="0" rtl="0" algn="l">
+            <a:pPr marL="0" lvl="0" indent="0" algn="l" rtl="0">
               <a:spcBef>
                 <a:spcPts val="0"/>
               </a:spcBef>
@@ -8436,9 +8457,6 @@
               </a:spcAft>
               <a:buNone/>
             </a:pPr>
-            <a:r>
-              <a:t/>
-            </a:r>
             <a:endParaRPr/>
           </a:p>
         </p:txBody>
@@ -8446,7 +8464,9 @@
       <p:sp>
         <p:nvSpPr>
           <p:cNvPr id="99" name="Google Shape;99;p9"/>
-          <p:cNvSpPr txBox="1"/>
+          <p:cNvSpPr txBox="1">
+            <a:spLocks noGrp="1"/>
+          </p:cNvSpPr>
           <p:nvPr>
             <p:ph type="title"/>
           </p:nvPr>
@@ -8461,7 +8481,7 @@
           </a:prstGeom>
         </p:spPr>
         <p:txBody>
-          <a:bodyPr anchorCtr="0" anchor="t" bIns="91425" lIns="91425" spcFirstLastPara="1" rIns="91425" wrap="square" tIns="91425">
+          <a:bodyPr spcFirstLastPara="1" wrap="square" lIns="91425" tIns="91425" rIns="91425" bIns="91425" anchor="t" anchorCtr="0">
             <a:normAutofit/>
           </a:bodyPr>
           <a:lstStyle>
@@ -8565,15 +8585,19 @@
               <a:defRPr sz="3000"/>
             </a:lvl9pPr>
           </a:lstStyle>
-          <a:p/>
+          <a:p>
+            <a:endParaRPr/>
+          </a:p>
         </p:txBody>
       </p:sp>
       <p:sp>
         <p:nvSpPr>
           <p:cNvPr id="100" name="Google Shape;100;p9"/>
-          <p:cNvSpPr txBox="1"/>
+          <p:cNvSpPr txBox="1">
+            <a:spLocks noGrp="1"/>
+          </p:cNvSpPr>
           <p:nvPr>
-            <p:ph idx="1" type="subTitle"/>
+            <p:ph type="subTitle" idx="1"/>
           </p:nvPr>
         </p:nvSpPr>
         <p:spPr>
@@ -8586,7 +8610,7 @@
           </a:prstGeom>
         </p:spPr>
         <p:txBody>
-          <a:bodyPr anchorCtr="0" anchor="t" bIns="91425" lIns="91425" spcFirstLastPara="1" rIns="91425" wrap="square" tIns="91425">
+          <a:bodyPr spcFirstLastPara="1" wrap="square" lIns="91425" tIns="91425" rIns="91425" bIns="91425" anchor="t" anchorCtr="0">
             <a:normAutofit/>
           </a:bodyPr>
           <a:lstStyle>
@@ -8780,15 +8804,19 @@
               </a:defRPr>
             </a:lvl9pPr>
           </a:lstStyle>
-          <a:p/>
+          <a:p>
+            <a:endParaRPr/>
+          </a:p>
         </p:txBody>
       </p:sp>
       <p:sp>
         <p:nvSpPr>
           <p:cNvPr id="101" name="Google Shape;101;p9"/>
-          <p:cNvSpPr txBox="1"/>
+          <p:cNvSpPr txBox="1">
+            <a:spLocks noGrp="1"/>
+          </p:cNvSpPr>
           <p:nvPr>
-            <p:ph idx="2" type="body"/>
+            <p:ph type="body" idx="2"/>
           </p:nvPr>
         </p:nvSpPr>
         <p:spPr>
@@ -8801,11 +8829,11 @@
           </a:prstGeom>
         </p:spPr>
         <p:txBody>
-          <a:bodyPr anchorCtr="0" anchor="t" bIns="91425" lIns="91425" spcFirstLastPara="1" rIns="91425" wrap="square" tIns="91425">
+          <a:bodyPr spcFirstLastPara="1" wrap="square" lIns="91425" tIns="91425" rIns="91425" bIns="91425" anchor="t" anchorCtr="0">
             <a:normAutofit/>
           </a:bodyPr>
           <a:lstStyle>
-            <a:lvl1pPr indent="-311150" lvl="0" marL="457200">
+            <a:lvl1pPr marL="457200" lvl="0" indent="-311150">
               <a:spcBef>
                 <a:spcPts val="0"/>
               </a:spcBef>
@@ -8816,7 +8844,7 @@
               <a:buChar char="●"/>
               <a:defRPr/>
             </a:lvl1pPr>
-            <a:lvl2pPr indent="-298450" lvl="1" marL="914400">
+            <a:lvl2pPr marL="914400" lvl="1" indent="-298450">
               <a:spcBef>
                 <a:spcPts val="0"/>
               </a:spcBef>
@@ -8827,7 +8855,7 @@
               <a:buChar char="○"/>
               <a:defRPr/>
             </a:lvl2pPr>
-            <a:lvl3pPr indent="-298450" lvl="2" marL="1371600">
+            <a:lvl3pPr marL="1371600" lvl="2" indent="-298450">
               <a:spcBef>
                 <a:spcPts val="0"/>
               </a:spcBef>
@@ -8838,7 +8866,7 @@
               <a:buChar char="■"/>
               <a:defRPr/>
             </a:lvl3pPr>
-            <a:lvl4pPr indent="-298450" lvl="3" marL="1828800">
+            <a:lvl4pPr marL="1828800" lvl="3" indent="-298450">
               <a:spcBef>
                 <a:spcPts val="0"/>
               </a:spcBef>
@@ -8849,7 +8877,7 @@
               <a:buChar char="●"/>
               <a:defRPr/>
             </a:lvl4pPr>
-            <a:lvl5pPr indent="-298450" lvl="4" marL="2286000">
+            <a:lvl5pPr marL="2286000" lvl="4" indent="-298450">
               <a:spcBef>
                 <a:spcPts val="0"/>
               </a:spcBef>
@@ -8860,7 +8888,7 @@
               <a:buChar char="○"/>
               <a:defRPr/>
             </a:lvl5pPr>
-            <a:lvl6pPr indent="-298450" lvl="5" marL="2743200">
+            <a:lvl6pPr marL="2743200" lvl="5" indent="-298450">
               <a:spcBef>
                 <a:spcPts val="0"/>
               </a:spcBef>
@@ -8871,7 +8899,7 @@
               <a:buChar char="■"/>
               <a:defRPr/>
             </a:lvl6pPr>
-            <a:lvl7pPr indent="-298450" lvl="6" marL="3200400">
+            <a:lvl7pPr marL="3200400" lvl="6" indent="-298450">
               <a:spcBef>
                 <a:spcPts val="0"/>
               </a:spcBef>
@@ -8882,7 +8910,7 @@
               <a:buChar char="●"/>
               <a:defRPr/>
             </a:lvl7pPr>
-            <a:lvl8pPr indent="-298450" lvl="7" marL="3657600">
+            <a:lvl8pPr marL="3657600" lvl="7" indent="-298450">
               <a:spcBef>
                 <a:spcPts val="0"/>
               </a:spcBef>
@@ -8893,7 +8921,7 @@
               <a:buChar char="○"/>
               <a:defRPr/>
             </a:lvl8pPr>
-            <a:lvl9pPr indent="-298450" lvl="8" marL="4114800">
+            <a:lvl9pPr marL="4114800" lvl="8" indent="-298450">
               <a:spcBef>
                 <a:spcPts val="0"/>
               </a:spcBef>
@@ -8905,15 +8933,19 @@
               <a:defRPr/>
             </a:lvl9pPr>
           </a:lstStyle>
-          <a:p/>
+          <a:p>
+            <a:endParaRPr/>
+          </a:p>
         </p:txBody>
       </p:sp>
       <p:sp>
         <p:nvSpPr>
           <p:cNvPr id="102" name="Google Shape;102;p9"/>
-          <p:cNvSpPr txBox="1"/>
+          <p:cNvSpPr txBox="1">
+            <a:spLocks noGrp="1"/>
+          </p:cNvSpPr>
           <p:nvPr>
-            <p:ph idx="12" type="sldNum"/>
+            <p:ph type="sldNum" idx="12"/>
           </p:nvPr>
         </p:nvSpPr>
         <p:spPr>
@@ -8926,7 +8958,7 @@
           </a:prstGeom>
         </p:spPr>
         <p:txBody>
-          <a:bodyPr anchorCtr="0" anchor="ctr" bIns="91425" lIns="91425" spcFirstLastPara="1" rIns="91425" wrap="square" tIns="91425">
+          <a:bodyPr spcFirstLastPara="1" wrap="square" lIns="91425" tIns="91425" rIns="91425" bIns="91425" anchor="ctr" anchorCtr="0">
             <a:normAutofit/>
           </a:bodyPr>
           <a:lstStyle>
@@ -8968,7 +9000,7 @@
             </a:lvl9pPr>
           </a:lstStyle>
           <a:p>
-            <a:pPr indent="0" lvl="0" marL="0" rtl="0" algn="r">
+            <a:pPr marL="0" lvl="0" indent="0" algn="r" rtl="0">
               <a:spcBef>
                 <a:spcPts val="0"/>
               </a:spcBef>
@@ -8994,18 +9026,19 @@
 </file>
 
 <file path=ppt/slideLayouts/slideLayout9.xml><?xml version="1.0" encoding="utf-8"?>
-<p:sldLayout xmlns:a="http://schemas.openxmlformats.org/drawingml/2006/main" xmlns:r="http://schemas.openxmlformats.org/officeDocument/2006/relationships" xmlns:mc="http://schemas.openxmlformats.org/markup-compatibility/2006" xmlns:mv="urn:schemas-microsoft-com:mac:vml" xmlns:p="http://schemas.openxmlformats.org/presentationml/2006/main" xmlns:c="http://schemas.openxmlformats.org/drawingml/2006/chart" xmlns:dgm="http://schemas.openxmlformats.org/drawingml/2006/diagram" xmlns:o="urn:schemas-microsoft-com:office:office" xmlns:v="urn:schemas-microsoft-com:vml" xmlns:pvml="urn:schemas-microsoft-com:office:powerpoint" xmlns:com="http://schemas.openxmlformats.org/drawingml/2006/compatibility" xmlns:p14="http://schemas.microsoft.com/office/powerpoint/2010/main" xmlns:p15="http://schemas.microsoft.com/office/powerpoint/2012/main" xmlns:ahyp="http://schemas.microsoft.com/office/drawing/2018/hyperlinkcolor" matchingName="Caption">
+<p:sldLayout xmlns:a="http://schemas.openxmlformats.org/drawingml/2006/main" xmlns:r="http://schemas.openxmlformats.org/officeDocument/2006/relationships" xmlns:p="http://schemas.openxmlformats.org/presentationml/2006/main" matchingName="Caption">
   <p:cSld name="CAPTION_ONLY">
     <p:bg>
       <p:bgPr>
         <a:solidFill>
           <a:schemeClr val="accent1"/>
         </a:solidFill>
+        <a:effectLst/>
       </p:bgPr>
     </p:bg>
     <p:spTree>
       <p:nvGrpSpPr>
-        <p:cNvPr id="103" name="Shape 103"/>
+        <p:cNvPr id="1" name="Shape 103"/>
         <p:cNvGrpSpPr/>
         <p:nvPr/>
       </p:nvGrpSpPr>
@@ -9039,12 +9072,12 @@
           </a:ln>
         </p:spPr>
         <p:txBody>
-          <a:bodyPr anchorCtr="0" anchor="ctr" bIns="91425" lIns="91425" spcFirstLastPara="1" rIns="91425" wrap="square" tIns="91425">
+          <a:bodyPr spcFirstLastPara="1" wrap="square" lIns="91425" tIns="91425" rIns="91425" bIns="91425" anchor="ctr" anchorCtr="0">
             <a:noAutofit/>
           </a:bodyPr>
           <a:lstStyle/>
           <a:p>
-            <a:pPr indent="0" lvl="0" marL="0" rtl="0" algn="l">
+            <a:pPr marL="0" lvl="0" indent="0" algn="l" rtl="0">
               <a:spcBef>
                 <a:spcPts val="0"/>
               </a:spcBef>
@@ -9053,9 +9086,6 @@
               </a:spcAft>
               <a:buNone/>
             </a:pPr>
-            <a:r>
-              <a:t/>
-            </a:r>
             <a:endParaRPr/>
           </a:p>
         </p:txBody>
@@ -9082,12 +9112,12 @@
           </a:ln>
         </p:spPr>
         <p:txBody>
-          <a:bodyPr anchorCtr="0" anchor="ctr" bIns="91425" lIns="91425" spcFirstLastPara="1" rIns="91425" wrap="square" tIns="91425">
+          <a:bodyPr spcFirstLastPara="1" wrap="square" lIns="91425" tIns="91425" rIns="91425" bIns="91425" anchor="ctr" anchorCtr="0">
             <a:noAutofit/>
           </a:bodyPr>
           <a:lstStyle/>
           <a:p>
-            <a:pPr indent="0" lvl="0" marL="0" rtl="0" algn="l">
+            <a:pPr marL="0" lvl="0" indent="0" algn="l" rtl="0">
               <a:spcBef>
                 <a:spcPts val="0"/>
               </a:spcBef>
@@ -9096,9 +9126,6 @@
               </a:spcAft>
               <a:buNone/>
             </a:pPr>
-            <a:r>
-              <a:t/>
-            </a:r>
             <a:endParaRPr/>
           </a:p>
         </p:txBody>
@@ -9124,7 +9151,7 @@
             <a:noFill/>
           </a:ln>
           <a:effectLst>
-            <a:outerShdw blurRad="228600" sx="101000" rotWithShape="0" algn="ctr" sy="101000">
+            <a:outerShdw blurRad="228600" sx="101000" sy="101000" algn="ctr" rotWithShape="0">
               <a:srgbClr val="000000">
                 <a:alpha val="40000"/>
               </a:srgbClr>
@@ -9132,12 +9159,12 @@
           </a:effectLst>
         </p:spPr>
         <p:txBody>
-          <a:bodyPr anchorCtr="0" anchor="ctr" bIns="91425" lIns="91425" spcFirstLastPara="1" rIns="91425" wrap="square" tIns="91425">
+          <a:bodyPr spcFirstLastPara="1" wrap="square" lIns="91425" tIns="91425" rIns="91425" bIns="91425" anchor="ctr" anchorCtr="0">
             <a:noAutofit/>
           </a:bodyPr>
           <a:lstStyle/>
           <a:p>
-            <a:pPr indent="0" lvl="0" marL="0" rtl="0" algn="l">
+            <a:pPr marL="0" lvl="0" indent="0" algn="l" rtl="0">
               <a:spcBef>
                 <a:spcPts val="0"/>
               </a:spcBef>
@@ -9146,9 +9173,6 @@
               </a:spcAft>
               <a:buNone/>
             </a:pPr>
-            <a:r>
-              <a:t/>
-            </a:r>
             <a:endParaRPr/>
           </a:p>
         </p:txBody>
@@ -9156,9 +9180,11 @@
       <p:sp>
         <p:nvSpPr>
           <p:cNvPr id="107" name="Google Shape;107;p10"/>
-          <p:cNvSpPr txBox="1"/>
+          <p:cNvSpPr txBox="1">
+            <a:spLocks noGrp="1"/>
+          </p:cNvSpPr>
           <p:nvPr>
-            <p:ph idx="1" type="body"/>
+            <p:ph type="body" idx="1"/>
           </p:nvPr>
         </p:nvSpPr>
         <p:spPr>
@@ -9171,11 +9197,11 @@
           </a:prstGeom>
         </p:spPr>
         <p:txBody>
-          <a:bodyPr anchorCtr="0" anchor="b" bIns="91425" lIns="91425" spcFirstLastPara="1" rIns="91425" wrap="square" tIns="91425">
+          <a:bodyPr spcFirstLastPara="1" wrap="square" lIns="91425" tIns="91425" rIns="91425" bIns="91425" anchor="b" anchorCtr="0">
             <a:normAutofit/>
           </a:bodyPr>
           <a:lstStyle>
-            <a:lvl1pPr indent="-228600" lvl="0" marL="457200">
+            <a:lvl1pPr marL="457200" lvl="0" indent="-228600">
               <a:lnSpc>
                 <a:spcPct val="100000"/>
               </a:lnSpc>
@@ -9190,15 +9216,19 @@
               <a:defRPr/>
             </a:lvl1pPr>
           </a:lstStyle>
-          <a:p/>
+          <a:p>
+            <a:endParaRPr/>
+          </a:p>
         </p:txBody>
       </p:sp>
       <p:sp>
         <p:nvSpPr>
           <p:cNvPr id="108" name="Google Shape;108;p10"/>
-          <p:cNvSpPr txBox="1"/>
+          <p:cNvSpPr txBox="1">
+            <a:spLocks noGrp="1"/>
+          </p:cNvSpPr>
           <p:nvPr>
-            <p:ph idx="12" type="sldNum"/>
+            <p:ph type="sldNum" idx="12"/>
           </p:nvPr>
         </p:nvSpPr>
         <p:spPr>
@@ -9211,7 +9241,7 @@
           </a:prstGeom>
         </p:spPr>
         <p:txBody>
-          <a:bodyPr anchorCtr="0" anchor="ctr" bIns="91425" lIns="91425" spcFirstLastPara="1" rIns="91425" wrap="square" tIns="91425">
+          <a:bodyPr spcFirstLastPara="1" wrap="square" lIns="91425" tIns="91425" rIns="91425" bIns="91425" anchor="ctr" anchorCtr="0">
             <a:normAutofit/>
           </a:bodyPr>
           <a:lstStyle>
@@ -9253,7 +9283,7 @@
             </a:lvl9pPr>
           </a:lstStyle>
           <a:p>
-            <a:pPr indent="0" lvl="0" marL="0" rtl="0" algn="r">
+            <a:pPr marL="0" lvl="0" indent="0" algn="r" rtl="0">
               <a:spcBef>
                 <a:spcPts val="0"/>
               </a:spcBef>
@@ -9279,18 +9309,19 @@
 </file>
 
 <file path=ppt/slideMasters/slideMaster1.xml><?xml version="1.0" encoding="utf-8"?>
-<p:sldMaster xmlns:a="http://schemas.openxmlformats.org/drawingml/2006/main" xmlns:r="http://schemas.openxmlformats.org/officeDocument/2006/relationships" xmlns:mc="http://schemas.openxmlformats.org/markup-compatibility/2006" xmlns:mv="urn:schemas-microsoft-com:mac:vml" xmlns:p="http://schemas.openxmlformats.org/presentationml/2006/main" xmlns:c="http://schemas.openxmlformats.org/drawingml/2006/chart" xmlns:dgm="http://schemas.openxmlformats.org/drawingml/2006/diagram" xmlns:o="urn:schemas-microsoft-com:office:office" xmlns:v="urn:schemas-microsoft-com:vml" xmlns:pvml="urn:schemas-microsoft-com:office:powerpoint" xmlns:com="http://schemas.openxmlformats.org/drawingml/2006/compatibility" xmlns:p14="http://schemas.microsoft.com/office/powerpoint/2010/main" xmlns:p15="http://schemas.microsoft.com/office/powerpoint/2012/main" xmlns:ahyp="http://schemas.microsoft.com/office/drawing/2018/hyperlinkcolor">
+<p:sldMaster xmlns:a="http://schemas.openxmlformats.org/drawingml/2006/main" xmlns:r="http://schemas.openxmlformats.org/officeDocument/2006/relationships" xmlns:p="http://schemas.openxmlformats.org/presentationml/2006/main">
   <p:cSld name="shift">
     <p:bg>
       <p:bgPr>
         <a:solidFill>
           <a:schemeClr val="dk1"/>
         </a:solidFill>
+        <a:effectLst/>
       </p:bgPr>
     </p:bg>
     <p:spTree>
       <p:nvGrpSpPr>
-        <p:cNvPr id="5" name="Shape 5"/>
+        <p:cNvPr id="1" name="Shape 5"/>
         <p:cNvGrpSpPr/>
         <p:nvPr/>
       </p:nvGrpSpPr>
@@ -9305,7 +9336,9 @@
       <p:sp>
         <p:nvSpPr>
           <p:cNvPr id="6" name="Google Shape;6;p1"/>
-          <p:cNvSpPr txBox="1"/>
+          <p:cNvSpPr txBox="1">
+            <a:spLocks noGrp="1"/>
+          </p:cNvSpPr>
           <p:nvPr>
             <p:ph type="title"/>
           </p:nvPr>
@@ -9324,7 +9357,7 @@
           </a:ln>
         </p:spPr>
         <p:txBody>
-          <a:bodyPr anchorCtr="0" anchor="t" bIns="91425" lIns="91425" spcFirstLastPara="1" rIns="91425" wrap="square" tIns="91425">
+          <a:bodyPr spcFirstLastPara="1" wrap="square" lIns="91425" tIns="91425" rIns="91425" bIns="91425" anchor="t" anchorCtr="0">
             <a:normAutofit/>
           </a:bodyPr>
           <a:lstStyle>
@@ -9536,15 +9569,19 @@
               </a:defRPr>
             </a:lvl9pPr>
           </a:lstStyle>
-          <a:p/>
+          <a:p>
+            <a:endParaRPr/>
+          </a:p>
         </p:txBody>
       </p:sp>
       <p:sp>
         <p:nvSpPr>
           <p:cNvPr id="7" name="Google Shape;7;p1"/>
-          <p:cNvSpPr txBox="1"/>
+          <p:cNvSpPr txBox="1">
+            <a:spLocks noGrp="1"/>
+          </p:cNvSpPr>
           <p:nvPr>
-            <p:ph idx="1" type="body"/>
+            <p:ph type="body" idx="1"/>
           </p:nvPr>
         </p:nvSpPr>
         <p:spPr>
@@ -9561,11 +9598,11 @@
           </a:ln>
         </p:spPr>
         <p:txBody>
-          <a:bodyPr anchorCtr="0" anchor="t" bIns="91425" lIns="91425" spcFirstLastPara="1" rIns="91425" wrap="square" tIns="91425">
+          <a:bodyPr spcFirstLastPara="1" wrap="square" lIns="91425" tIns="91425" rIns="91425" bIns="91425" anchor="t" anchorCtr="0">
             <a:normAutofit/>
           </a:bodyPr>
           <a:lstStyle>
-            <a:lvl1pPr indent="-311150" lvl="0" marL="457200">
+            <a:lvl1pPr marL="457200" lvl="0" indent="-311150">
               <a:lnSpc>
                 <a:spcPct val="115000"/>
               </a:lnSpc>
@@ -9591,7 +9628,7 @@
                 <a:sym typeface="Calibri"/>
               </a:defRPr>
             </a:lvl1pPr>
-            <a:lvl2pPr indent="-298450" lvl="1" marL="914400">
+            <a:lvl2pPr marL="914400" lvl="1" indent="-298450">
               <a:lnSpc>
                 <a:spcPct val="115000"/>
               </a:lnSpc>
@@ -9617,7 +9654,7 @@
                 <a:sym typeface="Calibri"/>
               </a:defRPr>
             </a:lvl2pPr>
-            <a:lvl3pPr indent="-298450" lvl="2" marL="1371600">
+            <a:lvl3pPr marL="1371600" lvl="2" indent="-298450">
               <a:lnSpc>
                 <a:spcPct val="115000"/>
               </a:lnSpc>
@@ -9643,7 +9680,7 @@
                 <a:sym typeface="Calibri"/>
               </a:defRPr>
             </a:lvl3pPr>
-            <a:lvl4pPr indent="-298450" lvl="3" marL="1828800">
+            <a:lvl4pPr marL="1828800" lvl="3" indent="-298450">
               <a:lnSpc>
                 <a:spcPct val="115000"/>
               </a:lnSpc>
@@ -9669,7 +9706,7 @@
                 <a:sym typeface="Calibri"/>
               </a:defRPr>
             </a:lvl4pPr>
-            <a:lvl5pPr indent="-298450" lvl="4" marL="2286000">
+            <a:lvl5pPr marL="2286000" lvl="4" indent="-298450">
               <a:lnSpc>
                 <a:spcPct val="115000"/>
               </a:lnSpc>
@@ -9695,7 +9732,7 @@
                 <a:sym typeface="Calibri"/>
               </a:defRPr>
             </a:lvl5pPr>
-            <a:lvl6pPr indent="-298450" lvl="5" marL="2743200">
+            <a:lvl6pPr marL="2743200" lvl="5" indent="-298450">
               <a:lnSpc>
                 <a:spcPct val="115000"/>
               </a:lnSpc>
@@ -9721,7 +9758,7 @@
                 <a:sym typeface="Calibri"/>
               </a:defRPr>
             </a:lvl6pPr>
-            <a:lvl7pPr indent="-298450" lvl="6" marL="3200400">
+            <a:lvl7pPr marL="3200400" lvl="6" indent="-298450">
               <a:lnSpc>
                 <a:spcPct val="115000"/>
               </a:lnSpc>
@@ -9747,7 +9784,7 @@
                 <a:sym typeface="Calibri"/>
               </a:defRPr>
             </a:lvl7pPr>
-            <a:lvl8pPr indent="-298450" lvl="7" marL="3657600">
+            <a:lvl8pPr marL="3657600" lvl="7" indent="-298450">
               <a:lnSpc>
                 <a:spcPct val="115000"/>
               </a:lnSpc>
@@ -9773,7 +9810,7 @@
                 <a:sym typeface="Calibri"/>
               </a:defRPr>
             </a:lvl8pPr>
-            <a:lvl9pPr indent="-298450" lvl="8" marL="4114800">
+            <a:lvl9pPr marL="4114800" lvl="8" indent="-298450">
               <a:lnSpc>
                 <a:spcPct val="115000"/>
               </a:lnSpc>
@@ -9800,15 +9837,19 @@
               </a:defRPr>
             </a:lvl9pPr>
           </a:lstStyle>
-          <a:p/>
+          <a:p>
+            <a:endParaRPr/>
+          </a:p>
         </p:txBody>
       </p:sp>
       <p:sp>
         <p:nvSpPr>
           <p:cNvPr id="8" name="Google Shape;8;p1"/>
-          <p:cNvSpPr txBox="1"/>
+          <p:cNvSpPr txBox="1">
+            <a:spLocks noGrp="1"/>
+          </p:cNvSpPr>
           <p:nvPr>
-            <p:ph idx="12" type="sldNum"/>
+            <p:ph type="sldNum" idx="12"/>
           </p:nvPr>
         </p:nvSpPr>
         <p:spPr>
@@ -9825,7 +9866,7 @@
           </a:ln>
         </p:spPr>
         <p:txBody>
-          <a:bodyPr anchorCtr="0" anchor="ctr" bIns="91425" lIns="91425" spcFirstLastPara="1" rIns="91425" wrap="square" tIns="91425">
+          <a:bodyPr spcFirstLastPara="1" wrap="square" lIns="91425" tIns="91425" rIns="91425" bIns="91425" anchor="ctr" anchorCtr="0">
             <a:normAutofit/>
           </a:bodyPr>
           <a:lstStyle>
@@ -9939,7 +9980,7 @@
             </a:lvl9pPr>
           </a:lstStyle>
           <a:p>
-            <a:pPr indent="0" lvl="0" marL="0" rtl="0" algn="r">
+            <a:pPr marL="0" lvl="0" indent="0" algn="r" rtl="0">
               <a:spcBef>
                 <a:spcPts val="0"/>
               </a:spcBef>
@@ -9958,7 +9999,7 @@
       </p:sp>
     </p:spTree>
   </p:cSld>
-  <p:clrMap accent1="accent1" accent2="accent2" accent3="accent3" accent4="accent4" accent5="accent5" accent6="accent6" bg1="lt1" bg2="dk2" tx1="dk1" tx2="lt2" folHlink="folHlink" hlink="hlink"/>
+  <p:clrMap bg1="lt1" tx1="dk1" bg2="dk2" tx2="lt2" accent1="accent1" accent2="accent2" accent3="accent3" accent4="accent4" accent5="accent5" accent6="accent6" hlink="hlink" folHlink="folHlink"/>
   <p:sldLayoutIdLst>
     <p:sldLayoutId id="2147483648" r:id="rId1"/>
     <p:sldLayoutId id="2147483649" r:id="rId2"/>
@@ -9972,10 +10013,10 @@
     <p:sldLayoutId id="2147483657" r:id="rId10"/>
     <p:sldLayoutId id="2147483658" r:id="rId11"/>
   </p:sldLayoutIdLst>
-  <p:hf dt="0" ftr="0" hdr="0" sldNum="0"/>
+  <p:hf sldNum="0" hdr="0" ftr="0" dt="0"/>
   <p:txStyles>
     <p:titleStyle>
-      <a:defPPr lvl="0" marR="0" rtl="0" algn="l">
+      <a:defPPr marR="0" lvl="0" algn="l" rtl="0">
         <a:lnSpc>
           <a:spcPct val="100000"/>
         </a:lnSpc>
@@ -9986,7 +10027,7 @@
           <a:spcPts val="0"/>
         </a:spcAft>
       </a:defPPr>
-      <a:lvl1pPr lvl="0" marR="0" rtl="0" algn="l">
+      <a:lvl1pPr marR="0" lvl="0" algn="l" rtl="0">
         <a:lnSpc>
           <a:spcPct val="100000"/>
         </a:lnSpc>
@@ -10000,7 +10041,7 @@
           <a:srgbClr val="000000"/>
         </a:buClr>
         <a:buFont typeface="Arial"/>
-        <a:defRPr b="0" i="0" sz="1400" u="none" cap="none" strike="noStrike">
+        <a:defRPr sz="1400" b="0" i="0" u="none" strike="noStrike" cap="none">
           <a:solidFill>
             <a:srgbClr val="000000"/>
           </a:solidFill>
@@ -10010,7 +10051,7 @@
           <a:sym typeface="Arial"/>
         </a:defRPr>
       </a:lvl1pPr>
-      <a:lvl2pPr lvl="1" marR="0" rtl="0" algn="l">
+      <a:lvl2pPr marR="0" lvl="1" algn="l" rtl="0">
         <a:lnSpc>
           <a:spcPct val="100000"/>
         </a:lnSpc>
@@ -10024,7 +10065,7 @@
           <a:srgbClr val="000000"/>
         </a:buClr>
         <a:buFont typeface="Arial"/>
-        <a:defRPr b="0" i="0" sz="1400" u="none" cap="none" strike="noStrike">
+        <a:defRPr sz="1400" b="0" i="0" u="none" strike="noStrike" cap="none">
           <a:solidFill>
             <a:srgbClr val="000000"/>
           </a:solidFill>
@@ -10034,7 +10075,7 @@
           <a:sym typeface="Arial"/>
         </a:defRPr>
       </a:lvl2pPr>
-      <a:lvl3pPr lvl="2" marR="0" rtl="0" algn="l">
+      <a:lvl3pPr marR="0" lvl="2" algn="l" rtl="0">
         <a:lnSpc>
           <a:spcPct val="100000"/>
         </a:lnSpc>
@@ -10048,7 +10089,7 @@
           <a:srgbClr val="000000"/>
         </a:buClr>
         <a:buFont typeface="Arial"/>
-        <a:defRPr b="0" i="0" sz="1400" u="none" cap="none" strike="noStrike">
+        <a:defRPr sz="1400" b="0" i="0" u="none" strike="noStrike" cap="none">
           <a:solidFill>
             <a:srgbClr val="000000"/>
           </a:solidFill>
@@ -10058,7 +10099,7 @@
           <a:sym typeface="Arial"/>
         </a:defRPr>
       </a:lvl3pPr>
-      <a:lvl4pPr lvl="3" marR="0" rtl="0" algn="l">
+      <a:lvl4pPr marR="0" lvl="3" algn="l" rtl="0">
         <a:lnSpc>
           <a:spcPct val="100000"/>
         </a:lnSpc>
@@ -10072,7 +10113,7 @@
           <a:srgbClr val="000000"/>
         </a:buClr>
         <a:buFont typeface="Arial"/>
-        <a:defRPr b="0" i="0" sz="1400" u="none" cap="none" strike="noStrike">
+        <a:defRPr sz="1400" b="0" i="0" u="none" strike="noStrike" cap="none">
           <a:solidFill>
             <a:srgbClr val="000000"/>
           </a:solidFill>
@@ -10082,7 +10123,7 @@
           <a:sym typeface="Arial"/>
         </a:defRPr>
       </a:lvl4pPr>
-      <a:lvl5pPr lvl="4" marR="0" rtl="0" algn="l">
+      <a:lvl5pPr marR="0" lvl="4" algn="l" rtl="0">
         <a:lnSpc>
           <a:spcPct val="100000"/>
         </a:lnSpc>
@@ -10096,7 +10137,7 @@
           <a:srgbClr val="000000"/>
         </a:buClr>
         <a:buFont typeface="Arial"/>
-        <a:defRPr b="0" i="0" sz="1400" u="none" cap="none" strike="noStrike">
+        <a:defRPr sz="1400" b="0" i="0" u="none" strike="noStrike" cap="none">
           <a:solidFill>
             <a:srgbClr val="000000"/>
           </a:solidFill>
@@ -10106,7 +10147,7 @@
           <a:sym typeface="Arial"/>
         </a:defRPr>
       </a:lvl5pPr>
-      <a:lvl6pPr lvl="5" marR="0" rtl="0" algn="l">
+      <a:lvl6pPr marR="0" lvl="5" algn="l" rtl="0">
         <a:lnSpc>
           <a:spcPct val="100000"/>
         </a:lnSpc>
@@ -10120,7 +10161,7 @@
           <a:srgbClr val="000000"/>
         </a:buClr>
         <a:buFont typeface="Arial"/>
-        <a:defRPr b="0" i="0" sz="1400" u="none" cap="none" strike="noStrike">
+        <a:defRPr sz="1400" b="0" i="0" u="none" strike="noStrike" cap="none">
           <a:solidFill>
             <a:srgbClr val="000000"/>
           </a:solidFill>
@@ -10130,7 +10171,7 @@
           <a:sym typeface="Arial"/>
         </a:defRPr>
       </a:lvl6pPr>
-      <a:lvl7pPr lvl="6" marR="0" rtl="0" algn="l">
+      <a:lvl7pPr marR="0" lvl="6" algn="l" rtl="0">
         <a:lnSpc>
           <a:spcPct val="100000"/>
         </a:lnSpc>
@@ -10144,7 +10185,7 @@
           <a:srgbClr val="000000"/>
         </a:buClr>
         <a:buFont typeface="Arial"/>
-        <a:defRPr b="0" i="0" sz="1400" u="none" cap="none" strike="noStrike">
+        <a:defRPr sz="1400" b="0" i="0" u="none" strike="noStrike" cap="none">
           <a:solidFill>
             <a:srgbClr val="000000"/>
           </a:solidFill>
@@ -10154,7 +10195,7 @@
           <a:sym typeface="Arial"/>
         </a:defRPr>
       </a:lvl7pPr>
-      <a:lvl8pPr lvl="7" marR="0" rtl="0" algn="l">
+      <a:lvl8pPr marR="0" lvl="7" algn="l" rtl="0">
         <a:lnSpc>
           <a:spcPct val="100000"/>
         </a:lnSpc>
@@ -10168,7 +10209,7 @@
           <a:srgbClr val="000000"/>
         </a:buClr>
         <a:buFont typeface="Arial"/>
-        <a:defRPr b="0" i="0" sz="1400" u="none" cap="none" strike="noStrike">
+        <a:defRPr sz="1400" b="0" i="0" u="none" strike="noStrike" cap="none">
           <a:solidFill>
             <a:srgbClr val="000000"/>
           </a:solidFill>
@@ -10178,7 +10219,7 @@
           <a:sym typeface="Arial"/>
         </a:defRPr>
       </a:lvl8pPr>
-      <a:lvl9pPr lvl="8" marR="0" rtl="0" algn="l">
+      <a:lvl9pPr marR="0" lvl="8" algn="l" rtl="0">
         <a:lnSpc>
           <a:spcPct val="100000"/>
         </a:lnSpc>
@@ -10192,7 +10233,7 @@
           <a:srgbClr val="000000"/>
         </a:buClr>
         <a:buFont typeface="Arial"/>
-        <a:defRPr b="0" i="0" sz="1400" u="none" cap="none" strike="noStrike">
+        <a:defRPr sz="1400" b="0" i="0" u="none" strike="noStrike" cap="none">
           <a:solidFill>
             <a:srgbClr val="000000"/>
           </a:solidFill>
@@ -10204,7 +10245,7 @@
       </a:lvl9pPr>
     </p:titleStyle>
     <p:bodyStyle>
-      <a:defPPr lvl="0" marR="0" rtl="0" algn="l">
+      <a:defPPr marR="0" lvl="0" algn="l" rtl="0">
         <a:lnSpc>
           <a:spcPct val="100000"/>
         </a:lnSpc>
@@ -10215,7 +10256,7 @@
           <a:spcPts val="0"/>
         </a:spcAft>
       </a:defPPr>
-      <a:lvl1pPr lvl="0" marR="0" rtl="0" algn="l">
+      <a:lvl1pPr marR="0" lvl="0" algn="l" rtl="0">
         <a:lnSpc>
           <a:spcPct val="100000"/>
         </a:lnSpc>
@@ -10229,7 +10270,7 @@
           <a:srgbClr val="000000"/>
         </a:buClr>
         <a:buFont typeface="Arial"/>
-        <a:defRPr b="0" i="0" sz="1400" u="none" cap="none" strike="noStrike">
+        <a:defRPr sz="1400" b="0" i="0" u="none" strike="noStrike" cap="none">
           <a:solidFill>
             <a:srgbClr val="000000"/>
           </a:solidFill>
@@ -10239,7 +10280,7 @@
           <a:sym typeface="Arial"/>
         </a:defRPr>
       </a:lvl1pPr>
-      <a:lvl2pPr lvl="1" marR="0" rtl="0" algn="l">
+      <a:lvl2pPr marR="0" lvl="1" algn="l" rtl="0">
         <a:lnSpc>
           <a:spcPct val="100000"/>
         </a:lnSpc>
@@ -10253,7 +10294,7 @@
           <a:srgbClr val="000000"/>
         </a:buClr>
         <a:buFont typeface="Arial"/>
-        <a:defRPr b="0" i="0" sz="1400" u="none" cap="none" strike="noStrike">
+        <a:defRPr sz="1400" b="0" i="0" u="none" strike="noStrike" cap="none">
           <a:solidFill>
             <a:srgbClr val="000000"/>
           </a:solidFill>
@@ -10263,7 +10304,7 @@
           <a:sym typeface="Arial"/>
         </a:defRPr>
       </a:lvl2pPr>
-      <a:lvl3pPr lvl="2" marR="0" rtl="0" algn="l">
+      <a:lvl3pPr marR="0" lvl="2" algn="l" rtl="0">
         <a:lnSpc>
           <a:spcPct val="100000"/>
         </a:lnSpc>
@@ -10277,7 +10318,7 @@
           <a:srgbClr val="000000"/>
         </a:buClr>
         <a:buFont typeface="Arial"/>
-        <a:defRPr b="0" i="0" sz="1400" u="none" cap="none" strike="noStrike">
+        <a:defRPr sz="1400" b="0" i="0" u="none" strike="noStrike" cap="none">
           <a:solidFill>
             <a:srgbClr val="000000"/>
           </a:solidFill>
@@ -10287,7 +10328,7 @@
           <a:sym typeface="Arial"/>
         </a:defRPr>
       </a:lvl3pPr>
-      <a:lvl4pPr lvl="3" marR="0" rtl="0" algn="l">
+      <a:lvl4pPr marR="0" lvl="3" algn="l" rtl="0">
         <a:lnSpc>
           <a:spcPct val="100000"/>
         </a:lnSpc>
@@ -10301,7 +10342,7 @@
           <a:srgbClr val="000000"/>
         </a:buClr>
         <a:buFont typeface="Arial"/>
-        <a:defRPr b="0" i="0" sz="1400" u="none" cap="none" strike="noStrike">
+        <a:defRPr sz="1400" b="0" i="0" u="none" strike="noStrike" cap="none">
           <a:solidFill>
             <a:srgbClr val="000000"/>
           </a:solidFill>
@@ -10311,7 +10352,7 @@
           <a:sym typeface="Arial"/>
         </a:defRPr>
       </a:lvl4pPr>
-      <a:lvl5pPr lvl="4" marR="0" rtl="0" algn="l">
+      <a:lvl5pPr marR="0" lvl="4" algn="l" rtl="0">
         <a:lnSpc>
           <a:spcPct val="100000"/>
         </a:lnSpc>
@@ -10325,7 +10366,7 @@
           <a:srgbClr val="000000"/>
         </a:buClr>
         <a:buFont typeface="Arial"/>
-        <a:defRPr b="0" i="0" sz="1400" u="none" cap="none" strike="noStrike">
+        <a:defRPr sz="1400" b="0" i="0" u="none" strike="noStrike" cap="none">
           <a:solidFill>
             <a:srgbClr val="000000"/>
           </a:solidFill>
@@ -10335,7 +10376,7 @@
           <a:sym typeface="Arial"/>
         </a:defRPr>
       </a:lvl5pPr>
-      <a:lvl6pPr lvl="5" marR="0" rtl="0" algn="l">
+      <a:lvl6pPr marR="0" lvl="5" algn="l" rtl="0">
         <a:lnSpc>
           <a:spcPct val="100000"/>
         </a:lnSpc>
@@ -10349,7 +10390,7 @@
           <a:srgbClr val="000000"/>
         </a:buClr>
         <a:buFont typeface="Arial"/>
-        <a:defRPr b="0" i="0" sz="1400" u="none" cap="none" strike="noStrike">
+        <a:defRPr sz="1400" b="0" i="0" u="none" strike="noStrike" cap="none">
           <a:solidFill>
             <a:srgbClr val="000000"/>
           </a:solidFill>
@@ -10359,7 +10400,7 @@
           <a:sym typeface="Arial"/>
         </a:defRPr>
       </a:lvl6pPr>
-      <a:lvl7pPr lvl="6" marR="0" rtl="0" algn="l">
+      <a:lvl7pPr marR="0" lvl="6" algn="l" rtl="0">
         <a:lnSpc>
           <a:spcPct val="100000"/>
         </a:lnSpc>
@@ -10373,7 +10414,7 @@
           <a:srgbClr val="000000"/>
         </a:buClr>
         <a:buFont typeface="Arial"/>
-        <a:defRPr b="0" i="0" sz="1400" u="none" cap="none" strike="noStrike">
+        <a:defRPr sz="1400" b="0" i="0" u="none" strike="noStrike" cap="none">
           <a:solidFill>
             <a:srgbClr val="000000"/>
           </a:solidFill>
@@ -10383,7 +10424,7 @@
           <a:sym typeface="Arial"/>
         </a:defRPr>
       </a:lvl7pPr>
-      <a:lvl8pPr lvl="7" marR="0" rtl="0" algn="l">
+      <a:lvl8pPr marR="0" lvl="7" algn="l" rtl="0">
         <a:lnSpc>
           <a:spcPct val="100000"/>
         </a:lnSpc>
@@ -10397,7 +10438,7 @@
           <a:srgbClr val="000000"/>
         </a:buClr>
         <a:buFont typeface="Arial"/>
-        <a:defRPr b="0" i="0" sz="1400" u="none" cap="none" strike="noStrike">
+        <a:defRPr sz="1400" b="0" i="0" u="none" strike="noStrike" cap="none">
           <a:solidFill>
             <a:srgbClr val="000000"/>
           </a:solidFill>
@@ -10407,7 +10448,7 @@
           <a:sym typeface="Arial"/>
         </a:defRPr>
       </a:lvl8pPr>
-      <a:lvl9pPr lvl="8" marR="0" rtl="0" algn="l">
+      <a:lvl9pPr marR="0" lvl="8" algn="l" rtl="0">
         <a:lnSpc>
           <a:spcPct val="100000"/>
         </a:lnSpc>
@@ -10421,7 +10462,7 @@
           <a:srgbClr val="000000"/>
         </a:buClr>
         <a:buFont typeface="Arial"/>
-        <a:defRPr b="0" i="0" sz="1400" u="none" cap="none" strike="noStrike">
+        <a:defRPr sz="1400" b="0" i="0" u="none" strike="noStrike" cap="none">
           <a:solidFill>
             <a:srgbClr val="000000"/>
           </a:solidFill>
@@ -10433,7 +10474,7 @@
       </a:lvl9pPr>
     </p:bodyStyle>
     <p:otherStyle>
-      <a:defPPr lvl="0" marR="0" rtl="0" algn="l">
+      <a:defPPr marR="0" lvl="0" algn="l" rtl="0">
         <a:lnSpc>
           <a:spcPct val="100000"/>
         </a:lnSpc>
@@ -10444,7 +10485,7 @@
           <a:spcPts val="0"/>
         </a:spcAft>
       </a:defPPr>
-      <a:lvl1pPr lvl="0" marR="0" rtl="0" algn="l">
+      <a:lvl1pPr marR="0" lvl="0" algn="l" rtl="0">
         <a:lnSpc>
           <a:spcPct val="100000"/>
         </a:lnSpc>
@@ -10458,7 +10499,7 @@
           <a:srgbClr val="000000"/>
         </a:buClr>
         <a:buFont typeface="Arial"/>
-        <a:defRPr b="0" i="0" sz="1400" u="none" cap="none" strike="noStrike">
+        <a:defRPr sz="1400" b="0" i="0" u="none" strike="noStrike" cap="none">
           <a:solidFill>
             <a:srgbClr val="000000"/>
           </a:solidFill>
@@ -10468,7 +10509,7 @@
           <a:sym typeface="Arial"/>
         </a:defRPr>
       </a:lvl1pPr>
-      <a:lvl2pPr lvl="1" marR="0" rtl="0" algn="l">
+      <a:lvl2pPr marR="0" lvl="1" algn="l" rtl="0">
         <a:lnSpc>
           <a:spcPct val="100000"/>
         </a:lnSpc>
@@ -10482,7 +10523,7 @@
           <a:srgbClr val="000000"/>
         </a:buClr>
         <a:buFont typeface="Arial"/>
-        <a:defRPr b="0" i="0" sz="1400" u="none" cap="none" strike="noStrike">
+        <a:defRPr sz="1400" b="0" i="0" u="none" strike="noStrike" cap="none">
           <a:solidFill>
             <a:srgbClr val="000000"/>
           </a:solidFill>
@@ -10492,7 +10533,7 @@
           <a:sym typeface="Arial"/>
         </a:defRPr>
       </a:lvl2pPr>
-      <a:lvl3pPr lvl="2" marR="0" rtl="0" algn="l">
+      <a:lvl3pPr marR="0" lvl="2" algn="l" rtl="0">
         <a:lnSpc>
           <a:spcPct val="100000"/>
         </a:lnSpc>
@@ -10506,7 +10547,7 @@
           <a:srgbClr val="000000"/>
         </a:buClr>
         <a:buFont typeface="Arial"/>
-        <a:defRPr b="0" i="0" sz="1400" u="none" cap="none" strike="noStrike">
+        <a:defRPr sz="1400" b="0" i="0" u="none" strike="noStrike" cap="none">
           <a:solidFill>
             <a:srgbClr val="000000"/>
           </a:solidFill>
@@ -10516,7 +10557,7 @@
           <a:sym typeface="Arial"/>
         </a:defRPr>
       </a:lvl3pPr>
-      <a:lvl4pPr lvl="3" marR="0" rtl="0" algn="l">
+      <a:lvl4pPr marR="0" lvl="3" algn="l" rtl="0">
         <a:lnSpc>
           <a:spcPct val="100000"/>
         </a:lnSpc>
@@ -10530,7 +10571,7 @@
           <a:srgbClr val="000000"/>
         </a:buClr>
         <a:buFont typeface="Arial"/>
-        <a:defRPr b="0" i="0" sz="1400" u="none" cap="none" strike="noStrike">
+        <a:defRPr sz="1400" b="0" i="0" u="none" strike="noStrike" cap="none">
           <a:solidFill>
             <a:srgbClr val="000000"/>
           </a:solidFill>
@@ -10540,7 +10581,7 @@
           <a:sym typeface="Arial"/>
         </a:defRPr>
       </a:lvl4pPr>
-      <a:lvl5pPr lvl="4" marR="0" rtl="0" algn="l">
+      <a:lvl5pPr marR="0" lvl="4" algn="l" rtl="0">
         <a:lnSpc>
           <a:spcPct val="100000"/>
         </a:lnSpc>
@@ -10554,7 +10595,7 @@
           <a:srgbClr val="000000"/>
         </a:buClr>
         <a:buFont typeface="Arial"/>
-        <a:defRPr b="0" i="0" sz="1400" u="none" cap="none" strike="noStrike">
+        <a:defRPr sz="1400" b="0" i="0" u="none" strike="noStrike" cap="none">
           <a:solidFill>
             <a:srgbClr val="000000"/>
           </a:solidFill>
@@ -10564,7 +10605,7 @@
           <a:sym typeface="Arial"/>
         </a:defRPr>
       </a:lvl5pPr>
-      <a:lvl6pPr lvl="5" marR="0" rtl="0" algn="l">
+      <a:lvl6pPr marR="0" lvl="5" algn="l" rtl="0">
         <a:lnSpc>
           <a:spcPct val="100000"/>
         </a:lnSpc>
@@ -10578,7 +10619,7 @@
           <a:srgbClr val="000000"/>
         </a:buClr>
         <a:buFont typeface="Arial"/>
-        <a:defRPr b="0" i="0" sz="1400" u="none" cap="none" strike="noStrike">
+        <a:defRPr sz="1400" b="0" i="0" u="none" strike="noStrike" cap="none">
           <a:solidFill>
             <a:srgbClr val="000000"/>
           </a:solidFill>
@@ -10588,7 +10629,7 @@
           <a:sym typeface="Arial"/>
         </a:defRPr>
       </a:lvl6pPr>
-      <a:lvl7pPr lvl="6" marR="0" rtl="0" algn="l">
+      <a:lvl7pPr marR="0" lvl="6" algn="l" rtl="0">
         <a:lnSpc>
           <a:spcPct val="100000"/>
         </a:lnSpc>
@@ -10602,7 +10643,7 @@
           <a:srgbClr val="000000"/>
         </a:buClr>
         <a:buFont typeface="Arial"/>
-        <a:defRPr b="0" i="0" sz="1400" u="none" cap="none" strike="noStrike">
+        <a:defRPr sz="1400" b="0" i="0" u="none" strike="noStrike" cap="none">
           <a:solidFill>
             <a:srgbClr val="000000"/>
           </a:solidFill>
@@ -10612,7 +10653,7 @@
           <a:sym typeface="Arial"/>
         </a:defRPr>
       </a:lvl7pPr>
-      <a:lvl8pPr lvl="7" marR="0" rtl="0" algn="l">
+      <a:lvl8pPr marR="0" lvl="7" algn="l" rtl="0">
         <a:lnSpc>
           <a:spcPct val="100000"/>
         </a:lnSpc>
@@ -10626,7 +10667,7 @@
           <a:srgbClr val="000000"/>
         </a:buClr>
         <a:buFont typeface="Arial"/>
-        <a:defRPr b="0" i="0" sz="1400" u="none" cap="none" strike="noStrike">
+        <a:defRPr sz="1400" b="0" i="0" u="none" strike="noStrike" cap="none">
           <a:solidFill>
             <a:srgbClr val="000000"/>
           </a:solidFill>
@@ -10636,7 +10677,7 @@
           <a:sym typeface="Arial"/>
         </a:defRPr>
       </a:lvl8pPr>
-      <a:lvl9pPr lvl="8" marR="0" rtl="0" algn="l">
+      <a:lvl9pPr marR="0" lvl="8" algn="l" rtl="0">
         <a:lnSpc>
           <a:spcPct val="100000"/>
         </a:lnSpc>
@@ -10650,7 +10691,7 @@
           <a:srgbClr val="000000"/>
         </a:buClr>
         <a:buFont typeface="Arial"/>
-        <a:defRPr b="0" i="0" sz="1400" u="none" cap="none" strike="noStrike">
+        <a:defRPr sz="1400" b="0" i="0" u="none" strike="noStrike" cap="none">
           <a:solidFill>
             <a:srgbClr val="000000"/>
           </a:solidFill>
@@ -10666,11 +10707,11 @@
 </file>
 
 <file path=ppt/slides/slide1.xml><?xml version="1.0" encoding="utf-8"?>
-<p:sld xmlns:a="http://schemas.openxmlformats.org/drawingml/2006/main" xmlns:r="http://schemas.openxmlformats.org/officeDocument/2006/relationships" xmlns:mc="http://schemas.openxmlformats.org/markup-compatibility/2006" xmlns:mv="urn:schemas-microsoft-com:mac:vml" xmlns:p="http://schemas.openxmlformats.org/presentationml/2006/main" xmlns:c="http://schemas.openxmlformats.org/drawingml/2006/chart" xmlns:dgm="http://schemas.openxmlformats.org/drawingml/2006/diagram" xmlns:o="urn:schemas-microsoft-com:office:office" xmlns:v="urn:schemas-microsoft-com:vml" xmlns:pvml="urn:schemas-microsoft-com:office:powerpoint" xmlns:com="http://schemas.openxmlformats.org/drawingml/2006/compatibility" xmlns:p14="http://schemas.microsoft.com/office/powerpoint/2010/main" xmlns:p15="http://schemas.microsoft.com/office/powerpoint/2012/main" xmlns:ahyp="http://schemas.microsoft.com/office/drawing/2018/hyperlinkcolor">
+<p:sld xmlns:a="http://schemas.openxmlformats.org/drawingml/2006/main" xmlns:r="http://schemas.openxmlformats.org/officeDocument/2006/relationships" xmlns:p="http://schemas.openxmlformats.org/presentationml/2006/main">
   <p:cSld>
     <p:spTree>
       <p:nvGrpSpPr>
-        <p:cNvPr id="127" name="Shape 127"/>
+        <p:cNvPr id="1" name="Shape 127"/>
         <p:cNvGrpSpPr/>
         <p:nvPr/>
       </p:nvGrpSpPr>
@@ -10685,7 +10726,9 @@
       <p:sp>
         <p:nvSpPr>
           <p:cNvPr id="128" name="Google Shape;128;p13"/>
-          <p:cNvSpPr txBox="1"/>
+          <p:cNvSpPr txBox="1">
+            <a:spLocks noGrp="1"/>
+          </p:cNvSpPr>
           <p:nvPr>
             <p:ph type="ctrTitle"/>
           </p:nvPr>
@@ -10700,12 +10743,12 @@
           </a:prstGeom>
         </p:spPr>
         <p:txBody>
-          <a:bodyPr anchorCtr="0" anchor="ctr" bIns="91425" lIns="91425" spcFirstLastPara="1" rIns="91425" wrap="square" tIns="91425">
+          <a:bodyPr spcFirstLastPara="1" wrap="square" lIns="91425" tIns="91425" rIns="91425" bIns="91425" anchor="ctr" anchorCtr="0">
             <a:normAutofit/>
           </a:bodyPr>
           <a:lstStyle/>
           <a:p>
-            <a:pPr indent="0" lvl="0" marL="0" rtl="0" algn="ctr">
+            <a:pPr marL="0" lvl="0" indent="0" algn="ctr" rtl="0">
               <a:spcBef>
                 <a:spcPts val="0"/>
               </a:spcBef>
@@ -10735,9 +10778,11 @@
       <p:sp>
         <p:nvSpPr>
           <p:cNvPr id="129" name="Google Shape;129;p13"/>
-          <p:cNvSpPr txBox="1"/>
+          <p:cNvSpPr txBox="1">
+            <a:spLocks noGrp="1"/>
+          </p:cNvSpPr>
           <p:nvPr>
-            <p:ph idx="1" type="subTitle"/>
+            <p:ph type="subTitle" idx="1"/>
           </p:nvPr>
         </p:nvSpPr>
         <p:spPr>
@@ -10750,12 +10795,12 @@
           </a:prstGeom>
         </p:spPr>
         <p:txBody>
-          <a:bodyPr anchorCtr="0" anchor="t" bIns="91425" lIns="91425" spcFirstLastPara="1" rIns="91425" wrap="square" tIns="91425">
+          <a:bodyPr spcFirstLastPara="1" wrap="square" lIns="91425" tIns="91425" rIns="91425" bIns="91425" anchor="t" anchorCtr="0">
             <a:normAutofit/>
           </a:bodyPr>
           <a:lstStyle/>
           <a:p>
-            <a:pPr indent="0" lvl="0" marL="0" rtl="0" algn="ctr">
+            <a:pPr marL="0" lvl="0" indent="0" algn="ctr" rtl="0">
               <a:spcBef>
                 <a:spcPts val="0"/>
               </a:spcBef>
@@ -10766,15 +10811,7 @@
             </a:pPr>
             <a:r>
               <a:rPr lang="en"/>
-              <a:t>Kenneth Shipley, Joseph Spear, </a:t>
-            </a:r>
-            <a:r>
-              <a:rPr lang="en"/>
-              <a:t>Jason</a:t>
-            </a:r>
-            <a:r>
-              <a:rPr lang="en"/>
-              <a:t> Rivas</a:t>
+              <a:t>Kenneth Shipley, Joseph Spear, Jason Rivas</a:t>
             </a:r>
             <a:endParaRPr/>
           </a:p>
@@ -10789,11 +10826,11 @@
 </file>
 
 <file path=ppt/slides/slide10.xml><?xml version="1.0" encoding="utf-8"?>
-<p:sld xmlns:a="http://schemas.openxmlformats.org/drawingml/2006/main" xmlns:r="http://schemas.openxmlformats.org/officeDocument/2006/relationships" xmlns:mc="http://schemas.openxmlformats.org/markup-compatibility/2006" xmlns:mv="urn:schemas-microsoft-com:mac:vml" xmlns:p="http://schemas.openxmlformats.org/presentationml/2006/main" xmlns:c="http://schemas.openxmlformats.org/drawingml/2006/chart" xmlns:dgm="http://schemas.openxmlformats.org/drawingml/2006/diagram" xmlns:o="urn:schemas-microsoft-com:office:office" xmlns:v="urn:schemas-microsoft-com:vml" xmlns:pvml="urn:schemas-microsoft-com:office:powerpoint" xmlns:com="http://schemas.openxmlformats.org/drawingml/2006/compatibility" xmlns:p14="http://schemas.microsoft.com/office/powerpoint/2010/main" xmlns:p15="http://schemas.microsoft.com/office/powerpoint/2012/main" xmlns:ahyp="http://schemas.microsoft.com/office/drawing/2018/hyperlinkcolor">
+<p:sld xmlns:a="http://schemas.openxmlformats.org/drawingml/2006/main" xmlns:r="http://schemas.openxmlformats.org/officeDocument/2006/relationships" xmlns:p="http://schemas.openxmlformats.org/presentationml/2006/main">
   <p:cSld>
     <p:spTree>
       <p:nvGrpSpPr>
-        <p:cNvPr id="189" name="Shape 189"/>
+        <p:cNvPr id="1" name="Shape 189"/>
         <p:cNvGrpSpPr/>
         <p:nvPr/>
       </p:nvGrpSpPr>
@@ -10808,9 +10845,11 @@
       <p:sp>
         <p:nvSpPr>
           <p:cNvPr id="190" name="Google Shape;190;p22"/>
-          <p:cNvSpPr txBox="1"/>
+          <p:cNvSpPr txBox="1">
+            <a:spLocks noGrp="1"/>
+          </p:cNvSpPr>
           <p:nvPr>
-            <p:ph idx="1" type="body"/>
+            <p:ph type="body" idx="1"/>
           </p:nvPr>
         </p:nvSpPr>
         <p:spPr>
@@ -10823,12 +10862,12 @@
           </a:prstGeom>
         </p:spPr>
         <p:txBody>
-          <a:bodyPr anchorCtr="0" anchor="t" bIns="91425" lIns="91425" spcFirstLastPara="1" rIns="91425" wrap="square" tIns="91425">
+          <a:bodyPr spcFirstLastPara="1" wrap="square" lIns="91425" tIns="91425" rIns="91425" bIns="91425" anchor="t" anchorCtr="0">
             <a:normAutofit/>
           </a:bodyPr>
           <a:lstStyle/>
           <a:p>
-            <a:pPr indent="0" lvl="0" marL="0" rtl="0" algn="l">
+            <a:pPr marL="0" lvl="0" indent="0" algn="l" rtl="0">
               <a:spcBef>
                 <a:spcPts val="0"/>
               </a:spcBef>
@@ -10839,20 +10878,12 @@
             </a:pPr>
             <a:r>
               <a:rPr lang="en"/>
-              <a:t>The click coordinate functionality creates a window on screen, and localizes the window coordinates relative to the screen coordinates to help translate screen location to window </a:t>
-            </a:r>
-            <a:r>
-              <a:rPr lang="en"/>
-              <a:t>location</a:t>
-            </a:r>
-            <a:r>
-              <a:rPr lang="en"/>
-              <a:t>.</a:t>
+              <a:t>The click coordinate functionality creates a window on screen, and localizes the window coordinates relative to the screen coordinates to help translate screen location to window location.</a:t>
             </a:r>
             <a:endParaRPr/>
           </a:p>
           <a:p>
-            <a:pPr indent="0" lvl="0" marL="0" rtl="0" algn="l">
+            <a:pPr marL="0" lvl="0" indent="0" algn="l" rtl="0">
               <a:spcBef>
                 <a:spcPts val="1200"/>
               </a:spcBef>
@@ -10900,7 +10931,9 @@
       <p:sp>
         <p:nvSpPr>
           <p:cNvPr id="192" name="Google Shape;192;p22"/>
-          <p:cNvSpPr txBox="1"/>
+          <p:cNvSpPr txBox="1">
+            <a:spLocks noGrp="1"/>
+          </p:cNvSpPr>
           <p:nvPr>
             <p:ph type="title"/>
           </p:nvPr>
@@ -10915,12 +10948,12 @@
           </a:prstGeom>
         </p:spPr>
         <p:txBody>
-          <a:bodyPr anchorCtr="0" anchor="t" bIns="91425" lIns="91425" spcFirstLastPara="1" rIns="91425" wrap="square" tIns="91425">
+          <a:bodyPr spcFirstLastPara="1" wrap="square" lIns="91425" tIns="91425" rIns="91425" bIns="91425" anchor="t" anchorCtr="0">
             <a:normAutofit/>
           </a:bodyPr>
           <a:lstStyle/>
           <a:p>
-            <a:pPr indent="0" lvl="0" marL="0" rtl="0" algn="l">
+            <a:pPr marL="0" lvl="0" indent="0" algn="l" rtl="0">
               <a:spcBef>
                 <a:spcPts val="0"/>
               </a:spcBef>
@@ -10956,11 +10989,11 @@
 </file>
 
 <file path=ppt/slides/slide11.xml><?xml version="1.0" encoding="utf-8"?>
-<p:sld xmlns:a="http://schemas.openxmlformats.org/drawingml/2006/main" xmlns:r="http://schemas.openxmlformats.org/officeDocument/2006/relationships" xmlns:mc="http://schemas.openxmlformats.org/markup-compatibility/2006" xmlns:mv="urn:schemas-microsoft-com:mac:vml" xmlns:p="http://schemas.openxmlformats.org/presentationml/2006/main" xmlns:c="http://schemas.openxmlformats.org/drawingml/2006/chart" xmlns:dgm="http://schemas.openxmlformats.org/drawingml/2006/diagram" xmlns:o="urn:schemas-microsoft-com:office:office" xmlns:v="urn:schemas-microsoft-com:vml" xmlns:pvml="urn:schemas-microsoft-com:office:powerpoint" xmlns:com="http://schemas.openxmlformats.org/drawingml/2006/compatibility" xmlns:p14="http://schemas.microsoft.com/office/powerpoint/2010/main" xmlns:p15="http://schemas.microsoft.com/office/powerpoint/2012/main" xmlns:ahyp="http://schemas.microsoft.com/office/drawing/2018/hyperlinkcolor">
+<p:sld xmlns:a="http://schemas.openxmlformats.org/drawingml/2006/main" xmlns:r="http://schemas.openxmlformats.org/officeDocument/2006/relationships" xmlns:p="http://schemas.openxmlformats.org/presentationml/2006/main">
   <p:cSld>
     <p:spTree>
       <p:nvGrpSpPr>
-        <p:cNvPr id="196" name="Shape 196"/>
+        <p:cNvPr id="1" name="Shape 196"/>
         <p:cNvGrpSpPr/>
         <p:nvPr/>
       </p:nvGrpSpPr>
@@ -11003,7 +11036,9 @@
       <p:sp>
         <p:nvSpPr>
           <p:cNvPr id="198" name="Google Shape;198;p23"/>
-          <p:cNvSpPr txBox="1"/>
+          <p:cNvSpPr txBox="1">
+            <a:spLocks noGrp="1"/>
+          </p:cNvSpPr>
           <p:nvPr>
             <p:ph type="title"/>
           </p:nvPr>
@@ -11018,12 +11053,12 @@
           </a:prstGeom>
         </p:spPr>
         <p:txBody>
-          <a:bodyPr anchorCtr="0" anchor="t" bIns="91425" lIns="91425" spcFirstLastPara="1" rIns="91425" wrap="square" tIns="91425">
+          <a:bodyPr spcFirstLastPara="1" wrap="square" lIns="91425" tIns="91425" rIns="91425" bIns="91425" anchor="t" anchorCtr="0">
             <a:normAutofit/>
           </a:bodyPr>
           <a:lstStyle/>
           <a:p>
-            <a:pPr indent="0" lvl="0" marL="0" rtl="0" algn="l">
+            <a:pPr marL="0" lvl="0" indent="0" algn="l" rtl="0">
               <a:spcBef>
                 <a:spcPts val="0"/>
               </a:spcBef>
@@ -11053,9 +11088,11 @@
       <p:sp>
         <p:nvSpPr>
           <p:cNvPr id="199" name="Google Shape;199;p23"/>
-          <p:cNvSpPr txBox="1"/>
+          <p:cNvSpPr txBox="1">
+            <a:spLocks noGrp="1"/>
+          </p:cNvSpPr>
           <p:nvPr>
-            <p:ph idx="1" type="body"/>
+            <p:ph type="body" idx="1"/>
           </p:nvPr>
         </p:nvSpPr>
         <p:spPr>
@@ -11068,12 +11105,12 @@
           </a:prstGeom>
         </p:spPr>
         <p:txBody>
-          <a:bodyPr anchorCtr="0" anchor="t" bIns="91425" lIns="91425" spcFirstLastPara="1" rIns="91425" wrap="square" tIns="91425">
-            <a:normAutofit/>
+          <a:bodyPr spcFirstLastPara="1" wrap="square" lIns="91425" tIns="91425" rIns="91425" bIns="91425" anchor="t" anchorCtr="0">
+            <a:normAutofit lnSpcReduction="10000"/>
           </a:bodyPr>
           <a:lstStyle/>
           <a:p>
-            <a:pPr indent="0" lvl="0" marL="0" rtl="0" algn="l">
+            <a:pPr marL="0" lvl="0" indent="0" algn="l" rtl="0">
               <a:spcBef>
                 <a:spcPts val="0"/>
               </a:spcBef>
@@ -11089,7 +11126,7 @@
             <a:endParaRPr/>
           </a:p>
           <a:p>
-            <a:pPr indent="0" lvl="0" marL="0" rtl="0" algn="l">
+            <a:pPr marL="0" lvl="0" indent="0" algn="l" rtl="0">
               <a:spcBef>
                 <a:spcPts val="1200"/>
               </a:spcBef>
@@ -11115,11 +11152,11 @@
 </file>
 
 <file path=ppt/slides/slide12.xml><?xml version="1.0" encoding="utf-8"?>
-<p:sld xmlns:a="http://schemas.openxmlformats.org/drawingml/2006/main" xmlns:r="http://schemas.openxmlformats.org/officeDocument/2006/relationships" xmlns:mc="http://schemas.openxmlformats.org/markup-compatibility/2006" xmlns:mv="urn:schemas-microsoft-com:mac:vml" xmlns:p="http://schemas.openxmlformats.org/presentationml/2006/main" xmlns:c="http://schemas.openxmlformats.org/drawingml/2006/chart" xmlns:dgm="http://schemas.openxmlformats.org/drawingml/2006/diagram" xmlns:o="urn:schemas-microsoft-com:office:office" xmlns:v="urn:schemas-microsoft-com:vml" xmlns:pvml="urn:schemas-microsoft-com:office:powerpoint" xmlns:com="http://schemas.openxmlformats.org/drawingml/2006/compatibility" xmlns:p14="http://schemas.microsoft.com/office/powerpoint/2010/main" xmlns:p15="http://schemas.microsoft.com/office/powerpoint/2012/main" xmlns:ahyp="http://schemas.microsoft.com/office/drawing/2018/hyperlinkcolor">
+<p:sld xmlns:a="http://schemas.openxmlformats.org/drawingml/2006/main" xmlns:r="http://schemas.openxmlformats.org/officeDocument/2006/relationships" xmlns:p="http://schemas.openxmlformats.org/presentationml/2006/main">
   <p:cSld>
     <p:spTree>
       <p:nvGrpSpPr>
-        <p:cNvPr id="203" name="Shape 203"/>
+        <p:cNvPr id="1" name="Shape 203"/>
         <p:cNvGrpSpPr/>
         <p:nvPr/>
       </p:nvGrpSpPr>
@@ -11134,7 +11171,9 @@
       <p:sp>
         <p:nvSpPr>
           <p:cNvPr id="204" name="Google Shape;204;p24"/>
-          <p:cNvSpPr txBox="1"/>
+          <p:cNvSpPr txBox="1">
+            <a:spLocks noGrp="1"/>
+          </p:cNvSpPr>
           <p:nvPr>
             <p:ph type="title"/>
           </p:nvPr>
@@ -11149,12 +11188,12 @@
           </a:prstGeom>
         </p:spPr>
         <p:txBody>
-          <a:bodyPr anchorCtr="0" anchor="t" bIns="91425" lIns="91425" spcFirstLastPara="1" rIns="91425" wrap="square" tIns="91425">
+          <a:bodyPr spcFirstLastPara="1" wrap="square" lIns="91425" tIns="91425" rIns="91425" bIns="91425" anchor="t" anchorCtr="0">
             <a:normAutofit/>
           </a:bodyPr>
           <a:lstStyle/>
           <a:p>
-            <a:pPr indent="-355600" lvl="0" marL="457200" rtl="0" algn="l">
+            <a:pPr marL="457200" lvl="0" indent="-355600" algn="l" rtl="0">
               <a:spcBef>
                 <a:spcPts val="0"/>
               </a:spcBef>
@@ -11195,9 +11234,11 @@
       <p:sp>
         <p:nvSpPr>
           <p:cNvPr id="205" name="Google Shape;205;p24"/>
-          <p:cNvSpPr txBox="1"/>
+          <p:cNvSpPr txBox="1">
+            <a:spLocks noGrp="1"/>
+          </p:cNvSpPr>
           <p:nvPr>
-            <p:ph idx="1" type="body"/>
+            <p:ph type="body" idx="1"/>
           </p:nvPr>
         </p:nvSpPr>
         <p:spPr>
@@ -11210,12 +11251,12 @@
           </a:prstGeom>
         </p:spPr>
         <p:txBody>
-          <a:bodyPr anchorCtr="0" anchor="t" bIns="91425" lIns="91425" spcFirstLastPara="1" rIns="91425" wrap="square" tIns="91425">
+          <a:bodyPr spcFirstLastPara="1" wrap="square" lIns="91425" tIns="91425" rIns="91425" bIns="91425" anchor="t" anchorCtr="0">
             <a:normAutofit/>
           </a:bodyPr>
           <a:lstStyle/>
           <a:p>
-            <a:pPr indent="0" lvl="0" marL="0" rtl="0" algn="l">
+            <a:pPr marL="0" lvl="0" indent="0" algn="l" rtl="0">
               <a:spcBef>
                 <a:spcPts val="0"/>
               </a:spcBef>
@@ -11235,7 +11276,9 @@
       <p:sp>
         <p:nvSpPr>
           <p:cNvPr id="206" name="Google Shape;206;p24"/>
-          <p:cNvSpPr txBox="1"/>
+          <p:cNvSpPr txBox="1">
+            <a:spLocks noGrp="1"/>
+          </p:cNvSpPr>
           <p:nvPr>
             <p:ph type="title"/>
           </p:nvPr>
@@ -11250,12 +11293,12 @@
           </a:prstGeom>
         </p:spPr>
         <p:txBody>
-          <a:bodyPr anchorCtr="0" anchor="t" bIns="91425" lIns="91425" spcFirstLastPara="1" rIns="91425" wrap="square" tIns="91425">
+          <a:bodyPr spcFirstLastPara="1" wrap="square" lIns="91425" tIns="91425" rIns="91425" bIns="91425" anchor="t" anchorCtr="0">
             <a:normAutofit/>
           </a:bodyPr>
           <a:lstStyle/>
           <a:p>
-            <a:pPr indent="0" lvl="0" marL="0" rtl="0" algn="l">
+            <a:pPr marL="0" lvl="0" indent="0" algn="l" rtl="0">
               <a:spcBef>
                 <a:spcPts val="0"/>
               </a:spcBef>
@@ -11291,11 +11334,11 @@
 </file>
 
 <file path=ppt/slides/slide13.xml><?xml version="1.0" encoding="utf-8"?>
-<p:sld xmlns:a="http://schemas.openxmlformats.org/drawingml/2006/main" xmlns:r="http://schemas.openxmlformats.org/officeDocument/2006/relationships" xmlns:mc="http://schemas.openxmlformats.org/markup-compatibility/2006" xmlns:mv="urn:schemas-microsoft-com:mac:vml" xmlns:p="http://schemas.openxmlformats.org/presentationml/2006/main" xmlns:c="http://schemas.openxmlformats.org/drawingml/2006/chart" xmlns:dgm="http://schemas.openxmlformats.org/drawingml/2006/diagram" xmlns:o="urn:schemas-microsoft-com:office:office" xmlns:v="urn:schemas-microsoft-com:vml" xmlns:pvml="urn:schemas-microsoft-com:office:powerpoint" xmlns:com="http://schemas.openxmlformats.org/drawingml/2006/compatibility" xmlns:p14="http://schemas.microsoft.com/office/powerpoint/2010/main" xmlns:p15="http://schemas.microsoft.com/office/powerpoint/2012/main" xmlns:ahyp="http://schemas.microsoft.com/office/drawing/2018/hyperlinkcolor">
+<p:sld xmlns:a="http://schemas.openxmlformats.org/drawingml/2006/main" xmlns:r="http://schemas.openxmlformats.org/officeDocument/2006/relationships" xmlns:p="http://schemas.openxmlformats.org/presentationml/2006/main">
   <p:cSld>
     <p:spTree>
       <p:nvGrpSpPr>
-        <p:cNvPr id="210" name="Shape 210"/>
+        <p:cNvPr id="1" name="Shape 210"/>
         <p:cNvGrpSpPr/>
         <p:nvPr/>
       </p:nvGrpSpPr>
@@ -11310,7 +11353,9 @@
       <p:sp>
         <p:nvSpPr>
           <p:cNvPr id="211" name="Google Shape;211;p25"/>
-          <p:cNvSpPr txBox="1"/>
+          <p:cNvSpPr txBox="1">
+            <a:spLocks noGrp="1"/>
+          </p:cNvSpPr>
           <p:nvPr>
             <p:ph type="title"/>
           </p:nvPr>
@@ -11325,12 +11370,12 @@
           </a:prstGeom>
         </p:spPr>
         <p:txBody>
-          <a:bodyPr anchorCtr="0" anchor="t" bIns="91425" lIns="91425" spcFirstLastPara="1" rIns="91425" wrap="square" tIns="91425">
+          <a:bodyPr spcFirstLastPara="1" wrap="square" lIns="91425" tIns="91425" rIns="91425" bIns="91425" anchor="t" anchorCtr="0">
             <a:normAutofit/>
           </a:bodyPr>
           <a:lstStyle/>
           <a:p>
-            <a:pPr indent="0" lvl="0" marL="0" rtl="0" algn="l">
+            <a:pPr marL="0" lvl="0" indent="0" algn="l" rtl="0">
               <a:spcBef>
                 <a:spcPts val="0"/>
               </a:spcBef>
@@ -11339,9 +11384,6 @@
               </a:spcAft>
               <a:buNone/>
             </a:pPr>
-            <a:r>
-              <a:t/>
-            </a:r>
             <a:endParaRPr/>
           </a:p>
         </p:txBody>
@@ -11349,9 +11391,11 @@
       <p:sp>
         <p:nvSpPr>
           <p:cNvPr id="212" name="Google Shape;212;p25"/>
-          <p:cNvSpPr txBox="1"/>
+          <p:cNvSpPr txBox="1">
+            <a:spLocks noGrp="1"/>
+          </p:cNvSpPr>
           <p:nvPr>
-            <p:ph idx="1" type="body"/>
+            <p:ph type="body" idx="1"/>
           </p:nvPr>
         </p:nvSpPr>
         <p:spPr>
@@ -11364,12 +11408,12 @@
           </a:prstGeom>
         </p:spPr>
         <p:txBody>
-          <a:bodyPr anchorCtr="0" anchor="t" bIns="91425" lIns="91425" spcFirstLastPara="1" rIns="91425" wrap="square" tIns="91425">
+          <a:bodyPr spcFirstLastPara="1" wrap="square" lIns="91425" tIns="91425" rIns="91425" bIns="91425" anchor="t" anchorCtr="0">
             <a:normAutofit/>
           </a:bodyPr>
           <a:lstStyle/>
           <a:p>
-            <a:pPr indent="0" lvl="0" marL="0" rtl="0" algn="l">
+            <a:pPr marL="0" lvl="0" indent="0" algn="l" rtl="0">
               <a:spcBef>
                 <a:spcPts val="0"/>
               </a:spcBef>
@@ -11378,9 +11422,6 @@
               </a:spcAft>
               <a:buNone/>
             </a:pPr>
-            <a:r>
-              <a:t/>
-            </a:r>
             <a:endParaRPr/>
           </a:p>
         </p:txBody>
@@ -11395,7 +11436,7 @@
           <a:blip r:embed="rId3">
             <a:alphaModFix/>
           </a:blip>
-          <a:srcRect b="3635" l="0" r="0" t="3626"/>
+          <a:srcRect t="3626" b="3635"/>
           <a:stretch/>
         </p:blipFill>
         <p:spPr>
@@ -11422,7 +11463,7 @@
           <a:blip r:embed="rId4">
             <a:alphaModFix/>
           </a:blip>
-          <a:srcRect b="0" l="13655" r="4080" t="7740"/>
+          <a:srcRect l="13655" t="7740" r="4080"/>
           <a:stretch/>
         </p:blipFill>
         <p:spPr>
@@ -11449,7 +11490,7 @@
           <a:blip r:embed="rId5">
             <a:alphaModFix/>
           </a:blip>
-          <a:srcRect b="0" l="0" r="59633" t="53353"/>
+          <a:srcRect t="53353" r="59633"/>
           <a:stretch/>
         </p:blipFill>
         <p:spPr>
@@ -11476,7 +11517,7 @@
           <a:blip r:embed="rId6">
             <a:alphaModFix/>
           </a:blip>
-          <a:srcRect b="17052" l="51972" r="1066" t="44016"/>
+          <a:srcRect l="51972" t="44016" r="1066" b="17052"/>
           <a:stretch/>
         </p:blipFill>
         <p:spPr>
@@ -11488,14 +11529,14 @@
             <a:avLst/>
           </a:prstGeom>
           <a:noFill/>
-          <a:ln cap="flat" cmpd="sng" w="9525">
+          <a:ln w="9525" cap="flat" cmpd="sng">
             <a:solidFill>
               <a:srgbClr val="000000"/>
             </a:solidFill>
             <a:prstDash val="solid"/>
             <a:round/>
-            <a:headEnd len="sm" w="sm" type="none"/>
-            <a:tailEnd len="sm" w="sm" type="none"/>
+            <a:headEnd type="none" w="sm" len="sm"/>
+            <a:tailEnd type="none" w="sm" len="sm"/>
           </a:ln>
         </p:spPr>
       </p:pic>
@@ -11509,7 +11550,7 @@
           <a:blip r:embed="rId6">
             <a:alphaModFix/>
           </a:blip>
-          <a:srcRect b="28927" l="3465" r="49572" t="30699"/>
+          <a:srcRect l="3465" t="30699" r="49572" b="28927"/>
           <a:stretch/>
         </p:blipFill>
         <p:spPr>
@@ -11536,7 +11577,7 @@
           <a:blip r:embed="rId6">
             <a:alphaModFix/>
           </a:blip>
-          <a:srcRect b="52606" l="127365" r="-57003" t="22671"/>
+          <a:srcRect l="127365" t="22671" r="-57003" b="52606"/>
           <a:stretch/>
         </p:blipFill>
         <p:spPr>
@@ -11560,7 +11601,7 @@
           <p:nvPr/>
         </p:nvCxnSpPr>
         <p:spPr>
-          <a:xfrm flipH="1" rot="10800000">
+          <a:xfrm rot="10800000" flipH="1">
             <a:off x="2279675" y="2129975"/>
             <a:ext cx="2571900" cy="178200"/>
           </a:xfrm>
@@ -11568,14 +11609,14 @@
             <a:avLst/>
           </a:prstGeom>
           <a:noFill/>
-          <a:ln cap="flat" cmpd="sng" w="9525">
+          <a:ln w="9525" cap="flat" cmpd="sng">
             <a:solidFill>
               <a:srgbClr val="000000"/>
             </a:solidFill>
             <a:prstDash val="solid"/>
             <a:round/>
-            <a:headEnd len="med" w="med" type="none"/>
-            <a:tailEnd len="med" w="med" type="none"/>
+            <a:headEnd type="none" w="med" len="med"/>
+            <a:tailEnd type="none" w="med" len="med"/>
           </a:ln>
         </p:spPr>
       </p:cxnSp>
@@ -11594,14 +11635,14 @@
             <a:avLst/>
           </a:prstGeom>
           <a:noFill/>
-          <a:ln cap="flat" cmpd="sng" w="9525">
+          <a:ln w="9525" cap="flat" cmpd="sng">
             <a:solidFill>
               <a:schemeClr val="dk2"/>
             </a:solidFill>
             <a:prstDash val="solid"/>
             <a:round/>
-            <a:headEnd len="med" w="med" type="none"/>
-            <a:tailEnd len="med" w="med" type="none"/>
+            <a:headEnd type="none" w="med" len="med"/>
+            <a:tailEnd type="none" w="med" len="med"/>
           </a:ln>
         </p:spPr>
       </p:cxnSp>
@@ -11612,7 +11653,7 @@
           <p:nvPr/>
         </p:nvCxnSpPr>
         <p:spPr>
-          <a:xfrm flipH="1" rot="10800000">
+          <a:xfrm rot="10800000" flipH="1">
             <a:off x="5485450" y="1517300"/>
             <a:ext cx="2251200" cy="627000"/>
           </a:xfrm>
@@ -11620,14 +11661,14 @@
             <a:avLst/>
           </a:prstGeom>
           <a:noFill/>
-          <a:ln cap="flat" cmpd="sng" w="9525">
+          <a:ln w="9525" cap="flat" cmpd="sng">
             <a:solidFill>
               <a:schemeClr val="dk2"/>
             </a:solidFill>
             <a:prstDash val="solid"/>
             <a:round/>
-            <a:headEnd len="med" w="med" type="none"/>
-            <a:tailEnd len="med" w="med" type="none"/>
+            <a:headEnd type="none" w="med" len="med"/>
+            <a:tailEnd type="none" w="med" len="med"/>
           </a:ln>
         </p:spPr>
       </p:cxnSp>
@@ -11646,14 +11687,14 @@
             <a:avLst/>
           </a:prstGeom>
           <a:noFill/>
-          <a:ln cap="flat" cmpd="sng" w="9525">
+          <a:ln w="9525" cap="flat" cmpd="sng">
             <a:solidFill>
               <a:schemeClr val="dk2"/>
             </a:solidFill>
             <a:prstDash val="solid"/>
             <a:round/>
-            <a:headEnd len="med" w="med" type="none"/>
-            <a:tailEnd len="med" w="med" type="none"/>
+            <a:headEnd type="none" w="med" len="med"/>
+            <a:tailEnd type="none" w="med" len="med"/>
           </a:ln>
         </p:spPr>
       </p:cxnSp>
@@ -11666,11 +11707,11 @@
 </file>
 
 <file path=ppt/slides/slide14.xml><?xml version="1.0" encoding="utf-8"?>
-<p:sld xmlns:a="http://schemas.openxmlformats.org/drawingml/2006/main" xmlns:r="http://schemas.openxmlformats.org/officeDocument/2006/relationships" xmlns:mc="http://schemas.openxmlformats.org/markup-compatibility/2006" xmlns:mv="urn:schemas-microsoft-com:mac:vml" xmlns:p="http://schemas.openxmlformats.org/presentationml/2006/main" xmlns:c="http://schemas.openxmlformats.org/drawingml/2006/chart" xmlns:dgm="http://schemas.openxmlformats.org/drawingml/2006/diagram" xmlns:o="urn:schemas-microsoft-com:office:office" xmlns:v="urn:schemas-microsoft-com:vml" xmlns:pvml="urn:schemas-microsoft-com:office:powerpoint" xmlns:com="http://schemas.openxmlformats.org/drawingml/2006/compatibility" xmlns:p14="http://schemas.microsoft.com/office/powerpoint/2010/main" xmlns:p15="http://schemas.microsoft.com/office/powerpoint/2012/main" xmlns:ahyp="http://schemas.microsoft.com/office/drawing/2018/hyperlinkcolor">
+<p:sld xmlns:a="http://schemas.openxmlformats.org/drawingml/2006/main" xmlns:r="http://schemas.openxmlformats.org/officeDocument/2006/relationships" xmlns:p="http://schemas.openxmlformats.org/presentationml/2006/main">
   <p:cSld>
     <p:spTree>
       <p:nvGrpSpPr>
-        <p:cNvPr id="226" name="Shape 226"/>
+        <p:cNvPr id="1" name="Shape 226"/>
         <p:cNvGrpSpPr/>
         <p:nvPr/>
       </p:nvGrpSpPr>
@@ -11685,7 +11726,9 @@
       <p:sp>
         <p:nvSpPr>
           <p:cNvPr id="227" name="Google Shape;227;p26"/>
-          <p:cNvSpPr txBox="1"/>
+          <p:cNvSpPr txBox="1">
+            <a:spLocks noGrp="1"/>
+          </p:cNvSpPr>
           <p:nvPr>
             <p:ph type="title"/>
           </p:nvPr>
@@ -11700,12 +11743,12 @@
           </a:prstGeom>
         </p:spPr>
         <p:txBody>
-          <a:bodyPr anchorCtr="0" anchor="t" bIns="91425" lIns="91425" spcFirstLastPara="1" rIns="91425" wrap="square" tIns="91425">
+          <a:bodyPr spcFirstLastPara="1" wrap="square" lIns="91425" tIns="91425" rIns="91425" bIns="91425" anchor="t" anchorCtr="0">
             <a:normAutofit/>
           </a:bodyPr>
           <a:lstStyle/>
           <a:p>
-            <a:pPr indent="0" lvl="0" marL="0" rtl="0" algn="l">
+            <a:pPr marL="0" lvl="0" indent="0" algn="l" rtl="0">
               <a:spcBef>
                 <a:spcPts val="0"/>
               </a:spcBef>
@@ -11725,9 +11768,11 @@
       <p:sp>
         <p:nvSpPr>
           <p:cNvPr id="228" name="Google Shape;228;p26"/>
-          <p:cNvSpPr txBox="1"/>
+          <p:cNvSpPr txBox="1">
+            <a:spLocks noGrp="1"/>
+          </p:cNvSpPr>
           <p:nvPr>
-            <p:ph idx="1" type="body"/>
+            <p:ph type="body" idx="1"/>
           </p:nvPr>
         </p:nvSpPr>
         <p:spPr>
@@ -11740,12 +11785,12 @@
           </a:prstGeom>
         </p:spPr>
         <p:txBody>
-          <a:bodyPr anchorCtr="0" anchor="t" bIns="91425" lIns="91425" spcFirstLastPara="1" rIns="91425" wrap="square" tIns="91425">
+          <a:bodyPr spcFirstLastPara="1" wrap="square" lIns="91425" tIns="91425" rIns="91425" bIns="91425" anchor="t" anchorCtr="0">
             <a:normAutofit/>
           </a:bodyPr>
           <a:lstStyle/>
           <a:p>
-            <a:pPr indent="0" lvl="0" marL="0" rtl="0" algn="l">
+            <a:pPr marL="0" lvl="0" indent="0" algn="l" rtl="0">
               <a:spcBef>
                 <a:spcPts val="0"/>
               </a:spcBef>
@@ -11755,15 +11800,15 @@
               <a:buNone/>
             </a:pPr>
             <a:r>
-              <a:rPr lang="en"/>
+              <a:rPr lang="en" dirty="0"/>
               <a:t>Other smaller things are still need to be implemented are:</a:t>
             </a:r>
-            <a:endParaRPr/>
-          </a:p>
-          <a:p>
-            <a:pPr indent="-311150" lvl="0" marL="457200" rtl="0" algn="l">
-              <a:spcBef>
-                <a:spcPts val="1200"/>
+            <a:endParaRPr dirty="0"/>
+          </a:p>
+          <a:p>
+            <a:pPr marL="457200" lvl="0" indent="-311150" algn="l" rtl="0">
+              <a:spcBef>
+                <a:spcPts val="0"/>
               </a:spcBef>
               <a:spcAft>
                 <a:spcPts val="0"/>
@@ -11772,13 +11817,13 @@
               <a:buChar char="●"/>
             </a:pPr>
             <a:r>
-              <a:rPr lang="en"/>
-              <a:t>More appealing color scheme</a:t>
+              <a:rPr lang="en" dirty="0"/>
+              <a:t>Sending click coordinates to the Monte Python section to process the schematic.</a:t>
             </a:r>
-            <a:endParaRPr/>
-          </a:p>
-          <a:p>
-            <a:pPr indent="-311150" lvl="0" marL="457200" rtl="0" algn="l">
+            <a:endParaRPr dirty="0"/>
+          </a:p>
+          <a:p>
+            <a:pPr marL="457200" lvl="0" indent="-311150" algn="l" rtl="0">
               <a:spcBef>
                 <a:spcPts val="0"/>
               </a:spcBef>
@@ -11789,13 +11834,13 @@
               <a:buChar char="●"/>
             </a:pPr>
             <a:r>
-              <a:rPr lang="en"/>
-              <a:t>Sending click coordinates to the Monte Python section to process the schematic.</a:t>
+              <a:rPr lang="en" dirty="0"/>
+              <a:t>Finalized svg drawings of all of the components</a:t>
             </a:r>
-            <a:endParaRPr/>
-          </a:p>
-          <a:p>
-            <a:pPr indent="-311150" lvl="0" marL="457200" rtl="0" algn="l">
+            <a:endParaRPr dirty="0"/>
+          </a:p>
+          <a:p>
+            <a:pPr marL="457200" lvl="0" indent="-311150" algn="l" rtl="0">
               <a:spcBef>
                 <a:spcPts val="0"/>
               </a:spcBef>
@@ -11806,27 +11851,10 @@
               <a:buChar char="●"/>
             </a:pPr>
             <a:r>
-              <a:rPr lang="en"/>
-              <a:t>Finalized svg drawings of all of the components</a:t>
-            </a:r>
-            <a:endParaRPr/>
-          </a:p>
-          <a:p>
-            <a:pPr indent="-311150" lvl="0" marL="457200" rtl="0" algn="l">
-              <a:spcBef>
-                <a:spcPts val="0"/>
-              </a:spcBef>
-              <a:spcAft>
-                <a:spcPts val="0"/>
-              </a:spcAft>
-              <a:buSzPts val="1300"/>
-              <a:buChar char="●"/>
-            </a:pPr>
-            <a:r>
-              <a:rPr lang="en"/>
+              <a:rPr lang="en" dirty="0"/>
               <a:t>Ability to change colors of lines</a:t>
             </a:r>
-            <a:endParaRPr/>
+            <a:endParaRPr dirty="0"/>
           </a:p>
         </p:txBody>
       </p:sp>
@@ -11839,11 +11867,11 @@
 </file>
 
 <file path=ppt/slides/slide15.xml><?xml version="1.0" encoding="utf-8"?>
-<p:sld xmlns:a="http://schemas.openxmlformats.org/drawingml/2006/main" xmlns:r="http://schemas.openxmlformats.org/officeDocument/2006/relationships" xmlns:mc="http://schemas.openxmlformats.org/markup-compatibility/2006" xmlns:mv="urn:schemas-microsoft-com:mac:vml" xmlns:p="http://schemas.openxmlformats.org/presentationml/2006/main" xmlns:c="http://schemas.openxmlformats.org/drawingml/2006/chart" xmlns:dgm="http://schemas.openxmlformats.org/drawingml/2006/diagram" xmlns:o="urn:schemas-microsoft-com:office:office" xmlns:v="urn:schemas-microsoft-com:vml" xmlns:pvml="urn:schemas-microsoft-com:office:powerpoint" xmlns:com="http://schemas.openxmlformats.org/drawingml/2006/compatibility" xmlns:p14="http://schemas.microsoft.com/office/powerpoint/2010/main" xmlns:p15="http://schemas.microsoft.com/office/powerpoint/2012/main" xmlns:ahyp="http://schemas.microsoft.com/office/drawing/2018/hyperlinkcolor">
+<p:sld xmlns:a="http://schemas.openxmlformats.org/drawingml/2006/main" xmlns:r="http://schemas.openxmlformats.org/officeDocument/2006/relationships" xmlns:p="http://schemas.openxmlformats.org/presentationml/2006/main">
   <p:cSld>
     <p:spTree>
       <p:nvGrpSpPr>
-        <p:cNvPr id="232" name="Shape 232"/>
+        <p:cNvPr id="1" name="Shape 232"/>
         <p:cNvGrpSpPr/>
         <p:nvPr/>
       </p:nvGrpSpPr>
@@ -11886,7 +11914,9 @@
       <p:sp>
         <p:nvSpPr>
           <p:cNvPr id="234" name="Google Shape;234;p27"/>
-          <p:cNvSpPr txBox="1"/>
+          <p:cNvSpPr txBox="1">
+            <a:spLocks noGrp="1"/>
+          </p:cNvSpPr>
           <p:nvPr>
             <p:ph type="title"/>
           </p:nvPr>
@@ -11901,12 +11931,12 @@
           </a:prstGeom>
         </p:spPr>
         <p:txBody>
-          <a:bodyPr anchorCtr="0" anchor="t" bIns="91425" lIns="91425" spcFirstLastPara="1" rIns="91425" wrap="square" tIns="91425">
+          <a:bodyPr spcFirstLastPara="1" wrap="square" lIns="91425" tIns="91425" rIns="91425" bIns="91425" anchor="t" anchorCtr="0">
             <a:normAutofit/>
           </a:bodyPr>
           <a:lstStyle/>
           <a:p>
-            <a:pPr indent="-355600" lvl="0" marL="457200" rtl="0" algn="l">
+            <a:pPr marL="457200" lvl="0" indent="-355600" algn="l" rtl="0">
               <a:lnSpc>
                 <a:spcPct val="115000"/>
               </a:lnSpc>
@@ -11946,7 +11976,7 @@
             </a:endParaRPr>
           </a:p>
           <a:p>
-            <a:pPr indent="-355600" lvl="0" marL="457200" rtl="0" algn="l">
+            <a:pPr marL="457200" lvl="0" indent="-355600" algn="l" rtl="0">
               <a:lnSpc>
                 <a:spcPct val="115000"/>
               </a:lnSpc>
@@ -11986,7 +12016,7 @@
             </a:endParaRPr>
           </a:p>
           <a:p>
-            <a:pPr indent="-355600" lvl="0" marL="457200" rtl="0" algn="l">
+            <a:pPr marL="457200" lvl="0" indent="-355600" algn="l" rtl="0">
               <a:lnSpc>
                 <a:spcPct val="115000"/>
               </a:lnSpc>
@@ -12053,7 +12083,9 @@
       <p:sp>
         <p:nvSpPr>
           <p:cNvPr id="235" name="Google Shape;235;p27"/>
-          <p:cNvSpPr txBox="1"/>
+          <p:cNvSpPr txBox="1">
+            <a:spLocks noGrp="1"/>
+          </p:cNvSpPr>
           <p:nvPr>
             <p:ph type="title"/>
           </p:nvPr>
@@ -12068,12 +12100,12 @@
           </a:prstGeom>
         </p:spPr>
         <p:txBody>
-          <a:bodyPr anchorCtr="0" anchor="t" bIns="91425" lIns="91425" spcFirstLastPara="1" rIns="91425" wrap="square" tIns="91425">
+          <a:bodyPr spcFirstLastPara="1" wrap="square" lIns="91425" tIns="91425" rIns="91425" bIns="91425" anchor="t" anchorCtr="0">
             <a:normAutofit/>
           </a:bodyPr>
           <a:lstStyle/>
           <a:p>
-            <a:pPr indent="0" lvl="0" marL="0" rtl="0" algn="l">
+            <a:pPr marL="0" lvl="0" indent="0" algn="l" rtl="0">
               <a:spcBef>
                 <a:spcPts val="0"/>
               </a:spcBef>
@@ -12120,12 +12152,12 @@
           </a:ln>
         </p:spPr>
         <p:txBody>
-          <a:bodyPr anchorCtr="0" anchor="t" bIns="91425" lIns="91425" spcFirstLastPara="1" rIns="91425" wrap="square" tIns="91425">
+          <a:bodyPr spcFirstLastPara="1" wrap="square" lIns="91425" tIns="91425" rIns="91425" bIns="91425" anchor="t" anchorCtr="0">
             <a:spAutoFit/>
           </a:bodyPr>
           <a:lstStyle/>
           <a:p>
-            <a:pPr indent="0" lvl="0" marL="0" rtl="0" algn="l">
+            <a:pPr marL="0" lvl="0" indent="0" algn="l" rtl="0">
               <a:spcBef>
                 <a:spcPts val="0"/>
               </a:spcBef>
@@ -12134,9 +12166,6 @@
               </a:spcAft>
               <a:buNone/>
             </a:pPr>
-            <a:r>
-              <a:t/>
-            </a:r>
             <a:endParaRPr sz="800"/>
           </a:p>
         </p:txBody>
@@ -12161,12 +12190,12 @@
           </a:ln>
         </p:spPr>
         <p:txBody>
-          <a:bodyPr anchorCtr="0" anchor="t" bIns="91425" lIns="91425" spcFirstLastPara="1" rIns="91425" wrap="square" tIns="91425">
+          <a:bodyPr spcFirstLastPara="1" wrap="square" lIns="91425" tIns="91425" rIns="91425" bIns="91425" anchor="t" anchorCtr="0">
             <a:spAutoFit/>
           </a:bodyPr>
           <a:lstStyle/>
           <a:p>
-            <a:pPr indent="0" lvl="0" marL="0" rtl="0" algn="ctr">
+            <a:pPr marL="0" lvl="0" indent="0" algn="ctr" rtl="0">
               <a:spcBef>
                 <a:spcPts val="0"/>
               </a:spcBef>
@@ -12187,7 +12216,7 @@
                 <a:ea typeface="Calibri"/>
                 <a:cs typeface="Calibri"/>
                 <a:sym typeface="Calibri"/>
-                <a:hlinkClick r:id="rId4"/>
+                <a:hlinkClick r:id=""/>
               </a:rPr>
               <a:t>Class Diagram Link</a:t>
             </a:r>
@@ -12209,11 +12238,11 @@
 </file>
 
 <file path=ppt/slides/slide16.xml><?xml version="1.0" encoding="utf-8"?>
-<p:sld xmlns:a="http://schemas.openxmlformats.org/drawingml/2006/main" xmlns:r="http://schemas.openxmlformats.org/officeDocument/2006/relationships" xmlns:mc="http://schemas.openxmlformats.org/markup-compatibility/2006" xmlns:mv="urn:schemas-microsoft-com:mac:vml" xmlns:p="http://schemas.openxmlformats.org/presentationml/2006/main" xmlns:c="http://schemas.openxmlformats.org/drawingml/2006/chart" xmlns:dgm="http://schemas.openxmlformats.org/drawingml/2006/diagram" xmlns:o="urn:schemas-microsoft-com:office:office" xmlns:v="urn:schemas-microsoft-com:vml" xmlns:pvml="urn:schemas-microsoft-com:office:powerpoint" xmlns:com="http://schemas.openxmlformats.org/drawingml/2006/compatibility" xmlns:p14="http://schemas.microsoft.com/office/powerpoint/2010/main" xmlns:p15="http://schemas.microsoft.com/office/powerpoint/2012/main" xmlns:ahyp="http://schemas.microsoft.com/office/drawing/2018/hyperlinkcolor">
+<p:sld xmlns:a="http://schemas.openxmlformats.org/drawingml/2006/main" xmlns:r="http://schemas.openxmlformats.org/officeDocument/2006/relationships" xmlns:p="http://schemas.openxmlformats.org/presentationml/2006/main">
   <p:cSld>
     <p:spTree>
       <p:nvGrpSpPr>
-        <p:cNvPr id="241" name="Shape 241"/>
+        <p:cNvPr id="1" name="Shape 241"/>
         <p:cNvGrpSpPr/>
         <p:nvPr/>
       </p:nvGrpSpPr>
@@ -12228,7 +12257,9 @@
       <p:sp>
         <p:nvSpPr>
           <p:cNvPr id="242" name="Google Shape;242;p28"/>
-          <p:cNvSpPr txBox="1"/>
+          <p:cNvSpPr txBox="1">
+            <a:spLocks noGrp="1"/>
+          </p:cNvSpPr>
           <p:nvPr>
             <p:ph type="title"/>
           </p:nvPr>
@@ -12243,12 +12274,12 @@
           </a:prstGeom>
         </p:spPr>
         <p:txBody>
-          <a:bodyPr anchorCtr="0" anchor="t" bIns="91425" lIns="91425" spcFirstLastPara="1" rIns="91425" wrap="square" tIns="91425">
+          <a:bodyPr spcFirstLastPara="1" wrap="square" lIns="91425" tIns="91425" rIns="91425" bIns="91425" anchor="t" anchorCtr="0">
             <a:normAutofit/>
           </a:bodyPr>
           <a:lstStyle/>
           <a:p>
-            <a:pPr indent="-355600" lvl="0" marL="457200" rtl="0" algn="l">
+            <a:pPr marL="457200" lvl="0" indent="-355600" algn="l" rtl="0">
               <a:lnSpc>
                 <a:spcPct val="115000"/>
               </a:lnSpc>
@@ -12292,9 +12323,11 @@
       <p:sp>
         <p:nvSpPr>
           <p:cNvPr id="243" name="Google Shape;243;p28"/>
-          <p:cNvSpPr txBox="1"/>
+          <p:cNvSpPr txBox="1">
+            <a:spLocks noGrp="1"/>
+          </p:cNvSpPr>
           <p:nvPr>
-            <p:ph idx="1" type="body"/>
+            <p:ph type="body" idx="1"/>
           </p:nvPr>
         </p:nvSpPr>
         <p:spPr>
@@ -12307,12 +12340,12 @@
           </a:prstGeom>
         </p:spPr>
         <p:txBody>
-          <a:bodyPr anchorCtr="0" anchor="t" bIns="91425" lIns="91425" spcFirstLastPara="1" rIns="91425" wrap="square" tIns="91425">
+          <a:bodyPr spcFirstLastPara="1" wrap="square" lIns="91425" tIns="91425" rIns="91425" bIns="91425" anchor="t" anchorCtr="0">
             <a:normAutofit/>
           </a:bodyPr>
           <a:lstStyle/>
           <a:p>
-            <a:pPr indent="-311150" lvl="0" marL="457200" rtl="0" algn="l">
+            <a:pPr marL="457200" lvl="0" indent="-311150" algn="l" rtl="0">
               <a:spcBef>
                 <a:spcPts val="0"/>
               </a:spcBef>
@@ -12329,7 +12362,7 @@
             <a:endParaRPr/>
           </a:p>
           <a:p>
-            <a:pPr indent="-311150" lvl="0" marL="457200" rtl="0" algn="l">
+            <a:pPr marL="457200" lvl="0" indent="-311150" algn="l" rtl="0">
               <a:spcBef>
                 <a:spcPts val="0"/>
               </a:spcBef>
@@ -12346,7 +12379,7 @@
             <a:endParaRPr/>
           </a:p>
           <a:p>
-            <a:pPr indent="-311150" lvl="0" marL="457200" rtl="0" algn="l">
+            <a:pPr marL="457200" lvl="0" indent="-311150" algn="l" rtl="0">
               <a:spcBef>
                 <a:spcPts val="0"/>
               </a:spcBef>
@@ -12363,7 +12396,7 @@
             <a:endParaRPr/>
           </a:p>
           <a:p>
-            <a:pPr indent="-311150" lvl="0" marL="457200" rtl="0" algn="l">
+            <a:pPr marL="457200" lvl="0" indent="-311150" algn="l" rtl="0">
               <a:spcBef>
                 <a:spcPts val="0"/>
               </a:spcBef>
@@ -12384,7 +12417,9 @@
       <p:sp>
         <p:nvSpPr>
           <p:cNvPr id="244" name="Google Shape;244;p28"/>
-          <p:cNvSpPr txBox="1"/>
+          <p:cNvSpPr txBox="1">
+            <a:spLocks noGrp="1"/>
+          </p:cNvSpPr>
           <p:nvPr>
             <p:ph type="title"/>
           </p:nvPr>
@@ -12399,12 +12434,12 @@
           </a:prstGeom>
         </p:spPr>
         <p:txBody>
-          <a:bodyPr anchorCtr="0" anchor="t" bIns="91425" lIns="91425" spcFirstLastPara="1" rIns="91425" wrap="square" tIns="91425">
+          <a:bodyPr spcFirstLastPara="1" wrap="square" lIns="91425" tIns="91425" rIns="91425" bIns="91425" anchor="t" anchorCtr="0">
             <a:normAutofit/>
           </a:bodyPr>
           <a:lstStyle/>
           <a:p>
-            <a:pPr indent="0" lvl="0" marL="0" rtl="0" algn="l">
+            <a:pPr marL="0" lvl="0" indent="0" algn="l" rtl="0">
               <a:spcBef>
                 <a:spcPts val="0"/>
               </a:spcBef>
@@ -12420,16 +12455,7 @@
                 <a:cs typeface="Calibri"/>
                 <a:sym typeface="Calibri"/>
               </a:rPr>
-              <a:t>Classes</a:t>
-            </a:r>
-            <a:r>
-              <a:rPr lang="en">
-                <a:latin typeface="Calibri"/>
-                <a:ea typeface="Calibri"/>
-                <a:cs typeface="Calibri"/>
-                <a:sym typeface="Calibri"/>
-              </a:rPr>
-              <a:t>:</a:t>
+              <a:t>Classes:</a:t>
             </a:r>
             <a:endParaRPr>
               <a:latin typeface="Calibri"/>
@@ -12449,11 +12475,11 @@
 </file>
 
 <file path=ppt/slides/slide17.xml><?xml version="1.0" encoding="utf-8"?>
-<p:sld xmlns:a="http://schemas.openxmlformats.org/drawingml/2006/main" xmlns:r="http://schemas.openxmlformats.org/officeDocument/2006/relationships" xmlns:mc="http://schemas.openxmlformats.org/markup-compatibility/2006" xmlns:mv="urn:schemas-microsoft-com:mac:vml" xmlns:p="http://schemas.openxmlformats.org/presentationml/2006/main" xmlns:c="http://schemas.openxmlformats.org/drawingml/2006/chart" xmlns:dgm="http://schemas.openxmlformats.org/drawingml/2006/diagram" xmlns:o="urn:schemas-microsoft-com:office:office" xmlns:v="urn:schemas-microsoft-com:vml" xmlns:pvml="urn:schemas-microsoft-com:office:powerpoint" xmlns:com="http://schemas.openxmlformats.org/drawingml/2006/compatibility" xmlns:p14="http://schemas.microsoft.com/office/powerpoint/2010/main" xmlns:p15="http://schemas.microsoft.com/office/powerpoint/2012/main" xmlns:ahyp="http://schemas.microsoft.com/office/drawing/2018/hyperlinkcolor">
+<p:sld xmlns:a="http://schemas.openxmlformats.org/drawingml/2006/main" xmlns:r="http://schemas.openxmlformats.org/officeDocument/2006/relationships" xmlns:p="http://schemas.openxmlformats.org/presentationml/2006/main">
   <p:cSld>
     <p:spTree>
       <p:nvGrpSpPr>
-        <p:cNvPr id="248" name="Shape 248"/>
+        <p:cNvPr id="1" name="Shape 248"/>
         <p:cNvGrpSpPr/>
         <p:nvPr/>
       </p:nvGrpSpPr>
@@ -12468,7 +12494,9 @@
       <p:sp>
         <p:nvSpPr>
           <p:cNvPr id="249" name="Google Shape;249;p29"/>
-          <p:cNvSpPr txBox="1"/>
+          <p:cNvSpPr txBox="1">
+            <a:spLocks noGrp="1"/>
+          </p:cNvSpPr>
           <p:nvPr>
             <p:ph type="title"/>
           </p:nvPr>
@@ -12483,12 +12511,12 @@
           </a:prstGeom>
         </p:spPr>
         <p:txBody>
-          <a:bodyPr anchorCtr="0" anchor="t" bIns="91425" lIns="91425" spcFirstLastPara="1" rIns="91425" wrap="square" tIns="91425">
+          <a:bodyPr spcFirstLastPara="1" wrap="square" lIns="91425" tIns="91425" rIns="91425" bIns="91425" anchor="t" anchorCtr="0">
             <a:normAutofit/>
           </a:bodyPr>
           <a:lstStyle/>
           <a:p>
-            <a:pPr indent="-355600" lvl="0" marL="457200" rtl="0" algn="l">
+            <a:pPr marL="457200" lvl="0" indent="-355600" algn="l" rtl="0">
               <a:lnSpc>
                 <a:spcPct val="115000"/>
               </a:lnSpc>
@@ -12532,9 +12560,11 @@
       <p:sp>
         <p:nvSpPr>
           <p:cNvPr id="250" name="Google Shape;250;p29"/>
-          <p:cNvSpPr txBox="1"/>
+          <p:cNvSpPr txBox="1">
+            <a:spLocks noGrp="1"/>
+          </p:cNvSpPr>
           <p:nvPr>
-            <p:ph idx="1" type="body"/>
+            <p:ph type="body" idx="1"/>
           </p:nvPr>
         </p:nvSpPr>
         <p:spPr>
@@ -12547,12 +12577,12 @@
           </a:prstGeom>
         </p:spPr>
         <p:txBody>
-          <a:bodyPr anchorCtr="0" anchor="t" bIns="91425" lIns="91425" spcFirstLastPara="1" rIns="91425" wrap="square" tIns="91425">
+          <a:bodyPr spcFirstLastPara="1" wrap="square" lIns="91425" tIns="91425" rIns="91425" bIns="91425" anchor="t" anchorCtr="0">
             <a:normAutofit/>
           </a:bodyPr>
           <a:lstStyle/>
           <a:p>
-            <a:pPr indent="-311150" lvl="0" marL="457200" rtl="0" algn="l">
+            <a:pPr marL="457200" lvl="0" indent="-311150" algn="l" rtl="0">
               <a:spcBef>
                 <a:spcPts val="0"/>
               </a:spcBef>
@@ -12569,7 +12599,7 @@
             <a:endParaRPr/>
           </a:p>
           <a:p>
-            <a:pPr indent="-298450" lvl="1" marL="914400" rtl="0" algn="l">
+            <a:pPr marL="914400" lvl="1" indent="-298450" algn="l" rtl="0">
               <a:spcBef>
                 <a:spcPts val="0"/>
               </a:spcBef>
@@ -12586,7 +12616,7 @@
             <a:endParaRPr/>
           </a:p>
           <a:p>
-            <a:pPr indent="-298450" lvl="1" marL="914400" rtl="0" algn="l">
+            <a:pPr marL="914400" lvl="1" indent="-298450" algn="l" rtl="0">
               <a:spcBef>
                 <a:spcPts val="0"/>
               </a:spcBef>
@@ -12603,7 +12633,7 @@
             <a:endParaRPr/>
           </a:p>
           <a:p>
-            <a:pPr indent="-311150" lvl="0" marL="457200" rtl="0" algn="l">
+            <a:pPr marL="457200" lvl="0" indent="-311150" algn="l" rtl="0">
               <a:spcBef>
                 <a:spcPts val="0"/>
               </a:spcBef>
@@ -12620,7 +12650,7 @@
             <a:endParaRPr/>
           </a:p>
           <a:p>
-            <a:pPr indent="-311150" lvl="0" marL="457200" rtl="0" algn="l">
+            <a:pPr marL="457200" lvl="0" indent="-311150" algn="l" rtl="0">
               <a:spcBef>
                 <a:spcPts val="0"/>
               </a:spcBef>
@@ -12641,7 +12671,9 @@
       <p:sp>
         <p:nvSpPr>
           <p:cNvPr id="251" name="Google Shape;251;p29"/>
-          <p:cNvSpPr txBox="1"/>
+          <p:cNvSpPr txBox="1">
+            <a:spLocks noGrp="1"/>
+          </p:cNvSpPr>
           <p:nvPr>
             <p:ph type="title"/>
           </p:nvPr>
@@ -12656,12 +12688,12 @@
           </a:prstGeom>
         </p:spPr>
         <p:txBody>
-          <a:bodyPr anchorCtr="0" anchor="t" bIns="91425" lIns="91425" spcFirstLastPara="1" rIns="91425" wrap="square" tIns="91425">
+          <a:bodyPr spcFirstLastPara="1" wrap="square" lIns="91425" tIns="91425" rIns="91425" bIns="91425" anchor="t" anchorCtr="0">
             <a:normAutofit/>
           </a:bodyPr>
           <a:lstStyle/>
           <a:p>
-            <a:pPr indent="0" lvl="0" marL="0" rtl="0" algn="l">
+            <a:pPr marL="0" lvl="0" indent="0" algn="l" rtl="0">
               <a:spcBef>
                 <a:spcPts val="0"/>
               </a:spcBef>
@@ -12697,11 +12729,11 @@
 </file>
 
 <file path=ppt/slides/slide18.xml><?xml version="1.0" encoding="utf-8"?>
-<p:sld xmlns:a="http://schemas.openxmlformats.org/drawingml/2006/main" xmlns:r="http://schemas.openxmlformats.org/officeDocument/2006/relationships" xmlns:mc="http://schemas.openxmlformats.org/markup-compatibility/2006" xmlns:mv="urn:schemas-microsoft-com:mac:vml" xmlns:p="http://schemas.openxmlformats.org/presentationml/2006/main" xmlns:c="http://schemas.openxmlformats.org/drawingml/2006/chart" xmlns:dgm="http://schemas.openxmlformats.org/drawingml/2006/diagram" xmlns:o="urn:schemas-microsoft-com:office:office" xmlns:v="urn:schemas-microsoft-com:vml" xmlns:pvml="urn:schemas-microsoft-com:office:powerpoint" xmlns:com="http://schemas.openxmlformats.org/drawingml/2006/compatibility" xmlns:p14="http://schemas.microsoft.com/office/powerpoint/2010/main" xmlns:p15="http://schemas.microsoft.com/office/powerpoint/2012/main" xmlns:ahyp="http://schemas.microsoft.com/office/drawing/2018/hyperlinkcolor">
+<p:sld xmlns:a="http://schemas.openxmlformats.org/drawingml/2006/main" xmlns:r="http://schemas.openxmlformats.org/officeDocument/2006/relationships" xmlns:p="http://schemas.openxmlformats.org/presentationml/2006/main">
   <p:cSld>
     <p:spTree>
       <p:nvGrpSpPr>
-        <p:cNvPr id="255" name="Shape 255"/>
+        <p:cNvPr id="1" name="Shape 255"/>
         <p:cNvGrpSpPr/>
         <p:nvPr/>
       </p:nvGrpSpPr>
@@ -12716,14 +12748,16 @@
       <p:sp>
         <p:nvSpPr>
           <p:cNvPr id="256" name="Google Shape;256;p30"/>
-          <p:cNvSpPr txBox="1"/>
+          <p:cNvSpPr txBox="1">
+            <a:spLocks noGrp="1"/>
+          </p:cNvSpPr>
           <p:nvPr>
             <p:ph type="title"/>
           </p:nvPr>
         </p:nvSpPr>
         <p:spPr>
           <a:xfrm>
-            <a:off x="819150" y="1369425"/>
+            <a:off x="771736" y="1058775"/>
             <a:ext cx="6739800" cy="621300"/>
           </a:xfrm>
           <a:prstGeom prst="rect">
@@ -12731,12 +12765,12 @@
           </a:prstGeom>
         </p:spPr>
         <p:txBody>
-          <a:bodyPr anchorCtr="0" anchor="t" bIns="91425" lIns="91425" spcFirstLastPara="1" rIns="91425" wrap="square" tIns="91425">
+          <a:bodyPr spcFirstLastPara="1" wrap="square" lIns="91425" tIns="91425" rIns="91425" bIns="91425" anchor="t" anchorCtr="0">
             <a:normAutofit/>
           </a:bodyPr>
           <a:lstStyle/>
           <a:p>
-            <a:pPr indent="-355600" lvl="0" marL="457200" rtl="0" algn="l">
+            <a:pPr marL="457200" lvl="0" indent="-355600" algn="l" rtl="0">
               <a:lnSpc>
                 <a:spcPct val="115000"/>
               </a:lnSpc>
@@ -12754,7 +12788,7 @@
               <a:buAutoNum type="arabicPeriod" startAt="3"/>
             </a:pPr>
             <a:r>
-              <a:rPr lang="en" sz="2000">
+              <a:rPr lang="en" sz="2000" dirty="0">
                 <a:solidFill>
                   <a:srgbClr val="000000"/>
                 </a:solidFill>
@@ -12765,7 +12799,7 @@
               </a:rPr>
               <a:t>Items that still need to be implemented</a:t>
             </a:r>
-            <a:endParaRPr sz="2000">
+            <a:endParaRPr sz="2000" dirty="0">
               <a:solidFill>
                 <a:srgbClr val="000000"/>
               </a:solidFill>
@@ -12780,27 +12814,29 @@
       <p:sp>
         <p:nvSpPr>
           <p:cNvPr id="257" name="Google Shape;257;p30"/>
-          <p:cNvSpPr txBox="1"/>
+          <p:cNvSpPr txBox="1">
+            <a:spLocks noGrp="1"/>
+          </p:cNvSpPr>
           <p:nvPr>
-            <p:ph idx="1" type="body"/>
+            <p:ph type="body" idx="1"/>
           </p:nvPr>
         </p:nvSpPr>
         <p:spPr>
           <a:xfrm>
-            <a:off x="819150" y="1990725"/>
-            <a:ext cx="7505700" cy="2754000"/>
+            <a:off x="866564" y="1503045"/>
+            <a:ext cx="7505700" cy="3184102"/>
           </a:xfrm>
           <a:prstGeom prst="rect">
             <a:avLst/>
           </a:prstGeom>
         </p:spPr>
         <p:txBody>
-          <a:bodyPr anchorCtr="0" anchor="t" bIns="91425" lIns="91425" spcFirstLastPara="1" rIns="91425" wrap="square" tIns="91425">
+          <a:bodyPr spcFirstLastPara="1" wrap="square" lIns="91425" tIns="91425" rIns="91425" bIns="91425" anchor="t" anchorCtr="0">
             <a:normAutofit/>
           </a:bodyPr>
           <a:lstStyle/>
           <a:p>
-            <a:pPr indent="-311150" lvl="0" marL="457200" rtl="0" algn="l">
+            <a:pPr marL="457200" lvl="0" indent="-311150" algn="l" rtl="0">
               <a:spcBef>
                 <a:spcPts val="0"/>
               </a:spcBef>
@@ -12814,21 +12850,21 @@
               <a:buChar char="●"/>
             </a:pPr>
             <a:r>
-              <a:rPr lang="en">
+              <a:rPr lang="en" sz="1400" dirty="0">
                 <a:solidFill>
                   <a:srgbClr val="000000"/>
                 </a:solidFill>
               </a:rPr>
               <a:t>Tying functions to the GUI.</a:t>
             </a:r>
-            <a:endParaRPr>
+            <a:endParaRPr sz="1400" dirty="0">
               <a:solidFill>
                 <a:srgbClr val="000000"/>
               </a:solidFill>
             </a:endParaRPr>
           </a:p>
           <a:p>
-            <a:pPr indent="-298450" lvl="1" marL="914400" rtl="0" algn="l">
+            <a:pPr marL="914400" lvl="1" indent="-298450" algn="l" rtl="0">
               <a:spcBef>
                 <a:spcPts val="0"/>
               </a:spcBef>
@@ -12842,21 +12878,29 @@
               <a:buChar char="○"/>
             </a:pPr>
             <a:r>
-              <a:rPr lang="en">
+              <a:rPr lang="en" sz="1200" dirty="0">
                 <a:solidFill>
                   <a:srgbClr val="000000"/>
                 </a:solidFill>
               </a:rPr>
-              <a:t>Create New, Open, Save, Save As	-&gt; Schematic.save(), Schematic.load(), and new Schematic()</a:t>
+              <a:t>Create New, Open, Save, Save As          -&gt; </a:t>
             </a:r>
-            <a:endParaRPr>
+            <a:r>
+              <a:rPr lang="en" sz="1200" b="1" dirty="0">
+                <a:solidFill>
+                  <a:srgbClr val="000000"/>
+                </a:solidFill>
+              </a:rPr>
+              <a:t>Schematic.save(), Schematic.load(), and new Schematic()</a:t>
+            </a:r>
+            <a:endParaRPr sz="1200" b="1" dirty="0">
               <a:solidFill>
                 <a:srgbClr val="000000"/>
               </a:solidFill>
             </a:endParaRPr>
           </a:p>
           <a:p>
-            <a:pPr indent="-298450" lvl="1" marL="914400" rtl="0" algn="l">
+            <a:pPr marL="914400" lvl="1" indent="-298450" algn="l" rtl="0">
               <a:spcBef>
                 <a:spcPts val="0"/>
               </a:spcBef>
@@ -12870,21 +12914,29 @@
               <a:buChar char="○"/>
             </a:pPr>
             <a:r>
-              <a:rPr lang="en">
+              <a:rPr lang="en" sz="1200" dirty="0">
                 <a:solidFill>
                   <a:srgbClr val="000000"/>
                 </a:solidFill>
               </a:rPr>
-              <a:t>Create/Snip wire			-&gt; Schematic.add_connection() and Schematic.remove_connection()</a:t>
+              <a:t>Create/Snip wire	-&gt; </a:t>
             </a:r>
-            <a:endParaRPr>
+            <a:r>
+              <a:rPr lang="en" sz="1200" b="1" dirty="0">
+                <a:solidFill>
+                  <a:srgbClr val="000000"/>
+                </a:solidFill>
+              </a:rPr>
+              <a:t>Schematic.add_connection() and Schematic.remove_connection()</a:t>
+            </a:r>
+            <a:endParaRPr sz="1200" b="1" dirty="0">
               <a:solidFill>
                 <a:srgbClr val="000000"/>
               </a:solidFill>
             </a:endParaRPr>
           </a:p>
           <a:p>
-            <a:pPr indent="-298450" lvl="1" marL="914400" rtl="0" algn="l">
+            <a:pPr marL="914400" lvl="1" indent="-298450" algn="l" rtl="0">
               <a:spcBef>
                 <a:spcPts val="0"/>
               </a:spcBef>
@@ -12898,21 +12950,29 @@
               <a:buChar char="○"/>
             </a:pPr>
             <a:r>
-              <a:rPr lang="en">
+              <a:rPr lang="en" sz="1200" dirty="0">
                 <a:solidFill>
                   <a:srgbClr val="000000"/>
                 </a:solidFill>
               </a:rPr>
-              <a:t>Add/Delete Component			-&gt; Schematic.add_component() and Schematic.remove_component()</a:t>
+              <a:t>Add/Delete Component	-&gt; </a:t>
             </a:r>
-            <a:endParaRPr>
+            <a:r>
+              <a:rPr lang="en" sz="1200" b="1" dirty="0">
+                <a:solidFill>
+                  <a:srgbClr val="000000"/>
+                </a:solidFill>
+              </a:rPr>
+              <a:t>Schematic.add_component() and Schematic.remove_component()</a:t>
+            </a:r>
+            <a:endParaRPr sz="1200" b="1" dirty="0">
               <a:solidFill>
                 <a:srgbClr val="000000"/>
               </a:solidFill>
             </a:endParaRPr>
           </a:p>
           <a:p>
-            <a:pPr indent="-298450" lvl="1" marL="914400" rtl="0" algn="l">
+            <a:pPr marL="914400" lvl="1" indent="-298450" algn="l" rtl="0">
               <a:spcBef>
                 <a:spcPts val="0"/>
               </a:spcBef>
@@ -12926,36 +12986,45 @@
               <a:buChar char="○"/>
             </a:pPr>
             <a:r>
-              <a:rPr lang="en">
+              <a:rPr lang="en" sz="1200" dirty="0">
                 <a:solidFill>
                   <a:srgbClr val="000000"/>
                 </a:solidFill>
               </a:rPr>
-              <a:t>Add/Edit/Remove Comment		-&gt; Schematic.add_comment(), Schematic.edit_comment(),</a:t>
+              <a:t>Add/Edit/Remove Comment	-&gt; </a:t>
             </a:r>
-            <a:br>
-              <a:rPr lang="en">
+            <a:r>
+              <a:rPr lang="en" sz="1200" b="1" dirty="0">
                 <a:solidFill>
                   <a:srgbClr val="000000"/>
                 </a:solidFill>
               </a:rPr>
-            </a:br>
+              <a:t>Schematic.add_comment(), Schematic.edit_comment(), and	</a:t>
+            </a:r>
             <a:r>
-              <a:rPr lang="en">
+              <a:rPr lang="en" sz="1200" dirty="0">
                 <a:solidFill>
                   <a:srgbClr val="000000"/>
                 </a:solidFill>
               </a:rPr>
-              <a:t>					     and Schematic.remove_comment()</a:t>
+              <a:t>				</a:t>
             </a:r>
-            <a:endParaRPr>
+            <a:r>
+              <a:rPr lang="en" sz="1200" b="1" dirty="0">
+                <a:solidFill>
+                  <a:srgbClr val="000000"/>
+                </a:solidFill>
+              </a:rPr>
+              <a:t>Schematic.remove_comment()</a:t>
+            </a:r>
+            <a:endParaRPr sz="1200" b="1" dirty="0">
               <a:solidFill>
                 <a:srgbClr val="000000"/>
               </a:solidFill>
             </a:endParaRPr>
           </a:p>
           <a:p>
-            <a:pPr indent="-298450" lvl="1" marL="914400" rtl="0" algn="l">
+            <a:pPr marL="914400" lvl="1" indent="-298450" algn="l" rtl="0">
               <a:spcBef>
                 <a:spcPts val="0"/>
               </a:spcBef>
@@ -12969,21 +13038,29 @@
               <a:buChar char="○"/>
             </a:pPr>
             <a:r>
-              <a:rPr lang="en">
+              <a:rPr lang="en" sz="1200" dirty="0">
                 <a:solidFill>
                   <a:srgbClr val="000000"/>
                 </a:solidFill>
               </a:rPr>
-              <a:t>Edit Label				-&gt; Schematic.edit_label()</a:t>
+              <a:t>Edit Label	-&gt; </a:t>
             </a:r>
-            <a:endParaRPr>
+            <a:r>
+              <a:rPr lang="en" sz="1200" b="1" dirty="0">
+                <a:solidFill>
+                  <a:srgbClr val="000000"/>
+                </a:solidFill>
+              </a:rPr>
+              <a:t>Schematic.edit_label()</a:t>
+            </a:r>
+            <a:endParaRPr sz="1200" b="1" dirty="0">
               <a:solidFill>
                 <a:srgbClr val="000000"/>
               </a:solidFill>
             </a:endParaRPr>
           </a:p>
           <a:p>
-            <a:pPr indent="-298450" lvl="1" marL="914400" rtl="0" algn="l">
+            <a:pPr marL="914400" lvl="1" indent="-298450" algn="l" rtl="0">
               <a:spcBef>
                 <a:spcPts val="0"/>
               </a:spcBef>
@@ -12997,21 +13074,29 @@
               <a:buChar char="○"/>
             </a:pPr>
             <a:r>
-              <a:rPr lang="en">
+              <a:rPr lang="en" sz="1200" dirty="0">
                 <a:solidFill>
                   <a:srgbClr val="000000"/>
                 </a:solidFill>
               </a:rPr>
-              <a:t>Drag and Drop Component		-&gt; Schematic.draw()</a:t>
+              <a:t>Drag and Drop Component		-&gt; </a:t>
             </a:r>
-            <a:endParaRPr>
+            <a:r>
+              <a:rPr lang="en" sz="1200" b="1" dirty="0">
+                <a:solidFill>
+                  <a:srgbClr val="000000"/>
+                </a:solidFill>
+              </a:rPr>
+              <a:t>Schematic.draw()</a:t>
+            </a:r>
+            <a:endParaRPr sz="1200" b="1" dirty="0">
               <a:solidFill>
                 <a:srgbClr val="000000"/>
               </a:solidFill>
             </a:endParaRPr>
           </a:p>
           <a:p>
-            <a:pPr indent="-311150" lvl="0" marL="457200" rtl="0" algn="l">
+            <a:pPr marL="457200" lvl="0" indent="-311150" algn="l" rtl="0">
               <a:spcBef>
                 <a:spcPts val="0"/>
               </a:spcBef>
@@ -13025,21 +13110,21 @@
               <a:buChar char="●"/>
             </a:pPr>
             <a:r>
-              <a:rPr lang="en">
+              <a:rPr lang="en" sz="1400" dirty="0">
                 <a:solidFill>
                   <a:srgbClr val="000000"/>
                 </a:solidFill>
               </a:rPr>
               <a:t>Schematic.draw()</a:t>
             </a:r>
-            <a:endParaRPr>
+            <a:endParaRPr sz="1400" dirty="0">
               <a:solidFill>
                 <a:srgbClr val="000000"/>
               </a:solidFill>
             </a:endParaRPr>
           </a:p>
           <a:p>
-            <a:pPr indent="-311150" lvl="0" marL="457200" rtl="0" algn="l">
+            <a:pPr marL="457200" lvl="0" indent="-311150" algn="l" rtl="0">
               <a:spcBef>
                 <a:spcPts val="0"/>
               </a:spcBef>
@@ -13053,21 +13138,21 @@
               <a:buChar char="●"/>
             </a:pPr>
             <a:r>
-              <a:rPr lang="en">
+              <a:rPr lang="en" sz="1400" dirty="0">
                 <a:solidFill>
                   <a:srgbClr val="000000"/>
                 </a:solidFill>
               </a:rPr>
               <a:t>Clicking on a components’ pin in the schematic view.</a:t>
             </a:r>
-            <a:endParaRPr>
+            <a:endParaRPr sz="1400" dirty="0">
               <a:solidFill>
                 <a:srgbClr val="000000"/>
               </a:solidFill>
             </a:endParaRPr>
           </a:p>
           <a:p>
-            <a:pPr indent="-298450" lvl="1" marL="914400" rtl="0" algn="l">
+            <a:pPr marL="914400" lvl="1" indent="-298450" algn="l" rtl="0">
               <a:spcBef>
                 <a:spcPts val="0"/>
               </a:spcBef>
@@ -13081,21 +13166,21 @@
               <a:buChar char="○"/>
             </a:pPr>
             <a:r>
-              <a:rPr lang="en">
+              <a:rPr lang="en" sz="1200" dirty="0">
                 <a:solidFill>
                   <a:srgbClr val="000000"/>
                 </a:solidFill>
               </a:rPr>
               <a:t>Implementing a basic svg editor using an xml library</a:t>
             </a:r>
-            <a:endParaRPr>
+            <a:endParaRPr sz="1200" dirty="0">
               <a:solidFill>
                 <a:srgbClr val="000000"/>
               </a:solidFill>
             </a:endParaRPr>
           </a:p>
           <a:p>
-            <a:pPr indent="-311150" lvl="0" marL="457200" rtl="0" algn="l">
+            <a:pPr marL="457200" lvl="0" indent="-311150" algn="l" rtl="0">
               <a:spcBef>
                 <a:spcPts val="0"/>
               </a:spcBef>
@@ -13109,14 +13194,14 @@
               <a:buChar char="●"/>
             </a:pPr>
             <a:r>
-              <a:rPr lang="en">
+              <a:rPr lang="en" sz="1400" dirty="0">
                 <a:solidFill>
                   <a:srgbClr val="000000"/>
                 </a:solidFill>
               </a:rPr>
               <a:t>A* and the auxiliary functions it uses.</a:t>
             </a:r>
-            <a:endParaRPr>
+            <a:endParaRPr sz="1400" dirty="0">
               <a:solidFill>
                 <a:srgbClr val="000000"/>
               </a:solidFill>
@@ -13127,7 +13212,9 @@
       <p:sp>
         <p:nvSpPr>
           <p:cNvPr id="258" name="Google Shape;258;p30"/>
-          <p:cNvSpPr txBox="1"/>
+          <p:cNvSpPr txBox="1">
+            <a:spLocks noGrp="1"/>
+          </p:cNvSpPr>
           <p:nvPr>
             <p:ph type="title"/>
           </p:nvPr>
@@ -13142,12 +13229,12 @@
           </a:prstGeom>
         </p:spPr>
         <p:txBody>
-          <a:bodyPr anchorCtr="0" anchor="t" bIns="91425" lIns="91425" spcFirstLastPara="1" rIns="91425" wrap="square" tIns="91425">
+          <a:bodyPr spcFirstLastPara="1" wrap="square" lIns="91425" tIns="91425" rIns="91425" bIns="91425" anchor="t" anchorCtr="0">
             <a:normAutofit/>
           </a:bodyPr>
           <a:lstStyle/>
           <a:p>
-            <a:pPr indent="0" lvl="0" marL="0" rtl="0" algn="l">
+            <a:pPr marL="0" lvl="0" indent="0" algn="l" rtl="0">
               <a:spcBef>
                 <a:spcPts val="0"/>
               </a:spcBef>
@@ -13183,11 +13270,11 @@
 </file>
 
 <file path=ppt/slides/slide19.xml><?xml version="1.0" encoding="utf-8"?>
-<p:sld xmlns:a="http://schemas.openxmlformats.org/drawingml/2006/main" xmlns:r="http://schemas.openxmlformats.org/officeDocument/2006/relationships" xmlns:mc="http://schemas.openxmlformats.org/markup-compatibility/2006" xmlns:mv="urn:schemas-microsoft-com:mac:vml" xmlns:p="http://schemas.openxmlformats.org/presentationml/2006/main" xmlns:c="http://schemas.openxmlformats.org/drawingml/2006/chart" xmlns:dgm="http://schemas.openxmlformats.org/drawingml/2006/diagram" xmlns:o="urn:schemas-microsoft-com:office:office" xmlns:v="urn:schemas-microsoft-com:vml" xmlns:pvml="urn:schemas-microsoft-com:office:powerpoint" xmlns:com="http://schemas.openxmlformats.org/drawingml/2006/compatibility" xmlns:p14="http://schemas.microsoft.com/office/powerpoint/2010/main" xmlns:p15="http://schemas.microsoft.com/office/powerpoint/2012/main" xmlns:ahyp="http://schemas.microsoft.com/office/drawing/2018/hyperlinkcolor">
+<p:sld xmlns:a="http://schemas.openxmlformats.org/drawingml/2006/main" xmlns:r="http://schemas.openxmlformats.org/officeDocument/2006/relationships" xmlns:p="http://schemas.openxmlformats.org/presentationml/2006/main">
   <p:cSld>
     <p:spTree>
       <p:nvGrpSpPr>
-        <p:cNvPr id="262" name="Shape 262"/>
+        <p:cNvPr id="1" name="Shape 262"/>
         <p:cNvGrpSpPr/>
         <p:nvPr/>
       </p:nvGrpSpPr>
@@ -13202,27 +13289,29 @@
       <p:sp>
         <p:nvSpPr>
           <p:cNvPr id="263" name="Google Shape;263;p31"/>
-          <p:cNvSpPr txBox="1"/>
+          <p:cNvSpPr txBox="1">
+            <a:spLocks noGrp="1"/>
+          </p:cNvSpPr>
           <p:nvPr>
-            <p:ph idx="1" type="body"/>
+            <p:ph type="body" idx="1"/>
           </p:nvPr>
         </p:nvSpPr>
         <p:spPr>
           <a:xfrm>
-            <a:off x="819150" y="1990725"/>
-            <a:ext cx="2251200" cy="2448000"/>
+            <a:off x="819150" y="1318016"/>
+            <a:ext cx="2251200" cy="1565861"/>
           </a:xfrm>
           <a:prstGeom prst="rect">
             <a:avLst/>
           </a:prstGeom>
         </p:spPr>
         <p:txBody>
-          <a:bodyPr anchorCtr="0" anchor="t" bIns="91425" lIns="91425" spcFirstLastPara="1" rIns="91425" wrap="square" tIns="91425">
+          <a:bodyPr spcFirstLastPara="1" wrap="square" lIns="91425" tIns="91425" rIns="91425" bIns="91425" anchor="t" anchorCtr="0">
             <a:normAutofit/>
           </a:bodyPr>
           <a:lstStyle/>
           <a:p>
-            <a:pPr indent="0" lvl="0" marL="0" rtl="0" algn="l">
+            <a:pPr marL="0" lvl="0" indent="0" algn="l" rtl="0">
               <a:spcBef>
                 <a:spcPts val="0"/>
               </a:spcBef>
@@ -13232,13 +13321,13 @@
               <a:buNone/>
             </a:pPr>
             <a:r>
-              <a:rPr b="1" lang="en" u="sng"/>
+              <a:rPr lang="en" b="1" u="sng" dirty="0"/>
               <a:t>GUI Issues:</a:t>
             </a:r>
-            <a:endParaRPr/>
-          </a:p>
-          <a:p>
-            <a:pPr indent="0" lvl="0" marL="0" rtl="0" algn="l">
+            <a:endParaRPr dirty="0"/>
+          </a:p>
+          <a:p>
+            <a:pPr marL="0" lvl="0" indent="0" algn="l" rtl="0">
               <a:spcBef>
                 <a:spcPts val="1200"/>
               </a:spcBef>
@@ -13248,13 +13337,12 @@
               <a:buNone/>
             </a:pPr>
             <a:r>
-              <a:rPr lang="en"/>
+              <a:rPr lang="en" dirty="0"/>
               <a:t>Can’t integrate the coordinates and the drag and drop functionality together.</a:t>
             </a:r>
-            <a:endParaRPr/>
-          </a:p>
-          <a:p>
-            <a:pPr indent="0" lvl="0" marL="0" rtl="0" algn="l">
+          </a:p>
+          <a:p>
+            <a:pPr marL="0" lvl="0" indent="0" algn="l" rtl="0">
               <a:spcBef>
                 <a:spcPts val="1200"/>
               </a:spcBef>
@@ -13263,37 +13351,16 @@
               </a:spcAft>
               <a:buNone/>
             </a:pPr>
-            <a:r>
-              <a:t/>
-            </a:r>
-            <a:endParaRPr/>
-          </a:p>
-          <a:p>
-            <a:pPr indent="0" lvl="0" marL="0" rtl="0" algn="l">
-              <a:spcBef>
-                <a:spcPts val="1200"/>
-              </a:spcBef>
-              <a:spcAft>
-                <a:spcPts val="1200"/>
-              </a:spcAft>
-              <a:buNone/>
-            </a:pPr>
-            <a:r>
-              <a:rPr lang="en"/>
-              <a:t>Having</a:t>
-            </a:r>
-            <a:r>
-              <a:rPr lang="en"/>
-              <a:t> trouble dynamically adding items to the window</a:t>
-            </a:r>
-            <a:endParaRPr/>
+            <a:endParaRPr lang="en" dirty="0"/>
           </a:p>
         </p:txBody>
       </p:sp>
       <p:sp>
         <p:nvSpPr>
           <p:cNvPr id="264" name="Google Shape;264;p31"/>
-          <p:cNvSpPr txBox="1"/>
+          <p:cNvSpPr txBox="1">
+            <a:spLocks noGrp="1"/>
+          </p:cNvSpPr>
           <p:nvPr>
             <p:ph type="title"/>
           </p:nvPr>
@@ -13308,12 +13375,12 @@
           </a:prstGeom>
         </p:spPr>
         <p:txBody>
-          <a:bodyPr anchorCtr="0" anchor="t" bIns="91425" lIns="91425" spcFirstLastPara="1" rIns="91425" wrap="square" tIns="91425">
+          <a:bodyPr spcFirstLastPara="1" wrap="square" lIns="91425" tIns="91425" rIns="91425" bIns="91425" anchor="t" anchorCtr="0">
             <a:normAutofit/>
           </a:bodyPr>
           <a:lstStyle/>
           <a:p>
-            <a:pPr indent="0" lvl="0" marL="0" rtl="0" algn="l">
+            <a:pPr marL="0" lvl="0" indent="0" algn="l" rtl="0">
               <a:spcBef>
                 <a:spcPts val="0"/>
               </a:spcBef>
@@ -13329,16 +13396,7 @@
                 <a:cs typeface="Calibri"/>
                 <a:sym typeface="Calibri"/>
               </a:rPr>
-              <a:t>Issues to the project</a:t>
-            </a:r>
-            <a:r>
-              <a:rPr lang="en">
-                <a:latin typeface="Calibri"/>
-                <a:ea typeface="Calibri"/>
-                <a:cs typeface="Calibri"/>
-                <a:sym typeface="Calibri"/>
-              </a:rPr>
-              <a:t>:</a:t>
+              <a:t>Issues to the project:</a:t>
             </a:r>
             <a:endParaRPr>
               <a:latin typeface="Calibri"/>
@@ -13352,14 +13410,16 @@
       <p:sp>
         <p:nvSpPr>
           <p:cNvPr id="265" name="Google Shape;265;p31"/>
-          <p:cNvSpPr txBox="1"/>
+          <p:cNvSpPr txBox="1">
+            <a:spLocks noGrp="1"/>
+          </p:cNvSpPr>
           <p:nvPr>
-            <p:ph idx="1" type="body"/>
+            <p:ph type="body" idx="1"/>
           </p:nvPr>
         </p:nvSpPr>
         <p:spPr>
           <a:xfrm>
-            <a:off x="6073650" y="1931300"/>
+            <a:off x="6073650" y="1369425"/>
             <a:ext cx="2251200" cy="1264800"/>
           </a:xfrm>
           <a:prstGeom prst="rect">
@@ -13367,12 +13427,12 @@
           </a:prstGeom>
         </p:spPr>
         <p:txBody>
-          <a:bodyPr anchorCtr="0" anchor="t" bIns="91425" lIns="91425" spcFirstLastPara="1" rIns="91425" wrap="square" tIns="91425">
-            <a:normAutofit/>
+          <a:bodyPr spcFirstLastPara="1" wrap="square" lIns="91425" tIns="91425" rIns="91425" bIns="91425" anchor="t" anchorCtr="0">
+            <a:normAutofit fontScale="92500" lnSpcReduction="10000"/>
           </a:bodyPr>
           <a:lstStyle/>
           <a:p>
-            <a:pPr indent="0" lvl="0" marL="0" rtl="0" algn="l">
+            <a:pPr marL="0" lvl="0" indent="0" algn="l" rtl="0">
               <a:spcBef>
                 <a:spcPts val="0"/>
               </a:spcBef>
@@ -13382,13 +13442,13 @@
               <a:buNone/>
             </a:pPr>
             <a:r>
-              <a:rPr b="1" lang="en" u="sng"/>
+              <a:rPr lang="en" b="1" u="sng" dirty="0"/>
               <a:t>Converter Issues:</a:t>
             </a:r>
-            <a:endParaRPr b="1" u="sng"/>
-          </a:p>
-          <a:p>
-            <a:pPr indent="0" lvl="0" marL="0" rtl="0" algn="l">
+            <a:endParaRPr b="1" u="sng" dirty="0"/>
+          </a:p>
+          <a:p>
+            <a:pPr marL="0" lvl="0" indent="0" algn="l" rtl="0">
               <a:spcBef>
                 <a:spcPts val="1200"/>
               </a:spcBef>
@@ -13398,24 +13458,26 @@
               <a:buNone/>
             </a:pPr>
             <a:r>
-              <a:rPr lang="en"/>
+              <a:rPr lang="en" dirty="0"/>
               <a:t>Unclear how to specifically implement the mapping from grid space to a physical pcb.</a:t>
             </a:r>
-            <a:endParaRPr/>
+            <a:endParaRPr dirty="0"/>
           </a:p>
         </p:txBody>
       </p:sp>
       <p:sp>
         <p:nvSpPr>
           <p:cNvPr id="266" name="Google Shape;266;p31"/>
-          <p:cNvSpPr txBox="1"/>
+          <p:cNvSpPr txBox="1">
+            <a:spLocks noGrp="1"/>
+          </p:cNvSpPr>
           <p:nvPr>
-            <p:ph idx="1" type="body"/>
+            <p:ph type="body" idx="1"/>
           </p:nvPr>
         </p:nvSpPr>
         <p:spPr>
           <a:xfrm>
-            <a:off x="3446400" y="1990725"/>
+            <a:off x="3446400" y="1318016"/>
             <a:ext cx="2251200" cy="961200"/>
           </a:xfrm>
           <a:prstGeom prst="rect">
@@ -13423,12 +13485,12 @@
           </a:prstGeom>
         </p:spPr>
         <p:txBody>
-          <a:bodyPr anchorCtr="0" anchor="t" bIns="91425" lIns="91425" spcFirstLastPara="1" rIns="91425" wrap="square" tIns="91425">
+          <a:bodyPr spcFirstLastPara="1" wrap="square" lIns="91425" tIns="91425" rIns="91425" bIns="91425" anchor="t" anchorCtr="0">
             <a:normAutofit/>
           </a:bodyPr>
           <a:lstStyle/>
           <a:p>
-            <a:pPr indent="0" lvl="0" marL="0" rtl="0" algn="l">
+            <a:pPr marL="0" lvl="0" indent="0" algn="l" rtl="0">
               <a:spcBef>
                 <a:spcPts val="0"/>
               </a:spcBef>
@@ -13438,30 +13500,96 @@
               <a:buNone/>
             </a:pPr>
             <a:r>
-              <a:rPr b="1" lang="en" u="sng"/>
-              <a:t>Class </a:t>
+              <a:rPr lang="en" b="1" u="sng" dirty="0"/>
+              <a:t>Class Issues:</a:t>
+            </a:r>
+            <a:endParaRPr b="1" u="sng" dirty="0"/>
+          </a:p>
+          <a:p>
+            <a:pPr marL="0" lvl="0" indent="0" algn="l" rtl="0">
+              <a:spcBef>
+                <a:spcPts val="1200"/>
+              </a:spcBef>
+              <a:spcAft>
+                <a:spcPts val="1200"/>
+              </a:spcAft>
+              <a:buNone/>
+            </a:pPr>
+            <a:r>
+              <a:rPr lang="en" dirty="0"/>
+              <a:t>Communication with the GUI.</a:t>
+            </a:r>
+            <a:endParaRPr dirty="0"/>
+          </a:p>
+        </p:txBody>
+      </p:sp>
+      <p:sp>
+        <p:nvSpPr>
+          <p:cNvPr id="3" name="TextBox 2">
+            <a:extLst>
+              <a:ext uri="{FF2B5EF4-FFF2-40B4-BE49-F238E27FC236}">
+                <a16:creationId xmlns:a16="http://schemas.microsoft.com/office/drawing/2014/main" id="{625962CF-1F5F-417B-97B1-B37E9FC32C56}"/>
+              </a:ext>
+            </a:extLst>
+          </p:cNvPr>
+          <p:cNvSpPr txBox="1"/>
+          <p:nvPr/>
+        </p:nvSpPr>
+        <p:spPr>
+          <a:xfrm>
+            <a:off x="896815" y="2883877"/>
+            <a:ext cx="6682154" cy="1538883"/>
+          </a:xfrm>
+          <a:prstGeom prst="rect">
+            <a:avLst/>
+          </a:prstGeom>
+          <a:noFill/>
+        </p:spPr>
+        <p:txBody>
+          <a:bodyPr wrap="square" rtlCol="0">
+            <a:spAutoFit/>
+          </a:bodyPr>
+          <a:lstStyle/>
+          <a:p>
+            <a:pPr lvl="0">
+              <a:spcBef>
+                <a:spcPts val="1200"/>
+              </a:spcBef>
+            </a:pPr>
+            <a:r>
+              <a:rPr lang="en-US" b="1" u="sng" dirty="0"/>
+              <a:t>Potential Fix for GUI:</a:t>
+            </a:r>
+          </a:p>
+          <a:p>
+            <a:pPr lvl="0">
+              <a:spcBef>
+                <a:spcPts val="1200"/>
+              </a:spcBef>
+            </a:pPr>
+            <a:r>
+              <a:rPr lang="en-US" dirty="0"/>
+              <a:t>There is are classes in QT called </a:t>
             </a:r>
             <a:r>
-              <a:rPr b="1" lang="en" u="sng"/>
-              <a:t>Issues:</a:t>
+              <a:rPr lang="en-US" dirty="0" err="1"/>
+              <a:t>qGraphicsView</a:t>
             </a:r>
-            <a:endParaRPr b="1" u="sng"/>
-          </a:p>
-          <a:p>
-            <a:pPr indent="0" lvl="0" marL="0" rtl="0" algn="l">
-              <a:spcBef>
-                <a:spcPts val="1200"/>
-              </a:spcBef>
-              <a:spcAft>
-                <a:spcPts val="1200"/>
-              </a:spcAft>
-              <a:buNone/>
-            </a:pPr>
             <a:r>
-              <a:rPr lang="en"/>
-              <a:t>Communication with the GUI.</a:t>
+              <a:rPr lang="en-US" dirty="0"/>
+              <a:t> and </a:t>
             </a:r>
-            <a:endParaRPr/>
+            <a:r>
+              <a:rPr lang="en-US" dirty="0" err="1"/>
+              <a:t>qGraphicsScene</a:t>
+            </a:r>
+            <a:r>
+              <a:rPr lang="en-US" dirty="0"/>
+              <a:t> that does most everything we need for the UI. It has a built-in canvas, allows objects to be easily added to a scene, and easy movement where every object has its own position.</a:t>
+            </a:r>
+          </a:p>
+          <a:p>
+            <a:endParaRPr lang="en-US" dirty="0"/>
           </a:p>
         </p:txBody>
       </p:sp>
@@ -13474,11 +13602,11 @@
 </file>
 
 <file path=ppt/slides/slide2.xml><?xml version="1.0" encoding="utf-8"?>
-<p:sld xmlns:a="http://schemas.openxmlformats.org/drawingml/2006/main" xmlns:r="http://schemas.openxmlformats.org/officeDocument/2006/relationships" xmlns:mc="http://schemas.openxmlformats.org/markup-compatibility/2006" xmlns:mv="urn:schemas-microsoft-com:mac:vml" xmlns:p="http://schemas.openxmlformats.org/presentationml/2006/main" xmlns:c="http://schemas.openxmlformats.org/drawingml/2006/chart" xmlns:dgm="http://schemas.openxmlformats.org/drawingml/2006/diagram" xmlns:o="urn:schemas-microsoft-com:office:office" xmlns:v="urn:schemas-microsoft-com:vml" xmlns:pvml="urn:schemas-microsoft-com:office:powerpoint" xmlns:com="http://schemas.openxmlformats.org/drawingml/2006/compatibility" xmlns:p14="http://schemas.microsoft.com/office/powerpoint/2010/main" xmlns:p15="http://schemas.microsoft.com/office/powerpoint/2012/main" xmlns:ahyp="http://schemas.microsoft.com/office/drawing/2018/hyperlinkcolor">
+<p:sld xmlns:a="http://schemas.openxmlformats.org/drawingml/2006/main" xmlns:r="http://schemas.openxmlformats.org/officeDocument/2006/relationships" xmlns:p="http://schemas.openxmlformats.org/presentationml/2006/main">
   <p:cSld>
     <p:spTree>
       <p:nvGrpSpPr>
-        <p:cNvPr id="133" name="Shape 133"/>
+        <p:cNvPr id="1" name="Shape 133"/>
         <p:cNvGrpSpPr/>
         <p:nvPr/>
       </p:nvGrpSpPr>
@@ -13493,9 +13621,11 @@
       <p:sp>
         <p:nvSpPr>
           <p:cNvPr id="134" name="Google Shape;134;p14"/>
-          <p:cNvSpPr txBox="1"/>
+          <p:cNvSpPr txBox="1">
+            <a:spLocks noGrp="1"/>
+          </p:cNvSpPr>
           <p:nvPr>
-            <p:ph idx="1" type="body"/>
+            <p:ph type="body" idx="1"/>
           </p:nvPr>
         </p:nvSpPr>
         <p:spPr>
@@ -13508,12 +13638,12 @@
           </a:prstGeom>
         </p:spPr>
         <p:txBody>
-          <a:bodyPr anchorCtr="0" anchor="t" bIns="91425" lIns="91425" spcFirstLastPara="1" rIns="91425" wrap="square" tIns="91425">
-            <a:normAutofit fontScale="77500" lnSpcReduction="10000"/>
+          <a:bodyPr spcFirstLastPara="1" wrap="square" lIns="91425" tIns="91425" rIns="91425" bIns="91425" anchor="t" anchorCtr="0">
+            <a:normAutofit fontScale="92500" lnSpcReduction="10000"/>
           </a:bodyPr>
           <a:lstStyle/>
           <a:p>
-            <a:pPr indent="0" lvl="0" marL="0" rtl="0" algn="l">
+            <a:pPr marL="0" lvl="0" indent="0" algn="l" rtl="0">
               <a:spcBef>
                 <a:spcPts val="0"/>
               </a:spcBef>
@@ -13529,7 +13659,7 @@
             <a:endParaRPr sz="2364"/>
           </a:p>
           <a:p>
-            <a:pPr indent="-354091" lvl="0" marL="457200" rtl="0" algn="l">
+            <a:pPr marL="457200" lvl="0" indent="-354091" algn="l" rtl="0">
               <a:spcBef>
                 <a:spcPts val="1200"/>
               </a:spcBef>
@@ -13546,7 +13676,7 @@
             <a:endParaRPr sz="2550"/>
           </a:p>
           <a:p>
-            <a:pPr indent="-354091" lvl="0" marL="457200" rtl="0" algn="l">
+            <a:pPr marL="457200" lvl="0" indent="-354091" algn="l" rtl="0">
               <a:spcBef>
                 <a:spcPts val="0"/>
               </a:spcBef>
@@ -13563,7 +13693,7 @@
             <a:endParaRPr sz="2550"/>
           </a:p>
           <a:p>
-            <a:pPr indent="-354091" lvl="0" marL="457200" rtl="0" algn="l">
+            <a:pPr marL="457200" lvl="0" indent="-354091" algn="l" rtl="0">
               <a:spcBef>
                 <a:spcPts val="0"/>
               </a:spcBef>
@@ -13580,7 +13710,7 @@
             <a:endParaRPr sz="2550"/>
           </a:p>
           <a:p>
-            <a:pPr indent="0" lvl="0" marL="457200" rtl="0" algn="l">
+            <a:pPr marL="457200" lvl="0" indent="0" algn="l" rtl="0">
               <a:spcBef>
                 <a:spcPts val="1200"/>
               </a:spcBef>
@@ -13589,13 +13719,10 @@
               </a:spcAft>
               <a:buNone/>
             </a:pPr>
-            <a:r>
-              <a:t/>
-            </a:r>
             <a:endParaRPr sz="2000"/>
           </a:p>
           <a:p>
-            <a:pPr indent="0" lvl="0" marL="0" rtl="0" algn="l">
+            <a:pPr marL="0" lvl="0" indent="0" algn="l" rtl="0">
               <a:spcBef>
                 <a:spcPts val="1200"/>
               </a:spcBef>
@@ -13604,9 +13731,6 @@
               </a:spcAft>
               <a:buNone/>
             </a:pPr>
-            <a:r>
-              <a:t/>
-            </a:r>
             <a:endParaRPr/>
           </a:p>
         </p:txBody>
@@ -13614,7 +13738,9 @@
       <p:sp>
         <p:nvSpPr>
           <p:cNvPr id="135" name="Google Shape;135;p14"/>
-          <p:cNvSpPr txBox="1"/>
+          <p:cNvSpPr txBox="1">
+            <a:spLocks noGrp="1"/>
+          </p:cNvSpPr>
           <p:nvPr>
             <p:ph type="title"/>
           </p:nvPr>
@@ -13629,12 +13755,12 @@
           </a:prstGeom>
         </p:spPr>
         <p:txBody>
-          <a:bodyPr anchorCtr="0" anchor="t" bIns="91425" lIns="91425" spcFirstLastPara="1" rIns="91425" wrap="square" tIns="91425">
+          <a:bodyPr spcFirstLastPara="1" wrap="square" lIns="91425" tIns="91425" rIns="91425" bIns="91425" anchor="t" anchorCtr="0">
             <a:normAutofit/>
           </a:bodyPr>
           <a:lstStyle/>
           <a:p>
-            <a:pPr indent="0" lvl="0" marL="0" rtl="0" algn="l">
+            <a:pPr marL="0" lvl="0" indent="0" algn="l" rtl="0">
               <a:spcBef>
                 <a:spcPts val="0"/>
               </a:spcBef>
@@ -13698,11 +13824,11 @@
 </file>
 
 <file path=ppt/slides/slide3.xml><?xml version="1.0" encoding="utf-8"?>
-<p:sld xmlns:a="http://schemas.openxmlformats.org/drawingml/2006/main" xmlns:r="http://schemas.openxmlformats.org/officeDocument/2006/relationships" xmlns:mc="http://schemas.openxmlformats.org/markup-compatibility/2006" xmlns:mv="urn:schemas-microsoft-com:mac:vml" xmlns:p="http://schemas.openxmlformats.org/presentationml/2006/main" xmlns:c="http://schemas.openxmlformats.org/drawingml/2006/chart" xmlns:dgm="http://schemas.openxmlformats.org/drawingml/2006/diagram" xmlns:o="urn:schemas-microsoft-com:office:office" xmlns:v="urn:schemas-microsoft-com:vml" xmlns:pvml="urn:schemas-microsoft-com:office:powerpoint" xmlns:com="http://schemas.openxmlformats.org/drawingml/2006/compatibility" xmlns:p14="http://schemas.microsoft.com/office/powerpoint/2010/main" xmlns:p15="http://schemas.microsoft.com/office/powerpoint/2012/main" xmlns:ahyp="http://schemas.microsoft.com/office/drawing/2018/hyperlinkcolor">
+<p:sld xmlns:a="http://schemas.openxmlformats.org/drawingml/2006/main" xmlns:r="http://schemas.openxmlformats.org/officeDocument/2006/relationships" xmlns:p="http://schemas.openxmlformats.org/presentationml/2006/main">
   <p:cSld>
     <p:spTree>
       <p:nvGrpSpPr>
-        <p:cNvPr id="140" name="Shape 140"/>
+        <p:cNvPr id="1" name="Shape 140"/>
         <p:cNvGrpSpPr/>
         <p:nvPr/>
       </p:nvGrpSpPr>
@@ -13717,7 +13843,9 @@
       <p:sp>
         <p:nvSpPr>
           <p:cNvPr id="141" name="Google Shape;141;p15"/>
-          <p:cNvSpPr txBox="1"/>
+          <p:cNvSpPr txBox="1">
+            <a:spLocks noGrp="1"/>
+          </p:cNvSpPr>
           <p:nvPr>
             <p:ph type="title"/>
           </p:nvPr>
@@ -13732,12 +13860,12 @@
           </a:prstGeom>
         </p:spPr>
         <p:txBody>
-          <a:bodyPr anchorCtr="0" anchor="t" bIns="91425" lIns="91425" spcFirstLastPara="1" rIns="91425" wrap="square" tIns="91425">
+          <a:bodyPr spcFirstLastPara="1" wrap="square" lIns="91425" tIns="91425" rIns="91425" bIns="91425" anchor="t" anchorCtr="0">
             <a:normAutofit/>
           </a:bodyPr>
           <a:lstStyle/>
           <a:p>
-            <a:pPr indent="-355600" lvl="0" marL="457200" rtl="0" algn="l">
+            <a:pPr marL="457200" lvl="0" indent="-355600" algn="l" rtl="0">
               <a:spcBef>
                 <a:spcPts val="0"/>
               </a:spcBef>
@@ -13778,9 +13906,11 @@
       <p:sp>
         <p:nvSpPr>
           <p:cNvPr id="142" name="Google Shape;142;p15"/>
-          <p:cNvSpPr txBox="1"/>
+          <p:cNvSpPr txBox="1">
+            <a:spLocks noGrp="1"/>
+          </p:cNvSpPr>
           <p:nvPr>
-            <p:ph idx="1" type="body"/>
+            <p:ph type="body" idx="1"/>
           </p:nvPr>
         </p:nvSpPr>
         <p:spPr>
@@ -13793,12 +13923,12 @@
           </a:prstGeom>
         </p:spPr>
         <p:txBody>
-          <a:bodyPr anchorCtr="0" anchor="t" bIns="91425" lIns="91425" spcFirstLastPara="1" rIns="91425" wrap="square" tIns="91425">
+          <a:bodyPr spcFirstLastPara="1" wrap="square" lIns="91425" tIns="91425" rIns="91425" bIns="91425" anchor="t" anchorCtr="0">
             <a:normAutofit/>
           </a:bodyPr>
           <a:lstStyle/>
           <a:p>
-            <a:pPr indent="0" lvl="0" marL="0" rtl="0" algn="l">
+            <a:pPr marL="0" lvl="0" indent="0" algn="l" rtl="0">
               <a:spcBef>
                 <a:spcPts val="0"/>
               </a:spcBef>
@@ -13814,7 +13944,7 @@
             <a:endParaRPr/>
           </a:p>
           <a:p>
-            <a:pPr indent="0" lvl="0" marL="0" rtl="0" algn="l">
+            <a:pPr marL="0" lvl="0" indent="0" algn="l" rtl="0">
               <a:spcBef>
                 <a:spcPts val="1200"/>
               </a:spcBef>
@@ -13834,7 +13964,9 @@
       <p:sp>
         <p:nvSpPr>
           <p:cNvPr id="143" name="Google Shape;143;p15"/>
-          <p:cNvSpPr txBox="1"/>
+          <p:cNvSpPr txBox="1">
+            <a:spLocks noGrp="1"/>
+          </p:cNvSpPr>
           <p:nvPr>
             <p:ph type="title"/>
           </p:nvPr>
@@ -13849,12 +13981,12 @@
           </a:prstGeom>
         </p:spPr>
         <p:txBody>
-          <a:bodyPr anchorCtr="0" anchor="t" bIns="91425" lIns="91425" spcFirstLastPara="1" rIns="91425" wrap="square" tIns="91425">
+          <a:bodyPr spcFirstLastPara="1" wrap="square" lIns="91425" tIns="91425" rIns="91425" bIns="91425" anchor="t" anchorCtr="0">
             <a:normAutofit/>
           </a:bodyPr>
           <a:lstStyle/>
           <a:p>
-            <a:pPr indent="0" lvl="0" marL="0" rtl="0" algn="l">
+            <a:pPr marL="0" lvl="0" indent="0" algn="l" rtl="0">
               <a:spcBef>
                 <a:spcPts val="0"/>
               </a:spcBef>
@@ -13890,11 +14022,11 @@
 </file>
 
 <file path=ppt/slides/slide4.xml><?xml version="1.0" encoding="utf-8"?>
-<p:sld xmlns:a="http://schemas.openxmlformats.org/drawingml/2006/main" xmlns:r="http://schemas.openxmlformats.org/officeDocument/2006/relationships" xmlns:mc="http://schemas.openxmlformats.org/markup-compatibility/2006" xmlns:mv="urn:schemas-microsoft-com:mac:vml" xmlns:p="http://schemas.openxmlformats.org/presentationml/2006/main" xmlns:c="http://schemas.openxmlformats.org/drawingml/2006/chart" xmlns:dgm="http://schemas.openxmlformats.org/drawingml/2006/diagram" xmlns:o="urn:schemas-microsoft-com:office:office" xmlns:v="urn:schemas-microsoft-com:vml" xmlns:pvml="urn:schemas-microsoft-com:office:powerpoint" xmlns:com="http://schemas.openxmlformats.org/drawingml/2006/compatibility" xmlns:p14="http://schemas.microsoft.com/office/powerpoint/2010/main" xmlns:p15="http://schemas.microsoft.com/office/powerpoint/2012/main" xmlns:ahyp="http://schemas.microsoft.com/office/drawing/2018/hyperlinkcolor">
+<p:sld xmlns:a="http://schemas.openxmlformats.org/drawingml/2006/main" xmlns:r="http://schemas.openxmlformats.org/officeDocument/2006/relationships" xmlns:p="http://schemas.openxmlformats.org/presentationml/2006/main">
   <p:cSld>
     <p:spTree>
       <p:nvGrpSpPr>
-        <p:cNvPr id="147" name="Shape 147"/>
+        <p:cNvPr id="1" name="Shape 147"/>
         <p:cNvGrpSpPr/>
         <p:nvPr/>
       </p:nvGrpSpPr>
@@ -13909,7 +14041,9 @@
       <p:sp>
         <p:nvSpPr>
           <p:cNvPr id="148" name="Google Shape;148;p16"/>
-          <p:cNvSpPr txBox="1"/>
+          <p:cNvSpPr txBox="1">
+            <a:spLocks noGrp="1"/>
+          </p:cNvSpPr>
           <p:nvPr>
             <p:ph type="title"/>
           </p:nvPr>
@@ -13924,12 +14058,12 @@
           </a:prstGeom>
         </p:spPr>
         <p:txBody>
-          <a:bodyPr anchorCtr="0" anchor="t" bIns="91425" lIns="91425" spcFirstLastPara="1" rIns="91425" wrap="square" tIns="91425">
+          <a:bodyPr spcFirstLastPara="1" wrap="square" lIns="91425" tIns="91425" rIns="91425" bIns="91425" anchor="t" anchorCtr="0">
             <a:normAutofit/>
           </a:bodyPr>
           <a:lstStyle/>
           <a:p>
-            <a:pPr indent="0" lvl="0" marL="0" rtl="0" algn="l">
+            <a:pPr marL="0" lvl="0" indent="0" algn="l" rtl="0">
               <a:spcBef>
                 <a:spcPts val="0"/>
               </a:spcBef>
@@ -13938,9 +14072,6 @@
               </a:spcAft>
               <a:buNone/>
             </a:pPr>
-            <a:r>
-              <a:t/>
-            </a:r>
             <a:endParaRPr/>
           </a:p>
         </p:txBody>
@@ -13948,9 +14079,11 @@
       <p:sp>
         <p:nvSpPr>
           <p:cNvPr id="149" name="Google Shape;149;p16"/>
-          <p:cNvSpPr txBox="1"/>
+          <p:cNvSpPr txBox="1">
+            <a:spLocks noGrp="1"/>
+          </p:cNvSpPr>
           <p:nvPr>
-            <p:ph idx="1" type="body"/>
+            <p:ph type="body" idx="1"/>
           </p:nvPr>
         </p:nvSpPr>
         <p:spPr>
@@ -13963,12 +14096,12 @@
           </a:prstGeom>
         </p:spPr>
         <p:txBody>
-          <a:bodyPr anchorCtr="0" anchor="t" bIns="91425" lIns="91425" spcFirstLastPara="1" rIns="91425" wrap="square" tIns="91425">
+          <a:bodyPr spcFirstLastPara="1" wrap="square" lIns="91425" tIns="91425" rIns="91425" bIns="91425" anchor="t" anchorCtr="0">
             <a:normAutofit/>
           </a:bodyPr>
           <a:lstStyle/>
           <a:p>
-            <a:pPr indent="0" lvl="0" marL="0" rtl="0" algn="l">
+            <a:pPr marL="0" lvl="0" indent="0" algn="l" rtl="0">
               <a:spcBef>
                 <a:spcPts val="0"/>
               </a:spcBef>
@@ -13977,9 +14110,6 @@
               </a:spcAft>
               <a:buNone/>
             </a:pPr>
-            <a:r>
-              <a:t/>
-            </a:r>
             <a:endParaRPr/>
           </a:p>
         </p:txBody>
@@ -13994,7 +14124,7 @@
           <a:blip r:embed="rId3">
             <a:alphaModFix/>
           </a:blip>
-          <a:srcRect b="3566" l="0" r="0" t="3566"/>
+          <a:srcRect t="3566" b="3566"/>
           <a:stretch/>
         </p:blipFill>
         <p:spPr>
@@ -14020,11 +14150,11 @@
 </file>
 
 <file path=ppt/slides/slide5.xml><?xml version="1.0" encoding="utf-8"?>
-<p:sld xmlns:a="http://schemas.openxmlformats.org/drawingml/2006/main" xmlns:r="http://schemas.openxmlformats.org/officeDocument/2006/relationships" xmlns:mc="http://schemas.openxmlformats.org/markup-compatibility/2006" xmlns:mv="urn:schemas-microsoft-com:mac:vml" xmlns:p="http://schemas.openxmlformats.org/presentationml/2006/main" xmlns:c="http://schemas.openxmlformats.org/drawingml/2006/chart" xmlns:dgm="http://schemas.openxmlformats.org/drawingml/2006/diagram" xmlns:o="urn:schemas-microsoft-com:office:office" xmlns:v="urn:schemas-microsoft-com:vml" xmlns:pvml="urn:schemas-microsoft-com:office:powerpoint" xmlns:com="http://schemas.openxmlformats.org/drawingml/2006/compatibility" xmlns:p14="http://schemas.microsoft.com/office/powerpoint/2010/main" xmlns:p15="http://schemas.microsoft.com/office/powerpoint/2012/main" xmlns:ahyp="http://schemas.microsoft.com/office/drawing/2018/hyperlinkcolor">
+<p:sld xmlns:a="http://schemas.openxmlformats.org/drawingml/2006/main" xmlns:r="http://schemas.openxmlformats.org/officeDocument/2006/relationships" xmlns:p="http://schemas.openxmlformats.org/presentationml/2006/main">
   <p:cSld>
     <p:spTree>
       <p:nvGrpSpPr>
-        <p:cNvPr id="154" name="Shape 154"/>
+        <p:cNvPr id="1" name="Shape 154"/>
         <p:cNvGrpSpPr/>
         <p:nvPr/>
       </p:nvGrpSpPr>
@@ -14039,7 +14169,9 @@
       <p:sp>
         <p:nvSpPr>
           <p:cNvPr id="155" name="Google Shape;155;p17"/>
-          <p:cNvSpPr txBox="1"/>
+          <p:cNvSpPr txBox="1">
+            <a:spLocks noGrp="1"/>
+          </p:cNvSpPr>
           <p:nvPr>
             <p:ph type="title"/>
           </p:nvPr>
@@ -14054,12 +14186,12 @@
           </a:prstGeom>
         </p:spPr>
         <p:txBody>
-          <a:bodyPr anchorCtr="0" anchor="t" bIns="91425" lIns="91425" spcFirstLastPara="1" rIns="91425" wrap="square" tIns="91425">
+          <a:bodyPr spcFirstLastPara="1" wrap="square" lIns="91425" tIns="91425" rIns="91425" bIns="91425" anchor="t" anchorCtr="0">
             <a:normAutofit/>
           </a:bodyPr>
           <a:lstStyle/>
           <a:p>
-            <a:pPr indent="0" lvl="0" marL="0" rtl="0" algn="l">
+            <a:pPr marL="0" lvl="0" indent="0" algn="l" rtl="0">
               <a:spcBef>
                 <a:spcPts val="0"/>
               </a:spcBef>
@@ -14068,9 +14200,6 @@
               </a:spcAft>
               <a:buNone/>
             </a:pPr>
-            <a:r>
-              <a:t/>
-            </a:r>
             <a:endParaRPr/>
           </a:p>
         </p:txBody>
@@ -14078,9 +14207,11 @@
       <p:sp>
         <p:nvSpPr>
           <p:cNvPr id="156" name="Google Shape;156;p17"/>
-          <p:cNvSpPr txBox="1"/>
+          <p:cNvSpPr txBox="1">
+            <a:spLocks noGrp="1"/>
+          </p:cNvSpPr>
           <p:nvPr>
-            <p:ph idx="1" type="body"/>
+            <p:ph type="body" idx="1"/>
           </p:nvPr>
         </p:nvSpPr>
         <p:spPr>
@@ -14093,12 +14224,12 @@
           </a:prstGeom>
         </p:spPr>
         <p:txBody>
-          <a:bodyPr anchorCtr="0" anchor="t" bIns="91425" lIns="91425" spcFirstLastPara="1" rIns="91425" wrap="square" tIns="91425">
+          <a:bodyPr spcFirstLastPara="1" wrap="square" lIns="91425" tIns="91425" rIns="91425" bIns="91425" anchor="t" anchorCtr="0">
             <a:normAutofit/>
           </a:bodyPr>
           <a:lstStyle/>
           <a:p>
-            <a:pPr indent="0" lvl="0" marL="0" rtl="0" algn="l">
+            <a:pPr marL="0" lvl="0" indent="0" algn="l" rtl="0">
               <a:spcBef>
                 <a:spcPts val="0"/>
               </a:spcBef>
@@ -14107,9 +14238,6 @@
               </a:spcAft>
               <a:buNone/>
             </a:pPr>
-            <a:r>
-              <a:t/>
-            </a:r>
             <a:endParaRPr/>
           </a:p>
         </p:txBody>
@@ -14124,7 +14252,7 @@
           <a:blip r:embed="rId3">
             <a:alphaModFix/>
           </a:blip>
-          <a:srcRect b="3332" l="0" r="0" t="3332"/>
+          <a:srcRect t="3332" b="3332"/>
           <a:stretch/>
         </p:blipFill>
         <p:spPr>
@@ -14150,11 +14278,11 @@
 </file>
 
 <file path=ppt/slides/slide6.xml><?xml version="1.0" encoding="utf-8"?>
-<p:sld xmlns:a="http://schemas.openxmlformats.org/drawingml/2006/main" xmlns:r="http://schemas.openxmlformats.org/officeDocument/2006/relationships" xmlns:mc="http://schemas.openxmlformats.org/markup-compatibility/2006" xmlns:mv="urn:schemas-microsoft-com:mac:vml" xmlns:p="http://schemas.openxmlformats.org/presentationml/2006/main" xmlns:c="http://schemas.openxmlformats.org/drawingml/2006/chart" xmlns:dgm="http://schemas.openxmlformats.org/drawingml/2006/diagram" xmlns:o="urn:schemas-microsoft-com:office:office" xmlns:v="urn:schemas-microsoft-com:vml" xmlns:pvml="urn:schemas-microsoft-com:office:powerpoint" xmlns:com="http://schemas.openxmlformats.org/drawingml/2006/compatibility" xmlns:p14="http://schemas.microsoft.com/office/powerpoint/2010/main" xmlns:p15="http://schemas.microsoft.com/office/powerpoint/2012/main" xmlns:ahyp="http://schemas.microsoft.com/office/drawing/2018/hyperlinkcolor">
+<p:sld xmlns:a="http://schemas.openxmlformats.org/drawingml/2006/main" xmlns:r="http://schemas.openxmlformats.org/officeDocument/2006/relationships" xmlns:p="http://schemas.openxmlformats.org/presentationml/2006/main">
   <p:cSld>
     <p:spTree>
       <p:nvGrpSpPr>
-        <p:cNvPr id="161" name="Shape 161"/>
+        <p:cNvPr id="1" name="Shape 161"/>
         <p:cNvGrpSpPr/>
         <p:nvPr/>
       </p:nvGrpSpPr>
@@ -14169,7 +14297,9 @@
       <p:sp>
         <p:nvSpPr>
           <p:cNvPr id="162" name="Google Shape;162;p18"/>
-          <p:cNvSpPr txBox="1"/>
+          <p:cNvSpPr txBox="1">
+            <a:spLocks noGrp="1"/>
+          </p:cNvSpPr>
           <p:nvPr>
             <p:ph type="title"/>
           </p:nvPr>
@@ -14184,12 +14314,12 @@
           </a:prstGeom>
         </p:spPr>
         <p:txBody>
-          <a:bodyPr anchorCtr="0" anchor="t" bIns="91425" lIns="91425" spcFirstLastPara="1" rIns="91425" wrap="square" tIns="91425">
+          <a:bodyPr spcFirstLastPara="1" wrap="square" lIns="91425" tIns="91425" rIns="91425" bIns="91425" anchor="t" anchorCtr="0">
             <a:normAutofit/>
           </a:bodyPr>
           <a:lstStyle/>
           <a:p>
-            <a:pPr indent="0" lvl="0" marL="0" rtl="0" algn="l">
+            <a:pPr marL="0" lvl="0" indent="0" algn="l" rtl="0">
               <a:spcBef>
                 <a:spcPts val="0"/>
               </a:spcBef>
@@ -14198,9 +14328,6 @@
               </a:spcAft>
               <a:buNone/>
             </a:pPr>
-            <a:r>
-              <a:t/>
-            </a:r>
             <a:endParaRPr/>
           </a:p>
         </p:txBody>
@@ -14208,9 +14335,11 @@
       <p:sp>
         <p:nvSpPr>
           <p:cNvPr id="163" name="Google Shape;163;p18"/>
-          <p:cNvSpPr txBox="1"/>
+          <p:cNvSpPr txBox="1">
+            <a:spLocks noGrp="1"/>
+          </p:cNvSpPr>
           <p:nvPr>
-            <p:ph idx="1" type="body"/>
+            <p:ph type="body" idx="1"/>
           </p:nvPr>
         </p:nvSpPr>
         <p:spPr>
@@ -14223,12 +14352,12 @@
           </a:prstGeom>
         </p:spPr>
         <p:txBody>
-          <a:bodyPr anchorCtr="0" anchor="t" bIns="91425" lIns="91425" spcFirstLastPara="1" rIns="91425" wrap="square" tIns="91425">
+          <a:bodyPr spcFirstLastPara="1" wrap="square" lIns="91425" tIns="91425" rIns="91425" bIns="91425" anchor="t" anchorCtr="0">
             <a:normAutofit/>
           </a:bodyPr>
           <a:lstStyle/>
           <a:p>
-            <a:pPr indent="0" lvl="0" marL="0" rtl="0" algn="l">
+            <a:pPr marL="0" lvl="0" indent="0" algn="l" rtl="0">
               <a:spcBef>
                 <a:spcPts val="0"/>
               </a:spcBef>
@@ -14237,9 +14366,6 @@
               </a:spcAft>
               <a:buNone/>
             </a:pPr>
-            <a:r>
-              <a:t/>
-            </a:r>
             <a:endParaRPr/>
           </a:p>
         </p:txBody>
@@ -14254,7 +14380,7 @@
           <a:blip r:embed="rId3">
             <a:alphaModFix/>
           </a:blip>
-          <a:srcRect b="3780" l="0" r="0" t="3789"/>
+          <a:srcRect t="3789" b="3780"/>
           <a:stretch/>
         </p:blipFill>
         <p:spPr>
@@ -14280,11 +14406,11 @@
 </file>
 
 <file path=ppt/slides/slide7.xml><?xml version="1.0" encoding="utf-8"?>
-<p:sld xmlns:a="http://schemas.openxmlformats.org/drawingml/2006/main" xmlns:r="http://schemas.openxmlformats.org/officeDocument/2006/relationships" xmlns:mc="http://schemas.openxmlformats.org/markup-compatibility/2006" xmlns:mv="urn:schemas-microsoft-com:mac:vml" xmlns:p="http://schemas.openxmlformats.org/presentationml/2006/main" xmlns:c="http://schemas.openxmlformats.org/drawingml/2006/chart" xmlns:dgm="http://schemas.openxmlformats.org/drawingml/2006/diagram" xmlns:o="urn:schemas-microsoft-com:office:office" xmlns:v="urn:schemas-microsoft-com:vml" xmlns:pvml="urn:schemas-microsoft-com:office:powerpoint" xmlns:com="http://schemas.openxmlformats.org/drawingml/2006/compatibility" xmlns:p14="http://schemas.microsoft.com/office/powerpoint/2010/main" xmlns:p15="http://schemas.microsoft.com/office/powerpoint/2012/main" xmlns:ahyp="http://schemas.microsoft.com/office/drawing/2018/hyperlinkcolor">
+<p:sld xmlns:a="http://schemas.openxmlformats.org/drawingml/2006/main" xmlns:r="http://schemas.openxmlformats.org/officeDocument/2006/relationships" xmlns:p="http://schemas.openxmlformats.org/presentationml/2006/main">
   <p:cSld>
     <p:spTree>
       <p:nvGrpSpPr>
-        <p:cNvPr id="168" name="Shape 168"/>
+        <p:cNvPr id="1" name="Shape 168"/>
         <p:cNvGrpSpPr/>
         <p:nvPr/>
       </p:nvGrpSpPr>
@@ -14299,7 +14425,9 @@
       <p:sp>
         <p:nvSpPr>
           <p:cNvPr id="169" name="Google Shape;169;p19"/>
-          <p:cNvSpPr txBox="1"/>
+          <p:cNvSpPr txBox="1">
+            <a:spLocks noGrp="1"/>
+          </p:cNvSpPr>
           <p:nvPr>
             <p:ph type="title"/>
           </p:nvPr>
@@ -14314,12 +14442,12 @@
           </a:prstGeom>
         </p:spPr>
         <p:txBody>
-          <a:bodyPr anchorCtr="0" anchor="t" bIns="91425" lIns="91425" spcFirstLastPara="1" rIns="91425" wrap="square" tIns="91425">
+          <a:bodyPr spcFirstLastPara="1" wrap="square" lIns="91425" tIns="91425" rIns="91425" bIns="91425" anchor="t" anchorCtr="0">
             <a:normAutofit/>
           </a:bodyPr>
           <a:lstStyle/>
           <a:p>
-            <a:pPr indent="0" lvl="0" marL="0" rtl="0" algn="l">
+            <a:pPr marL="0" lvl="0" indent="0" algn="l" rtl="0">
               <a:spcBef>
                 <a:spcPts val="0"/>
               </a:spcBef>
@@ -14328,9 +14456,6 @@
               </a:spcAft>
               <a:buNone/>
             </a:pPr>
-            <a:r>
-              <a:t/>
-            </a:r>
             <a:endParaRPr/>
           </a:p>
         </p:txBody>
@@ -14338,9 +14463,11 @@
       <p:sp>
         <p:nvSpPr>
           <p:cNvPr id="170" name="Google Shape;170;p19"/>
-          <p:cNvSpPr txBox="1"/>
+          <p:cNvSpPr txBox="1">
+            <a:spLocks noGrp="1"/>
+          </p:cNvSpPr>
           <p:nvPr>
-            <p:ph idx="1" type="body"/>
+            <p:ph type="body" idx="1"/>
           </p:nvPr>
         </p:nvSpPr>
         <p:spPr>
@@ -14353,12 +14480,12 @@
           </a:prstGeom>
         </p:spPr>
         <p:txBody>
-          <a:bodyPr anchorCtr="0" anchor="t" bIns="91425" lIns="91425" spcFirstLastPara="1" rIns="91425" wrap="square" tIns="91425">
+          <a:bodyPr spcFirstLastPara="1" wrap="square" lIns="91425" tIns="91425" rIns="91425" bIns="91425" anchor="t" anchorCtr="0">
             <a:normAutofit/>
           </a:bodyPr>
           <a:lstStyle/>
           <a:p>
-            <a:pPr indent="0" lvl="0" marL="0" rtl="0" algn="l">
+            <a:pPr marL="0" lvl="0" indent="0" algn="l" rtl="0">
               <a:spcBef>
                 <a:spcPts val="0"/>
               </a:spcBef>
@@ -14367,9 +14494,6 @@
               </a:spcAft>
               <a:buNone/>
             </a:pPr>
-            <a:r>
-              <a:t/>
-            </a:r>
             <a:endParaRPr/>
           </a:p>
         </p:txBody>
@@ -14384,7 +14508,7 @@
           <a:blip r:embed="rId3">
             <a:alphaModFix/>
           </a:blip>
-          <a:srcRect b="3557" l="0" r="0" t="3566"/>
+          <a:srcRect t="3566" b="3557"/>
           <a:stretch/>
         </p:blipFill>
         <p:spPr>
@@ -14410,11 +14534,11 @@
 </file>
 
 <file path=ppt/slides/slide8.xml><?xml version="1.0" encoding="utf-8"?>
-<p:sld xmlns:a="http://schemas.openxmlformats.org/drawingml/2006/main" xmlns:r="http://schemas.openxmlformats.org/officeDocument/2006/relationships" xmlns:mc="http://schemas.openxmlformats.org/markup-compatibility/2006" xmlns:mv="urn:schemas-microsoft-com:mac:vml" xmlns:p="http://schemas.openxmlformats.org/presentationml/2006/main" xmlns:c="http://schemas.openxmlformats.org/drawingml/2006/chart" xmlns:dgm="http://schemas.openxmlformats.org/drawingml/2006/diagram" xmlns:o="urn:schemas-microsoft-com:office:office" xmlns:v="urn:schemas-microsoft-com:vml" xmlns:pvml="urn:schemas-microsoft-com:office:powerpoint" xmlns:com="http://schemas.openxmlformats.org/drawingml/2006/compatibility" xmlns:p14="http://schemas.microsoft.com/office/powerpoint/2010/main" xmlns:p15="http://schemas.microsoft.com/office/powerpoint/2012/main" xmlns:ahyp="http://schemas.microsoft.com/office/drawing/2018/hyperlinkcolor">
+<p:sld xmlns:a="http://schemas.openxmlformats.org/drawingml/2006/main" xmlns:r="http://schemas.openxmlformats.org/officeDocument/2006/relationships" xmlns:p="http://schemas.openxmlformats.org/presentationml/2006/main">
   <p:cSld>
     <p:spTree>
       <p:nvGrpSpPr>
-        <p:cNvPr id="175" name="Shape 175"/>
+        <p:cNvPr id="1" name="Shape 175"/>
         <p:cNvGrpSpPr/>
         <p:nvPr/>
       </p:nvGrpSpPr>
@@ -14429,7 +14553,9 @@
       <p:sp>
         <p:nvSpPr>
           <p:cNvPr id="176" name="Google Shape;176;p20"/>
-          <p:cNvSpPr txBox="1"/>
+          <p:cNvSpPr txBox="1">
+            <a:spLocks noGrp="1"/>
+          </p:cNvSpPr>
           <p:nvPr>
             <p:ph type="title"/>
           </p:nvPr>
@@ -14444,12 +14570,12 @@
           </a:prstGeom>
         </p:spPr>
         <p:txBody>
-          <a:bodyPr anchorCtr="0" anchor="t" bIns="91425" lIns="91425" spcFirstLastPara="1" rIns="91425" wrap="square" tIns="91425">
+          <a:bodyPr spcFirstLastPara="1" wrap="square" lIns="91425" tIns="91425" rIns="91425" bIns="91425" anchor="t" anchorCtr="0">
             <a:normAutofit/>
           </a:bodyPr>
           <a:lstStyle/>
           <a:p>
-            <a:pPr indent="-355600" lvl="0" marL="457200" rtl="0" algn="l">
+            <a:pPr marL="457200" lvl="0" indent="-355600" algn="l" rtl="0">
               <a:spcBef>
                 <a:spcPts val="0"/>
               </a:spcBef>
@@ -14490,9 +14616,11 @@
       <p:sp>
         <p:nvSpPr>
           <p:cNvPr id="177" name="Google Shape;177;p20"/>
-          <p:cNvSpPr txBox="1"/>
+          <p:cNvSpPr txBox="1">
+            <a:spLocks noGrp="1"/>
+          </p:cNvSpPr>
           <p:nvPr>
-            <p:ph idx="1" type="body"/>
+            <p:ph type="body" idx="1"/>
           </p:nvPr>
         </p:nvSpPr>
         <p:spPr>
@@ -14505,12 +14633,12 @@
           </a:prstGeom>
         </p:spPr>
         <p:txBody>
-          <a:bodyPr anchorCtr="0" anchor="t" bIns="91425" lIns="91425" spcFirstLastPara="1" rIns="91425" wrap="square" tIns="91425">
+          <a:bodyPr spcFirstLastPara="1" wrap="square" lIns="91425" tIns="91425" rIns="91425" bIns="91425" anchor="t" anchorCtr="0">
             <a:normAutofit/>
           </a:bodyPr>
           <a:lstStyle/>
           <a:p>
-            <a:pPr indent="0" lvl="0" marL="0" rtl="0" algn="l">
+            <a:pPr marL="0" lvl="0" indent="0" algn="l" rtl="0">
               <a:spcBef>
                 <a:spcPts val="0"/>
               </a:spcBef>
@@ -14526,7 +14654,7 @@
             <a:endParaRPr/>
           </a:p>
           <a:p>
-            <a:pPr indent="-311150" lvl="0" marL="457200" rtl="0" algn="l">
+            <a:pPr marL="457200" lvl="0" indent="-311150" algn="l" rtl="0">
               <a:spcBef>
                 <a:spcPts val="1200"/>
               </a:spcBef>
@@ -14543,7 +14671,7 @@
             <a:endParaRPr/>
           </a:p>
           <a:p>
-            <a:pPr indent="-311150" lvl="0" marL="457200" rtl="0" algn="l">
+            <a:pPr marL="457200" lvl="0" indent="-311150" algn="l" rtl="0">
               <a:spcBef>
                 <a:spcPts val="0"/>
               </a:spcBef>
@@ -14560,7 +14688,7 @@
             <a:endParaRPr/>
           </a:p>
           <a:p>
-            <a:pPr indent="-311150" lvl="0" marL="457200" rtl="0" algn="l">
+            <a:pPr marL="457200" lvl="0" indent="-311150" algn="l" rtl="0">
               <a:spcBef>
                 <a:spcPts val="0"/>
               </a:spcBef>
@@ -14577,7 +14705,7 @@
             <a:endParaRPr/>
           </a:p>
           <a:p>
-            <a:pPr indent="0" lvl="0" marL="0" rtl="0" algn="l">
+            <a:pPr marL="0" lvl="0" indent="0" algn="l" rtl="0">
               <a:spcBef>
                 <a:spcPts val="1200"/>
               </a:spcBef>
@@ -14597,7 +14725,9 @@
       <p:sp>
         <p:nvSpPr>
           <p:cNvPr id="178" name="Google Shape;178;p20"/>
-          <p:cNvSpPr txBox="1"/>
+          <p:cNvSpPr txBox="1">
+            <a:spLocks noGrp="1"/>
+          </p:cNvSpPr>
           <p:nvPr>
             <p:ph type="title"/>
           </p:nvPr>
@@ -14612,12 +14742,12 @@
           </a:prstGeom>
         </p:spPr>
         <p:txBody>
-          <a:bodyPr anchorCtr="0" anchor="t" bIns="91425" lIns="91425" spcFirstLastPara="1" rIns="91425" wrap="square" tIns="91425">
+          <a:bodyPr spcFirstLastPara="1" wrap="square" lIns="91425" tIns="91425" rIns="91425" bIns="91425" anchor="t" anchorCtr="0">
             <a:normAutofit/>
           </a:bodyPr>
           <a:lstStyle/>
           <a:p>
-            <a:pPr indent="0" lvl="0" marL="0" rtl="0" algn="l">
+            <a:pPr marL="0" lvl="0" indent="0" algn="l" rtl="0">
               <a:spcBef>
                 <a:spcPts val="0"/>
               </a:spcBef>
@@ -14653,11 +14783,11 @@
 </file>
 
 <file path=ppt/slides/slide9.xml><?xml version="1.0" encoding="utf-8"?>
-<p:sld xmlns:a="http://schemas.openxmlformats.org/drawingml/2006/main" xmlns:r="http://schemas.openxmlformats.org/officeDocument/2006/relationships" xmlns:mc="http://schemas.openxmlformats.org/markup-compatibility/2006" xmlns:mv="urn:schemas-microsoft-com:mac:vml" xmlns:p="http://schemas.openxmlformats.org/presentationml/2006/main" xmlns:c="http://schemas.openxmlformats.org/drawingml/2006/chart" xmlns:dgm="http://schemas.openxmlformats.org/drawingml/2006/diagram" xmlns:o="urn:schemas-microsoft-com:office:office" xmlns:v="urn:schemas-microsoft-com:vml" xmlns:pvml="urn:schemas-microsoft-com:office:powerpoint" xmlns:com="http://schemas.openxmlformats.org/drawingml/2006/compatibility" xmlns:p14="http://schemas.microsoft.com/office/powerpoint/2010/main" xmlns:p15="http://schemas.microsoft.com/office/powerpoint/2012/main" xmlns:ahyp="http://schemas.microsoft.com/office/drawing/2018/hyperlinkcolor">
+<p:sld xmlns:a="http://schemas.openxmlformats.org/drawingml/2006/main" xmlns:r="http://schemas.openxmlformats.org/officeDocument/2006/relationships" xmlns:p="http://schemas.openxmlformats.org/presentationml/2006/main">
   <p:cSld>
     <p:spTree>
       <p:nvGrpSpPr>
-        <p:cNvPr id="182" name="Shape 182"/>
+        <p:cNvPr id="1" name="Shape 182"/>
         <p:cNvGrpSpPr/>
         <p:nvPr/>
       </p:nvGrpSpPr>
@@ -14672,7 +14802,9 @@
       <p:sp>
         <p:nvSpPr>
           <p:cNvPr id="183" name="Google Shape;183;p21"/>
-          <p:cNvSpPr txBox="1"/>
+          <p:cNvSpPr txBox="1">
+            <a:spLocks noGrp="1"/>
+          </p:cNvSpPr>
           <p:nvPr>
             <p:ph type="title"/>
           </p:nvPr>
@@ -14687,12 +14819,12 @@
           </a:prstGeom>
         </p:spPr>
         <p:txBody>
-          <a:bodyPr anchorCtr="0" anchor="t" bIns="91425" lIns="91425" spcFirstLastPara="1" rIns="91425" wrap="square" tIns="91425">
+          <a:bodyPr spcFirstLastPara="1" wrap="square" lIns="91425" tIns="91425" rIns="91425" bIns="91425" anchor="t" anchorCtr="0">
             <a:normAutofit/>
           </a:bodyPr>
           <a:lstStyle/>
           <a:p>
-            <a:pPr indent="0" lvl="0" marL="0" rtl="0" algn="l">
+            <a:pPr marL="0" lvl="0" indent="0" algn="l" rtl="0">
               <a:spcBef>
                 <a:spcPts val="0"/>
               </a:spcBef>
@@ -14722,9 +14854,11 @@
       <p:sp>
         <p:nvSpPr>
           <p:cNvPr id="184" name="Google Shape;184;p21"/>
-          <p:cNvSpPr txBox="1"/>
+          <p:cNvSpPr txBox="1">
+            <a:spLocks noGrp="1"/>
+          </p:cNvSpPr>
           <p:nvPr>
-            <p:ph idx="1" type="body"/>
+            <p:ph type="body" idx="1"/>
           </p:nvPr>
         </p:nvSpPr>
         <p:spPr>
@@ -14737,12 +14871,12 @@
           </a:prstGeom>
         </p:spPr>
         <p:txBody>
-          <a:bodyPr anchorCtr="0" anchor="t" bIns="91425" lIns="91425" spcFirstLastPara="1" rIns="91425" wrap="square" tIns="91425">
+          <a:bodyPr spcFirstLastPara="1" wrap="square" lIns="91425" tIns="91425" rIns="91425" bIns="91425" anchor="t" anchorCtr="0">
             <a:normAutofit/>
           </a:bodyPr>
           <a:lstStyle/>
           <a:p>
-            <a:pPr indent="0" lvl="0" marL="0" rtl="0" algn="l">
+            <a:pPr marL="0" lvl="0" indent="0" algn="l" rtl="0">
               <a:spcBef>
                 <a:spcPts val="0"/>
               </a:spcBef>
@@ -14758,7 +14892,7 @@
             <a:endParaRPr/>
           </a:p>
           <a:p>
-            <a:pPr indent="0" lvl="0" marL="0" rtl="0" algn="l">
+            <a:pPr marL="0" lvl="0" indent="0" algn="l" rtl="0">
               <a:spcBef>
                 <a:spcPts val="1200"/>
               </a:spcBef>
@@ -14812,7 +14946,7 @@
 </file>
 
 <file path=ppt/theme/theme1.xml><?xml version="1.0" encoding="utf-8"?>
-<a:theme xmlns:a="http://schemas.openxmlformats.org/drawingml/2006/main" xmlns:r="http://schemas.openxmlformats.org/officeDocument/2006/relationships" name="Shift">
+<a:theme xmlns:a="http://schemas.openxmlformats.org/drawingml/2006/main" name="Shift">
   <a:themeElements>
     <a:clrScheme name="Shift">
       <a:dk1>
@@ -15087,11 +15221,13 @@
       </a:bgFillStyleLst>
     </a:fmtScheme>
   </a:themeElements>
+  <a:objectDefaults/>
+  <a:extraClrSchemeLst/>
 </a:theme>
 </file>
 
 <file path=ppt/theme/theme2.xml><?xml version="1.0" encoding="utf-8"?>
-<a:theme xmlns:a="http://schemas.openxmlformats.org/drawingml/2006/main" xmlns:r="http://schemas.openxmlformats.org/officeDocument/2006/relationships">
+<a:theme xmlns:a="http://schemas.openxmlformats.org/drawingml/2006/main">
   <a:themeElements>
     <a:clrScheme name="Default">
       <a:dk1>
@@ -15366,5 +15502,7 @@
       </a:bgFillStyleLst>
     </a:fmtScheme>
   </a:themeElements>
+  <a:objectDefaults/>
+  <a:extraClrSchemeLst/>
 </a:theme>
 </file>